--- a/UI-model/UI design Fortico.pptx
+++ b/UI-model/UI design Fortico.pptx
@@ -5,12 +5,14 @@
     <p:sldMasterId id="2147483648" r:id="rId1"/>
   </p:sldMasterIdLst>
   <p:notesMasterIdLst>
-    <p:notesMasterId r:id="rId5"/>
+    <p:notesMasterId r:id="rId7"/>
   </p:notesMasterIdLst>
   <p:sldIdLst>
     <p:sldId id="256" r:id="rId2"/>
     <p:sldId id="257" r:id="rId3"/>
     <p:sldId id="258" r:id="rId4"/>
+    <p:sldId id="259" r:id="rId5"/>
+    <p:sldId id="260" r:id="rId6"/>
   </p:sldIdLst>
   <p:sldSz cx="12192000" cy="6858000"/>
   <p:notesSz cx="6858000" cy="9144000"/>
@@ -199,7 +201,7 @@
           <a:p>
             <a:fld id="{4D4BAD99-9C6E-438B-B6E2-4A70BF6BDDF4}" type="datetimeFigureOut">
               <a:rPr lang="fr-FR" smtClean="0"/>
-              <a:t>07/05/2025</a:t>
+              <a:t>08/05/2025</a:t>
             </a:fld>
             <a:endParaRPr lang="fr-FR"/>
           </a:p>
@@ -766,7 +768,7 @@
           <a:p>
             <a:fld id="{5F5282B9-BFE5-4D13-8D8C-5297D4C42E3B}" type="datetimeFigureOut">
               <a:rPr lang="fr-FR" smtClean="0"/>
-              <a:t>07/05/2025</a:t>
+              <a:t>08/05/2025</a:t>
             </a:fld>
             <a:endParaRPr lang="fr-FR"/>
           </a:p>
@@ -936,7 +938,7 @@
           <a:p>
             <a:fld id="{5F5282B9-BFE5-4D13-8D8C-5297D4C42E3B}" type="datetimeFigureOut">
               <a:rPr lang="fr-FR" smtClean="0"/>
-              <a:t>07/05/2025</a:t>
+              <a:t>08/05/2025</a:t>
             </a:fld>
             <a:endParaRPr lang="fr-FR"/>
           </a:p>
@@ -1116,7 +1118,7 @@
           <a:p>
             <a:fld id="{5F5282B9-BFE5-4D13-8D8C-5297D4C42E3B}" type="datetimeFigureOut">
               <a:rPr lang="fr-FR" smtClean="0"/>
-              <a:t>07/05/2025</a:t>
+              <a:t>08/05/2025</a:t>
             </a:fld>
             <a:endParaRPr lang="fr-FR"/>
           </a:p>
@@ -1286,7 +1288,7 @@
           <a:p>
             <a:fld id="{5F5282B9-BFE5-4D13-8D8C-5297D4C42E3B}" type="datetimeFigureOut">
               <a:rPr lang="fr-FR" smtClean="0"/>
-              <a:t>07/05/2025</a:t>
+              <a:t>08/05/2025</a:t>
             </a:fld>
             <a:endParaRPr lang="fr-FR"/>
           </a:p>
@@ -1532,7 +1534,7 @@
           <a:p>
             <a:fld id="{5F5282B9-BFE5-4D13-8D8C-5297D4C42E3B}" type="datetimeFigureOut">
               <a:rPr lang="fr-FR" smtClean="0"/>
-              <a:t>07/05/2025</a:t>
+              <a:t>08/05/2025</a:t>
             </a:fld>
             <a:endParaRPr lang="fr-FR"/>
           </a:p>
@@ -1764,7 +1766,7 @@
           <a:p>
             <a:fld id="{5F5282B9-BFE5-4D13-8D8C-5297D4C42E3B}" type="datetimeFigureOut">
               <a:rPr lang="fr-FR" smtClean="0"/>
-              <a:t>07/05/2025</a:t>
+              <a:t>08/05/2025</a:t>
             </a:fld>
             <a:endParaRPr lang="fr-FR"/>
           </a:p>
@@ -2131,7 +2133,7 @@
           <a:p>
             <a:fld id="{5F5282B9-BFE5-4D13-8D8C-5297D4C42E3B}" type="datetimeFigureOut">
               <a:rPr lang="fr-FR" smtClean="0"/>
-              <a:t>07/05/2025</a:t>
+              <a:t>08/05/2025</a:t>
             </a:fld>
             <a:endParaRPr lang="fr-FR"/>
           </a:p>
@@ -2249,7 +2251,7 @@
           <a:p>
             <a:fld id="{5F5282B9-BFE5-4D13-8D8C-5297D4C42E3B}" type="datetimeFigureOut">
               <a:rPr lang="fr-FR" smtClean="0"/>
-              <a:t>07/05/2025</a:t>
+              <a:t>08/05/2025</a:t>
             </a:fld>
             <a:endParaRPr lang="fr-FR"/>
           </a:p>
@@ -2344,7 +2346,7 @@
           <a:p>
             <a:fld id="{5F5282B9-BFE5-4D13-8D8C-5297D4C42E3B}" type="datetimeFigureOut">
               <a:rPr lang="fr-FR" smtClean="0"/>
-              <a:t>07/05/2025</a:t>
+              <a:t>08/05/2025</a:t>
             </a:fld>
             <a:endParaRPr lang="fr-FR"/>
           </a:p>
@@ -2621,7 +2623,7 @@
           <a:p>
             <a:fld id="{5F5282B9-BFE5-4D13-8D8C-5297D4C42E3B}" type="datetimeFigureOut">
               <a:rPr lang="fr-FR" smtClean="0"/>
-              <a:t>07/05/2025</a:t>
+              <a:t>08/05/2025</a:t>
             </a:fld>
             <a:endParaRPr lang="fr-FR"/>
           </a:p>
@@ -2874,7 +2876,7 @@
           <a:p>
             <a:fld id="{5F5282B9-BFE5-4D13-8D8C-5297D4C42E3B}" type="datetimeFigureOut">
               <a:rPr lang="fr-FR" smtClean="0"/>
-              <a:t>07/05/2025</a:t>
+              <a:t>08/05/2025</a:t>
             </a:fld>
             <a:endParaRPr lang="fr-FR"/>
           </a:p>
@@ -3087,7 +3089,7 @@
           <a:p>
             <a:fld id="{5F5282B9-BFE5-4D13-8D8C-5297D4C42E3B}" type="datetimeFigureOut">
               <a:rPr lang="fr-FR" smtClean="0"/>
-              <a:t>07/05/2025</a:t>
+              <a:t>08/05/2025</a:t>
             </a:fld>
             <a:endParaRPr lang="fr-FR"/>
           </a:p>
@@ -10363,6 +10365,462 @@
           </a:p>
         </p:txBody>
       </p:sp>
+      <p:sp>
+        <p:nvSpPr>
+          <p:cNvPr id="54" name="ZoneTexte 53"/>
+          <p:cNvSpPr txBox="1"/>
+          <p:nvPr/>
+        </p:nvSpPr>
+        <p:spPr>
+          <a:xfrm>
+            <a:off x="4873313" y="-63838"/>
+            <a:ext cx="680598" cy="584775"/>
+          </a:xfrm>
+          <a:prstGeom prst="rect">
+            <a:avLst/>
+          </a:prstGeom>
+          <a:noFill/>
+        </p:spPr>
+        <p:txBody>
+          <a:bodyPr wrap="square" rtlCol="0">
+            <a:spAutoFit/>
+          </a:bodyPr>
+          <a:lstStyle/>
+          <a:p>
+            <a:pPr algn="ctr"/>
+            <a:r>
+              <a:rPr lang="fr-FR" sz="3200" dirty="0" smtClean="0">
+                <a:solidFill>
+                  <a:srgbClr val="FFFFFF"/>
+                </a:solidFill>
+                <a:latin typeface="Arial Black" panose="020B0A04020102020204" pitchFamily="34" charset="0"/>
+              </a:rPr>
+              <a:t>1</a:t>
+            </a:r>
+            <a:endParaRPr lang="fr-FR" sz="3200" dirty="0">
+              <a:solidFill>
+                <a:srgbClr val="FFFFFF"/>
+              </a:solidFill>
+              <a:latin typeface="Arial Black" panose="020B0A04020102020204" pitchFamily="34" charset="0"/>
+            </a:endParaRPr>
+          </a:p>
+        </p:txBody>
+      </p:sp>
+      <p:sp>
+        <p:nvSpPr>
+          <p:cNvPr id="90" name="ZoneTexte 89"/>
+          <p:cNvSpPr txBox="1"/>
+          <p:nvPr/>
+        </p:nvSpPr>
+        <p:spPr>
+          <a:xfrm>
+            <a:off x="470793" y="895841"/>
+            <a:ext cx="680598" cy="584775"/>
+          </a:xfrm>
+          <a:prstGeom prst="rect">
+            <a:avLst/>
+          </a:prstGeom>
+          <a:noFill/>
+        </p:spPr>
+        <p:txBody>
+          <a:bodyPr wrap="square" rtlCol="0">
+            <a:spAutoFit/>
+          </a:bodyPr>
+          <a:lstStyle/>
+          <a:p>
+            <a:pPr algn="ctr"/>
+            <a:r>
+              <a:rPr lang="fr-FR" sz="3200" dirty="0" smtClean="0">
+                <a:latin typeface="Arial Black" panose="020B0A04020102020204" pitchFamily="34" charset="0"/>
+              </a:rPr>
+              <a:t>2</a:t>
+            </a:r>
+            <a:endParaRPr lang="fr-FR" sz="3200" dirty="0">
+              <a:latin typeface="Arial Black" panose="020B0A04020102020204" pitchFamily="34" charset="0"/>
+            </a:endParaRPr>
+          </a:p>
+        </p:txBody>
+      </p:sp>
+      <p:sp>
+        <p:nvSpPr>
+          <p:cNvPr id="96" name="ZoneTexte 95"/>
+          <p:cNvSpPr txBox="1"/>
+          <p:nvPr/>
+        </p:nvSpPr>
+        <p:spPr>
+          <a:xfrm>
+            <a:off x="4562752" y="1576520"/>
+            <a:ext cx="680598" cy="584775"/>
+          </a:xfrm>
+          <a:prstGeom prst="rect">
+            <a:avLst/>
+          </a:prstGeom>
+          <a:noFill/>
+        </p:spPr>
+        <p:txBody>
+          <a:bodyPr wrap="square" rtlCol="0">
+            <a:spAutoFit/>
+          </a:bodyPr>
+          <a:lstStyle/>
+          <a:p>
+            <a:pPr algn="ctr"/>
+            <a:r>
+              <a:rPr lang="fr-FR" sz="3200" dirty="0" smtClean="0">
+                <a:solidFill>
+                  <a:srgbClr val="FFFFFF"/>
+                </a:solidFill>
+                <a:latin typeface="Arial Black" panose="020B0A04020102020204" pitchFamily="34" charset="0"/>
+              </a:rPr>
+              <a:t>3</a:t>
+            </a:r>
+            <a:endParaRPr lang="fr-FR" sz="3200" dirty="0">
+              <a:solidFill>
+                <a:srgbClr val="FFFFFF"/>
+              </a:solidFill>
+              <a:latin typeface="Arial Black" panose="020B0A04020102020204" pitchFamily="34" charset="0"/>
+            </a:endParaRPr>
+          </a:p>
+        </p:txBody>
+      </p:sp>
+      <p:sp>
+        <p:nvSpPr>
+          <p:cNvPr id="97" name="ZoneTexte 96"/>
+          <p:cNvSpPr txBox="1"/>
+          <p:nvPr/>
+        </p:nvSpPr>
+        <p:spPr>
+          <a:xfrm>
+            <a:off x="592794" y="3646423"/>
+            <a:ext cx="680598" cy="584775"/>
+          </a:xfrm>
+          <a:prstGeom prst="rect">
+            <a:avLst/>
+          </a:prstGeom>
+          <a:noFill/>
+        </p:spPr>
+        <p:txBody>
+          <a:bodyPr wrap="square" rtlCol="0">
+            <a:spAutoFit/>
+          </a:bodyPr>
+          <a:lstStyle/>
+          <a:p>
+            <a:pPr algn="ctr"/>
+            <a:r>
+              <a:rPr lang="fr-FR" sz="3200" dirty="0" smtClean="0">
+                <a:solidFill>
+                  <a:srgbClr val="FFFFFF"/>
+                </a:solidFill>
+                <a:latin typeface="Arial Black" panose="020B0A04020102020204" pitchFamily="34" charset="0"/>
+              </a:rPr>
+              <a:t>4</a:t>
+            </a:r>
+            <a:endParaRPr lang="fr-FR" sz="3200" dirty="0">
+              <a:solidFill>
+                <a:srgbClr val="FFFFFF"/>
+              </a:solidFill>
+              <a:latin typeface="Arial Black" panose="020B0A04020102020204" pitchFamily="34" charset="0"/>
+            </a:endParaRPr>
+          </a:p>
+        </p:txBody>
+      </p:sp>
+      <p:sp>
+        <p:nvSpPr>
+          <p:cNvPr id="98" name="ZoneTexte 97"/>
+          <p:cNvSpPr txBox="1"/>
+          <p:nvPr/>
+        </p:nvSpPr>
+        <p:spPr>
+          <a:xfrm>
+            <a:off x="9595596" y="890667"/>
+            <a:ext cx="680598" cy="584775"/>
+          </a:xfrm>
+          <a:prstGeom prst="rect">
+            <a:avLst/>
+          </a:prstGeom>
+          <a:noFill/>
+        </p:spPr>
+        <p:txBody>
+          <a:bodyPr wrap="square" rtlCol="0">
+            <a:spAutoFit/>
+          </a:bodyPr>
+          <a:lstStyle/>
+          <a:p>
+            <a:pPr algn="ctr"/>
+            <a:r>
+              <a:rPr lang="fr-FR" sz="3200" dirty="0" smtClean="0">
+                <a:solidFill>
+                  <a:srgbClr val="FFFFFF"/>
+                </a:solidFill>
+                <a:latin typeface="Arial Black" panose="020B0A04020102020204" pitchFamily="34" charset="0"/>
+              </a:rPr>
+              <a:t>5</a:t>
+            </a:r>
+            <a:endParaRPr lang="fr-FR" sz="3200" dirty="0">
+              <a:solidFill>
+                <a:srgbClr val="FFFFFF"/>
+              </a:solidFill>
+              <a:latin typeface="Arial Black" panose="020B0A04020102020204" pitchFamily="34" charset="0"/>
+            </a:endParaRPr>
+          </a:p>
+        </p:txBody>
+      </p:sp>
+      <p:sp>
+        <p:nvSpPr>
+          <p:cNvPr id="99" name="ZoneTexte 98"/>
+          <p:cNvSpPr txBox="1"/>
+          <p:nvPr/>
+        </p:nvSpPr>
+        <p:spPr>
+          <a:xfrm>
+            <a:off x="8529623" y="2681064"/>
+            <a:ext cx="680598" cy="584775"/>
+          </a:xfrm>
+          <a:prstGeom prst="rect">
+            <a:avLst/>
+          </a:prstGeom>
+          <a:noFill/>
+        </p:spPr>
+        <p:txBody>
+          <a:bodyPr wrap="square" rtlCol="0">
+            <a:spAutoFit/>
+          </a:bodyPr>
+          <a:lstStyle/>
+          <a:p>
+            <a:pPr algn="ctr"/>
+            <a:r>
+              <a:rPr lang="fr-FR" sz="3200" dirty="0" smtClean="0">
+                <a:solidFill>
+                  <a:srgbClr val="FFFFFF"/>
+                </a:solidFill>
+                <a:latin typeface="Arial Black" panose="020B0A04020102020204" pitchFamily="34" charset="0"/>
+              </a:rPr>
+              <a:t>6</a:t>
+            </a:r>
+            <a:endParaRPr lang="fr-FR" sz="3200" dirty="0">
+              <a:solidFill>
+                <a:srgbClr val="FFFFFF"/>
+              </a:solidFill>
+              <a:latin typeface="Arial Black" panose="020B0A04020102020204" pitchFamily="34" charset="0"/>
+            </a:endParaRPr>
+          </a:p>
+        </p:txBody>
+      </p:sp>
+      <p:sp>
+        <p:nvSpPr>
+          <p:cNvPr id="100" name="ZoneTexte 99"/>
+          <p:cNvSpPr txBox="1"/>
+          <p:nvPr/>
+        </p:nvSpPr>
+        <p:spPr>
+          <a:xfrm>
+            <a:off x="10650268" y="2729975"/>
+            <a:ext cx="680598" cy="584775"/>
+          </a:xfrm>
+          <a:prstGeom prst="rect">
+            <a:avLst/>
+          </a:prstGeom>
+          <a:noFill/>
+        </p:spPr>
+        <p:txBody>
+          <a:bodyPr wrap="square" rtlCol="0">
+            <a:spAutoFit/>
+          </a:bodyPr>
+          <a:lstStyle/>
+          <a:p>
+            <a:pPr algn="ctr"/>
+            <a:r>
+              <a:rPr lang="fr-FR" sz="3200" dirty="0" smtClean="0">
+                <a:solidFill>
+                  <a:srgbClr val="FFFFFF"/>
+                </a:solidFill>
+                <a:latin typeface="Arial Black" panose="020B0A04020102020204" pitchFamily="34" charset="0"/>
+              </a:rPr>
+              <a:t>6</a:t>
+            </a:r>
+            <a:endParaRPr lang="fr-FR" sz="3200" dirty="0">
+              <a:solidFill>
+                <a:srgbClr val="FFFFFF"/>
+              </a:solidFill>
+              <a:latin typeface="Arial Black" panose="020B0A04020102020204" pitchFamily="34" charset="0"/>
+            </a:endParaRPr>
+          </a:p>
+        </p:txBody>
+      </p:sp>
+      <p:sp>
+        <p:nvSpPr>
+          <p:cNvPr id="104" name="ZoneTexte 103"/>
+          <p:cNvSpPr txBox="1"/>
+          <p:nvPr/>
+        </p:nvSpPr>
+        <p:spPr>
+          <a:xfrm>
+            <a:off x="3615635" y="4425609"/>
+            <a:ext cx="680598" cy="584775"/>
+          </a:xfrm>
+          <a:prstGeom prst="rect">
+            <a:avLst/>
+          </a:prstGeom>
+          <a:noFill/>
+        </p:spPr>
+        <p:txBody>
+          <a:bodyPr wrap="square" rtlCol="0">
+            <a:spAutoFit/>
+          </a:bodyPr>
+          <a:lstStyle/>
+          <a:p>
+            <a:pPr algn="ctr"/>
+            <a:r>
+              <a:rPr lang="fr-FR" sz="3200" dirty="0" smtClean="0">
+                <a:latin typeface="Arial Black" panose="020B0A04020102020204" pitchFamily="34" charset="0"/>
+              </a:rPr>
+              <a:t>7</a:t>
+            </a:r>
+            <a:endParaRPr lang="fr-FR" sz="3200" dirty="0">
+              <a:latin typeface="Arial Black" panose="020B0A04020102020204" pitchFamily="34" charset="0"/>
+            </a:endParaRPr>
+          </a:p>
+        </p:txBody>
+      </p:sp>
+      <p:sp>
+        <p:nvSpPr>
+          <p:cNvPr id="108" name="ZoneTexte 107"/>
+          <p:cNvSpPr txBox="1"/>
+          <p:nvPr/>
+        </p:nvSpPr>
+        <p:spPr>
+          <a:xfrm>
+            <a:off x="2245591" y="4458550"/>
+            <a:ext cx="680598" cy="584775"/>
+          </a:xfrm>
+          <a:prstGeom prst="rect">
+            <a:avLst/>
+          </a:prstGeom>
+          <a:noFill/>
+        </p:spPr>
+        <p:txBody>
+          <a:bodyPr wrap="square" rtlCol="0">
+            <a:spAutoFit/>
+          </a:bodyPr>
+          <a:lstStyle/>
+          <a:p>
+            <a:pPr algn="ctr"/>
+            <a:r>
+              <a:rPr lang="fr-FR" sz="3200" dirty="0" smtClean="0">
+                <a:latin typeface="Arial Black" panose="020B0A04020102020204" pitchFamily="34" charset="0"/>
+              </a:rPr>
+              <a:t>7</a:t>
+            </a:r>
+            <a:endParaRPr lang="fr-FR" sz="3200" dirty="0">
+              <a:latin typeface="Arial Black" panose="020B0A04020102020204" pitchFamily="34" charset="0"/>
+            </a:endParaRPr>
+          </a:p>
+        </p:txBody>
+      </p:sp>
+      <p:sp>
+        <p:nvSpPr>
+          <p:cNvPr id="115" name="ZoneTexte 114"/>
+          <p:cNvSpPr txBox="1"/>
+          <p:nvPr/>
+        </p:nvSpPr>
+        <p:spPr>
+          <a:xfrm>
+            <a:off x="5067989" y="4493886"/>
+            <a:ext cx="680598" cy="584775"/>
+          </a:xfrm>
+          <a:prstGeom prst="rect">
+            <a:avLst/>
+          </a:prstGeom>
+          <a:noFill/>
+        </p:spPr>
+        <p:txBody>
+          <a:bodyPr wrap="square" rtlCol="0">
+            <a:spAutoFit/>
+          </a:bodyPr>
+          <a:lstStyle/>
+          <a:p>
+            <a:pPr algn="ctr"/>
+            <a:r>
+              <a:rPr lang="fr-FR" sz="3200" dirty="0" smtClean="0">
+                <a:latin typeface="Arial Black" panose="020B0A04020102020204" pitchFamily="34" charset="0"/>
+              </a:rPr>
+              <a:t>7</a:t>
+            </a:r>
+            <a:endParaRPr lang="fr-FR" sz="3200" dirty="0">
+              <a:latin typeface="Arial Black" panose="020B0A04020102020204" pitchFamily="34" charset="0"/>
+            </a:endParaRPr>
+          </a:p>
+        </p:txBody>
+      </p:sp>
+      <p:sp>
+        <p:nvSpPr>
+          <p:cNvPr id="117" name="ZoneTexte 116"/>
+          <p:cNvSpPr txBox="1"/>
+          <p:nvPr/>
+        </p:nvSpPr>
+        <p:spPr>
+          <a:xfrm>
+            <a:off x="6468535" y="4475941"/>
+            <a:ext cx="680598" cy="584775"/>
+          </a:xfrm>
+          <a:prstGeom prst="rect">
+            <a:avLst/>
+          </a:prstGeom>
+          <a:noFill/>
+        </p:spPr>
+        <p:txBody>
+          <a:bodyPr wrap="square" rtlCol="0">
+            <a:spAutoFit/>
+          </a:bodyPr>
+          <a:lstStyle/>
+          <a:p>
+            <a:pPr algn="ctr"/>
+            <a:r>
+              <a:rPr lang="fr-FR" sz="3200" dirty="0" smtClean="0">
+                <a:latin typeface="Arial Black" panose="020B0A04020102020204" pitchFamily="34" charset="0"/>
+              </a:rPr>
+              <a:t>7</a:t>
+            </a:r>
+            <a:endParaRPr lang="fr-FR" sz="3200" dirty="0">
+              <a:latin typeface="Arial Black" panose="020B0A04020102020204" pitchFamily="34" charset="0"/>
+            </a:endParaRPr>
+          </a:p>
+        </p:txBody>
+      </p:sp>
+      <p:sp>
+        <p:nvSpPr>
+          <p:cNvPr id="118" name="ZoneTexte 117"/>
+          <p:cNvSpPr txBox="1"/>
+          <p:nvPr/>
+        </p:nvSpPr>
+        <p:spPr>
+          <a:xfrm>
+            <a:off x="5391676" y="6201488"/>
+            <a:ext cx="680598" cy="584775"/>
+          </a:xfrm>
+          <a:prstGeom prst="rect">
+            <a:avLst/>
+          </a:prstGeom>
+          <a:noFill/>
+        </p:spPr>
+        <p:txBody>
+          <a:bodyPr wrap="square" rtlCol="0">
+            <a:spAutoFit/>
+          </a:bodyPr>
+          <a:lstStyle/>
+          <a:p>
+            <a:pPr algn="ctr"/>
+            <a:r>
+              <a:rPr lang="fr-FR" sz="3200" dirty="0" smtClean="0">
+                <a:latin typeface="Arial Black" panose="020B0A04020102020204" pitchFamily="34" charset="0"/>
+              </a:rPr>
+              <a:t>8</a:t>
+            </a:r>
+            <a:endParaRPr lang="fr-FR" sz="3200" dirty="0">
+              <a:latin typeface="Arial Black" panose="020B0A04020102020204" pitchFamily="34" charset="0"/>
+            </a:endParaRPr>
+          </a:p>
+        </p:txBody>
+      </p:sp>
     </p:spTree>
     <p:extLst>
       <p:ext uri="{BB962C8B-B14F-4D97-AF65-F5344CB8AC3E}">
@@ -11011,6 +11469,625 @@
     <p:extLst>
       <p:ext uri="{BB962C8B-B14F-4D97-AF65-F5344CB8AC3E}">
         <p14:creationId xmlns:p14="http://schemas.microsoft.com/office/powerpoint/2010/main" val="2670636756"/>
+      </p:ext>
+    </p:extLst>
+  </p:cSld>
+  <p:clrMapOvr>
+    <a:masterClrMapping/>
+  </p:clrMapOvr>
+</p:sld>
+</file>
+
+<file path=ppt/slides/slide4.xml><?xml version="1.0" encoding="utf-8"?>
+<p:sld xmlns:a="http://schemas.openxmlformats.org/drawingml/2006/main" xmlns:r="http://schemas.openxmlformats.org/officeDocument/2006/relationships" xmlns:p="http://schemas.openxmlformats.org/presentationml/2006/main">
+  <p:cSld>
+    <p:spTree>
+      <p:nvGrpSpPr>
+        <p:cNvPr id="1" name=""/>
+        <p:cNvGrpSpPr/>
+        <p:nvPr/>
+      </p:nvGrpSpPr>
+      <p:grpSpPr>
+        <a:xfrm>
+          <a:off x="0" y="0"/>
+          <a:ext cx="0" cy="0"/>
+          <a:chOff x="0" y="0"/>
+          <a:chExt cx="0" cy="0"/>
+        </a:xfrm>
+      </p:grpSpPr>
+      <p:sp>
+        <p:nvSpPr>
+          <p:cNvPr id="2" name="Titre 1"/>
+          <p:cNvSpPr>
+            <a:spLocks noGrp="1"/>
+          </p:cNvSpPr>
+          <p:nvPr>
+            <p:ph type="title"/>
+          </p:nvPr>
+        </p:nvSpPr>
+        <p:spPr/>
+        <p:txBody>
+          <a:bodyPr/>
+          <a:lstStyle/>
+          <a:p>
+            <a:pPr algn="ctr"/>
+            <a:r>
+              <a:rPr lang="fr-FR" b="1" dirty="0" smtClean="0"/>
+              <a:t>Police utiliser</a:t>
+            </a:r>
+            <a:endParaRPr lang="fr-FR" b="1" dirty="0"/>
+          </a:p>
+        </p:txBody>
+      </p:sp>
+      <p:sp>
+        <p:nvSpPr>
+          <p:cNvPr id="5" name="ZoneTexte 4"/>
+          <p:cNvSpPr txBox="1"/>
+          <p:nvPr/>
+        </p:nvSpPr>
+        <p:spPr>
+          <a:xfrm>
+            <a:off x="1337481" y="1897039"/>
+            <a:ext cx="6400800" cy="369332"/>
+          </a:xfrm>
+          <a:prstGeom prst="rect">
+            <a:avLst/>
+          </a:prstGeom>
+          <a:noFill/>
+        </p:spPr>
+        <p:txBody>
+          <a:bodyPr wrap="square" rtlCol="0">
+            <a:spAutoFit/>
+          </a:bodyPr>
+          <a:lstStyle/>
+          <a:p>
+            <a:r>
+              <a:rPr lang="fr-FR" dirty="0" smtClean="0">
+                <a:latin typeface="Glycerin"/>
+                <a:cs typeface="Arial" panose="020B0604020202020204" pitchFamily="34" charset="0"/>
+              </a:rPr>
+              <a:t>Calibri</a:t>
+            </a:r>
+            <a:endParaRPr lang="fr-FR" dirty="0">
+              <a:latin typeface="Glycerin"/>
+              <a:cs typeface="Arial" panose="020B0604020202020204" pitchFamily="34" charset="0"/>
+            </a:endParaRPr>
+          </a:p>
+        </p:txBody>
+      </p:sp>
+    </p:spTree>
+    <p:extLst>
+      <p:ext uri="{BB962C8B-B14F-4D97-AF65-F5344CB8AC3E}">
+        <p14:creationId xmlns:p14="http://schemas.microsoft.com/office/powerpoint/2010/main" val="2320138731"/>
+      </p:ext>
+    </p:extLst>
+  </p:cSld>
+  <p:clrMapOvr>
+    <a:masterClrMapping/>
+  </p:clrMapOvr>
+</p:sld>
+</file>
+
+<file path=ppt/slides/slide5.xml><?xml version="1.0" encoding="utf-8"?>
+<p:sld xmlns:a="http://schemas.openxmlformats.org/drawingml/2006/main" xmlns:r="http://schemas.openxmlformats.org/officeDocument/2006/relationships" xmlns:p="http://schemas.openxmlformats.org/presentationml/2006/main">
+  <p:cSld>
+    <p:spTree>
+      <p:nvGrpSpPr>
+        <p:cNvPr id="1" name=""/>
+        <p:cNvGrpSpPr/>
+        <p:nvPr/>
+      </p:nvGrpSpPr>
+      <p:grpSpPr>
+        <a:xfrm>
+          <a:off x="0" y="0"/>
+          <a:ext cx="0" cy="0"/>
+          <a:chOff x="0" y="0"/>
+          <a:chExt cx="0" cy="0"/>
+        </a:xfrm>
+      </p:grpSpPr>
+      <p:sp>
+        <p:nvSpPr>
+          <p:cNvPr id="4" name="ZoneTexte 3"/>
+          <p:cNvSpPr txBox="1"/>
+          <p:nvPr/>
+        </p:nvSpPr>
+        <p:spPr>
+          <a:xfrm>
+            <a:off x="2667000" y="850900"/>
+            <a:ext cx="5600700" cy="523220"/>
+          </a:xfrm>
+          <a:prstGeom prst="rect">
+            <a:avLst/>
+          </a:prstGeom>
+          <a:noFill/>
+        </p:spPr>
+        <p:txBody>
+          <a:bodyPr wrap="square" rtlCol="0">
+            <a:spAutoFit/>
+          </a:bodyPr>
+          <a:lstStyle/>
+          <a:p>
+            <a:pPr algn="ctr"/>
+            <a:r>
+              <a:rPr lang="fr-FR" sz="2800" dirty="0" smtClean="0">
+                <a:latin typeface="Arial Black" panose="020B0A04020102020204" pitchFamily="34" charset="0"/>
+              </a:rPr>
+              <a:t>Taches </a:t>
+            </a:r>
+            <a:endParaRPr lang="fr-FR" sz="2800" dirty="0">
+              <a:latin typeface="Arial Black" panose="020B0A04020102020204" pitchFamily="34" charset="0"/>
+            </a:endParaRPr>
+          </a:p>
+        </p:txBody>
+      </p:sp>
+      <p:sp>
+        <p:nvSpPr>
+          <p:cNvPr id="5" name="ZoneTexte 4"/>
+          <p:cNvSpPr txBox="1"/>
+          <p:nvPr/>
+        </p:nvSpPr>
+        <p:spPr>
+          <a:xfrm>
+            <a:off x="-254000" y="1765300"/>
+            <a:ext cx="2705100" cy="523220"/>
+          </a:xfrm>
+          <a:prstGeom prst="rect">
+            <a:avLst/>
+          </a:prstGeom>
+          <a:noFill/>
+        </p:spPr>
+        <p:txBody>
+          <a:bodyPr wrap="square" rtlCol="0">
+            <a:spAutoFit/>
+          </a:bodyPr>
+          <a:lstStyle/>
+          <a:p>
+            <a:pPr algn="ctr"/>
+            <a:r>
+              <a:rPr lang="fr-FR" sz="2400" dirty="0" smtClean="0">
+                <a:latin typeface="Arial Black" panose="020B0A04020102020204" pitchFamily="34" charset="0"/>
+              </a:rPr>
+              <a:t>Groupe 1:</a:t>
+            </a:r>
+            <a:r>
+              <a:rPr lang="fr-FR" sz="2800" dirty="0" smtClean="0">
+                <a:latin typeface="Arial Black" panose="020B0A04020102020204" pitchFamily="34" charset="0"/>
+              </a:rPr>
+              <a:t> </a:t>
+            </a:r>
+            <a:endParaRPr lang="fr-FR" sz="2800" dirty="0">
+              <a:latin typeface="Arial Black" panose="020B0A04020102020204" pitchFamily="34" charset="0"/>
+            </a:endParaRPr>
+          </a:p>
+        </p:txBody>
+      </p:sp>
+      <p:sp>
+        <p:nvSpPr>
+          <p:cNvPr id="6" name="ZoneTexte 5"/>
+          <p:cNvSpPr txBox="1"/>
+          <p:nvPr/>
+        </p:nvSpPr>
+        <p:spPr>
+          <a:xfrm>
+            <a:off x="-234950" y="2418040"/>
+            <a:ext cx="2705100" cy="523220"/>
+          </a:xfrm>
+          <a:prstGeom prst="rect">
+            <a:avLst/>
+          </a:prstGeom>
+          <a:noFill/>
+        </p:spPr>
+        <p:txBody>
+          <a:bodyPr wrap="square" rtlCol="0">
+            <a:spAutoFit/>
+          </a:bodyPr>
+          <a:lstStyle/>
+          <a:p>
+            <a:pPr algn="ctr"/>
+            <a:r>
+              <a:rPr lang="fr-FR" sz="2400" dirty="0" smtClean="0">
+                <a:latin typeface="Arial Black" panose="020B0A04020102020204" pitchFamily="34" charset="0"/>
+              </a:rPr>
+              <a:t>Groupe 2:</a:t>
+            </a:r>
+            <a:r>
+              <a:rPr lang="fr-FR" sz="2800" dirty="0" smtClean="0">
+                <a:latin typeface="Arial Black" panose="020B0A04020102020204" pitchFamily="34" charset="0"/>
+              </a:rPr>
+              <a:t> </a:t>
+            </a:r>
+            <a:endParaRPr lang="fr-FR" sz="2800" dirty="0">
+              <a:latin typeface="Arial Black" panose="020B0A04020102020204" pitchFamily="34" charset="0"/>
+            </a:endParaRPr>
+          </a:p>
+        </p:txBody>
+      </p:sp>
+      <p:sp>
+        <p:nvSpPr>
+          <p:cNvPr id="7" name="ZoneTexte 6"/>
+          <p:cNvSpPr txBox="1"/>
+          <p:nvPr/>
+        </p:nvSpPr>
+        <p:spPr>
+          <a:xfrm>
+            <a:off x="-234950" y="3907820"/>
+            <a:ext cx="2705100" cy="523220"/>
+          </a:xfrm>
+          <a:prstGeom prst="rect">
+            <a:avLst/>
+          </a:prstGeom>
+          <a:noFill/>
+        </p:spPr>
+        <p:txBody>
+          <a:bodyPr wrap="square" rtlCol="0">
+            <a:spAutoFit/>
+          </a:bodyPr>
+          <a:lstStyle/>
+          <a:p>
+            <a:pPr algn="ctr"/>
+            <a:r>
+              <a:rPr lang="fr-FR" sz="2400" dirty="0" smtClean="0">
+                <a:latin typeface="Arial Black" panose="020B0A04020102020204" pitchFamily="34" charset="0"/>
+              </a:rPr>
+              <a:t>Groupe 4:</a:t>
+            </a:r>
+            <a:r>
+              <a:rPr lang="fr-FR" sz="2800" dirty="0" smtClean="0">
+                <a:latin typeface="Arial Black" panose="020B0A04020102020204" pitchFamily="34" charset="0"/>
+              </a:rPr>
+              <a:t> </a:t>
+            </a:r>
+            <a:endParaRPr lang="fr-FR" sz="2800" dirty="0">
+              <a:latin typeface="Arial Black" panose="020B0A04020102020204" pitchFamily="34" charset="0"/>
+            </a:endParaRPr>
+          </a:p>
+        </p:txBody>
+      </p:sp>
+      <p:sp>
+        <p:nvSpPr>
+          <p:cNvPr id="9" name="ZoneTexte 8"/>
+          <p:cNvSpPr txBox="1"/>
+          <p:nvPr/>
+        </p:nvSpPr>
+        <p:spPr>
+          <a:xfrm>
+            <a:off x="-234950" y="4575125"/>
+            <a:ext cx="2705100" cy="523220"/>
+          </a:xfrm>
+          <a:prstGeom prst="rect">
+            <a:avLst/>
+          </a:prstGeom>
+          <a:noFill/>
+        </p:spPr>
+        <p:txBody>
+          <a:bodyPr wrap="square" rtlCol="0">
+            <a:spAutoFit/>
+          </a:bodyPr>
+          <a:lstStyle/>
+          <a:p>
+            <a:pPr algn="ctr"/>
+            <a:r>
+              <a:rPr lang="fr-FR" sz="2400" dirty="0" smtClean="0">
+                <a:latin typeface="Arial Black" panose="020B0A04020102020204" pitchFamily="34" charset="0"/>
+              </a:rPr>
+              <a:t>Groupe 5:</a:t>
+            </a:r>
+            <a:r>
+              <a:rPr lang="fr-FR" sz="2800" dirty="0" smtClean="0">
+                <a:latin typeface="Arial Black" panose="020B0A04020102020204" pitchFamily="34" charset="0"/>
+              </a:rPr>
+              <a:t> </a:t>
+            </a:r>
+            <a:endParaRPr lang="fr-FR" sz="2800" dirty="0">
+              <a:latin typeface="Arial Black" panose="020B0A04020102020204" pitchFamily="34" charset="0"/>
+            </a:endParaRPr>
+          </a:p>
+        </p:txBody>
+      </p:sp>
+      <p:sp>
+        <p:nvSpPr>
+          <p:cNvPr id="10" name="ZoneTexte 9"/>
+          <p:cNvSpPr txBox="1"/>
+          <p:nvPr/>
+        </p:nvSpPr>
+        <p:spPr>
+          <a:xfrm>
+            <a:off x="-234950" y="3102630"/>
+            <a:ext cx="2705100" cy="523220"/>
+          </a:xfrm>
+          <a:prstGeom prst="rect">
+            <a:avLst/>
+          </a:prstGeom>
+          <a:noFill/>
+        </p:spPr>
+        <p:txBody>
+          <a:bodyPr wrap="square" rtlCol="0">
+            <a:spAutoFit/>
+          </a:bodyPr>
+          <a:lstStyle/>
+          <a:p>
+            <a:pPr algn="ctr"/>
+            <a:r>
+              <a:rPr lang="fr-FR" sz="2400" dirty="0" smtClean="0">
+                <a:latin typeface="Arial Black" panose="020B0A04020102020204" pitchFamily="34" charset="0"/>
+              </a:rPr>
+              <a:t>Groupe 3:</a:t>
+            </a:r>
+            <a:r>
+              <a:rPr lang="fr-FR" sz="2800" dirty="0" smtClean="0">
+                <a:latin typeface="Arial Black" panose="020B0A04020102020204" pitchFamily="34" charset="0"/>
+              </a:rPr>
+              <a:t> </a:t>
+            </a:r>
+            <a:endParaRPr lang="fr-FR" sz="2800" dirty="0">
+              <a:latin typeface="Arial Black" panose="020B0A04020102020204" pitchFamily="34" charset="0"/>
+            </a:endParaRPr>
+          </a:p>
+        </p:txBody>
+      </p:sp>
+      <p:sp>
+        <p:nvSpPr>
+          <p:cNvPr id="11" name="ZoneTexte 10"/>
+          <p:cNvSpPr txBox="1"/>
+          <p:nvPr/>
+        </p:nvSpPr>
+        <p:spPr>
+          <a:xfrm>
+            <a:off x="1892300" y="1825847"/>
+            <a:ext cx="4635500" cy="461665"/>
+          </a:xfrm>
+          <a:prstGeom prst="rect">
+            <a:avLst/>
+          </a:prstGeom>
+          <a:noFill/>
+        </p:spPr>
+        <p:txBody>
+          <a:bodyPr wrap="square" rtlCol="0">
+            <a:spAutoFit/>
+          </a:bodyPr>
+          <a:lstStyle/>
+          <a:p>
+            <a:pPr algn="ctr"/>
+            <a:r>
+              <a:rPr lang="fr-FR" sz="2400" dirty="0" smtClean="0">
+                <a:solidFill>
+                  <a:schemeClr val="tx1">
+                    <a:lumMod val="50000"/>
+                    <a:lumOff val="50000"/>
+                  </a:schemeClr>
+                </a:solidFill>
+                <a:latin typeface="Arial Black" panose="020B0A04020102020204" pitchFamily="34" charset="0"/>
+              </a:rPr>
+              <a:t>Structure générale</a:t>
+            </a:r>
+            <a:endParaRPr lang="fr-FR" sz="2800" dirty="0">
+              <a:solidFill>
+                <a:schemeClr val="tx1">
+                  <a:lumMod val="50000"/>
+                  <a:lumOff val="50000"/>
+                </a:schemeClr>
+              </a:solidFill>
+              <a:latin typeface="Arial Black" panose="020B0A04020102020204" pitchFamily="34" charset="0"/>
+            </a:endParaRPr>
+          </a:p>
+        </p:txBody>
+      </p:sp>
+      <p:sp>
+        <p:nvSpPr>
+          <p:cNvPr id="12" name="ZoneTexte 11"/>
+          <p:cNvSpPr txBox="1"/>
+          <p:nvPr/>
+        </p:nvSpPr>
+        <p:spPr>
+          <a:xfrm>
+            <a:off x="1892300" y="2541764"/>
+            <a:ext cx="2705100" cy="461665"/>
+          </a:xfrm>
+          <a:prstGeom prst="rect">
+            <a:avLst/>
+          </a:prstGeom>
+          <a:noFill/>
+        </p:spPr>
+        <p:txBody>
+          <a:bodyPr wrap="square" rtlCol="0">
+            <a:spAutoFit/>
+          </a:bodyPr>
+          <a:lstStyle/>
+          <a:p>
+            <a:pPr algn="ctr"/>
+            <a:r>
+              <a:rPr lang="fr-FR" sz="2400" dirty="0" smtClean="0">
+                <a:solidFill>
+                  <a:schemeClr val="tx1">
+                    <a:lumMod val="50000"/>
+                    <a:lumOff val="50000"/>
+                  </a:schemeClr>
+                </a:solidFill>
+                <a:latin typeface="Arial Black" panose="020B0A04020102020204" pitchFamily="34" charset="0"/>
+              </a:rPr>
+              <a:t>1 + 2</a:t>
+            </a:r>
+            <a:endParaRPr lang="fr-FR" sz="2800" dirty="0">
+              <a:solidFill>
+                <a:schemeClr val="tx1">
+                  <a:lumMod val="50000"/>
+                  <a:lumOff val="50000"/>
+                </a:schemeClr>
+              </a:solidFill>
+              <a:latin typeface="Arial Black" panose="020B0A04020102020204" pitchFamily="34" charset="0"/>
+            </a:endParaRPr>
+          </a:p>
+        </p:txBody>
+      </p:sp>
+      <p:sp>
+        <p:nvSpPr>
+          <p:cNvPr id="13" name="ZoneTexte 12"/>
+          <p:cNvSpPr txBox="1"/>
+          <p:nvPr/>
+        </p:nvSpPr>
+        <p:spPr>
+          <a:xfrm>
+            <a:off x="1892300" y="3236227"/>
+            <a:ext cx="2705100" cy="461665"/>
+          </a:xfrm>
+          <a:prstGeom prst="rect">
+            <a:avLst/>
+          </a:prstGeom>
+          <a:noFill/>
+        </p:spPr>
+        <p:txBody>
+          <a:bodyPr wrap="square" rtlCol="0">
+            <a:spAutoFit/>
+          </a:bodyPr>
+          <a:lstStyle/>
+          <a:p>
+            <a:pPr algn="ctr"/>
+            <a:r>
+              <a:rPr lang="fr-FR" sz="2400" dirty="0">
+                <a:solidFill>
+                  <a:schemeClr val="tx1">
+                    <a:lumMod val="50000"/>
+                    <a:lumOff val="50000"/>
+                  </a:schemeClr>
+                </a:solidFill>
+                <a:latin typeface="Arial Black" panose="020B0A04020102020204" pitchFamily="34" charset="0"/>
+              </a:rPr>
+              <a:t>3</a:t>
+            </a:r>
+            <a:r>
+              <a:rPr lang="fr-FR" sz="2400" dirty="0" smtClean="0">
+                <a:solidFill>
+                  <a:schemeClr val="tx1">
+                    <a:lumMod val="50000"/>
+                    <a:lumOff val="50000"/>
+                  </a:schemeClr>
+                </a:solidFill>
+                <a:latin typeface="Arial Black" panose="020B0A04020102020204" pitchFamily="34" charset="0"/>
+              </a:rPr>
+              <a:t> + 6</a:t>
+            </a:r>
+            <a:endParaRPr lang="fr-FR" sz="2800" dirty="0">
+              <a:solidFill>
+                <a:schemeClr val="tx1">
+                  <a:lumMod val="50000"/>
+                  <a:lumOff val="50000"/>
+                </a:schemeClr>
+              </a:solidFill>
+              <a:latin typeface="Arial Black" panose="020B0A04020102020204" pitchFamily="34" charset="0"/>
+            </a:endParaRPr>
+          </a:p>
+        </p:txBody>
+      </p:sp>
+      <p:sp>
+        <p:nvSpPr>
+          <p:cNvPr id="14" name="ZoneTexte 13"/>
+          <p:cNvSpPr txBox="1"/>
+          <p:nvPr/>
+        </p:nvSpPr>
+        <p:spPr>
+          <a:xfrm>
+            <a:off x="1892300" y="3959652"/>
+            <a:ext cx="2705100" cy="461665"/>
+          </a:xfrm>
+          <a:prstGeom prst="rect">
+            <a:avLst/>
+          </a:prstGeom>
+          <a:noFill/>
+        </p:spPr>
+        <p:txBody>
+          <a:bodyPr wrap="square" rtlCol="0">
+            <a:spAutoFit/>
+          </a:bodyPr>
+          <a:lstStyle/>
+          <a:p>
+            <a:pPr algn="ctr"/>
+            <a:r>
+              <a:rPr lang="fr-FR" sz="2400" dirty="0" smtClean="0">
+                <a:solidFill>
+                  <a:schemeClr val="tx1">
+                    <a:lumMod val="50000"/>
+                    <a:lumOff val="50000"/>
+                  </a:schemeClr>
+                </a:solidFill>
+                <a:latin typeface="Arial Black" panose="020B0A04020102020204" pitchFamily="34" charset="0"/>
+              </a:rPr>
+              <a:t>5</a:t>
+            </a:r>
+            <a:endParaRPr lang="fr-FR" sz="2800" dirty="0">
+              <a:solidFill>
+                <a:schemeClr val="tx1">
+                  <a:lumMod val="50000"/>
+                  <a:lumOff val="50000"/>
+                </a:schemeClr>
+              </a:solidFill>
+              <a:latin typeface="Arial Black" panose="020B0A04020102020204" pitchFamily="34" charset="0"/>
+            </a:endParaRPr>
+          </a:p>
+        </p:txBody>
+      </p:sp>
+      <p:sp>
+        <p:nvSpPr>
+          <p:cNvPr id="15" name="ZoneTexte 14"/>
+          <p:cNvSpPr txBox="1"/>
+          <p:nvPr/>
+        </p:nvSpPr>
+        <p:spPr>
+          <a:xfrm>
+            <a:off x="1892300" y="4669249"/>
+            <a:ext cx="2705100" cy="461665"/>
+          </a:xfrm>
+          <a:prstGeom prst="rect">
+            <a:avLst/>
+          </a:prstGeom>
+          <a:noFill/>
+        </p:spPr>
+        <p:txBody>
+          <a:bodyPr wrap="square" rtlCol="0">
+            <a:spAutoFit/>
+          </a:bodyPr>
+          <a:lstStyle/>
+          <a:p>
+            <a:pPr algn="ctr"/>
+            <a:r>
+              <a:rPr lang="fr-FR" sz="2400" dirty="0">
+                <a:solidFill>
+                  <a:schemeClr val="tx1">
+                    <a:lumMod val="50000"/>
+                    <a:lumOff val="50000"/>
+                  </a:schemeClr>
+                </a:solidFill>
+                <a:latin typeface="Arial Black" panose="020B0A04020102020204" pitchFamily="34" charset="0"/>
+              </a:rPr>
+              <a:t>7</a:t>
+            </a:r>
+            <a:r>
+              <a:rPr lang="fr-FR" sz="2400" dirty="0" smtClean="0">
+                <a:solidFill>
+                  <a:schemeClr val="tx1">
+                    <a:lumMod val="50000"/>
+                    <a:lumOff val="50000"/>
+                  </a:schemeClr>
+                </a:solidFill>
+                <a:latin typeface="Arial Black" panose="020B0A04020102020204" pitchFamily="34" charset="0"/>
+              </a:rPr>
+              <a:t> + 8</a:t>
+            </a:r>
+            <a:endParaRPr lang="fr-FR" sz="2800" dirty="0">
+              <a:solidFill>
+                <a:schemeClr val="tx1">
+                  <a:lumMod val="50000"/>
+                  <a:lumOff val="50000"/>
+                </a:schemeClr>
+              </a:solidFill>
+              <a:latin typeface="Arial Black" panose="020B0A04020102020204" pitchFamily="34" charset="0"/>
+            </a:endParaRPr>
+          </a:p>
+        </p:txBody>
+      </p:sp>
+    </p:spTree>
+    <p:extLst>
+      <p:ext uri="{BB962C8B-B14F-4D97-AF65-F5344CB8AC3E}">
+        <p14:creationId xmlns:p14="http://schemas.microsoft.com/office/powerpoint/2010/main" val="2235040372"/>
       </p:ext>
     </p:extLst>
   </p:cSld>

--- a/UI-model/UI design Fortico.pptx
+++ b/UI-model/UI design Fortico.pptx
@@ -203,7 +203,7 @@
           <a:p>
             <a:fld id="{4D4BAD99-9C6E-438B-B6E2-4A70BF6BDDF4}" type="datetimeFigureOut">
               <a:rPr lang="fr-FR" smtClean="0"/>
-              <a:t>11/05/2025</a:t>
+              <a:t>12/05/2025</a:t>
             </a:fld>
             <a:endParaRPr lang="fr-FR"/>
           </a:p>
@@ -770,7 +770,7 @@
           <a:p>
             <a:fld id="{5F5282B9-BFE5-4D13-8D8C-5297D4C42E3B}" type="datetimeFigureOut">
               <a:rPr lang="fr-FR" smtClean="0"/>
-              <a:t>11/05/2025</a:t>
+              <a:t>12/05/2025</a:t>
             </a:fld>
             <a:endParaRPr lang="fr-FR"/>
           </a:p>
@@ -940,7 +940,7 @@
           <a:p>
             <a:fld id="{5F5282B9-BFE5-4D13-8D8C-5297D4C42E3B}" type="datetimeFigureOut">
               <a:rPr lang="fr-FR" smtClean="0"/>
-              <a:t>11/05/2025</a:t>
+              <a:t>12/05/2025</a:t>
             </a:fld>
             <a:endParaRPr lang="fr-FR"/>
           </a:p>
@@ -1120,7 +1120,7 @@
           <a:p>
             <a:fld id="{5F5282B9-BFE5-4D13-8D8C-5297D4C42E3B}" type="datetimeFigureOut">
               <a:rPr lang="fr-FR" smtClean="0"/>
-              <a:t>11/05/2025</a:t>
+              <a:t>12/05/2025</a:t>
             </a:fld>
             <a:endParaRPr lang="fr-FR"/>
           </a:p>
@@ -1290,7 +1290,7 @@
           <a:p>
             <a:fld id="{5F5282B9-BFE5-4D13-8D8C-5297D4C42E3B}" type="datetimeFigureOut">
               <a:rPr lang="fr-FR" smtClean="0"/>
-              <a:t>11/05/2025</a:t>
+              <a:t>12/05/2025</a:t>
             </a:fld>
             <a:endParaRPr lang="fr-FR"/>
           </a:p>
@@ -1536,7 +1536,7 @@
           <a:p>
             <a:fld id="{5F5282B9-BFE5-4D13-8D8C-5297D4C42E3B}" type="datetimeFigureOut">
               <a:rPr lang="fr-FR" smtClean="0"/>
-              <a:t>11/05/2025</a:t>
+              <a:t>12/05/2025</a:t>
             </a:fld>
             <a:endParaRPr lang="fr-FR"/>
           </a:p>
@@ -1768,7 +1768,7 @@
           <a:p>
             <a:fld id="{5F5282B9-BFE5-4D13-8D8C-5297D4C42E3B}" type="datetimeFigureOut">
               <a:rPr lang="fr-FR" smtClean="0"/>
-              <a:t>11/05/2025</a:t>
+              <a:t>12/05/2025</a:t>
             </a:fld>
             <a:endParaRPr lang="fr-FR"/>
           </a:p>
@@ -2135,7 +2135,7 @@
           <a:p>
             <a:fld id="{5F5282B9-BFE5-4D13-8D8C-5297D4C42E3B}" type="datetimeFigureOut">
               <a:rPr lang="fr-FR" smtClean="0"/>
-              <a:t>11/05/2025</a:t>
+              <a:t>12/05/2025</a:t>
             </a:fld>
             <a:endParaRPr lang="fr-FR"/>
           </a:p>
@@ -2253,7 +2253,7 @@
           <a:p>
             <a:fld id="{5F5282B9-BFE5-4D13-8D8C-5297D4C42E3B}" type="datetimeFigureOut">
               <a:rPr lang="fr-FR" smtClean="0"/>
-              <a:t>11/05/2025</a:t>
+              <a:t>12/05/2025</a:t>
             </a:fld>
             <a:endParaRPr lang="fr-FR"/>
           </a:p>
@@ -2348,7 +2348,7 @@
           <a:p>
             <a:fld id="{5F5282B9-BFE5-4D13-8D8C-5297D4C42E3B}" type="datetimeFigureOut">
               <a:rPr lang="fr-FR" smtClean="0"/>
-              <a:t>11/05/2025</a:t>
+              <a:t>12/05/2025</a:t>
             </a:fld>
             <a:endParaRPr lang="fr-FR"/>
           </a:p>
@@ -2625,7 +2625,7 @@
           <a:p>
             <a:fld id="{5F5282B9-BFE5-4D13-8D8C-5297D4C42E3B}" type="datetimeFigureOut">
               <a:rPr lang="fr-FR" smtClean="0"/>
-              <a:t>11/05/2025</a:t>
+              <a:t>12/05/2025</a:t>
             </a:fld>
             <a:endParaRPr lang="fr-FR"/>
           </a:p>
@@ -2878,7 +2878,7 @@
           <a:p>
             <a:fld id="{5F5282B9-BFE5-4D13-8D8C-5297D4C42E3B}" type="datetimeFigureOut">
               <a:rPr lang="fr-FR" smtClean="0"/>
-              <a:t>11/05/2025</a:t>
+              <a:t>12/05/2025</a:t>
             </a:fld>
             <a:endParaRPr lang="fr-FR"/>
           </a:p>
@@ -3091,7 +3091,7 @@
           <a:p>
             <a:fld id="{5F5282B9-BFE5-4D13-8D8C-5297D4C42E3B}" type="datetimeFigureOut">
               <a:rPr lang="fr-FR" smtClean="0"/>
-              <a:t>11/05/2025</a:t>
+              <a:t>12/05/2025</a:t>
             </a:fld>
             <a:endParaRPr lang="fr-FR"/>
           </a:p>
@@ -4820,15 +4820,7 @@
                   <a:srgbClr val="D5D5D5"/>
                 </a:solidFill>
               </a:rPr>
-              <a:t>70</a:t>
-            </a:r>
-            <a:r>
-              <a:rPr lang="fr-FR" sz="2200" b="1" dirty="0" smtClean="0">
-                <a:solidFill>
-                  <a:srgbClr val="D5D5D5"/>
-                </a:solidFill>
-              </a:rPr>
-              <a:t>%</a:t>
+              <a:t>70%</a:t>
             </a:r>
             <a:endParaRPr lang="fr-FR" sz="2200" b="1" dirty="0">
               <a:solidFill>
@@ -7865,15 +7857,7 @@
                   <a:srgbClr val="D5D5D5"/>
                 </a:solidFill>
               </a:rPr>
-              <a:t>00</a:t>
-            </a:r>
-            <a:r>
-              <a:rPr lang="fr-FR" sz="2200" b="1" dirty="0" smtClean="0">
-                <a:solidFill>
-                  <a:srgbClr val="D5D5D5"/>
-                </a:solidFill>
-              </a:rPr>
-              <a:t>%</a:t>
+              <a:t>00%</a:t>
             </a:r>
             <a:endParaRPr lang="fr-FR" sz="2200" b="1" dirty="0">
               <a:solidFill>
@@ -7911,15 +7895,7 @@
                   <a:srgbClr val="D5D5D5"/>
                 </a:solidFill>
               </a:rPr>
-              <a:t>00</a:t>
-            </a:r>
-            <a:r>
-              <a:rPr lang="fr-FR" sz="2200" b="1" dirty="0" smtClean="0">
-                <a:solidFill>
-                  <a:srgbClr val="D5D5D5"/>
-                </a:solidFill>
-              </a:rPr>
-              <a:t>°C</a:t>
+              <a:t>00°C</a:t>
             </a:r>
             <a:endParaRPr lang="fr-FR" sz="2200" b="1" dirty="0">
               <a:solidFill>
@@ -7965,15 +7941,7 @@
                   <a:srgbClr val="D5D5D5"/>
                 </a:solidFill>
               </a:rPr>
-              <a:t>0</a:t>
-            </a:r>
-            <a:r>
-              <a:rPr lang="fr-FR" sz="2200" b="1" dirty="0" smtClean="0">
-                <a:solidFill>
-                  <a:srgbClr val="D5D5D5"/>
-                </a:solidFill>
-              </a:rPr>
-              <a:t>%</a:t>
+              <a:t>0%</a:t>
             </a:r>
             <a:endParaRPr lang="fr-FR" sz="2200" b="1" dirty="0">
               <a:solidFill>
@@ -8063,44 +8031,6 @@
       </p:sp>
       <p:sp>
         <p:nvSpPr>
-          <p:cNvPr id="57" name="ZoneTexte 56"/>
-          <p:cNvSpPr txBox="1"/>
-          <p:nvPr/>
-        </p:nvSpPr>
-        <p:spPr>
-          <a:xfrm>
-            <a:off x="7925246" y="2103513"/>
-            <a:ext cx="1001867" cy="276999"/>
-          </a:xfrm>
-          <a:prstGeom prst="rect">
-            <a:avLst/>
-          </a:prstGeom>
-          <a:noFill/>
-        </p:spPr>
-        <p:txBody>
-          <a:bodyPr wrap="square" rtlCol="0">
-            <a:spAutoFit/>
-          </a:bodyPr>
-          <a:lstStyle/>
-          <a:p>
-            <a:r>
-              <a:rPr lang="fr-FR" sz="1200" b="1" dirty="0" smtClean="0">
-                <a:solidFill>
-                  <a:schemeClr val="bg1"/>
-                </a:solidFill>
-              </a:rPr>
-              <a:t>Bedroom +</a:t>
-            </a:r>
-            <a:endParaRPr lang="fr-FR" sz="1200" b="1" dirty="0">
-              <a:solidFill>
-                <a:schemeClr val="bg1"/>
-              </a:solidFill>
-            </a:endParaRPr>
-          </a:p>
-        </p:txBody>
-      </p:sp>
-      <p:sp>
-        <p:nvSpPr>
           <p:cNvPr id="58" name="Rectangle à coins arrondis 57"/>
           <p:cNvSpPr/>
           <p:nvPr/>
@@ -8151,90 +8081,6 @@
       </p:sp>
       <p:sp>
         <p:nvSpPr>
-          <p:cNvPr id="59" name="ZoneTexte 58"/>
-          <p:cNvSpPr txBox="1"/>
-          <p:nvPr/>
-        </p:nvSpPr>
-        <p:spPr>
-          <a:xfrm>
-            <a:off x="8996763" y="2141984"/>
-            <a:ext cx="350169" cy="200055"/>
-          </a:xfrm>
-          <a:prstGeom prst="rect">
-            <a:avLst/>
-          </a:prstGeom>
-          <a:noFill/>
-        </p:spPr>
-        <p:txBody>
-          <a:bodyPr wrap="square" rtlCol="0">
-            <a:spAutoFit/>
-          </a:bodyPr>
-          <a:lstStyle/>
-          <a:p>
-            <a:r>
-              <a:rPr lang="fr-FR" sz="700" dirty="0" smtClean="0">
-                <a:solidFill>
-                  <a:srgbClr val="D5D5D5"/>
-                </a:solidFill>
-              </a:rPr>
-              <a:t>Live</a:t>
-            </a:r>
-            <a:endParaRPr lang="fr-FR" sz="700" dirty="0">
-              <a:solidFill>
-                <a:srgbClr val="D5D5D5"/>
-              </a:solidFill>
-            </a:endParaRPr>
-          </a:p>
-        </p:txBody>
-      </p:sp>
-      <p:sp>
-        <p:nvSpPr>
-          <p:cNvPr id="60" name="Ellipse 59"/>
-          <p:cNvSpPr/>
-          <p:nvPr/>
-        </p:nvSpPr>
-        <p:spPr>
-          <a:xfrm>
-            <a:off x="8998011" y="2229485"/>
-            <a:ext cx="45719" cy="45719"/>
-          </a:xfrm>
-          <a:prstGeom prst="ellipse">
-            <a:avLst/>
-          </a:prstGeom>
-          <a:solidFill>
-            <a:srgbClr val="FF0000"/>
-          </a:solidFill>
-          <a:ln>
-            <a:noFill/>
-          </a:ln>
-        </p:spPr>
-        <p:style>
-          <a:lnRef idx="2">
-            <a:schemeClr val="accent1">
-              <a:shade val="50000"/>
-            </a:schemeClr>
-          </a:lnRef>
-          <a:fillRef idx="1">
-            <a:schemeClr val="accent1"/>
-          </a:fillRef>
-          <a:effectRef idx="0">
-            <a:schemeClr val="accent1"/>
-          </a:effectRef>
-          <a:fontRef idx="minor">
-            <a:schemeClr val="lt1"/>
-          </a:fontRef>
-        </p:style>
-        <p:txBody>
-          <a:bodyPr rtlCol="0" anchor="ctr"/>
-          <a:lstStyle/>
-          <a:p>
-            <a:pPr algn="ctr"/>
-            <a:endParaRPr lang="fr-FR"/>
-          </a:p>
-        </p:txBody>
-      </p:sp>
-      <p:sp>
-        <p:nvSpPr>
           <p:cNvPr id="61" name="Rectangle à coins arrondis 60"/>
           <p:cNvSpPr/>
           <p:nvPr/>
@@ -8285,60 +8131,6 @@
       </p:sp>
       <p:sp>
         <p:nvSpPr>
-          <p:cNvPr id="62" name="ZoneTexte 61"/>
-          <p:cNvSpPr txBox="1"/>
-          <p:nvPr/>
-        </p:nvSpPr>
-        <p:spPr>
-          <a:xfrm>
-            <a:off x="9346931" y="2141984"/>
-            <a:ext cx="442387" cy="200055"/>
-          </a:xfrm>
-          <a:prstGeom prst="rect">
-            <a:avLst/>
-          </a:prstGeom>
-          <a:noFill/>
-        </p:spPr>
-        <p:txBody>
-          <a:bodyPr wrap="square" rtlCol="0">
-            <a:spAutoFit/>
-          </a:bodyPr>
-          <a:lstStyle/>
-          <a:p>
-            <a:r>
-              <a:rPr lang="fr-FR" sz="700" dirty="0" smtClean="0">
-                <a:solidFill>
-                  <a:srgbClr val="D5D5D5"/>
-                </a:solidFill>
-              </a:rPr>
-              <a:t>FHD  </a:t>
-            </a:r>
-            <a:r>
-              <a:rPr lang="fr-FR" sz="600" dirty="0" smtClean="0">
-                <a:solidFill>
-                  <a:srgbClr val="D5D5D5"/>
-                </a:solidFill>
-              </a:rPr>
-              <a:t>˅</a:t>
-            </a:r>
-            <a:r>
-              <a:rPr lang="fr-FR" sz="700" dirty="0" smtClean="0">
-                <a:solidFill>
-                  <a:srgbClr val="D5D5D5"/>
-                </a:solidFill>
-              </a:rPr>
-              <a:t> </a:t>
-            </a:r>
-            <a:endParaRPr lang="fr-FR" sz="700" dirty="0">
-              <a:solidFill>
-                <a:srgbClr val="D5D5D5"/>
-              </a:solidFill>
-            </a:endParaRPr>
-          </a:p>
-        </p:txBody>
-      </p:sp>
-      <p:sp>
-        <p:nvSpPr>
           <p:cNvPr id="69" name="Rectangle à coins arrondis 68"/>
           <p:cNvSpPr/>
           <p:nvPr/>
@@ -8376,135 +8168,6 @@
           </a:effectRef>
           <a:fontRef idx="minor">
             <a:schemeClr val="lt1"/>
-          </a:fontRef>
-        </p:style>
-        <p:txBody>
-          <a:bodyPr rtlCol="0" anchor="ctr"/>
-          <a:lstStyle/>
-          <a:p>
-            <a:pPr algn="ctr"/>
-            <a:endParaRPr lang="fr-FR"/>
-          </a:p>
-        </p:txBody>
-      </p:sp>
-      <p:sp>
-        <p:nvSpPr>
-          <p:cNvPr id="70" name="ZoneTexte 69"/>
-          <p:cNvSpPr txBox="1"/>
-          <p:nvPr/>
-        </p:nvSpPr>
-        <p:spPr>
-          <a:xfrm>
-            <a:off x="8090778" y="3649675"/>
-            <a:ext cx="474478" cy="161583"/>
-          </a:xfrm>
-          <a:prstGeom prst="rect">
-            <a:avLst/>
-          </a:prstGeom>
-          <a:noFill/>
-        </p:spPr>
-        <p:txBody>
-          <a:bodyPr wrap="square" rtlCol="0">
-            <a:spAutoFit/>
-          </a:bodyPr>
-          <a:lstStyle/>
-          <a:p>
-            <a:r>
-              <a:rPr lang="fr-FR" sz="450" dirty="0" smtClean="0">
-                <a:solidFill>
-                  <a:schemeClr val="bg1"/>
-                </a:solidFill>
-              </a:rPr>
-              <a:t>Full screen</a:t>
-            </a:r>
-            <a:endParaRPr lang="fr-FR" sz="450" dirty="0">
-              <a:solidFill>
-                <a:schemeClr val="bg1"/>
-              </a:solidFill>
-            </a:endParaRPr>
-          </a:p>
-        </p:txBody>
-      </p:sp>
-      <p:sp>
-        <p:nvSpPr>
-          <p:cNvPr id="71" name="Ellipse 70"/>
-          <p:cNvSpPr/>
-          <p:nvPr/>
-        </p:nvSpPr>
-        <p:spPr>
-          <a:xfrm>
-            <a:off x="8082476" y="3686330"/>
-            <a:ext cx="87505" cy="88271"/>
-          </a:xfrm>
-          <a:prstGeom prst="ellipse">
-            <a:avLst/>
-          </a:prstGeom>
-          <a:solidFill>
-            <a:srgbClr val="6B6B6B">
-              <a:alpha val="83137"/>
-            </a:srgbClr>
-          </a:solidFill>
-          <a:ln>
-            <a:noFill/>
-          </a:ln>
-        </p:spPr>
-        <p:style>
-          <a:lnRef idx="2">
-            <a:schemeClr val="accent1">
-              <a:shade val="50000"/>
-            </a:schemeClr>
-          </a:lnRef>
-          <a:fillRef idx="1">
-            <a:schemeClr val="accent1"/>
-          </a:fillRef>
-          <a:effectRef idx="0">
-            <a:schemeClr val="accent1"/>
-          </a:effectRef>
-          <a:fontRef idx="minor">
-            <a:schemeClr val="lt1"/>
-          </a:fontRef>
-        </p:style>
-        <p:txBody>
-          <a:bodyPr rtlCol="0" anchor="ctr"/>
-          <a:lstStyle/>
-          <a:p>
-            <a:pPr algn="ctr"/>
-            <a:endParaRPr lang="fr-FR"/>
-          </a:p>
-        </p:txBody>
-      </p:sp>
-      <p:sp>
-        <p:nvSpPr>
-          <p:cNvPr id="72" name="Parenthèses 71"/>
-          <p:cNvSpPr/>
-          <p:nvPr/>
-        </p:nvSpPr>
-        <p:spPr>
-          <a:xfrm>
-            <a:off x="8103368" y="3707605"/>
-            <a:ext cx="45719" cy="45719"/>
-          </a:xfrm>
-          <a:prstGeom prst="bracketPair">
-            <a:avLst/>
-          </a:prstGeom>
-          <a:ln>
-            <a:solidFill>
-              <a:srgbClr val="FFFFFF"/>
-            </a:solidFill>
-          </a:ln>
-        </p:spPr>
-        <p:style>
-          <a:lnRef idx="1">
-            <a:schemeClr val="accent1"/>
-          </a:lnRef>
-          <a:fillRef idx="0">
-            <a:schemeClr val="accent1"/>
-          </a:fillRef>
-          <a:effectRef idx="0">
-            <a:schemeClr val="accent1"/>
-          </a:effectRef>
-          <a:fontRef idx="minor">
-            <a:schemeClr val="tx1"/>
           </a:fontRef>
         </p:style>
         <p:txBody>

--- a/UI-model/UI design Fortico.pptx
+++ b/UI-model/UI design Fortico.pptx
@@ -5,7 +5,7 @@
     <p:sldMasterId id="2147483648" r:id="rId1"/>
   </p:sldMasterIdLst>
   <p:notesMasterIdLst>
-    <p:notesMasterId r:id="rId24"/>
+    <p:notesMasterId r:id="rId25"/>
   </p:notesMasterIdLst>
   <p:sldIdLst>
     <p:sldId id="274" r:id="rId2"/>
@@ -26,10 +26,11 @@
     <p:sldId id="273" r:id="rId17"/>
     <p:sldId id="263" r:id="rId18"/>
     <p:sldId id="264" r:id="rId19"/>
-    <p:sldId id="257" r:id="rId20"/>
-    <p:sldId id="258" r:id="rId21"/>
-    <p:sldId id="259" r:id="rId22"/>
-    <p:sldId id="260" r:id="rId23"/>
+    <p:sldId id="278" r:id="rId20"/>
+    <p:sldId id="257" r:id="rId21"/>
+    <p:sldId id="258" r:id="rId22"/>
+    <p:sldId id="259" r:id="rId23"/>
+    <p:sldId id="260" r:id="rId24"/>
   </p:sldIdLst>
   <p:sldSz cx="12192000" cy="6858000"/>
   <p:notesSz cx="6858000" cy="9144000"/>
@@ -1055,7 +1056,7 @@
           <a:p>
             <a:fld id="{A5C07214-4CA6-4B3C-9ABB-7242CD9D5557}" type="slidenum">
               <a:rPr lang="fr-FR" smtClean="0"/>
-              <a:t>19</a:t>
+              <a:t>20</a:t>
             </a:fld>
             <a:endParaRPr lang="fr-FR"/>
           </a:p>
@@ -24175,8 +24176,8 @@
         </p:nvSpPr>
         <p:spPr>
           <a:xfrm>
-            <a:off x="0" y="4434"/>
-            <a:ext cx="12192000" cy="6858000"/>
+            <a:off x="1139" y="0"/>
+            <a:ext cx="12192000" cy="6877969"/>
           </a:xfrm>
           <a:prstGeom prst="rect">
             <a:avLst/>
@@ -24209,13 +24210,13 @@
           <a:lstStyle/>
           <a:p>
             <a:pPr algn="ctr"/>
-            <a:endParaRPr lang="fr-FR"/>
-          </a:p>
-        </p:txBody>
-      </p:sp>
-      <p:sp>
-        <p:nvSpPr>
-          <p:cNvPr id="7" name="ZoneTexte 6"/>
+            <a:endParaRPr lang="fr-FR" dirty="0"/>
+          </a:p>
+        </p:txBody>
+      </p:sp>
+      <p:sp>
+        <p:nvSpPr>
+          <p:cNvPr id="5" name="ZoneTexte 4"/>
           <p:cNvSpPr txBox="1"/>
           <p:nvPr/>
         </p:nvSpPr>
@@ -24288,7 +24289,7 @@
       </p:sp>
       <p:sp>
         <p:nvSpPr>
-          <p:cNvPr id="8" name="Ellipse 7"/>
+          <p:cNvPr id="6" name="Ellipse 5"/>
           <p:cNvSpPr/>
           <p:nvPr/>
         </p:nvSpPr>
@@ -24301,7 +24302,7 @@
             <a:avLst/>
           </a:prstGeom>
           <a:blipFill dpi="0" rotWithShape="1">
-            <a:blip r:embed="rId3" cstate="print">
+            <a:blip r:embed="rId2" cstate="print">
               <a:extLst>
                 <a:ext uri="{28A0092B-C50C-407E-A947-70E740481C1C}">
                   <a14:useLocalDpi xmlns:a14="http://schemas.microsoft.com/office/drawing/2010/main" val="0"/>
@@ -24344,7 +24345,7 @@
       </p:sp>
       <p:cxnSp>
         <p:nvCxnSpPr>
-          <p:cNvPr id="10" name="Connecteur droit 9"/>
+          <p:cNvPr id="7" name="Connecteur droit 6"/>
           <p:cNvCxnSpPr/>
           <p:nvPr/>
         </p:nvCxnSpPr>
@@ -24379,7 +24380,7 @@
       </p:cxnSp>
       <p:sp>
         <p:nvSpPr>
-          <p:cNvPr id="13" name="ZoneTexte 12"/>
+          <p:cNvPr id="8" name="ZoneTexte 7"/>
           <p:cNvSpPr txBox="1"/>
           <p:nvPr/>
         </p:nvSpPr>
@@ -24430,7 +24431,7 @@
       </p:sp>
       <p:sp>
         <p:nvSpPr>
-          <p:cNvPr id="14" name="Triangle isocèle 13"/>
+          <p:cNvPr id="9" name="Triangle isocèle 8"/>
           <p:cNvSpPr/>
           <p:nvPr/>
         </p:nvSpPr>
@@ -24480,145 +24481,7 @@
       </p:sp>
       <p:sp>
         <p:nvSpPr>
-          <p:cNvPr id="15" name="Rectangle 14"/>
-          <p:cNvSpPr/>
-          <p:nvPr/>
-        </p:nvSpPr>
-        <p:spPr>
-          <a:xfrm>
-            <a:off x="1930785" y="607429"/>
-            <a:ext cx="5847080" cy="3269168"/>
-          </a:xfrm>
-          <a:prstGeom prst="rect">
-            <a:avLst/>
-          </a:prstGeom>
-          <a:solidFill>
-            <a:srgbClr val="4A4A58"/>
-          </a:solidFill>
-          <a:ln>
-            <a:noFill/>
-          </a:ln>
-        </p:spPr>
-        <p:style>
-          <a:lnRef idx="2">
-            <a:schemeClr val="accent1">
-              <a:shade val="50000"/>
-            </a:schemeClr>
-          </a:lnRef>
-          <a:fillRef idx="1">
-            <a:schemeClr val="accent1"/>
-          </a:fillRef>
-          <a:effectRef idx="0">
-            <a:schemeClr val="accent1"/>
-          </a:effectRef>
-          <a:fontRef idx="minor">
-            <a:schemeClr val="lt1"/>
-          </a:fontRef>
-        </p:style>
-        <p:txBody>
-          <a:bodyPr rtlCol="0" anchor="ctr"/>
-          <a:lstStyle/>
-          <a:p>
-            <a:pPr algn="ctr"/>
-            <a:endParaRPr lang="fr-FR"/>
-          </a:p>
-        </p:txBody>
-      </p:sp>
-      <p:sp>
-        <p:nvSpPr>
-          <p:cNvPr id="17" name="Rectangle 16"/>
-          <p:cNvSpPr/>
-          <p:nvPr/>
-        </p:nvSpPr>
-        <p:spPr>
-          <a:xfrm>
-            <a:off x="7861300" y="629734"/>
-            <a:ext cx="4081780" cy="1301696"/>
-          </a:xfrm>
-          <a:prstGeom prst="rect">
-            <a:avLst/>
-          </a:prstGeom>
-          <a:solidFill>
-            <a:srgbClr val="4A4A58"/>
-          </a:solidFill>
-          <a:ln>
-            <a:noFill/>
-          </a:ln>
-        </p:spPr>
-        <p:style>
-          <a:lnRef idx="2">
-            <a:schemeClr val="accent1">
-              <a:shade val="50000"/>
-            </a:schemeClr>
-          </a:lnRef>
-          <a:fillRef idx="1">
-            <a:schemeClr val="accent1"/>
-          </a:fillRef>
-          <a:effectRef idx="0">
-            <a:schemeClr val="accent1"/>
-          </a:effectRef>
-          <a:fontRef idx="minor">
-            <a:schemeClr val="lt1"/>
-          </a:fontRef>
-        </p:style>
-        <p:txBody>
-          <a:bodyPr rtlCol="0" anchor="ctr"/>
-          <a:lstStyle/>
-          <a:p>
-            <a:pPr algn="ctr"/>
-            <a:endParaRPr lang="fr-FR"/>
-          </a:p>
-        </p:txBody>
-      </p:sp>
-      <p:sp>
-        <p:nvSpPr>
-          <p:cNvPr id="20" name="Rectangle 19"/>
-          <p:cNvSpPr/>
-          <p:nvPr/>
-        </p:nvSpPr>
-        <p:spPr>
-          <a:xfrm>
-            <a:off x="26888" y="6054843"/>
-            <a:ext cx="12165112" cy="763198"/>
-          </a:xfrm>
-          <a:prstGeom prst="rect">
-            <a:avLst/>
-          </a:prstGeom>
-          <a:noFill/>
-          <a:ln>
-            <a:solidFill>
-              <a:srgbClr val="212127"/>
-            </a:solidFill>
-          </a:ln>
-        </p:spPr>
-        <p:style>
-          <a:lnRef idx="2">
-            <a:schemeClr val="accent1">
-              <a:shade val="50000"/>
-            </a:schemeClr>
-          </a:lnRef>
-          <a:fillRef idx="1">
-            <a:schemeClr val="accent1"/>
-          </a:fillRef>
-          <a:effectRef idx="0">
-            <a:schemeClr val="accent1"/>
-          </a:effectRef>
-          <a:fontRef idx="minor">
-            <a:schemeClr val="lt1"/>
-          </a:fontRef>
-        </p:style>
-        <p:txBody>
-          <a:bodyPr rtlCol="0" anchor="ctr"/>
-          <a:lstStyle/>
-          <a:p>
-            <a:pPr algn="ctr"/>
-            <a:endParaRPr lang="fr-FR"/>
-          </a:p>
-        </p:txBody>
-      </p:sp>
-      <p:sp>
-        <p:nvSpPr>
-          <p:cNvPr id="21" name="ZoneTexte 20"/>
+          <p:cNvPr id="10" name="ZoneTexte 9"/>
           <p:cNvSpPr txBox="1"/>
           <p:nvPr/>
         </p:nvSpPr>
@@ -24630,9 +24493,7 @@
           <a:prstGeom prst="rect">
             <a:avLst/>
           </a:prstGeom>
-          <a:solidFill>
-            <a:srgbClr val="303038"/>
-          </a:solidFill>
+          <a:noFill/>
           <a:ln>
             <a:noFill/>
           </a:ln>
@@ -24647,7 +24508,7 @@
             <a:r>
               <a:rPr lang="fr-FR" sz="1200" b="1" dirty="0">
                 <a:solidFill>
-                  <a:srgbClr val="07CEC9"/>
+                  <a:srgbClr val="E6EAEE"/>
                 </a:solidFill>
               </a:rPr>
               <a:t>Home</a:t>
@@ -24659,7 +24520,7 @@
                 </a:solidFill>
               </a:ln>
               <a:solidFill>
-                <a:srgbClr val="07CEC9"/>
+                <a:srgbClr val="E6EAEE"/>
               </a:solidFill>
             </a:endParaRPr>
           </a:p>
@@ -24667,7 +24528,7 @@
       </p:sp>
       <p:sp>
         <p:nvSpPr>
-          <p:cNvPr id="23" name="ZoneTexte 22"/>
+          <p:cNvPr id="11" name="ZoneTexte 10"/>
           <p:cNvSpPr txBox="1"/>
           <p:nvPr/>
         </p:nvSpPr>
@@ -24701,13 +24562,13 @@
       </p:sp>
       <p:sp>
         <p:nvSpPr>
-          <p:cNvPr id="25" name="ZoneTexte 24"/>
+          <p:cNvPr id="12" name="ZoneTexte 11"/>
           <p:cNvSpPr txBox="1"/>
           <p:nvPr/>
         </p:nvSpPr>
         <p:spPr>
           <a:xfrm>
-            <a:off x="26888" y="2997377"/>
+            <a:off x="64207" y="2997377"/>
             <a:ext cx="1596140" cy="276999"/>
           </a:xfrm>
           <a:prstGeom prst="rect">
@@ -24725,7 +24586,7 @@
             <a:r>
               <a:rPr lang="fr-FR" sz="1200" b="1" dirty="0">
                 <a:solidFill>
-                  <a:srgbClr val="D5D5D5"/>
+                  <a:srgbClr val="E6EAEE"/>
                 </a:solidFill>
               </a:rPr>
               <a:t>Room</a:t>
@@ -24735,14 +24596,14 @@
       </p:sp>
       <p:sp>
         <p:nvSpPr>
-          <p:cNvPr id="27" name="ZoneTexte 26"/>
+          <p:cNvPr id="13" name="ZoneTexte 12"/>
           <p:cNvSpPr txBox="1"/>
           <p:nvPr/>
         </p:nvSpPr>
         <p:spPr>
           <a:xfrm>
-            <a:off x="132051" y="3493991"/>
-            <a:ext cx="1753870" cy="276999"/>
+            <a:off x="58195" y="5130090"/>
+            <a:ext cx="1533525" cy="276999"/>
           </a:xfrm>
           <a:prstGeom prst="rect">
             <a:avLst/>
@@ -24762,40 +24623,6 @@
                   <a:srgbClr val="D5D5D5"/>
                 </a:solidFill>
               </a:rPr>
-              <a:t>Add devices</a:t>
-            </a:r>
-          </a:p>
-        </p:txBody>
-      </p:sp>
-      <p:sp>
-        <p:nvSpPr>
-          <p:cNvPr id="29" name="ZoneTexte 28"/>
-          <p:cNvSpPr txBox="1"/>
-          <p:nvPr/>
-        </p:nvSpPr>
-        <p:spPr>
-          <a:xfrm>
-            <a:off x="58195" y="5130090"/>
-            <a:ext cx="1533525" cy="276999"/>
-          </a:xfrm>
-          <a:prstGeom prst="rect">
-            <a:avLst/>
-          </a:prstGeom>
-          <a:noFill/>
-        </p:spPr>
-        <p:txBody>
-          <a:bodyPr wrap="square" rtlCol="0">
-            <a:spAutoFit/>
-          </a:bodyPr>
-          <a:lstStyle/>
-          <a:p>
-            <a:pPr algn="ctr"/>
-            <a:r>
-              <a:rPr lang="fr-FR" sz="1200" b="1" dirty="0">
-                <a:solidFill>
-                  <a:srgbClr val="D5D5D5"/>
-                </a:solidFill>
-              </a:rPr>
               <a:t>Settings</a:t>
             </a:r>
           </a:p>
@@ -24803,7 +24630,37 @@
       </p:sp>
       <p:pic>
         <p:nvPicPr>
-          <p:cNvPr id="32" name="Image 31"/>
+          <p:cNvPr id="14" name="Image 13"/>
+          <p:cNvPicPr>
+            <a:picLocks noChangeAspect="1"/>
+          </p:cNvPicPr>
+          <p:nvPr/>
+        </p:nvPicPr>
+        <p:blipFill>
+          <a:blip r:embed="rId3" cstate="print">
+            <a:extLst>
+              <a:ext uri="{28A0092B-C50C-407E-A947-70E740481C1C}">
+                <a14:useLocalDpi xmlns:a14="http://schemas.microsoft.com/office/drawing/2010/main" val="0"/>
+              </a:ext>
+            </a:extLst>
+          </a:blip>
+          <a:stretch>
+            <a:fillRect/>
+          </a:stretch>
+        </p:blipFill>
+        <p:spPr>
+          <a:xfrm>
+            <a:off x="211485" y="2442803"/>
+            <a:ext cx="259308" cy="259308"/>
+          </a:xfrm>
+          <a:prstGeom prst="rect">
+            <a:avLst/>
+          </a:prstGeom>
+        </p:spPr>
+      </p:pic>
+      <p:pic>
+        <p:nvPicPr>
+          <p:cNvPr id="16" name="Image 15"/>
           <p:cNvPicPr>
             <a:picLocks noChangeAspect="1"/>
           </p:cNvPicPr>
@@ -24823,17 +24680,107 @@
         </p:blipFill>
         <p:spPr>
           <a:xfrm>
-            <a:off x="233363" y="1961086"/>
-            <a:ext cx="244861" cy="244861"/>
+            <a:off x="222423" y="5138009"/>
+            <a:ext cx="238713" cy="238713"/>
           </a:xfrm>
           <a:prstGeom prst="rect">
             <a:avLst/>
           </a:prstGeom>
         </p:spPr>
       </p:pic>
+      <p:sp>
+        <p:nvSpPr>
+          <p:cNvPr id="18" name="ZoneTexte 17"/>
+          <p:cNvSpPr txBox="1"/>
+          <p:nvPr/>
+        </p:nvSpPr>
+        <p:spPr>
+          <a:xfrm>
+            <a:off x="61913" y="4093041"/>
+            <a:ext cx="1529807" cy="276999"/>
+          </a:xfrm>
+          <a:prstGeom prst="rect">
+            <a:avLst/>
+          </a:prstGeom>
+          <a:solidFill>
+            <a:srgbClr val="282830"/>
+          </a:solidFill>
+        </p:spPr>
+        <p:txBody>
+          <a:bodyPr wrap="square" rtlCol="0">
+            <a:spAutoFit/>
+          </a:bodyPr>
+          <a:lstStyle/>
+          <a:p>
+            <a:pPr algn="ctr"/>
+            <a:r>
+              <a:rPr lang="fr-FR" sz="1200" b="1" dirty="0">
+                <a:solidFill>
+                  <a:srgbClr val="07CEC9"/>
+                </a:solidFill>
+              </a:rPr>
+              <a:t>Scène</a:t>
+            </a:r>
+            <a:endParaRPr lang="fr-FR" sz="1200" b="1" dirty="0">
+              <a:ln>
+                <a:solidFill>
+                  <a:srgbClr val="D5D5D5"/>
+                </a:solidFill>
+              </a:ln>
+              <a:solidFill>
+                <a:srgbClr val="07CEC9"/>
+              </a:solidFill>
+            </a:endParaRPr>
+          </a:p>
+        </p:txBody>
+      </p:sp>
+      <p:sp>
+        <p:nvSpPr>
+          <p:cNvPr id="19" name="ZoneTexte 18"/>
+          <p:cNvSpPr txBox="1"/>
+          <p:nvPr/>
+        </p:nvSpPr>
+        <p:spPr>
+          <a:xfrm>
+            <a:off x="220436" y="4629830"/>
+            <a:ext cx="1097982" cy="276999"/>
+          </a:xfrm>
+          <a:prstGeom prst="rect">
+            <a:avLst/>
+          </a:prstGeom>
+          <a:noFill/>
+        </p:spPr>
+        <p:txBody>
+          <a:bodyPr wrap="square" rtlCol="0">
+            <a:spAutoFit/>
+          </a:bodyPr>
+          <a:lstStyle/>
+          <a:p>
+            <a:pPr algn="ctr"/>
+            <a:r>
+              <a:rPr lang="fr-FR" sz="1200" b="1" dirty="0" smtClean="0">
+                <a:solidFill>
+                  <a:srgbClr val="D5D5D5"/>
+                </a:solidFill>
+              </a:rPr>
+              <a:t>Accès</a:t>
+            </a:r>
+            <a:endParaRPr lang="fr-FR" sz="1200" b="1" dirty="0">
+              <a:ln>
+                <a:solidFill>
+                  <a:srgbClr val="D5D5D5"/>
+                </a:solidFill>
+              </a:ln>
+              <a:solidFill>
+                <a:srgbClr val="D5D5D5"/>
+              </a:solidFill>
+            </a:endParaRPr>
+          </a:p>
+        </p:txBody>
+      </p:sp>
       <p:pic>
         <p:nvPicPr>
-          <p:cNvPr id="33" name="Image 32"/>
+          <p:cNvPr id="20" name="Image 19"/>
           <p:cNvPicPr>
             <a:picLocks noChangeAspect="1"/>
           </p:cNvPicPr>
@@ -24853,17 +24800,97 @@
         </p:blipFill>
         <p:spPr>
           <a:xfrm>
-            <a:off x="211485" y="2442803"/>
-            <a:ext cx="259308" cy="259308"/>
+            <a:off x="206676" y="4593415"/>
+            <a:ext cx="298231" cy="298231"/>
           </a:xfrm>
           <a:prstGeom prst="rect">
             <a:avLst/>
           </a:prstGeom>
         </p:spPr>
       </p:pic>
+      <p:cxnSp>
+        <p:nvCxnSpPr>
+          <p:cNvPr id="21" name="Connecteur droit 20"/>
+          <p:cNvCxnSpPr/>
+          <p:nvPr/>
+        </p:nvCxnSpPr>
+        <p:spPr>
+          <a:xfrm>
+            <a:off x="1707627" y="491838"/>
+            <a:ext cx="0" cy="6356540"/>
+          </a:xfrm>
+          <a:prstGeom prst="line">
+            <a:avLst/>
+          </a:prstGeom>
+          <a:ln w="12700">
+            <a:solidFill>
+              <a:srgbClr val="212127"/>
+            </a:solidFill>
+          </a:ln>
+        </p:spPr>
+        <p:style>
+          <a:lnRef idx="1">
+            <a:schemeClr val="accent1"/>
+          </a:lnRef>
+          <a:fillRef idx="0">
+            <a:schemeClr val="accent1"/>
+          </a:fillRef>
+          <a:effectRef idx="0">
+            <a:schemeClr val="accent1"/>
+          </a:effectRef>
+          <a:fontRef idx="minor">
+            <a:schemeClr val="tx1"/>
+          </a:fontRef>
+        </p:style>
+      </p:cxnSp>
+      <p:sp>
+        <p:nvSpPr>
+          <p:cNvPr id="22" name="ZoneTexte 21"/>
+          <p:cNvSpPr txBox="1"/>
+          <p:nvPr/>
+        </p:nvSpPr>
+        <p:spPr>
+          <a:xfrm>
+            <a:off x="57149" y="3526634"/>
+            <a:ext cx="1589949" cy="276999"/>
+          </a:xfrm>
+          <a:prstGeom prst="rect">
+            <a:avLst/>
+          </a:prstGeom>
+          <a:noFill/>
+          <a:ln>
+            <a:noFill/>
+          </a:ln>
+        </p:spPr>
+        <p:txBody>
+          <a:bodyPr wrap="square" rtlCol="0">
+            <a:spAutoFit/>
+          </a:bodyPr>
+          <a:lstStyle/>
+          <a:p>
+            <a:pPr algn="ctr"/>
+            <a:r>
+              <a:rPr lang="fr-FR" sz="1200" b="1" dirty="0" smtClean="0">
+                <a:solidFill>
+                  <a:srgbClr val="E6EAEE"/>
+                </a:solidFill>
+              </a:rPr>
+              <a:t>         Add </a:t>
+            </a:r>
+            <a:r>
+              <a:rPr lang="fr-FR" sz="1200" b="1" dirty="0">
+                <a:solidFill>
+                  <a:srgbClr val="E6EAEE"/>
+                </a:solidFill>
+              </a:rPr>
+              <a:t>devices</a:t>
+            </a:r>
+          </a:p>
+        </p:txBody>
+      </p:sp>
       <p:pic>
         <p:nvPicPr>
-          <p:cNvPr id="34" name="Image 33"/>
+          <p:cNvPr id="25" name="Image 24"/>
           <p:cNvPicPr>
             <a:picLocks noChangeAspect="1"/>
           </p:cNvPicPr>
@@ -24883,17 +24910,105 @@
         </p:blipFill>
         <p:spPr>
           <a:xfrm>
-            <a:off x="222423" y="2963877"/>
-            <a:ext cx="266739" cy="266739"/>
+            <a:off x="225509" y="1947208"/>
+            <a:ext cx="235627" cy="235627"/>
           </a:xfrm>
           <a:prstGeom prst="rect">
             <a:avLst/>
           </a:prstGeom>
         </p:spPr>
       </p:pic>
+      <p:sp>
+        <p:nvSpPr>
+          <p:cNvPr id="26" name="ZoneTexte 25"/>
+          <p:cNvSpPr txBox="1"/>
+          <p:nvPr/>
+        </p:nvSpPr>
+        <p:spPr>
+          <a:xfrm>
+            <a:off x="956310" y="715099"/>
+            <a:ext cx="2545747" cy="461665"/>
+          </a:xfrm>
+          <a:prstGeom prst="rect">
+            <a:avLst/>
+          </a:prstGeom>
+          <a:noFill/>
+          <a:ln>
+            <a:noFill/>
+          </a:ln>
+        </p:spPr>
+        <p:txBody>
+          <a:bodyPr wrap="square" rtlCol="0">
+            <a:spAutoFit/>
+          </a:bodyPr>
+          <a:lstStyle/>
+          <a:p>
+            <a:pPr algn="ctr"/>
+            <a:r>
+              <a:rPr lang="fr-FR" sz="2400" b="1" dirty="0" smtClean="0">
+                <a:solidFill>
+                  <a:srgbClr val="E6EAEE"/>
+                </a:solidFill>
+              </a:rPr>
+              <a:t>Scène</a:t>
+            </a:r>
+            <a:endParaRPr lang="fr-FR" sz="2400" b="1" dirty="0">
+              <a:solidFill>
+                <a:srgbClr val="E6EAEE"/>
+              </a:solidFill>
+            </a:endParaRPr>
+          </a:p>
+        </p:txBody>
+      </p:sp>
+      <p:sp>
+        <p:nvSpPr>
+          <p:cNvPr id="27" name="Rectangle 26"/>
+          <p:cNvSpPr/>
+          <p:nvPr/>
+        </p:nvSpPr>
+        <p:spPr>
+          <a:xfrm>
+            <a:off x="1723415" y="1195058"/>
+            <a:ext cx="9986269" cy="5653320"/>
+          </a:xfrm>
+          <a:prstGeom prst="rect">
+            <a:avLst/>
+          </a:prstGeom>
+          <a:solidFill>
+            <a:srgbClr val="4A4A58"/>
+          </a:solidFill>
+          <a:ln>
+            <a:noFill/>
+          </a:ln>
+        </p:spPr>
+        <p:style>
+          <a:lnRef idx="2">
+            <a:schemeClr val="accent1">
+              <a:shade val="50000"/>
+            </a:schemeClr>
+          </a:lnRef>
+          <a:fillRef idx="1">
+            <a:schemeClr val="accent1"/>
+          </a:fillRef>
+          <a:effectRef idx="0">
+            <a:schemeClr val="accent1"/>
+          </a:effectRef>
+          <a:fontRef idx="minor">
+            <a:schemeClr val="lt1"/>
+          </a:fontRef>
+        </p:style>
+        <p:txBody>
+          <a:bodyPr rtlCol="0" anchor="ctr"/>
+          <a:lstStyle/>
+          <a:p>
+            <a:pPr algn="ctr"/>
+            <a:endParaRPr lang="fr-FR" dirty="0"/>
+          </a:p>
+        </p:txBody>
+      </p:sp>
       <p:pic>
         <p:nvPicPr>
-          <p:cNvPr id="35" name="Image 34"/>
+          <p:cNvPr id="55" name="Image 54"/>
           <p:cNvPicPr>
             <a:picLocks noChangeAspect="1"/>
           </p:cNvPicPr>
@@ -24913,17 +25028,114 @@
         </p:blipFill>
         <p:spPr>
           <a:xfrm>
-            <a:off x="198638" y="3503864"/>
-            <a:ext cx="275303" cy="275303"/>
+            <a:off x="224954" y="3558878"/>
+            <a:ext cx="225460" cy="225460"/>
           </a:xfrm>
           <a:prstGeom prst="rect">
             <a:avLst/>
           </a:prstGeom>
         </p:spPr>
       </p:pic>
+      <p:sp>
+        <p:nvSpPr>
+          <p:cNvPr id="60" name="ZoneTexte 59"/>
+          <p:cNvSpPr txBox="1"/>
+          <p:nvPr/>
+        </p:nvSpPr>
+        <p:spPr>
+          <a:xfrm>
+            <a:off x="5379022" y="3671608"/>
+            <a:ext cx="2723577" cy="584775"/>
+          </a:xfrm>
+          <a:prstGeom prst="rect">
+            <a:avLst/>
+          </a:prstGeom>
+          <a:noFill/>
+          <a:ln>
+            <a:noFill/>
+          </a:ln>
+        </p:spPr>
+        <p:txBody>
+          <a:bodyPr wrap="square" rtlCol="0">
+            <a:spAutoFit/>
+          </a:bodyPr>
+          <a:lstStyle/>
+          <a:p>
+            <a:pPr algn="ctr"/>
+            <a:r>
+              <a:rPr lang="fr-FR" sz="1600" dirty="0" smtClean="0">
+                <a:solidFill>
+                  <a:schemeClr val="bg2">
+                    <a:lumMod val="75000"/>
+                  </a:schemeClr>
+                </a:solidFill>
+              </a:rPr>
+              <a:t>Cette page n’est pas encore disponible</a:t>
+            </a:r>
+            <a:endParaRPr lang="fr-FR" sz="1600" dirty="0">
+              <a:ln>
+                <a:solidFill>
+                  <a:srgbClr val="D5D5D5"/>
+                </a:solidFill>
+              </a:ln>
+              <a:solidFill>
+                <a:schemeClr val="bg2">
+                  <a:lumMod val="75000"/>
+                </a:schemeClr>
+              </a:solidFill>
+            </a:endParaRPr>
+          </a:p>
+        </p:txBody>
+      </p:sp>
+      <p:sp>
+        <p:nvSpPr>
+          <p:cNvPr id="48" name="Rectangle 47"/>
+          <p:cNvSpPr/>
+          <p:nvPr/>
+        </p:nvSpPr>
+        <p:spPr>
+          <a:xfrm>
+            <a:off x="1739" y="4093041"/>
+            <a:ext cx="57150" cy="277000"/>
+          </a:xfrm>
+          <a:prstGeom prst="rect">
+            <a:avLst/>
+          </a:prstGeom>
+          <a:solidFill>
+            <a:srgbClr val="07CEC9"/>
+          </a:solidFill>
+          <a:ln>
+            <a:noFill/>
+          </a:ln>
+        </p:spPr>
+        <p:style>
+          <a:lnRef idx="2">
+            <a:schemeClr val="accent1">
+              <a:shade val="50000"/>
+            </a:schemeClr>
+          </a:lnRef>
+          <a:fillRef idx="1">
+            <a:schemeClr val="accent1"/>
+          </a:fillRef>
+          <a:effectRef idx="0">
+            <a:schemeClr val="accent1"/>
+          </a:effectRef>
+          <a:fontRef idx="minor">
+            <a:schemeClr val="lt1"/>
+          </a:fontRef>
+        </p:style>
+        <p:txBody>
+          <a:bodyPr rtlCol="0" anchor="ctr"/>
+          <a:lstStyle/>
+          <a:p>
+            <a:pPr algn="ctr"/>
+            <a:endParaRPr lang="fr-FR"/>
+          </a:p>
+        </p:txBody>
+      </p:sp>
       <p:pic>
         <p:nvPicPr>
-          <p:cNvPr id="36" name="Image 35"/>
+          <p:cNvPr id="2" name="Image 1"/>
           <p:cNvPicPr>
             <a:picLocks noChangeAspect="1"/>
           </p:cNvPicPr>
@@ -24943,8 +25155,8 @@
         </p:blipFill>
         <p:spPr>
           <a:xfrm>
-            <a:off x="222423" y="5138009"/>
-            <a:ext cx="238713" cy="238713"/>
+            <a:off x="220436" y="4093040"/>
+            <a:ext cx="250357" cy="250357"/>
           </a:xfrm>
           <a:prstGeom prst="rect">
             <a:avLst/>
@@ -24953,7 +25165,7 @@
       </p:pic>
       <p:pic>
         <p:nvPicPr>
-          <p:cNvPr id="2" name="Image 1"/>
+          <p:cNvPr id="3" name="Image 2"/>
           <p:cNvPicPr>
             <a:picLocks noChangeAspect="1"/>
           </p:cNvPicPr>
@@ -24973,3418 +25185,18 @@
         </p:blipFill>
         <p:spPr>
           <a:xfrm>
-            <a:off x="198638" y="4075383"/>
-            <a:ext cx="287036" cy="287036"/>
+            <a:off x="231605" y="3041389"/>
+            <a:ext cx="218809" cy="218809"/>
           </a:xfrm>
           <a:prstGeom prst="rect">
             <a:avLst/>
           </a:prstGeom>
         </p:spPr>
       </p:pic>
-      <p:sp>
-        <p:nvSpPr>
-          <p:cNvPr id="26" name="ZoneTexte 25"/>
-          <p:cNvSpPr txBox="1"/>
-          <p:nvPr/>
-        </p:nvSpPr>
-        <p:spPr>
-          <a:xfrm>
-            <a:off x="272698" y="4093041"/>
-            <a:ext cx="1068124" cy="276999"/>
-          </a:xfrm>
-          <a:prstGeom prst="rect">
-            <a:avLst/>
-          </a:prstGeom>
-          <a:noFill/>
-        </p:spPr>
-        <p:txBody>
-          <a:bodyPr wrap="square" rtlCol="0">
-            <a:spAutoFit/>
-          </a:bodyPr>
-          <a:lstStyle/>
-          <a:p>
-            <a:pPr algn="ctr"/>
-            <a:r>
-              <a:rPr lang="fr-FR" sz="1200" b="1" dirty="0">
-                <a:solidFill>
-                  <a:srgbClr val="D5D5D5"/>
-                </a:solidFill>
-              </a:rPr>
-              <a:t>Scène</a:t>
-            </a:r>
-            <a:endParaRPr lang="fr-FR" sz="1200" b="1" dirty="0">
-              <a:ln>
-                <a:solidFill>
-                  <a:srgbClr val="D5D5D5"/>
-                </a:solidFill>
-              </a:ln>
-              <a:solidFill>
-                <a:srgbClr val="D5D5D5"/>
-              </a:solidFill>
-            </a:endParaRPr>
-          </a:p>
-        </p:txBody>
-      </p:sp>
-      <p:sp>
-        <p:nvSpPr>
-          <p:cNvPr id="28" name="ZoneTexte 27"/>
-          <p:cNvSpPr txBox="1"/>
-          <p:nvPr/>
-        </p:nvSpPr>
-        <p:spPr>
-          <a:xfrm>
-            <a:off x="220436" y="4629830"/>
-            <a:ext cx="1097982" cy="276999"/>
-          </a:xfrm>
-          <a:prstGeom prst="rect">
-            <a:avLst/>
-          </a:prstGeom>
-          <a:noFill/>
-        </p:spPr>
-        <p:txBody>
-          <a:bodyPr wrap="square" rtlCol="0">
-            <a:spAutoFit/>
-          </a:bodyPr>
-          <a:lstStyle/>
-          <a:p>
-            <a:pPr algn="ctr"/>
-            <a:r>
-              <a:rPr lang="fr-FR" sz="1200" b="1" dirty="0" smtClean="0">
-                <a:solidFill>
-                  <a:srgbClr val="D5D5D5"/>
-                </a:solidFill>
-              </a:rPr>
-              <a:t>Accès</a:t>
-            </a:r>
-            <a:endParaRPr lang="fr-FR" sz="1200" b="1" dirty="0">
-              <a:ln>
-                <a:solidFill>
-                  <a:srgbClr val="D5D5D5"/>
-                </a:solidFill>
-              </a:ln>
-              <a:solidFill>
-                <a:srgbClr val="D5D5D5"/>
-              </a:solidFill>
-            </a:endParaRPr>
-          </a:p>
-        </p:txBody>
-      </p:sp>
-      <p:sp>
-        <p:nvSpPr>
-          <p:cNvPr id="5" name="Rectangle 4"/>
-          <p:cNvSpPr/>
-          <p:nvPr/>
-        </p:nvSpPr>
-        <p:spPr>
-          <a:xfrm>
-            <a:off x="0" y="1954680"/>
-            <a:ext cx="57150" cy="277000"/>
-          </a:xfrm>
-          <a:prstGeom prst="rect">
-            <a:avLst/>
-          </a:prstGeom>
-          <a:solidFill>
-            <a:srgbClr val="07CEC9"/>
-          </a:solidFill>
-          <a:ln>
-            <a:noFill/>
-          </a:ln>
-        </p:spPr>
-        <p:style>
-          <a:lnRef idx="2">
-            <a:schemeClr val="accent1">
-              <a:shade val="50000"/>
-            </a:schemeClr>
-          </a:lnRef>
-          <a:fillRef idx="1">
-            <a:schemeClr val="accent1"/>
-          </a:fillRef>
-          <a:effectRef idx="0">
-            <a:schemeClr val="accent1"/>
-          </a:effectRef>
-          <a:fontRef idx="minor">
-            <a:schemeClr val="lt1"/>
-          </a:fontRef>
-        </p:style>
-        <p:txBody>
-          <a:bodyPr rtlCol="0" anchor="ctr"/>
-          <a:lstStyle/>
-          <a:p>
-            <a:pPr algn="ctr"/>
-            <a:endParaRPr lang="fr-FR"/>
-          </a:p>
-        </p:txBody>
-      </p:sp>
-      <p:pic>
-        <p:nvPicPr>
-          <p:cNvPr id="6" name="Image 5"/>
-          <p:cNvPicPr>
-            <a:picLocks noChangeAspect="1"/>
-          </p:cNvPicPr>
-          <p:nvPr/>
-        </p:nvPicPr>
-        <p:blipFill>
-          <a:blip r:embed="rId10">
-            <a:extLst>
-              <a:ext uri="{28A0092B-C50C-407E-A947-70E740481C1C}">
-                <a14:useLocalDpi xmlns:a14="http://schemas.microsoft.com/office/drawing/2010/main" val="0"/>
-              </a:ext>
-            </a:extLst>
-          </a:blip>
-          <a:stretch>
-            <a:fillRect/>
-          </a:stretch>
-        </p:blipFill>
-        <p:spPr>
-          <a:xfrm>
-            <a:off x="1927638" y="590805"/>
-            <a:ext cx="5850228" cy="3285792"/>
-          </a:xfrm>
-          <a:prstGeom prst="rect">
-            <a:avLst/>
-          </a:prstGeom>
-        </p:spPr>
-      </p:pic>
-      <p:sp>
-        <p:nvSpPr>
-          <p:cNvPr id="9" name="ZoneTexte 8"/>
-          <p:cNvSpPr txBox="1"/>
-          <p:nvPr/>
-        </p:nvSpPr>
-        <p:spPr>
-          <a:xfrm>
-            <a:off x="7894483" y="1154326"/>
-            <a:ext cx="755650" cy="230832"/>
-          </a:xfrm>
-          <a:prstGeom prst="rect">
-            <a:avLst/>
-          </a:prstGeom>
-          <a:noFill/>
-        </p:spPr>
-        <p:txBody>
-          <a:bodyPr wrap="square" rtlCol="0">
-            <a:spAutoFit/>
-          </a:bodyPr>
-          <a:lstStyle/>
-          <a:p>
-            <a:r>
-              <a:rPr lang="fr-FR" sz="900" dirty="0" smtClean="0">
-                <a:solidFill>
-                  <a:srgbClr val="D5D5D5"/>
-                </a:solidFill>
-              </a:rPr>
-              <a:t>Thu. </a:t>
-            </a:r>
-            <a:r>
-              <a:rPr lang="fr-FR" sz="800" dirty="0" smtClean="0">
-                <a:solidFill>
-                  <a:srgbClr val="D5D5D5"/>
-                </a:solidFill>
-              </a:rPr>
-              <a:t>11:22</a:t>
-            </a:r>
-            <a:endParaRPr lang="fr-FR" sz="800" dirty="0">
-              <a:solidFill>
-                <a:srgbClr val="D5D5D5"/>
-              </a:solidFill>
-            </a:endParaRPr>
-          </a:p>
-        </p:txBody>
-      </p:sp>
-      <p:sp>
-        <p:nvSpPr>
-          <p:cNvPr id="31" name="ZoneTexte 30"/>
-          <p:cNvSpPr txBox="1"/>
-          <p:nvPr/>
-        </p:nvSpPr>
-        <p:spPr>
-          <a:xfrm>
-            <a:off x="7894483" y="979903"/>
-            <a:ext cx="1001867" cy="230832"/>
-          </a:xfrm>
-          <a:prstGeom prst="rect">
-            <a:avLst/>
-          </a:prstGeom>
-          <a:noFill/>
-        </p:spPr>
-        <p:txBody>
-          <a:bodyPr wrap="square" rtlCol="0">
-            <a:spAutoFit/>
-          </a:bodyPr>
-          <a:lstStyle/>
-          <a:p>
-            <a:r>
-              <a:rPr lang="fr-FR" sz="900" dirty="0" smtClean="0">
-                <a:solidFill>
-                  <a:srgbClr val="D5D5D5"/>
-                </a:solidFill>
-              </a:rPr>
-              <a:t>3 Septembre</a:t>
-            </a:r>
-            <a:endParaRPr lang="fr-FR" sz="800" dirty="0">
-              <a:solidFill>
-                <a:srgbClr val="D5D5D5"/>
-              </a:solidFill>
-            </a:endParaRPr>
-          </a:p>
-        </p:txBody>
-      </p:sp>
-      <p:pic>
-        <p:nvPicPr>
-          <p:cNvPr id="11" name="Image 10"/>
-          <p:cNvPicPr>
-            <a:picLocks noChangeAspect="1"/>
-          </p:cNvPicPr>
-          <p:nvPr/>
-        </p:nvPicPr>
-        <p:blipFill>
-          <a:blip r:embed="rId11" cstate="print">
-            <a:extLst>
-              <a:ext uri="{28A0092B-C50C-407E-A947-70E740481C1C}">
-                <a14:useLocalDpi xmlns:a14="http://schemas.microsoft.com/office/drawing/2010/main" val="0"/>
-              </a:ext>
-            </a:extLst>
-          </a:blip>
-          <a:stretch>
-            <a:fillRect/>
-          </a:stretch>
-        </p:blipFill>
-        <p:spPr>
-          <a:xfrm>
-            <a:off x="7966399" y="683559"/>
-            <a:ext cx="248759" cy="248759"/>
-          </a:xfrm>
-          <a:prstGeom prst="rect">
-            <a:avLst/>
-          </a:prstGeom>
-        </p:spPr>
-      </p:pic>
-      <p:sp>
-        <p:nvSpPr>
-          <p:cNvPr id="37" name="ZoneTexte 36"/>
-          <p:cNvSpPr txBox="1"/>
-          <p:nvPr/>
-        </p:nvSpPr>
-        <p:spPr>
-          <a:xfrm>
-            <a:off x="8169981" y="701626"/>
-            <a:ext cx="1001867" cy="230832"/>
-          </a:xfrm>
-          <a:prstGeom prst="rect">
-            <a:avLst/>
-          </a:prstGeom>
-          <a:noFill/>
-        </p:spPr>
-        <p:txBody>
-          <a:bodyPr wrap="square" rtlCol="0">
-            <a:spAutoFit/>
-          </a:bodyPr>
-          <a:lstStyle/>
-          <a:p>
-            <a:r>
-              <a:rPr lang="fr-FR" sz="900" dirty="0" smtClean="0">
-                <a:solidFill>
-                  <a:srgbClr val="D5D5D5"/>
-                </a:solidFill>
-              </a:rPr>
-              <a:t>Tamatave, 501</a:t>
-            </a:r>
-            <a:endParaRPr lang="fr-FR" sz="800" dirty="0">
-              <a:solidFill>
-                <a:srgbClr val="D5D5D5"/>
-              </a:solidFill>
-            </a:endParaRPr>
-          </a:p>
-        </p:txBody>
-      </p:sp>
-      <p:pic>
-        <p:nvPicPr>
-          <p:cNvPr id="12" name="Image 11"/>
-          <p:cNvPicPr>
-            <a:picLocks noChangeAspect="1"/>
-          </p:cNvPicPr>
-          <p:nvPr/>
-        </p:nvPicPr>
-        <p:blipFill>
-          <a:blip r:embed="rId12">
-            <a:extLst>
-              <a:ext uri="{28A0092B-C50C-407E-A947-70E740481C1C}">
-                <a14:useLocalDpi xmlns:a14="http://schemas.microsoft.com/office/drawing/2010/main" val="0"/>
-              </a:ext>
-            </a:extLst>
-          </a:blip>
-          <a:stretch>
-            <a:fillRect/>
-          </a:stretch>
-        </p:blipFill>
-        <p:spPr>
-          <a:xfrm>
-            <a:off x="9277283" y="695954"/>
-            <a:ext cx="598237" cy="598237"/>
-          </a:xfrm>
-          <a:prstGeom prst="rect">
-            <a:avLst/>
-          </a:prstGeom>
-        </p:spPr>
-      </p:pic>
-      <p:pic>
-        <p:nvPicPr>
-          <p:cNvPr id="22" name="Image 21"/>
-          <p:cNvPicPr>
-            <a:picLocks noChangeAspect="1"/>
-          </p:cNvPicPr>
-          <p:nvPr/>
-        </p:nvPicPr>
-        <p:blipFill>
-          <a:blip r:embed="rId13">
-            <a:extLst>
-              <a:ext uri="{28A0092B-C50C-407E-A947-70E740481C1C}">
-                <a14:useLocalDpi xmlns:a14="http://schemas.microsoft.com/office/drawing/2010/main" val="0"/>
-              </a:ext>
-            </a:extLst>
-          </a:blip>
-          <a:stretch>
-            <a:fillRect/>
-          </a:stretch>
-        </p:blipFill>
-        <p:spPr>
-          <a:xfrm>
-            <a:off x="10256453" y="723751"/>
-            <a:ext cx="528704" cy="528704"/>
-          </a:xfrm>
-          <a:prstGeom prst="rect">
-            <a:avLst/>
-          </a:prstGeom>
-        </p:spPr>
-      </p:pic>
-      <p:pic>
-        <p:nvPicPr>
-          <p:cNvPr id="24" name="Image 23"/>
-          <p:cNvPicPr>
-            <a:picLocks noChangeAspect="1"/>
-          </p:cNvPicPr>
-          <p:nvPr/>
-        </p:nvPicPr>
-        <p:blipFill>
-          <a:blip r:embed="rId14">
-            <a:extLst>
-              <a:ext uri="{28A0092B-C50C-407E-A947-70E740481C1C}">
-                <a14:useLocalDpi xmlns:a14="http://schemas.microsoft.com/office/drawing/2010/main" val="0"/>
-              </a:ext>
-            </a:extLst>
-          </a:blip>
-          <a:stretch>
-            <a:fillRect/>
-          </a:stretch>
-        </p:blipFill>
-        <p:spPr>
-          <a:xfrm>
-            <a:off x="11166090" y="733175"/>
-            <a:ext cx="553918" cy="553918"/>
-          </a:xfrm>
-          <a:prstGeom prst="rect">
-            <a:avLst/>
-          </a:prstGeom>
-        </p:spPr>
-      </p:pic>
-      <p:sp>
-        <p:nvSpPr>
-          <p:cNvPr id="38" name="ZoneTexte 37"/>
-          <p:cNvSpPr txBox="1"/>
-          <p:nvPr/>
-        </p:nvSpPr>
-        <p:spPr>
-          <a:xfrm>
-            <a:off x="10206474" y="1423694"/>
-            <a:ext cx="671273" cy="430887"/>
-          </a:xfrm>
-          <a:prstGeom prst="rect">
-            <a:avLst/>
-          </a:prstGeom>
-          <a:noFill/>
-        </p:spPr>
-        <p:txBody>
-          <a:bodyPr wrap="square" rtlCol="0">
-            <a:spAutoFit/>
-          </a:bodyPr>
-          <a:lstStyle/>
-          <a:p>
-            <a:r>
-              <a:rPr lang="fr-FR" sz="2200" b="1" dirty="0" smtClean="0">
-                <a:solidFill>
-                  <a:srgbClr val="D5D5D5"/>
-                </a:solidFill>
-              </a:rPr>
-              <a:t>89%</a:t>
-            </a:r>
-            <a:endParaRPr lang="fr-FR" sz="2200" b="1" dirty="0">
-              <a:solidFill>
-                <a:srgbClr val="D5D5D5"/>
-              </a:solidFill>
-            </a:endParaRPr>
-          </a:p>
-        </p:txBody>
-      </p:sp>
-      <p:sp>
-        <p:nvSpPr>
-          <p:cNvPr id="39" name="ZoneTexte 38"/>
-          <p:cNvSpPr txBox="1"/>
-          <p:nvPr/>
-        </p:nvSpPr>
-        <p:spPr>
-          <a:xfrm>
-            <a:off x="11089964" y="1424988"/>
-            <a:ext cx="791301" cy="430887"/>
-          </a:xfrm>
-          <a:prstGeom prst="rect">
-            <a:avLst/>
-          </a:prstGeom>
-          <a:noFill/>
-        </p:spPr>
-        <p:txBody>
-          <a:bodyPr wrap="square" rtlCol="0">
-            <a:spAutoFit/>
-          </a:bodyPr>
-          <a:lstStyle/>
-          <a:p>
-            <a:r>
-              <a:rPr lang="fr-FR" sz="2200" b="1" dirty="0" smtClean="0">
-                <a:solidFill>
-                  <a:srgbClr val="D5D5D5"/>
-                </a:solidFill>
-              </a:rPr>
-              <a:t>25°C</a:t>
-            </a:r>
-            <a:endParaRPr lang="fr-FR" sz="2200" b="1" dirty="0">
-              <a:solidFill>
-                <a:srgbClr val="D5D5D5"/>
-              </a:solidFill>
-            </a:endParaRPr>
-          </a:p>
-        </p:txBody>
-      </p:sp>
-      <p:sp>
-        <p:nvSpPr>
-          <p:cNvPr id="40" name="ZoneTexte 39"/>
-          <p:cNvSpPr txBox="1"/>
-          <p:nvPr/>
-        </p:nvSpPr>
-        <p:spPr>
-          <a:xfrm>
-            <a:off x="9231563" y="1423693"/>
-            <a:ext cx="671273" cy="430887"/>
-          </a:xfrm>
-          <a:prstGeom prst="rect">
-            <a:avLst/>
-          </a:prstGeom>
-          <a:noFill/>
-        </p:spPr>
-        <p:txBody>
-          <a:bodyPr wrap="square" rtlCol="0">
-            <a:spAutoFit/>
-          </a:bodyPr>
-          <a:lstStyle/>
-          <a:p>
-            <a:r>
-              <a:rPr lang="fr-FR" sz="2200" b="1" dirty="0" smtClean="0">
-                <a:solidFill>
-                  <a:srgbClr val="D5D5D5"/>
-                </a:solidFill>
-              </a:rPr>
-              <a:t>70%</a:t>
-            </a:r>
-            <a:endParaRPr lang="fr-FR" sz="2200" b="1" dirty="0">
-              <a:solidFill>
-                <a:srgbClr val="D5D5D5"/>
-              </a:solidFill>
-            </a:endParaRPr>
-          </a:p>
-        </p:txBody>
-      </p:sp>
-      <p:sp>
-        <p:nvSpPr>
-          <p:cNvPr id="30" name="Rectangle à coins arrondis 29"/>
-          <p:cNvSpPr/>
-          <p:nvPr/>
-        </p:nvSpPr>
-        <p:spPr>
-          <a:xfrm>
-            <a:off x="1927638" y="4046110"/>
-            <a:ext cx="1291811" cy="1244138"/>
-          </a:xfrm>
-          <a:prstGeom prst="roundRect">
-            <a:avLst>
-              <a:gd name="adj" fmla="val 9869"/>
-            </a:avLst>
-          </a:prstGeom>
-          <a:solidFill>
-            <a:srgbClr val="2A2A32"/>
-          </a:solidFill>
-          <a:ln>
-            <a:noFill/>
-          </a:ln>
-        </p:spPr>
-        <p:style>
-          <a:lnRef idx="2">
-            <a:schemeClr val="accent1">
-              <a:shade val="50000"/>
-            </a:schemeClr>
-          </a:lnRef>
-          <a:fillRef idx="1">
-            <a:schemeClr val="accent1"/>
-          </a:fillRef>
-          <a:effectRef idx="0">
-            <a:schemeClr val="accent1"/>
-          </a:effectRef>
-          <a:fontRef idx="minor">
-            <a:schemeClr val="lt1"/>
-          </a:fontRef>
-        </p:style>
-        <p:txBody>
-          <a:bodyPr rtlCol="0" anchor="ctr"/>
-          <a:lstStyle/>
-          <a:p>
-            <a:pPr algn="ctr"/>
-            <a:endParaRPr lang="fr-FR"/>
-          </a:p>
-        </p:txBody>
-      </p:sp>
-      <p:pic>
-        <p:nvPicPr>
-          <p:cNvPr id="41" name="Image 40"/>
-          <p:cNvPicPr>
-            <a:picLocks noChangeAspect="1"/>
-          </p:cNvPicPr>
-          <p:nvPr/>
-        </p:nvPicPr>
-        <p:blipFill>
-          <a:blip r:embed="rId15" cstate="print">
-            <a:extLst>
-              <a:ext uri="{28A0092B-C50C-407E-A947-70E740481C1C}">
-                <a14:useLocalDpi xmlns:a14="http://schemas.microsoft.com/office/drawing/2010/main" val="0"/>
-              </a:ext>
-            </a:extLst>
-          </a:blip>
-          <a:stretch>
-            <a:fillRect/>
-          </a:stretch>
-        </p:blipFill>
-        <p:spPr>
-          <a:xfrm>
-            <a:off x="2053803" y="4148962"/>
-            <a:ext cx="276647" cy="276647"/>
-          </a:xfrm>
-          <a:prstGeom prst="rect">
-            <a:avLst/>
-          </a:prstGeom>
-        </p:spPr>
-      </p:pic>
-      <p:sp>
-        <p:nvSpPr>
-          <p:cNvPr id="42" name="Rectangle à coins arrondis 41"/>
-          <p:cNvSpPr/>
-          <p:nvPr/>
-        </p:nvSpPr>
-        <p:spPr>
-          <a:xfrm>
-            <a:off x="2583656" y="4184650"/>
-            <a:ext cx="521259" cy="225172"/>
-          </a:xfrm>
-          <a:prstGeom prst="roundRect">
-            <a:avLst>
-              <a:gd name="adj" fmla="val 50000"/>
-            </a:avLst>
-          </a:prstGeom>
-          <a:solidFill>
-            <a:srgbClr val="4A4A58"/>
-          </a:solidFill>
-          <a:ln>
-            <a:noFill/>
-          </a:ln>
-        </p:spPr>
-        <p:style>
-          <a:lnRef idx="2">
-            <a:schemeClr val="accent1">
-              <a:shade val="50000"/>
-            </a:schemeClr>
-          </a:lnRef>
-          <a:fillRef idx="1">
-            <a:schemeClr val="accent1"/>
-          </a:fillRef>
-          <a:effectRef idx="0">
-            <a:schemeClr val="accent1"/>
-          </a:effectRef>
-          <a:fontRef idx="minor">
-            <a:schemeClr val="lt1"/>
-          </a:fontRef>
-        </p:style>
-        <p:txBody>
-          <a:bodyPr rtlCol="0" anchor="ctr"/>
-          <a:lstStyle/>
-          <a:p>
-            <a:pPr algn="ctr"/>
-            <a:endParaRPr lang="fr-FR"/>
-          </a:p>
-        </p:txBody>
-      </p:sp>
-      <p:sp>
-        <p:nvSpPr>
-          <p:cNvPr id="43" name="Ellipse 42"/>
-          <p:cNvSpPr/>
-          <p:nvPr/>
-        </p:nvSpPr>
-        <p:spPr>
-          <a:xfrm>
-            <a:off x="2860897" y="4198900"/>
-            <a:ext cx="211694" cy="196671"/>
-          </a:xfrm>
-          <a:prstGeom prst="ellipse">
-            <a:avLst/>
-          </a:prstGeom>
-          <a:solidFill>
-            <a:srgbClr val="07CEC9"/>
-          </a:solidFill>
-          <a:ln>
-            <a:noFill/>
-          </a:ln>
-        </p:spPr>
-        <p:style>
-          <a:lnRef idx="2">
-            <a:schemeClr val="accent1">
-              <a:shade val="50000"/>
-            </a:schemeClr>
-          </a:lnRef>
-          <a:fillRef idx="1">
-            <a:schemeClr val="accent1"/>
-          </a:fillRef>
-          <a:effectRef idx="0">
-            <a:schemeClr val="accent1"/>
-          </a:effectRef>
-          <a:fontRef idx="minor">
-            <a:schemeClr val="lt1"/>
-          </a:fontRef>
-        </p:style>
-        <p:txBody>
-          <a:bodyPr rtlCol="0" anchor="ctr"/>
-          <a:lstStyle/>
-          <a:p>
-            <a:pPr algn="ctr"/>
-            <a:endParaRPr lang="fr-FR"/>
-          </a:p>
-        </p:txBody>
-      </p:sp>
-      <p:sp>
-        <p:nvSpPr>
-          <p:cNvPr id="44" name="ZoneTexte 43"/>
-          <p:cNvSpPr txBox="1"/>
-          <p:nvPr/>
-        </p:nvSpPr>
-        <p:spPr>
-          <a:xfrm>
-            <a:off x="1810108" y="4727123"/>
-            <a:ext cx="720051" cy="261610"/>
-          </a:xfrm>
-          <a:prstGeom prst="rect">
-            <a:avLst/>
-          </a:prstGeom>
-          <a:noFill/>
-        </p:spPr>
-        <p:txBody>
-          <a:bodyPr wrap="square" rtlCol="0">
-            <a:spAutoFit/>
-          </a:bodyPr>
-          <a:lstStyle/>
-          <a:p>
-            <a:pPr algn="ctr"/>
-            <a:r>
-              <a:rPr lang="fr-FR" sz="1100" dirty="0" smtClean="0">
-                <a:solidFill>
-                  <a:srgbClr val="D5D5D5"/>
-                </a:solidFill>
-              </a:rPr>
-              <a:t>Light</a:t>
-            </a:r>
-            <a:endParaRPr lang="fr-FR" sz="1100" dirty="0">
-              <a:ln>
-                <a:solidFill>
-                  <a:srgbClr val="D5D5D5"/>
-                </a:solidFill>
-              </a:ln>
-              <a:solidFill>
-                <a:srgbClr val="D5D5D5"/>
-              </a:solidFill>
-            </a:endParaRPr>
-          </a:p>
-        </p:txBody>
-      </p:sp>
-      <p:sp>
-        <p:nvSpPr>
-          <p:cNvPr id="45" name="ZoneTexte 44"/>
-          <p:cNvSpPr txBox="1"/>
-          <p:nvPr/>
-        </p:nvSpPr>
-        <p:spPr>
-          <a:xfrm>
-            <a:off x="1793972" y="4993117"/>
-            <a:ext cx="1122667" cy="184666"/>
-          </a:xfrm>
-          <a:prstGeom prst="rect">
-            <a:avLst/>
-          </a:prstGeom>
-          <a:noFill/>
-        </p:spPr>
-        <p:txBody>
-          <a:bodyPr wrap="square" rtlCol="0">
-            <a:spAutoFit/>
-          </a:bodyPr>
-          <a:lstStyle/>
-          <a:p>
-            <a:pPr algn="ctr"/>
-            <a:r>
-              <a:rPr lang="fr-FR" sz="600" dirty="0" smtClean="0">
-                <a:solidFill>
-                  <a:schemeClr val="bg1">
-                    <a:lumMod val="75000"/>
-                  </a:schemeClr>
-                </a:solidFill>
-              </a:rPr>
-              <a:t>Ampoule led Ingelec</a:t>
-            </a:r>
-            <a:endParaRPr lang="fr-FR" sz="600" dirty="0">
-              <a:ln>
-                <a:solidFill>
-                  <a:srgbClr val="D5D5D5"/>
-                </a:solidFill>
-              </a:ln>
-              <a:solidFill>
-                <a:schemeClr val="bg1">
-                  <a:lumMod val="75000"/>
-                </a:schemeClr>
-              </a:solidFill>
-            </a:endParaRPr>
-          </a:p>
-        </p:txBody>
-      </p:sp>
-      <p:sp>
-        <p:nvSpPr>
-          <p:cNvPr id="46" name="Rectangle à coins arrondis 45"/>
-          <p:cNvSpPr/>
-          <p:nvPr/>
-        </p:nvSpPr>
-        <p:spPr>
-          <a:xfrm>
-            <a:off x="3381767" y="4043034"/>
-            <a:ext cx="1291811" cy="1244138"/>
-          </a:xfrm>
-          <a:prstGeom prst="roundRect">
-            <a:avLst>
-              <a:gd name="adj" fmla="val 9869"/>
-            </a:avLst>
-          </a:prstGeom>
-          <a:solidFill>
-            <a:srgbClr val="4A4A58"/>
-          </a:solidFill>
-          <a:ln>
-            <a:noFill/>
-          </a:ln>
-        </p:spPr>
-        <p:style>
-          <a:lnRef idx="2">
-            <a:schemeClr val="accent1">
-              <a:shade val="50000"/>
-            </a:schemeClr>
-          </a:lnRef>
-          <a:fillRef idx="1">
-            <a:schemeClr val="accent1"/>
-          </a:fillRef>
-          <a:effectRef idx="0">
-            <a:schemeClr val="accent1"/>
-          </a:effectRef>
-          <a:fontRef idx="minor">
-            <a:schemeClr val="lt1"/>
-          </a:fontRef>
-        </p:style>
-        <p:txBody>
-          <a:bodyPr rtlCol="0" anchor="ctr"/>
-          <a:lstStyle/>
-          <a:p>
-            <a:pPr algn="ctr"/>
-            <a:endParaRPr lang="fr-FR"/>
-          </a:p>
-        </p:txBody>
-      </p:sp>
-      <p:sp>
-        <p:nvSpPr>
-          <p:cNvPr id="47" name="Rectangle à coins arrondis 46"/>
-          <p:cNvSpPr/>
-          <p:nvPr/>
-        </p:nvSpPr>
-        <p:spPr>
-          <a:xfrm>
-            <a:off x="4835896" y="4046109"/>
-            <a:ext cx="1291811" cy="1244138"/>
-          </a:xfrm>
-          <a:prstGeom prst="roundRect">
-            <a:avLst>
-              <a:gd name="adj" fmla="val 9869"/>
-            </a:avLst>
-          </a:prstGeom>
-          <a:solidFill>
-            <a:srgbClr val="4A4A58"/>
-          </a:solidFill>
-          <a:ln>
-            <a:noFill/>
-          </a:ln>
-        </p:spPr>
-        <p:style>
-          <a:lnRef idx="2">
-            <a:schemeClr val="accent1">
-              <a:shade val="50000"/>
-            </a:schemeClr>
-          </a:lnRef>
-          <a:fillRef idx="1">
-            <a:schemeClr val="accent1"/>
-          </a:fillRef>
-          <a:effectRef idx="0">
-            <a:schemeClr val="accent1"/>
-          </a:effectRef>
-          <a:fontRef idx="minor">
-            <a:schemeClr val="lt1"/>
-          </a:fontRef>
-        </p:style>
-        <p:txBody>
-          <a:bodyPr rtlCol="0" anchor="ctr"/>
-          <a:lstStyle/>
-          <a:p>
-            <a:pPr algn="ctr"/>
-            <a:endParaRPr lang="fr-FR"/>
-          </a:p>
-        </p:txBody>
-      </p:sp>
-      <p:sp>
-        <p:nvSpPr>
-          <p:cNvPr id="48" name="Rectangle à coins arrondis 47"/>
-          <p:cNvSpPr/>
-          <p:nvPr/>
-        </p:nvSpPr>
-        <p:spPr>
-          <a:xfrm>
-            <a:off x="6294321" y="4046109"/>
-            <a:ext cx="1291811" cy="1244138"/>
-          </a:xfrm>
-          <a:prstGeom prst="roundRect">
-            <a:avLst>
-              <a:gd name="adj" fmla="val 9869"/>
-            </a:avLst>
-          </a:prstGeom>
-          <a:solidFill>
-            <a:srgbClr val="FFFFFF"/>
-          </a:solidFill>
-          <a:ln>
-            <a:noFill/>
-          </a:ln>
-        </p:spPr>
-        <p:style>
-          <a:lnRef idx="2">
-            <a:schemeClr val="accent1">
-              <a:shade val="50000"/>
-            </a:schemeClr>
-          </a:lnRef>
-          <a:fillRef idx="1">
-            <a:schemeClr val="accent1"/>
-          </a:fillRef>
-          <a:effectRef idx="0">
-            <a:schemeClr val="accent1"/>
-          </a:effectRef>
-          <a:fontRef idx="minor">
-            <a:schemeClr val="lt1"/>
-          </a:fontRef>
-        </p:style>
-        <p:txBody>
-          <a:bodyPr rtlCol="0" anchor="ctr"/>
-          <a:lstStyle/>
-          <a:p>
-            <a:pPr algn="ctr"/>
-            <a:endParaRPr lang="fr-FR"/>
-          </a:p>
-        </p:txBody>
-      </p:sp>
-      <p:sp>
-        <p:nvSpPr>
-          <p:cNvPr id="58" name="Rectangle à coins arrondis 57"/>
-          <p:cNvSpPr/>
-          <p:nvPr/>
-        </p:nvSpPr>
-        <p:spPr>
-          <a:xfrm>
-            <a:off x="4041682" y="4231133"/>
-            <a:ext cx="521259" cy="225172"/>
-          </a:xfrm>
-          <a:prstGeom prst="roundRect">
-            <a:avLst>
-              <a:gd name="adj" fmla="val 50000"/>
-            </a:avLst>
-          </a:prstGeom>
-          <a:solidFill>
-            <a:srgbClr val="2A2A32"/>
-          </a:solidFill>
-          <a:ln>
-            <a:noFill/>
-          </a:ln>
-        </p:spPr>
-        <p:style>
-          <a:lnRef idx="2">
-            <a:schemeClr val="accent1">
-              <a:shade val="50000"/>
-            </a:schemeClr>
-          </a:lnRef>
-          <a:fillRef idx="1">
-            <a:schemeClr val="accent1"/>
-          </a:fillRef>
-          <a:effectRef idx="0">
-            <a:schemeClr val="accent1"/>
-          </a:effectRef>
-          <a:fontRef idx="minor">
-            <a:schemeClr val="lt1"/>
-          </a:fontRef>
-        </p:style>
-        <p:txBody>
-          <a:bodyPr rtlCol="0" anchor="ctr"/>
-          <a:lstStyle/>
-          <a:p>
-            <a:pPr algn="ctr"/>
-            <a:endParaRPr lang="fr-FR"/>
-          </a:p>
-        </p:txBody>
-      </p:sp>
-      <p:sp>
-        <p:nvSpPr>
-          <p:cNvPr id="59" name="Ellipse 58"/>
-          <p:cNvSpPr/>
-          <p:nvPr/>
-        </p:nvSpPr>
-        <p:spPr>
-          <a:xfrm>
-            <a:off x="4318923" y="4245383"/>
-            <a:ext cx="211694" cy="196671"/>
-          </a:xfrm>
-          <a:prstGeom prst="ellipse">
-            <a:avLst/>
-          </a:prstGeom>
-          <a:solidFill>
-            <a:srgbClr val="D5D5D5"/>
-          </a:solidFill>
-          <a:ln>
-            <a:noFill/>
-          </a:ln>
-        </p:spPr>
-        <p:style>
-          <a:lnRef idx="2">
-            <a:schemeClr val="accent1">
-              <a:shade val="50000"/>
-            </a:schemeClr>
-          </a:lnRef>
-          <a:fillRef idx="1">
-            <a:schemeClr val="accent1"/>
-          </a:fillRef>
-          <a:effectRef idx="0">
-            <a:schemeClr val="accent1"/>
-          </a:effectRef>
-          <a:fontRef idx="minor">
-            <a:schemeClr val="lt1"/>
-          </a:fontRef>
-        </p:style>
-        <p:txBody>
-          <a:bodyPr rtlCol="0" anchor="ctr"/>
-          <a:lstStyle/>
-          <a:p>
-            <a:pPr algn="ctr"/>
-            <a:endParaRPr lang="fr-FR"/>
-          </a:p>
-        </p:txBody>
-      </p:sp>
-      <p:sp>
-        <p:nvSpPr>
-          <p:cNvPr id="60" name="Rectangle à coins arrondis 59"/>
-          <p:cNvSpPr/>
-          <p:nvPr/>
-        </p:nvSpPr>
-        <p:spPr>
-          <a:xfrm>
-            <a:off x="5471346" y="4231133"/>
-            <a:ext cx="521259" cy="225172"/>
-          </a:xfrm>
-          <a:prstGeom prst="roundRect">
-            <a:avLst>
-              <a:gd name="adj" fmla="val 50000"/>
-            </a:avLst>
-          </a:prstGeom>
-          <a:solidFill>
-            <a:srgbClr val="2A2A32"/>
-          </a:solidFill>
-          <a:ln>
-            <a:noFill/>
-          </a:ln>
-        </p:spPr>
-        <p:style>
-          <a:lnRef idx="2">
-            <a:schemeClr val="accent1">
-              <a:shade val="50000"/>
-            </a:schemeClr>
-          </a:lnRef>
-          <a:fillRef idx="1">
-            <a:schemeClr val="accent1"/>
-          </a:fillRef>
-          <a:effectRef idx="0">
-            <a:schemeClr val="accent1"/>
-          </a:effectRef>
-          <a:fontRef idx="minor">
-            <a:schemeClr val="lt1"/>
-          </a:fontRef>
-        </p:style>
-        <p:txBody>
-          <a:bodyPr rtlCol="0" anchor="ctr"/>
-          <a:lstStyle/>
-          <a:p>
-            <a:pPr algn="ctr"/>
-            <a:endParaRPr lang="fr-FR"/>
-          </a:p>
-        </p:txBody>
-      </p:sp>
-      <p:sp>
-        <p:nvSpPr>
-          <p:cNvPr id="61" name="Ellipse 60"/>
-          <p:cNvSpPr/>
-          <p:nvPr/>
-        </p:nvSpPr>
-        <p:spPr>
-          <a:xfrm>
-            <a:off x="5748587" y="4245383"/>
-            <a:ext cx="211694" cy="196671"/>
-          </a:xfrm>
-          <a:prstGeom prst="ellipse">
-            <a:avLst/>
-          </a:prstGeom>
-          <a:solidFill>
-            <a:srgbClr val="D5D5D5"/>
-          </a:solidFill>
-          <a:ln>
-            <a:noFill/>
-          </a:ln>
-        </p:spPr>
-        <p:style>
-          <a:lnRef idx="2">
-            <a:schemeClr val="accent1">
-              <a:shade val="50000"/>
-            </a:schemeClr>
-          </a:lnRef>
-          <a:fillRef idx="1">
-            <a:schemeClr val="accent1"/>
-          </a:fillRef>
-          <a:effectRef idx="0">
-            <a:schemeClr val="accent1"/>
-          </a:effectRef>
-          <a:fontRef idx="minor">
-            <a:schemeClr val="lt1"/>
-          </a:fontRef>
-        </p:style>
-        <p:txBody>
-          <a:bodyPr rtlCol="0" anchor="ctr"/>
-          <a:lstStyle/>
-          <a:p>
-            <a:pPr algn="ctr"/>
-            <a:endParaRPr lang="fr-FR"/>
-          </a:p>
-        </p:txBody>
-      </p:sp>
-      <p:pic>
-        <p:nvPicPr>
-          <p:cNvPr id="70" name="Image 69"/>
-          <p:cNvPicPr>
-            <a:picLocks noChangeAspect="1"/>
-          </p:cNvPicPr>
-          <p:nvPr/>
-        </p:nvPicPr>
-        <p:blipFill>
-          <a:blip r:embed="rId16" cstate="print">
-            <a:extLst>
-              <a:ext uri="{28A0092B-C50C-407E-A947-70E740481C1C}">
-                <a14:useLocalDpi xmlns:a14="http://schemas.microsoft.com/office/drawing/2010/main" val="0"/>
-              </a:ext>
-            </a:extLst>
-          </a:blip>
-          <a:stretch>
-            <a:fillRect/>
-          </a:stretch>
-        </p:blipFill>
-        <p:spPr>
-          <a:xfrm>
-            <a:off x="3496690" y="4186314"/>
-            <a:ext cx="307572" cy="307572"/>
-          </a:xfrm>
-          <a:prstGeom prst="rect">
-            <a:avLst/>
-          </a:prstGeom>
-        </p:spPr>
-      </p:pic>
-      <p:pic>
-        <p:nvPicPr>
-          <p:cNvPr id="71" name="Image 70"/>
-          <p:cNvPicPr>
-            <a:picLocks noChangeAspect="1"/>
-          </p:cNvPicPr>
-          <p:nvPr/>
-        </p:nvPicPr>
-        <p:blipFill>
-          <a:blip r:embed="rId17" cstate="print">
-            <a:extLst>
-              <a:ext uri="{28A0092B-C50C-407E-A947-70E740481C1C}">
-                <a14:useLocalDpi xmlns:a14="http://schemas.microsoft.com/office/drawing/2010/main" val="0"/>
-              </a:ext>
-            </a:extLst>
-          </a:blip>
-          <a:stretch>
-            <a:fillRect/>
-          </a:stretch>
-        </p:blipFill>
-        <p:spPr>
-          <a:xfrm>
-            <a:off x="4899206" y="4132823"/>
-            <a:ext cx="399674" cy="399674"/>
-          </a:xfrm>
-          <a:prstGeom prst="rect">
-            <a:avLst/>
-          </a:prstGeom>
-        </p:spPr>
-      </p:pic>
-      <p:pic>
-        <p:nvPicPr>
-          <p:cNvPr id="74" name="Image 73"/>
-          <p:cNvPicPr>
-            <a:picLocks noChangeAspect="1"/>
-          </p:cNvPicPr>
-          <p:nvPr/>
-        </p:nvPicPr>
-        <p:blipFill>
-          <a:blip r:embed="rId18">
-            <a:extLst>
-              <a:ext uri="{28A0092B-C50C-407E-A947-70E740481C1C}">
-                <a14:useLocalDpi xmlns:a14="http://schemas.microsoft.com/office/drawing/2010/main" val="0"/>
-              </a:ext>
-            </a:extLst>
-          </a:blip>
-          <a:stretch>
-            <a:fillRect/>
-          </a:stretch>
-        </p:blipFill>
-        <p:spPr>
-          <a:xfrm>
-            <a:off x="6675804" y="4393533"/>
-            <a:ext cx="528843" cy="528843"/>
-          </a:xfrm>
-          <a:prstGeom prst="rect">
-            <a:avLst/>
-          </a:prstGeom>
-        </p:spPr>
-      </p:pic>
-      <p:pic>
-        <p:nvPicPr>
-          <p:cNvPr id="77" name="Image 76"/>
-          <p:cNvPicPr>
-            <a:picLocks noChangeAspect="1"/>
-          </p:cNvPicPr>
-          <p:nvPr/>
-        </p:nvPicPr>
-        <p:blipFill>
-          <a:blip r:embed="rId19" cstate="print">
-            <a:extLst>
-              <a:ext uri="{28A0092B-C50C-407E-A947-70E740481C1C}">
-                <a14:useLocalDpi xmlns:a14="http://schemas.microsoft.com/office/drawing/2010/main" val="0"/>
-              </a:ext>
-            </a:extLst>
-          </a:blip>
-          <a:stretch>
-            <a:fillRect/>
-          </a:stretch>
-        </p:blipFill>
-        <p:spPr>
-          <a:xfrm>
-            <a:off x="206676" y="4593415"/>
-            <a:ext cx="298231" cy="298231"/>
-          </a:xfrm>
-          <a:prstGeom prst="rect">
-            <a:avLst/>
-          </a:prstGeom>
-        </p:spPr>
-      </p:pic>
-      <p:sp>
-        <p:nvSpPr>
-          <p:cNvPr id="79" name="Rectangle à coins arrondis 78"/>
-          <p:cNvSpPr/>
-          <p:nvPr/>
-        </p:nvSpPr>
-        <p:spPr>
-          <a:xfrm>
-            <a:off x="7894483" y="2058786"/>
-            <a:ext cx="1981037" cy="1817811"/>
-          </a:xfrm>
-          <a:prstGeom prst="roundRect">
-            <a:avLst>
-              <a:gd name="adj" fmla="val 9869"/>
-            </a:avLst>
-          </a:prstGeom>
-          <a:blipFill dpi="0" rotWithShape="1">
-            <a:blip r:embed="rId20" cstate="print">
-              <a:extLst>
-                <a:ext uri="{28A0092B-C50C-407E-A947-70E740481C1C}">
-                  <a14:useLocalDpi xmlns:a14="http://schemas.microsoft.com/office/drawing/2010/main" val="0"/>
-                </a:ext>
-              </a:extLst>
-            </a:blip>
-            <a:srcRect/>
-            <a:stretch>
-              <a:fillRect/>
-            </a:stretch>
-          </a:blipFill>
-          <a:ln>
-            <a:noFill/>
-          </a:ln>
-        </p:spPr>
-        <p:style>
-          <a:lnRef idx="2">
-            <a:schemeClr val="accent1">
-              <a:shade val="50000"/>
-            </a:schemeClr>
-          </a:lnRef>
-          <a:fillRef idx="1">
-            <a:schemeClr val="accent1"/>
-          </a:fillRef>
-          <a:effectRef idx="0">
-            <a:schemeClr val="accent1"/>
-          </a:effectRef>
-          <a:fontRef idx="minor">
-            <a:schemeClr val="lt1"/>
-          </a:fontRef>
-        </p:style>
-        <p:txBody>
-          <a:bodyPr rtlCol="0" anchor="ctr"/>
-          <a:lstStyle/>
-          <a:p>
-            <a:pPr algn="ctr"/>
-            <a:endParaRPr lang="fr-FR"/>
-          </a:p>
-        </p:txBody>
-      </p:sp>
-      <p:sp>
-        <p:nvSpPr>
-          <p:cNvPr id="80" name="Rectangle à coins arrondis 79"/>
-          <p:cNvSpPr/>
-          <p:nvPr/>
-        </p:nvSpPr>
-        <p:spPr>
-          <a:xfrm>
-            <a:off x="9971117" y="2050933"/>
-            <a:ext cx="1981037" cy="1817811"/>
-          </a:xfrm>
-          <a:prstGeom prst="roundRect">
-            <a:avLst>
-              <a:gd name="adj" fmla="val 9869"/>
-            </a:avLst>
-          </a:prstGeom>
-          <a:blipFill dpi="0" rotWithShape="1">
-            <a:blip r:embed="rId21" cstate="print">
-              <a:extLst>
-                <a:ext uri="{28A0092B-C50C-407E-A947-70E740481C1C}">
-                  <a14:useLocalDpi xmlns:a14="http://schemas.microsoft.com/office/drawing/2010/main" val="0"/>
-                </a:ext>
-              </a:extLst>
-            </a:blip>
-            <a:srcRect/>
-            <a:stretch>
-              <a:fillRect/>
-            </a:stretch>
-          </a:blipFill>
-          <a:ln>
-            <a:noFill/>
-          </a:ln>
-        </p:spPr>
-        <p:style>
-          <a:lnRef idx="2">
-            <a:schemeClr val="accent1">
-              <a:shade val="50000"/>
-            </a:schemeClr>
-          </a:lnRef>
-          <a:fillRef idx="1">
-            <a:schemeClr val="accent1"/>
-          </a:fillRef>
-          <a:effectRef idx="0">
-            <a:schemeClr val="accent1"/>
-          </a:effectRef>
-          <a:fontRef idx="minor">
-            <a:schemeClr val="lt1"/>
-          </a:fontRef>
-        </p:style>
-        <p:txBody>
-          <a:bodyPr rtlCol="0" anchor="ctr"/>
-          <a:lstStyle/>
-          <a:p>
-            <a:pPr algn="ctr"/>
-            <a:endParaRPr lang="fr-FR"/>
-          </a:p>
-        </p:txBody>
-      </p:sp>
-      <p:sp>
-        <p:nvSpPr>
-          <p:cNvPr id="82" name="ZoneTexte 81"/>
-          <p:cNvSpPr txBox="1"/>
-          <p:nvPr/>
-        </p:nvSpPr>
-        <p:spPr>
-          <a:xfrm>
-            <a:off x="7925246" y="2103513"/>
-            <a:ext cx="1001867" cy="276999"/>
-          </a:xfrm>
-          <a:prstGeom prst="rect">
-            <a:avLst/>
-          </a:prstGeom>
-          <a:noFill/>
-        </p:spPr>
-        <p:txBody>
-          <a:bodyPr wrap="square" rtlCol="0">
-            <a:spAutoFit/>
-          </a:bodyPr>
-          <a:lstStyle/>
-          <a:p>
-            <a:r>
-              <a:rPr lang="fr-FR" sz="1200" b="1" dirty="0" smtClean="0">
-                <a:solidFill>
-                  <a:schemeClr val="bg1"/>
-                </a:solidFill>
-              </a:rPr>
-              <a:t>Bedroom</a:t>
-            </a:r>
-            <a:endParaRPr lang="fr-FR" sz="1200" b="1" dirty="0">
-              <a:solidFill>
-                <a:schemeClr val="bg1"/>
-              </a:solidFill>
-            </a:endParaRPr>
-          </a:p>
-        </p:txBody>
-      </p:sp>
-      <p:sp>
-        <p:nvSpPr>
-          <p:cNvPr id="83" name="Rectangle à coins arrondis 82"/>
-          <p:cNvSpPr/>
-          <p:nvPr/>
-        </p:nvSpPr>
-        <p:spPr>
-          <a:xfrm>
-            <a:off x="8957877" y="2186636"/>
-            <a:ext cx="319406" cy="131418"/>
-          </a:xfrm>
-          <a:prstGeom prst="roundRect">
-            <a:avLst>
-              <a:gd name="adj" fmla="val 50000"/>
-            </a:avLst>
-          </a:prstGeom>
-          <a:solidFill>
-            <a:srgbClr val="3C280A">
-              <a:alpha val="40784"/>
-            </a:srgbClr>
-          </a:solidFill>
-          <a:ln>
-            <a:noFill/>
-          </a:ln>
-        </p:spPr>
-        <p:style>
-          <a:lnRef idx="2">
-            <a:schemeClr val="accent1">
-              <a:shade val="50000"/>
-            </a:schemeClr>
-          </a:lnRef>
-          <a:fillRef idx="1">
-            <a:schemeClr val="accent1"/>
-          </a:fillRef>
-          <a:effectRef idx="0">
-            <a:schemeClr val="accent1"/>
-          </a:effectRef>
-          <a:fontRef idx="minor">
-            <a:schemeClr val="lt1"/>
-          </a:fontRef>
-        </p:style>
-        <p:txBody>
-          <a:bodyPr rtlCol="0" anchor="ctr"/>
-          <a:lstStyle/>
-          <a:p>
-            <a:pPr algn="ctr"/>
-            <a:endParaRPr lang="fr-FR"/>
-          </a:p>
-        </p:txBody>
-      </p:sp>
-      <p:sp>
-        <p:nvSpPr>
-          <p:cNvPr id="84" name="ZoneTexte 83"/>
-          <p:cNvSpPr txBox="1"/>
-          <p:nvPr/>
-        </p:nvSpPr>
-        <p:spPr>
-          <a:xfrm>
-            <a:off x="8996763" y="2141984"/>
-            <a:ext cx="350169" cy="200055"/>
-          </a:xfrm>
-          <a:prstGeom prst="rect">
-            <a:avLst/>
-          </a:prstGeom>
-          <a:noFill/>
-        </p:spPr>
-        <p:txBody>
-          <a:bodyPr wrap="square" rtlCol="0">
-            <a:spAutoFit/>
-          </a:bodyPr>
-          <a:lstStyle/>
-          <a:p>
-            <a:r>
-              <a:rPr lang="fr-FR" sz="700" dirty="0" smtClean="0">
-                <a:solidFill>
-                  <a:srgbClr val="D5D5D5"/>
-                </a:solidFill>
-              </a:rPr>
-              <a:t>Live</a:t>
-            </a:r>
-            <a:endParaRPr lang="fr-FR" sz="700" dirty="0">
-              <a:solidFill>
-                <a:srgbClr val="D5D5D5"/>
-              </a:solidFill>
-            </a:endParaRPr>
-          </a:p>
-        </p:txBody>
-      </p:sp>
-      <p:sp>
-        <p:nvSpPr>
-          <p:cNvPr id="85" name="Ellipse 84"/>
-          <p:cNvSpPr/>
-          <p:nvPr/>
-        </p:nvSpPr>
-        <p:spPr>
-          <a:xfrm>
-            <a:off x="8998011" y="2229485"/>
-            <a:ext cx="45719" cy="45719"/>
-          </a:xfrm>
-          <a:prstGeom prst="ellipse">
-            <a:avLst/>
-          </a:prstGeom>
-          <a:solidFill>
-            <a:srgbClr val="FF0000"/>
-          </a:solidFill>
-          <a:ln>
-            <a:noFill/>
-          </a:ln>
-        </p:spPr>
-        <p:style>
-          <a:lnRef idx="2">
-            <a:schemeClr val="accent1">
-              <a:shade val="50000"/>
-            </a:schemeClr>
-          </a:lnRef>
-          <a:fillRef idx="1">
-            <a:schemeClr val="accent1"/>
-          </a:fillRef>
-          <a:effectRef idx="0">
-            <a:schemeClr val="accent1"/>
-          </a:effectRef>
-          <a:fontRef idx="minor">
-            <a:schemeClr val="lt1"/>
-          </a:fontRef>
-        </p:style>
-        <p:txBody>
-          <a:bodyPr rtlCol="0" anchor="ctr"/>
-          <a:lstStyle/>
-          <a:p>
-            <a:pPr algn="ctr"/>
-            <a:endParaRPr lang="fr-FR"/>
-          </a:p>
-        </p:txBody>
-      </p:sp>
-      <p:sp>
-        <p:nvSpPr>
-          <p:cNvPr id="86" name="Rectangle à coins arrondis 85"/>
-          <p:cNvSpPr/>
-          <p:nvPr/>
-        </p:nvSpPr>
-        <p:spPr>
-          <a:xfrm>
-            <a:off x="9389119" y="2186636"/>
-            <a:ext cx="319406" cy="131418"/>
-          </a:xfrm>
-          <a:prstGeom prst="roundRect">
-            <a:avLst>
-              <a:gd name="adj" fmla="val 50000"/>
-            </a:avLst>
-          </a:prstGeom>
-          <a:solidFill>
-            <a:srgbClr val="3C280A">
-              <a:alpha val="40784"/>
-            </a:srgbClr>
-          </a:solidFill>
-          <a:ln>
-            <a:noFill/>
-          </a:ln>
-        </p:spPr>
-        <p:style>
-          <a:lnRef idx="2">
-            <a:schemeClr val="accent1">
-              <a:shade val="50000"/>
-            </a:schemeClr>
-          </a:lnRef>
-          <a:fillRef idx="1">
-            <a:schemeClr val="accent1"/>
-          </a:fillRef>
-          <a:effectRef idx="0">
-            <a:schemeClr val="accent1"/>
-          </a:effectRef>
-          <a:fontRef idx="minor">
-            <a:schemeClr val="lt1"/>
-          </a:fontRef>
-        </p:style>
-        <p:txBody>
-          <a:bodyPr rtlCol="0" anchor="ctr"/>
-          <a:lstStyle/>
-          <a:p>
-            <a:pPr algn="ctr"/>
-            <a:endParaRPr lang="fr-FR"/>
-          </a:p>
-        </p:txBody>
-      </p:sp>
-      <p:sp>
-        <p:nvSpPr>
-          <p:cNvPr id="87" name="ZoneTexte 86"/>
-          <p:cNvSpPr txBox="1"/>
-          <p:nvPr/>
-        </p:nvSpPr>
-        <p:spPr>
-          <a:xfrm>
-            <a:off x="9346931" y="2141984"/>
-            <a:ext cx="442387" cy="200055"/>
-          </a:xfrm>
-          <a:prstGeom prst="rect">
-            <a:avLst/>
-          </a:prstGeom>
-          <a:noFill/>
-        </p:spPr>
-        <p:txBody>
-          <a:bodyPr wrap="square" rtlCol="0">
-            <a:spAutoFit/>
-          </a:bodyPr>
-          <a:lstStyle/>
-          <a:p>
-            <a:r>
-              <a:rPr lang="fr-FR" sz="700" dirty="0" smtClean="0">
-                <a:solidFill>
-                  <a:srgbClr val="D5D5D5"/>
-                </a:solidFill>
-              </a:rPr>
-              <a:t>FHD  </a:t>
-            </a:r>
-            <a:r>
-              <a:rPr lang="fr-FR" sz="600" dirty="0" smtClean="0">
-                <a:solidFill>
-                  <a:srgbClr val="D5D5D5"/>
-                </a:solidFill>
-              </a:rPr>
-              <a:t>˅</a:t>
-            </a:r>
-            <a:r>
-              <a:rPr lang="fr-FR" sz="700" dirty="0" smtClean="0">
-                <a:solidFill>
-                  <a:srgbClr val="D5D5D5"/>
-                </a:solidFill>
-              </a:rPr>
-              <a:t> </a:t>
-            </a:r>
-            <a:endParaRPr lang="fr-FR" sz="700" dirty="0">
-              <a:solidFill>
-                <a:srgbClr val="D5D5D5"/>
-              </a:solidFill>
-            </a:endParaRPr>
-          </a:p>
-        </p:txBody>
-      </p:sp>
-      <p:sp>
-        <p:nvSpPr>
-          <p:cNvPr id="88" name="ZoneTexte 87"/>
-          <p:cNvSpPr txBox="1"/>
-          <p:nvPr/>
-        </p:nvSpPr>
-        <p:spPr>
-          <a:xfrm>
-            <a:off x="9971116" y="2123569"/>
-            <a:ext cx="1001867" cy="276999"/>
-          </a:xfrm>
-          <a:prstGeom prst="rect">
-            <a:avLst/>
-          </a:prstGeom>
-          <a:noFill/>
-        </p:spPr>
-        <p:txBody>
-          <a:bodyPr wrap="square" rtlCol="0">
-            <a:spAutoFit/>
-          </a:bodyPr>
-          <a:lstStyle/>
-          <a:p>
-            <a:r>
-              <a:rPr lang="fr-FR" sz="1200" b="1" dirty="0" smtClean="0">
-                <a:solidFill>
-                  <a:schemeClr val="bg1"/>
-                </a:solidFill>
-              </a:rPr>
-              <a:t>Veranda</a:t>
-            </a:r>
-            <a:endParaRPr lang="fr-FR" sz="1200" b="1" dirty="0">
-              <a:solidFill>
-                <a:schemeClr val="bg1"/>
-              </a:solidFill>
-            </a:endParaRPr>
-          </a:p>
-        </p:txBody>
-      </p:sp>
-      <p:sp>
-        <p:nvSpPr>
-          <p:cNvPr id="101" name="Rectangle à coins arrondis 100"/>
-          <p:cNvSpPr/>
-          <p:nvPr/>
-        </p:nvSpPr>
-        <p:spPr>
-          <a:xfrm>
-            <a:off x="11006387" y="2205947"/>
-            <a:ext cx="319406" cy="131418"/>
-          </a:xfrm>
-          <a:prstGeom prst="roundRect">
-            <a:avLst>
-              <a:gd name="adj" fmla="val 50000"/>
-            </a:avLst>
-          </a:prstGeom>
-          <a:solidFill>
-            <a:srgbClr val="3C280A">
-              <a:alpha val="40784"/>
-            </a:srgbClr>
-          </a:solidFill>
-          <a:ln>
-            <a:noFill/>
-          </a:ln>
-        </p:spPr>
-        <p:style>
-          <a:lnRef idx="2">
-            <a:schemeClr val="accent1">
-              <a:shade val="50000"/>
-            </a:schemeClr>
-          </a:lnRef>
-          <a:fillRef idx="1">
-            <a:schemeClr val="accent1"/>
-          </a:fillRef>
-          <a:effectRef idx="0">
-            <a:schemeClr val="accent1"/>
-          </a:effectRef>
-          <a:fontRef idx="minor">
-            <a:schemeClr val="lt1"/>
-          </a:fontRef>
-        </p:style>
-        <p:txBody>
-          <a:bodyPr rtlCol="0" anchor="ctr"/>
-          <a:lstStyle/>
-          <a:p>
-            <a:pPr algn="ctr"/>
-            <a:endParaRPr lang="fr-FR"/>
-          </a:p>
-        </p:txBody>
-      </p:sp>
-      <p:sp>
-        <p:nvSpPr>
-          <p:cNvPr id="102" name="ZoneTexte 101"/>
-          <p:cNvSpPr txBox="1"/>
-          <p:nvPr/>
-        </p:nvSpPr>
-        <p:spPr>
-          <a:xfrm>
-            <a:off x="11045273" y="2161295"/>
-            <a:ext cx="350169" cy="200055"/>
-          </a:xfrm>
-          <a:prstGeom prst="rect">
-            <a:avLst/>
-          </a:prstGeom>
-          <a:noFill/>
-        </p:spPr>
-        <p:txBody>
-          <a:bodyPr wrap="square" rtlCol="0">
-            <a:spAutoFit/>
-          </a:bodyPr>
-          <a:lstStyle/>
-          <a:p>
-            <a:r>
-              <a:rPr lang="fr-FR" sz="700" dirty="0" smtClean="0">
-                <a:solidFill>
-                  <a:srgbClr val="D5D5D5"/>
-                </a:solidFill>
-              </a:rPr>
-              <a:t>Live</a:t>
-            </a:r>
-            <a:endParaRPr lang="fr-FR" sz="700" dirty="0">
-              <a:solidFill>
-                <a:srgbClr val="D5D5D5"/>
-              </a:solidFill>
-            </a:endParaRPr>
-          </a:p>
-        </p:txBody>
-      </p:sp>
-      <p:sp>
-        <p:nvSpPr>
-          <p:cNvPr id="103" name="Ellipse 102"/>
-          <p:cNvSpPr/>
-          <p:nvPr/>
-        </p:nvSpPr>
-        <p:spPr>
-          <a:xfrm>
-            <a:off x="11046521" y="2248796"/>
-            <a:ext cx="45719" cy="45719"/>
-          </a:xfrm>
-          <a:prstGeom prst="ellipse">
-            <a:avLst/>
-          </a:prstGeom>
-          <a:solidFill>
-            <a:srgbClr val="FF0000"/>
-          </a:solidFill>
-          <a:ln>
-            <a:noFill/>
-          </a:ln>
-        </p:spPr>
-        <p:style>
-          <a:lnRef idx="2">
-            <a:schemeClr val="accent1">
-              <a:shade val="50000"/>
-            </a:schemeClr>
-          </a:lnRef>
-          <a:fillRef idx="1">
-            <a:schemeClr val="accent1"/>
-          </a:fillRef>
-          <a:effectRef idx="0">
-            <a:schemeClr val="accent1"/>
-          </a:effectRef>
-          <a:fontRef idx="minor">
-            <a:schemeClr val="lt1"/>
-          </a:fontRef>
-        </p:style>
-        <p:txBody>
-          <a:bodyPr rtlCol="0" anchor="ctr"/>
-          <a:lstStyle/>
-          <a:p>
-            <a:pPr algn="ctr"/>
-            <a:endParaRPr lang="fr-FR"/>
-          </a:p>
-        </p:txBody>
-      </p:sp>
-      <p:sp>
-        <p:nvSpPr>
-          <p:cNvPr id="105" name="Rectangle à coins arrondis 104"/>
-          <p:cNvSpPr/>
-          <p:nvPr/>
-        </p:nvSpPr>
-        <p:spPr>
-          <a:xfrm>
-            <a:off x="11467732" y="2203265"/>
-            <a:ext cx="319406" cy="131418"/>
-          </a:xfrm>
-          <a:prstGeom prst="roundRect">
-            <a:avLst>
-              <a:gd name="adj" fmla="val 50000"/>
-            </a:avLst>
-          </a:prstGeom>
-          <a:solidFill>
-            <a:srgbClr val="3C280A">
-              <a:alpha val="40784"/>
-            </a:srgbClr>
-          </a:solidFill>
-          <a:ln>
-            <a:noFill/>
-          </a:ln>
-        </p:spPr>
-        <p:style>
-          <a:lnRef idx="2">
-            <a:schemeClr val="accent1">
-              <a:shade val="50000"/>
-            </a:schemeClr>
-          </a:lnRef>
-          <a:fillRef idx="1">
-            <a:schemeClr val="accent1"/>
-          </a:fillRef>
-          <a:effectRef idx="0">
-            <a:schemeClr val="accent1"/>
-          </a:effectRef>
-          <a:fontRef idx="minor">
-            <a:schemeClr val="lt1"/>
-          </a:fontRef>
-        </p:style>
-        <p:txBody>
-          <a:bodyPr rtlCol="0" anchor="ctr"/>
-          <a:lstStyle/>
-          <a:p>
-            <a:pPr algn="ctr"/>
-            <a:endParaRPr lang="fr-FR"/>
-          </a:p>
-        </p:txBody>
-      </p:sp>
-      <p:sp>
-        <p:nvSpPr>
-          <p:cNvPr id="106" name="ZoneTexte 105"/>
-          <p:cNvSpPr txBox="1"/>
-          <p:nvPr/>
-        </p:nvSpPr>
-        <p:spPr>
-          <a:xfrm>
-            <a:off x="11424593" y="2180087"/>
-            <a:ext cx="442387" cy="200055"/>
-          </a:xfrm>
-          <a:prstGeom prst="rect">
-            <a:avLst/>
-          </a:prstGeom>
-          <a:noFill/>
-        </p:spPr>
-        <p:txBody>
-          <a:bodyPr wrap="square" rtlCol="0">
-            <a:spAutoFit/>
-          </a:bodyPr>
-          <a:lstStyle/>
-          <a:p>
-            <a:r>
-              <a:rPr lang="fr-FR" sz="700" dirty="0" smtClean="0">
-                <a:solidFill>
-                  <a:srgbClr val="D5D5D5"/>
-                </a:solidFill>
-              </a:rPr>
-              <a:t>FHD  </a:t>
-            </a:r>
-            <a:r>
-              <a:rPr lang="fr-FR" sz="600" dirty="0" smtClean="0">
-                <a:solidFill>
-                  <a:srgbClr val="D5D5D5"/>
-                </a:solidFill>
-              </a:rPr>
-              <a:t>˅</a:t>
-            </a:r>
-            <a:r>
-              <a:rPr lang="fr-FR" sz="700" dirty="0" smtClean="0">
-                <a:solidFill>
-                  <a:srgbClr val="D5D5D5"/>
-                </a:solidFill>
-              </a:rPr>
-              <a:t> </a:t>
-            </a:r>
-            <a:endParaRPr lang="fr-FR" sz="700" dirty="0">
-              <a:solidFill>
-                <a:srgbClr val="D5D5D5"/>
-              </a:solidFill>
-            </a:endParaRPr>
-          </a:p>
-        </p:txBody>
-      </p:sp>
-      <p:sp>
-        <p:nvSpPr>
-          <p:cNvPr id="107" name="Rectangle à coins arrondis 106"/>
-          <p:cNvSpPr/>
-          <p:nvPr/>
-        </p:nvSpPr>
-        <p:spPr>
-          <a:xfrm>
-            <a:off x="8052124" y="3669011"/>
-            <a:ext cx="402738" cy="122913"/>
-          </a:xfrm>
-          <a:prstGeom prst="roundRect">
-            <a:avLst>
-              <a:gd name="adj" fmla="val 50000"/>
-            </a:avLst>
-          </a:prstGeom>
-          <a:solidFill>
-            <a:srgbClr val="150E03">
-              <a:alpha val="54118"/>
-            </a:srgbClr>
-          </a:solidFill>
-          <a:ln>
-            <a:noFill/>
-          </a:ln>
-        </p:spPr>
-        <p:style>
-          <a:lnRef idx="2">
-            <a:schemeClr val="accent1">
-              <a:shade val="50000"/>
-            </a:schemeClr>
-          </a:lnRef>
-          <a:fillRef idx="1">
-            <a:schemeClr val="accent1"/>
-          </a:fillRef>
-          <a:effectRef idx="0">
-            <a:schemeClr val="accent1"/>
-          </a:effectRef>
-          <a:fontRef idx="minor">
-            <a:schemeClr val="lt1"/>
-          </a:fontRef>
-        </p:style>
-        <p:txBody>
-          <a:bodyPr rtlCol="0" anchor="ctr"/>
-          <a:lstStyle/>
-          <a:p>
-            <a:pPr algn="ctr"/>
-            <a:endParaRPr lang="fr-FR"/>
-          </a:p>
-        </p:txBody>
-      </p:sp>
-      <p:sp>
-        <p:nvSpPr>
-          <p:cNvPr id="109" name="ZoneTexte 108"/>
-          <p:cNvSpPr txBox="1"/>
-          <p:nvPr/>
-        </p:nvSpPr>
-        <p:spPr>
-          <a:xfrm>
-            <a:off x="8090778" y="3649675"/>
-            <a:ext cx="474478" cy="161583"/>
-          </a:xfrm>
-          <a:prstGeom prst="rect">
-            <a:avLst/>
-          </a:prstGeom>
-          <a:noFill/>
-        </p:spPr>
-        <p:txBody>
-          <a:bodyPr wrap="square" rtlCol="0">
-            <a:spAutoFit/>
-          </a:bodyPr>
-          <a:lstStyle/>
-          <a:p>
-            <a:r>
-              <a:rPr lang="fr-FR" sz="450" dirty="0" smtClean="0">
-                <a:solidFill>
-                  <a:schemeClr val="bg1"/>
-                </a:solidFill>
-              </a:rPr>
-              <a:t>Full screen</a:t>
-            </a:r>
-            <a:endParaRPr lang="fr-FR" sz="450" dirty="0">
-              <a:solidFill>
-                <a:schemeClr val="bg1"/>
-              </a:solidFill>
-            </a:endParaRPr>
-          </a:p>
-        </p:txBody>
-      </p:sp>
-      <p:sp>
-        <p:nvSpPr>
-          <p:cNvPr id="110" name="Ellipse 109"/>
-          <p:cNvSpPr/>
-          <p:nvPr/>
-        </p:nvSpPr>
-        <p:spPr>
-          <a:xfrm>
-            <a:off x="8082476" y="3686330"/>
-            <a:ext cx="87505" cy="88271"/>
-          </a:xfrm>
-          <a:prstGeom prst="ellipse">
-            <a:avLst/>
-          </a:prstGeom>
-          <a:solidFill>
-            <a:srgbClr val="6B6B6B">
-              <a:alpha val="83137"/>
-            </a:srgbClr>
-          </a:solidFill>
-          <a:ln>
-            <a:noFill/>
-          </a:ln>
-        </p:spPr>
-        <p:style>
-          <a:lnRef idx="2">
-            <a:schemeClr val="accent1">
-              <a:shade val="50000"/>
-            </a:schemeClr>
-          </a:lnRef>
-          <a:fillRef idx="1">
-            <a:schemeClr val="accent1"/>
-          </a:fillRef>
-          <a:effectRef idx="0">
-            <a:schemeClr val="accent1"/>
-          </a:effectRef>
-          <a:fontRef idx="minor">
-            <a:schemeClr val="lt1"/>
-          </a:fontRef>
-        </p:style>
-        <p:txBody>
-          <a:bodyPr rtlCol="0" anchor="ctr"/>
-          <a:lstStyle/>
-          <a:p>
-            <a:pPr algn="ctr"/>
-            <a:endParaRPr lang="fr-FR"/>
-          </a:p>
-        </p:txBody>
-      </p:sp>
-      <p:sp>
-        <p:nvSpPr>
-          <p:cNvPr id="111" name="Parenthèses 110"/>
-          <p:cNvSpPr/>
-          <p:nvPr/>
-        </p:nvSpPr>
-        <p:spPr>
-          <a:xfrm>
-            <a:off x="8103368" y="3707605"/>
-            <a:ext cx="45719" cy="45719"/>
-          </a:xfrm>
-          <a:prstGeom prst="bracketPair">
-            <a:avLst/>
-          </a:prstGeom>
-          <a:ln>
-            <a:solidFill>
-              <a:srgbClr val="FFFFFF"/>
-            </a:solidFill>
-          </a:ln>
-        </p:spPr>
-        <p:style>
-          <a:lnRef idx="1">
-            <a:schemeClr val="accent1"/>
-          </a:lnRef>
-          <a:fillRef idx="0">
-            <a:schemeClr val="accent1"/>
-          </a:fillRef>
-          <a:effectRef idx="0">
-            <a:schemeClr val="accent1"/>
-          </a:effectRef>
-          <a:fontRef idx="minor">
-            <a:schemeClr val="tx1"/>
-          </a:fontRef>
-        </p:style>
-        <p:txBody>
-          <a:bodyPr rtlCol="0" anchor="ctr"/>
-          <a:lstStyle/>
-          <a:p>
-            <a:pPr algn="ctr"/>
-            <a:endParaRPr lang="fr-FR"/>
-          </a:p>
-        </p:txBody>
-      </p:sp>
-      <p:sp>
-        <p:nvSpPr>
-          <p:cNvPr id="112" name="Rectangle à coins arrondis 111"/>
-          <p:cNvSpPr/>
-          <p:nvPr/>
-        </p:nvSpPr>
-        <p:spPr>
-          <a:xfrm>
-            <a:off x="10139372" y="3630411"/>
-            <a:ext cx="402738" cy="122913"/>
-          </a:xfrm>
-          <a:prstGeom prst="roundRect">
-            <a:avLst>
-              <a:gd name="adj" fmla="val 50000"/>
-            </a:avLst>
-          </a:prstGeom>
-          <a:solidFill>
-            <a:srgbClr val="150E03">
-              <a:alpha val="54118"/>
-            </a:srgbClr>
-          </a:solidFill>
-          <a:ln>
-            <a:noFill/>
-          </a:ln>
-        </p:spPr>
-        <p:style>
-          <a:lnRef idx="2">
-            <a:schemeClr val="accent1">
-              <a:shade val="50000"/>
-            </a:schemeClr>
-          </a:lnRef>
-          <a:fillRef idx="1">
-            <a:schemeClr val="accent1"/>
-          </a:fillRef>
-          <a:effectRef idx="0">
-            <a:schemeClr val="accent1"/>
-          </a:effectRef>
-          <a:fontRef idx="minor">
-            <a:schemeClr val="lt1"/>
-          </a:fontRef>
-        </p:style>
-        <p:txBody>
-          <a:bodyPr rtlCol="0" anchor="ctr"/>
-          <a:lstStyle/>
-          <a:p>
-            <a:pPr algn="ctr"/>
-            <a:endParaRPr lang="fr-FR"/>
-          </a:p>
-        </p:txBody>
-      </p:sp>
-      <p:sp>
-        <p:nvSpPr>
-          <p:cNvPr id="113" name="ZoneTexte 112"/>
-          <p:cNvSpPr txBox="1"/>
-          <p:nvPr/>
-        </p:nvSpPr>
-        <p:spPr>
-          <a:xfrm>
-            <a:off x="10187555" y="3615555"/>
-            <a:ext cx="474478" cy="161583"/>
-          </a:xfrm>
-          <a:prstGeom prst="rect">
-            <a:avLst/>
-          </a:prstGeom>
-          <a:noFill/>
-        </p:spPr>
-        <p:txBody>
-          <a:bodyPr wrap="square" rtlCol="0">
-            <a:spAutoFit/>
-          </a:bodyPr>
-          <a:lstStyle/>
-          <a:p>
-            <a:r>
-              <a:rPr lang="fr-FR" sz="450" dirty="0" smtClean="0">
-                <a:solidFill>
-                  <a:schemeClr val="bg1"/>
-                </a:solidFill>
-              </a:rPr>
-              <a:t>Full screen</a:t>
-            </a:r>
-            <a:endParaRPr lang="fr-FR" sz="450" dirty="0">
-              <a:solidFill>
-                <a:schemeClr val="bg1"/>
-              </a:solidFill>
-            </a:endParaRPr>
-          </a:p>
-        </p:txBody>
-      </p:sp>
-      <p:sp>
-        <p:nvSpPr>
-          <p:cNvPr id="114" name="Ellipse 113"/>
-          <p:cNvSpPr/>
-          <p:nvPr/>
-        </p:nvSpPr>
-        <p:spPr>
-          <a:xfrm>
-            <a:off x="10162721" y="3649675"/>
-            <a:ext cx="87505" cy="88271"/>
-          </a:xfrm>
-          <a:prstGeom prst="ellipse">
-            <a:avLst/>
-          </a:prstGeom>
-          <a:solidFill>
-            <a:srgbClr val="6B6B6B">
-              <a:alpha val="83137"/>
-            </a:srgbClr>
-          </a:solidFill>
-          <a:ln>
-            <a:noFill/>
-          </a:ln>
-        </p:spPr>
-        <p:style>
-          <a:lnRef idx="2">
-            <a:schemeClr val="accent1">
-              <a:shade val="50000"/>
-            </a:schemeClr>
-          </a:lnRef>
-          <a:fillRef idx="1">
-            <a:schemeClr val="accent1"/>
-          </a:fillRef>
-          <a:effectRef idx="0">
-            <a:schemeClr val="accent1"/>
-          </a:effectRef>
-          <a:fontRef idx="minor">
-            <a:schemeClr val="lt1"/>
-          </a:fontRef>
-        </p:style>
-        <p:txBody>
-          <a:bodyPr rtlCol="0" anchor="ctr"/>
-          <a:lstStyle/>
-          <a:p>
-            <a:pPr algn="ctr"/>
-            <a:endParaRPr lang="fr-FR"/>
-          </a:p>
-        </p:txBody>
-      </p:sp>
-      <p:sp>
-        <p:nvSpPr>
-          <p:cNvPr id="116" name="Parenthèses 115"/>
-          <p:cNvSpPr/>
-          <p:nvPr/>
-        </p:nvSpPr>
-        <p:spPr>
-          <a:xfrm>
-            <a:off x="10183613" y="3670950"/>
-            <a:ext cx="45719" cy="45719"/>
-          </a:xfrm>
-          <a:prstGeom prst="bracketPair">
-            <a:avLst/>
-          </a:prstGeom>
-          <a:ln>
-            <a:solidFill>
-              <a:srgbClr val="FFFFFF"/>
-            </a:solidFill>
-          </a:ln>
-        </p:spPr>
-        <p:style>
-          <a:lnRef idx="1">
-            <a:schemeClr val="accent1"/>
-          </a:lnRef>
-          <a:fillRef idx="0">
-            <a:schemeClr val="accent1"/>
-          </a:fillRef>
-          <a:effectRef idx="0">
-            <a:schemeClr val="accent1"/>
-          </a:effectRef>
-          <a:fontRef idx="minor">
-            <a:schemeClr val="tx1"/>
-          </a:fontRef>
-        </p:style>
-        <p:txBody>
-          <a:bodyPr rtlCol="0" anchor="ctr"/>
-          <a:lstStyle/>
-          <a:p>
-            <a:pPr algn="ctr"/>
-            <a:endParaRPr lang="fr-FR"/>
-          </a:p>
-        </p:txBody>
-      </p:sp>
-      <p:sp>
-        <p:nvSpPr>
-          <p:cNvPr id="3" name="Rectangle 2"/>
-          <p:cNvSpPr/>
-          <p:nvPr/>
-        </p:nvSpPr>
-        <p:spPr>
-          <a:xfrm>
-            <a:off x="0" y="0"/>
-            <a:ext cx="12192000" cy="6862434"/>
-          </a:xfrm>
-          <a:prstGeom prst="rect">
-            <a:avLst/>
-          </a:prstGeom>
-          <a:noFill/>
-          <a:ln w="57150">
-            <a:solidFill>
-              <a:srgbClr val="FF0000"/>
-            </a:solidFill>
-          </a:ln>
-        </p:spPr>
-        <p:style>
-          <a:lnRef idx="2">
-            <a:schemeClr val="accent1">
-              <a:shade val="50000"/>
-            </a:schemeClr>
-          </a:lnRef>
-          <a:fillRef idx="1">
-            <a:schemeClr val="accent1"/>
-          </a:fillRef>
-          <a:effectRef idx="0">
-            <a:schemeClr val="accent1"/>
-          </a:effectRef>
-          <a:fontRef idx="minor">
-            <a:schemeClr val="lt1"/>
-          </a:fontRef>
-        </p:style>
-        <p:txBody>
-          <a:bodyPr rtlCol="0" anchor="ctr"/>
-          <a:lstStyle/>
-          <a:p>
-            <a:pPr algn="ctr"/>
-            <a:endParaRPr lang="fr-FR"/>
-          </a:p>
-        </p:txBody>
-      </p:sp>
-      <p:sp>
-        <p:nvSpPr>
-          <p:cNvPr id="16" name="Rectangle 15"/>
-          <p:cNvSpPr/>
-          <p:nvPr/>
-        </p:nvSpPr>
-        <p:spPr>
-          <a:xfrm>
-            <a:off x="57150" y="44533"/>
-            <a:ext cx="12134850" cy="401846"/>
-          </a:xfrm>
-          <a:prstGeom prst="rect">
-            <a:avLst/>
-          </a:prstGeom>
-          <a:solidFill>
-            <a:srgbClr val="92D050"/>
-          </a:solidFill>
-          <a:ln w="57150">
-            <a:solidFill>
-              <a:srgbClr val="92D050"/>
-            </a:solidFill>
-          </a:ln>
-        </p:spPr>
-        <p:style>
-          <a:lnRef idx="2">
-            <a:schemeClr val="accent1">
-              <a:shade val="50000"/>
-            </a:schemeClr>
-          </a:lnRef>
-          <a:fillRef idx="1">
-            <a:schemeClr val="accent1"/>
-          </a:fillRef>
-          <a:effectRef idx="0">
-            <a:schemeClr val="accent1"/>
-          </a:effectRef>
-          <a:fontRef idx="minor">
-            <a:schemeClr val="lt1"/>
-          </a:fontRef>
-        </p:style>
-        <p:txBody>
-          <a:bodyPr rtlCol="0" anchor="ctr"/>
-          <a:lstStyle/>
-          <a:p>
-            <a:pPr algn="ctr"/>
-            <a:endParaRPr lang="fr-FR"/>
-          </a:p>
-        </p:txBody>
-      </p:sp>
-      <p:sp>
-        <p:nvSpPr>
-          <p:cNvPr id="18" name="Rectangle 17"/>
-          <p:cNvSpPr/>
-          <p:nvPr/>
-        </p:nvSpPr>
-        <p:spPr>
-          <a:xfrm>
-            <a:off x="57150" y="491837"/>
-            <a:ext cx="1852741" cy="1439593"/>
-          </a:xfrm>
-          <a:prstGeom prst="rect">
-            <a:avLst/>
-          </a:prstGeom>
-          <a:solidFill>
-            <a:srgbClr val="FFC000"/>
-          </a:solidFill>
-          <a:ln w="57150">
-            <a:solidFill>
-              <a:srgbClr val="FFC000"/>
-            </a:solidFill>
-          </a:ln>
-        </p:spPr>
-        <p:style>
-          <a:lnRef idx="2">
-            <a:schemeClr val="accent1">
-              <a:shade val="50000"/>
-            </a:schemeClr>
-          </a:lnRef>
-          <a:fillRef idx="1">
-            <a:schemeClr val="accent1"/>
-          </a:fillRef>
-          <a:effectRef idx="0">
-            <a:schemeClr val="accent1"/>
-          </a:effectRef>
-          <a:fontRef idx="minor">
-            <a:schemeClr val="lt1"/>
-          </a:fontRef>
-        </p:style>
-        <p:txBody>
-          <a:bodyPr rtlCol="0" anchor="ctr"/>
-          <a:lstStyle/>
-          <a:p>
-            <a:pPr algn="ctr"/>
-            <a:endParaRPr lang="fr-FR"/>
-          </a:p>
-        </p:txBody>
-      </p:sp>
-      <p:sp>
-        <p:nvSpPr>
-          <p:cNvPr id="19" name="Rectangle 18"/>
-          <p:cNvSpPr/>
-          <p:nvPr/>
-        </p:nvSpPr>
-        <p:spPr>
-          <a:xfrm>
-            <a:off x="57151" y="1961086"/>
-            <a:ext cx="1816164" cy="4093757"/>
-          </a:xfrm>
-          <a:prstGeom prst="rect">
-            <a:avLst/>
-          </a:prstGeom>
-          <a:solidFill>
-            <a:srgbClr val="5B9BD5"/>
-          </a:solidFill>
-          <a:ln w="57150">
-            <a:solidFill>
-              <a:srgbClr val="5B9BD5"/>
-            </a:solidFill>
-          </a:ln>
-        </p:spPr>
-        <p:style>
-          <a:lnRef idx="2">
-            <a:schemeClr val="accent1">
-              <a:shade val="50000"/>
-            </a:schemeClr>
-          </a:lnRef>
-          <a:fillRef idx="1">
-            <a:schemeClr val="accent1"/>
-          </a:fillRef>
-          <a:effectRef idx="0">
-            <a:schemeClr val="accent1"/>
-          </a:effectRef>
-          <a:fontRef idx="minor">
-            <a:schemeClr val="lt1"/>
-          </a:fontRef>
-        </p:style>
-        <p:txBody>
-          <a:bodyPr rtlCol="0" anchor="ctr"/>
-          <a:lstStyle/>
-          <a:p>
-            <a:pPr algn="ctr"/>
-            <a:endParaRPr lang="fr-FR"/>
-          </a:p>
-        </p:txBody>
-      </p:sp>
-      <p:sp>
-        <p:nvSpPr>
-          <p:cNvPr id="49" name="Rectangle 48"/>
-          <p:cNvSpPr/>
-          <p:nvPr/>
-        </p:nvSpPr>
-        <p:spPr>
-          <a:xfrm>
-            <a:off x="1936779" y="491837"/>
-            <a:ext cx="10163942" cy="5563006"/>
-          </a:xfrm>
-          <a:prstGeom prst="rect">
-            <a:avLst/>
-          </a:prstGeom>
-          <a:solidFill>
-            <a:srgbClr val="B120DE"/>
-          </a:solidFill>
-          <a:ln w="57150">
-            <a:solidFill>
-              <a:srgbClr val="B120DE"/>
-            </a:solidFill>
-          </a:ln>
-        </p:spPr>
-        <p:style>
-          <a:lnRef idx="2">
-            <a:schemeClr val="accent1">
-              <a:shade val="50000"/>
-            </a:schemeClr>
-          </a:lnRef>
-          <a:fillRef idx="1">
-            <a:schemeClr val="accent1"/>
-          </a:fillRef>
-          <a:effectRef idx="0">
-            <a:schemeClr val="accent1"/>
-          </a:effectRef>
-          <a:fontRef idx="minor">
-            <a:schemeClr val="lt1"/>
-          </a:fontRef>
-        </p:style>
-        <p:txBody>
-          <a:bodyPr rtlCol="0" anchor="ctr"/>
-          <a:lstStyle/>
-          <a:p>
-            <a:pPr algn="ctr"/>
-            <a:endParaRPr lang="fr-FR"/>
-          </a:p>
-        </p:txBody>
-      </p:sp>
-      <p:sp>
-        <p:nvSpPr>
-          <p:cNvPr id="50" name="Rectangle 49"/>
-          <p:cNvSpPr/>
-          <p:nvPr/>
-        </p:nvSpPr>
-        <p:spPr>
-          <a:xfrm>
-            <a:off x="2043562" y="593178"/>
-            <a:ext cx="5684033" cy="3188278"/>
-          </a:xfrm>
-          <a:prstGeom prst="rect">
-            <a:avLst/>
-          </a:prstGeom>
-          <a:solidFill>
-            <a:srgbClr val="FF0000"/>
-          </a:solidFill>
-          <a:ln w="57150">
-            <a:solidFill>
-              <a:srgbClr val="FF0000"/>
-            </a:solidFill>
-          </a:ln>
-        </p:spPr>
-        <p:style>
-          <a:lnRef idx="2">
-            <a:schemeClr val="accent1">
-              <a:shade val="50000"/>
-            </a:schemeClr>
-          </a:lnRef>
-          <a:fillRef idx="1">
-            <a:schemeClr val="accent1"/>
-          </a:fillRef>
-          <a:effectRef idx="0">
-            <a:schemeClr val="accent1"/>
-          </a:effectRef>
-          <a:fontRef idx="minor">
-            <a:schemeClr val="lt1"/>
-          </a:fontRef>
-        </p:style>
-        <p:txBody>
-          <a:bodyPr rtlCol="0" anchor="ctr"/>
-          <a:lstStyle/>
-          <a:p>
-            <a:pPr algn="ctr"/>
-            <a:endParaRPr lang="fr-FR"/>
-          </a:p>
-        </p:txBody>
-      </p:sp>
-      <p:sp>
-        <p:nvSpPr>
-          <p:cNvPr id="51" name="Rectangle 50"/>
-          <p:cNvSpPr/>
-          <p:nvPr/>
-        </p:nvSpPr>
-        <p:spPr>
-          <a:xfrm>
-            <a:off x="7861300" y="582062"/>
-            <a:ext cx="4090854" cy="1347251"/>
-          </a:xfrm>
-          <a:prstGeom prst="rect">
-            <a:avLst/>
-          </a:prstGeom>
-          <a:solidFill>
-            <a:srgbClr val="0FCF4A"/>
-          </a:solidFill>
-          <a:ln w="57150">
-            <a:solidFill>
-              <a:srgbClr val="0FCF4A"/>
-            </a:solidFill>
-          </a:ln>
-        </p:spPr>
-        <p:style>
-          <a:lnRef idx="2">
-            <a:schemeClr val="accent1">
-              <a:shade val="50000"/>
-            </a:schemeClr>
-          </a:lnRef>
-          <a:fillRef idx="1">
-            <a:schemeClr val="accent1"/>
-          </a:fillRef>
-          <a:effectRef idx="0">
-            <a:schemeClr val="accent1"/>
-          </a:effectRef>
-          <a:fontRef idx="minor">
-            <a:schemeClr val="lt1"/>
-          </a:fontRef>
-        </p:style>
-        <p:txBody>
-          <a:bodyPr rtlCol="0" anchor="ctr"/>
-          <a:lstStyle/>
-          <a:p>
-            <a:pPr algn="ctr"/>
-            <a:endParaRPr lang="fr-FR"/>
-          </a:p>
-        </p:txBody>
-      </p:sp>
-      <p:sp>
-        <p:nvSpPr>
-          <p:cNvPr id="52" name="Rectangle à coins arrondis 51"/>
-          <p:cNvSpPr/>
-          <p:nvPr/>
-        </p:nvSpPr>
-        <p:spPr>
-          <a:xfrm>
-            <a:off x="7894482" y="2032912"/>
-            <a:ext cx="1981038" cy="1843685"/>
-          </a:xfrm>
-          <a:prstGeom prst="roundRect">
-            <a:avLst>
-              <a:gd name="adj" fmla="val 11156"/>
-            </a:avLst>
-          </a:prstGeom>
-          <a:solidFill>
-            <a:srgbClr val="D76007"/>
-          </a:solidFill>
-          <a:ln w="57150">
-            <a:solidFill>
-              <a:srgbClr val="D76007"/>
-            </a:solidFill>
-          </a:ln>
-        </p:spPr>
-        <p:style>
-          <a:lnRef idx="2">
-            <a:schemeClr val="accent1">
-              <a:shade val="50000"/>
-            </a:schemeClr>
-          </a:lnRef>
-          <a:fillRef idx="1">
-            <a:schemeClr val="accent1"/>
-          </a:fillRef>
-          <a:effectRef idx="0">
-            <a:schemeClr val="accent1"/>
-          </a:effectRef>
-          <a:fontRef idx="minor">
-            <a:schemeClr val="lt1"/>
-          </a:fontRef>
-        </p:style>
-        <p:txBody>
-          <a:bodyPr rtlCol="0" anchor="ctr"/>
-          <a:lstStyle/>
-          <a:p>
-            <a:pPr algn="ctr"/>
-            <a:endParaRPr lang="fr-FR"/>
-          </a:p>
-        </p:txBody>
-      </p:sp>
-      <p:sp>
-        <p:nvSpPr>
-          <p:cNvPr id="91" name="Rectangle à coins arrondis 90"/>
-          <p:cNvSpPr/>
-          <p:nvPr/>
-        </p:nvSpPr>
-        <p:spPr>
-          <a:xfrm>
-            <a:off x="9980257" y="2018912"/>
-            <a:ext cx="1981038" cy="1843685"/>
-          </a:xfrm>
-          <a:prstGeom prst="roundRect">
-            <a:avLst>
-              <a:gd name="adj" fmla="val 11156"/>
-            </a:avLst>
-          </a:prstGeom>
-          <a:solidFill>
-            <a:srgbClr val="D76007"/>
-          </a:solidFill>
-          <a:ln w="57150">
-            <a:solidFill>
-              <a:srgbClr val="D76007"/>
-            </a:solidFill>
-          </a:ln>
-        </p:spPr>
-        <p:style>
-          <a:lnRef idx="2">
-            <a:schemeClr val="accent1">
-              <a:shade val="50000"/>
-            </a:schemeClr>
-          </a:lnRef>
-          <a:fillRef idx="1">
-            <a:schemeClr val="accent1"/>
-          </a:fillRef>
-          <a:effectRef idx="0">
-            <a:schemeClr val="accent1"/>
-          </a:effectRef>
-          <a:fontRef idx="minor">
-            <a:schemeClr val="lt1"/>
-          </a:fontRef>
-        </p:style>
-        <p:txBody>
-          <a:bodyPr rtlCol="0" anchor="ctr"/>
-          <a:lstStyle/>
-          <a:p>
-            <a:pPr algn="ctr"/>
-            <a:endParaRPr lang="fr-FR"/>
-          </a:p>
-        </p:txBody>
-      </p:sp>
-      <p:sp>
-        <p:nvSpPr>
-          <p:cNvPr id="92" name="Rectangle à coins arrondis 91"/>
-          <p:cNvSpPr/>
-          <p:nvPr/>
-        </p:nvSpPr>
-        <p:spPr>
-          <a:xfrm>
-            <a:off x="2002088" y="4042442"/>
-            <a:ext cx="1191792" cy="1135341"/>
-          </a:xfrm>
-          <a:prstGeom prst="roundRect">
-            <a:avLst>
-              <a:gd name="adj" fmla="val 11156"/>
-            </a:avLst>
-          </a:prstGeom>
-          <a:solidFill>
-            <a:srgbClr val="FFFFFF"/>
-          </a:solidFill>
-          <a:ln w="57150">
-            <a:solidFill>
-              <a:srgbClr val="FFFFFF"/>
-            </a:solidFill>
-          </a:ln>
-        </p:spPr>
-        <p:style>
-          <a:lnRef idx="2">
-            <a:schemeClr val="accent1">
-              <a:shade val="50000"/>
-            </a:schemeClr>
-          </a:lnRef>
-          <a:fillRef idx="1">
-            <a:schemeClr val="accent1"/>
-          </a:fillRef>
-          <a:effectRef idx="0">
-            <a:schemeClr val="accent1"/>
-          </a:effectRef>
-          <a:fontRef idx="minor">
-            <a:schemeClr val="lt1"/>
-          </a:fontRef>
-        </p:style>
-        <p:txBody>
-          <a:bodyPr rtlCol="0" anchor="ctr"/>
-          <a:lstStyle/>
-          <a:p>
-            <a:pPr algn="ctr"/>
-            <a:endParaRPr lang="fr-FR"/>
-          </a:p>
-        </p:txBody>
-      </p:sp>
-      <p:sp>
-        <p:nvSpPr>
-          <p:cNvPr id="93" name="Rectangle à coins arrondis 92"/>
-          <p:cNvSpPr/>
-          <p:nvPr/>
-        </p:nvSpPr>
-        <p:spPr>
-          <a:xfrm>
-            <a:off x="3428578" y="4090283"/>
-            <a:ext cx="1191792" cy="1135341"/>
-          </a:xfrm>
-          <a:prstGeom prst="roundRect">
-            <a:avLst>
-              <a:gd name="adj" fmla="val 11156"/>
-            </a:avLst>
-          </a:prstGeom>
-          <a:solidFill>
-            <a:srgbClr val="FFFFFF"/>
-          </a:solidFill>
-          <a:ln w="57150">
-            <a:solidFill>
-              <a:srgbClr val="FFFFFF"/>
-            </a:solidFill>
-          </a:ln>
-        </p:spPr>
-        <p:style>
-          <a:lnRef idx="2">
-            <a:schemeClr val="accent1">
-              <a:shade val="50000"/>
-            </a:schemeClr>
-          </a:lnRef>
-          <a:fillRef idx="1">
-            <a:schemeClr val="accent1"/>
-          </a:fillRef>
-          <a:effectRef idx="0">
-            <a:schemeClr val="accent1"/>
-          </a:effectRef>
-          <a:fontRef idx="minor">
-            <a:schemeClr val="lt1"/>
-          </a:fontRef>
-        </p:style>
-        <p:txBody>
-          <a:bodyPr rtlCol="0" anchor="ctr"/>
-          <a:lstStyle/>
-          <a:p>
-            <a:pPr algn="ctr"/>
-            <a:endParaRPr lang="fr-FR"/>
-          </a:p>
-        </p:txBody>
-      </p:sp>
-      <p:sp>
-        <p:nvSpPr>
-          <p:cNvPr id="94" name="Rectangle à coins arrondis 93"/>
-          <p:cNvSpPr/>
-          <p:nvPr/>
-        </p:nvSpPr>
-        <p:spPr>
-          <a:xfrm>
-            <a:off x="4873313" y="4093041"/>
-            <a:ext cx="1191792" cy="1135341"/>
-          </a:xfrm>
-          <a:prstGeom prst="roundRect">
-            <a:avLst>
-              <a:gd name="adj" fmla="val 11156"/>
-            </a:avLst>
-          </a:prstGeom>
-          <a:solidFill>
-            <a:srgbClr val="FFFFFF"/>
-          </a:solidFill>
-          <a:ln w="57150">
-            <a:solidFill>
-              <a:srgbClr val="FFFFFF"/>
-            </a:solidFill>
-          </a:ln>
-        </p:spPr>
-        <p:style>
-          <a:lnRef idx="2">
-            <a:schemeClr val="accent1">
-              <a:shade val="50000"/>
-            </a:schemeClr>
-          </a:lnRef>
-          <a:fillRef idx="1">
-            <a:schemeClr val="accent1"/>
-          </a:fillRef>
-          <a:effectRef idx="0">
-            <a:schemeClr val="accent1"/>
-          </a:effectRef>
-          <a:fontRef idx="minor">
-            <a:schemeClr val="lt1"/>
-          </a:fontRef>
-        </p:style>
-        <p:txBody>
-          <a:bodyPr rtlCol="0" anchor="ctr"/>
-          <a:lstStyle/>
-          <a:p>
-            <a:pPr algn="ctr"/>
-            <a:endParaRPr lang="fr-FR"/>
-          </a:p>
-        </p:txBody>
-      </p:sp>
-      <p:sp>
-        <p:nvSpPr>
-          <p:cNvPr id="95" name="Rectangle à coins arrondis 94"/>
-          <p:cNvSpPr/>
-          <p:nvPr/>
-        </p:nvSpPr>
-        <p:spPr>
-          <a:xfrm>
-            <a:off x="6334976" y="4080232"/>
-            <a:ext cx="1191792" cy="1135341"/>
-          </a:xfrm>
-          <a:prstGeom prst="roundRect">
-            <a:avLst>
-              <a:gd name="adj" fmla="val 11156"/>
-            </a:avLst>
-          </a:prstGeom>
-          <a:solidFill>
-            <a:srgbClr val="FFFFFF"/>
-          </a:solidFill>
-          <a:ln w="57150">
-            <a:solidFill>
-              <a:srgbClr val="FFFFFF"/>
-            </a:solidFill>
-          </a:ln>
-        </p:spPr>
-        <p:style>
-          <a:lnRef idx="2">
-            <a:schemeClr val="accent1">
-              <a:shade val="50000"/>
-            </a:schemeClr>
-          </a:lnRef>
-          <a:fillRef idx="1">
-            <a:schemeClr val="accent1"/>
-          </a:fillRef>
-          <a:effectRef idx="0">
-            <a:schemeClr val="accent1"/>
-          </a:effectRef>
-          <a:fontRef idx="minor">
-            <a:schemeClr val="lt1"/>
-          </a:fontRef>
-        </p:style>
-        <p:txBody>
-          <a:bodyPr rtlCol="0" anchor="ctr"/>
-          <a:lstStyle/>
-          <a:p>
-            <a:pPr algn="ctr"/>
-            <a:endParaRPr lang="fr-FR"/>
-          </a:p>
-        </p:txBody>
-      </p:sp>
-      <p:sp>
-        <p:nvSpPr>
-          <p:cNvPr id="53" name="Rectangle 52"/>
-          <p:cNvSpPr/>
-          <p:nvPr/>
-        </p:nvSpPr>
-        <p:spPr>
-          <a:xfrm>
-            <a:off x="47632" y="6100302"/>
-            <a:ext cx="12053089" cy="717739"/>
-          </a:xfrm>
-          <a:prstGeom prst="rect">
-            <a:avLst/>
-          </a:prstGeom>
-          <a:solidFill>
-            <a:srgbClr val="FFFE3C"/>
-          </a:solidFill>
-          <a:ln w="57150">
-            <a:solidFill>
-              <a:srgbClr val="FFFE3C"/>
-            </a:solidFill>
-          </a:ln>
-        </p:spPr>
-        <p:style>
-          <a:lnRef idx="2">
-            <a:schemeClr val="accent1">
-              <a:shade val="50000"/>
-            </a:schemeClr>
-          </a:lnRef>
-          <a:fillRef idx="1">
-            <a:schemeClr val="accent1"/>
-          </a:fillRef>
-          <a:effectRef idx="0">
-            <a:schemeClr val="accent1"/>
-          </a:effectRef>
-          <a:fontRef idx="minor">
-            <a:schemeClr val="lt1"/>
-          </a:fontRef>
-        </p:style>
-        <p:txBody>
-          <a:bodyPr rtlCol="0" anchor="ctr"/>
-          <a:lstStyle/>
-          <a:p>
-            <a:pPr algn="ctr"/>
-            <a:endParaRPr lang="fr-FR"/>
-          </a:p>
-        </p:txBody>
-      </p:sp>
-      <p:sp>
-        <p:nvSpPr>
-          <p:cNvPr id="54" name="ZoneTexte 53"/>
-          <p:cNvSpPr txBox="1"/>
-          <p:nvPr/>
-        </p:nvSpPr>
-        <p:spPr>
-          <a:xfrm>
-            <a:off x="4873313" y="-63838"/>
-            <a:ext cx="680598" cy="584775"/>
-          </a:xfrm>
-          <a:prstGeom prst="rect">
-            <a:avLst/>
-          </a:prstGeom>
-          <a:noFill/>
-        </p:spPr>
-        <p:txBody>
-          <a:bodyPr wrap="square" rtlCol="0">
-            <a:spAutoFit/>
-          </a:bodyPr>
-          <a:lstStyle/>
-          <a:p>
-            <a:pPr algn="ctr"/>
-            <a:r>
-              <a:rPr lang="fr-FR" sz="3200" dirty="0" smtClean="0">
-                <a:solidFill>
-                  <a:srgbClr val="FFFFFF"/>
-                </a:solidFill>
-                <a:latin typeface="Arial Black" panose="020B0A04020102020204" pitchFamily="34" charset="0"/>
-              </a:rPr>
-              <a:t>1</a:t>
-            </a:r>
-            <a:endParaRPr lang="fr-FR" sz="3200" dirty="0">
-              <a:solidFill>
-                <a:srgbClr val="FFFFFF"/>
-              </a:solidFill>
-              <a:latin typeface="Arial Black" panose="020B0A04020102020204" pitchFamily="34" charset="0"/>
-            </a:endParaRPr>
-          </a:p>
-        </p:txBody>
-      </p:sp>
-      <p:sp>
-        <p:nvSpPr>
-          <p:cNvPr id="90" name="ZoneTexte 89"/>
-          <p:cNvSpPr txBox="1"/>
-          <p:nvPr/>
-        </p:nvSpPr>
-        <p:spPr>
-          <a:xfrm>
-            <a:off x="470793" y="895841"/>
-            <a:ext cx="680598" cy="584775"/>
-          </a:xfrm>
-          <a:prstGeom prst="rect">
-            <a:avLst/>
-          </a:prstGeom>
-          <a:noFill/>
-        </p:spPr>
-        <p:txBody>
-          <a:bodyPr wrap="square" rtlCol="0">
-            <a:spAutoFit/>
-          </a:bodyPr>
-          <a:lstStyle/>
-          <a:p>
-            <a:pPr algn="ctr"/>
-            <a:r>
-              <a:rPr lang="fr-FR" sz="3200" dirty="0" smtClean="0">
-                <a:latin typeface="Arial Black" panose="020B0A04020102020204" pitchFamily="34" charset="0"/>
-              </a:rPr>
-              <a:t>2</a:t>
-            </a:r>
-            <a:endParaRPr lang="fr-FR" sz="3200" dirty="0">
-              <a:latin typeface="Arial Black" panose="020B0A04020102020204" pitchFamily="34" charset="0"/>
-            </a:endParaRPr>
-          </a:p>
-        </p:txBody>
-      </p:sp>
-      <p:sp>
-        <p:nvSpPr>
-          <p:cNvPr id="96" name="ZoneTexte 95"/>
-          <p:cNvSpPr txBox="1"/>
-          <p:nvPr/>
-        </p:nvSpPr>
-        <p:spPr>
-          <a:xfrm>
-            <a:off x="4562752" y="1576520"/>
-            <a:ext cx="680598" cy="584775"/>
-          </a:xfrm>
-          <a:prstGeom prst="rect">
-            <a:avLst/>
-          </a:prstGeom>
-          <a:noFill/>
-        </p:spPr>
-        <p:txBody>
-          <a:bodyPr wrap="square" rtlCol="0">
-            <a:spAutoFit/>
-          </a:bodyPr>
-          <a:lstStyle/>
-          <a:p>
-            <a:pPr algn="ctr"/>
-            <a:r>
-              <a:rPr lang="fr-FR" sz="3200" dirty="0" smtClean="0">
-                <a:solidFill>
-                  <a:srgbClr val="FFFFFF"/>
-                </a:solidFill>
-                <a:latin typeface="Arial Black" panose="020B0A04020102020204" pitchFamily="34" charset="0"/>
-              </a:rPr>
-              <a:t>3</a:t>
-            </a:r>
-            <a:endParaRPr lang="fr-FR" sz="3200" dirty="0">
-              <a:solidFill>
-                <a:srgbClr val="FFFFFF"/>
-              </a:solidFill>
-              <a:latin typeface="Arial Black" panose="020B0A04020102020204" pitchFamily="34" charset="0"/>
-            </a:endParaRPr>
-          </a:p>
-        </p:txBody>
-      </p:sp>
-      <p:sp>
-        <p:nvSpPr>
-          <p:cNvPr id="97" name="ZoneTexte 96"/>
-          <p:cNvSpPr txBox="1"/>
-          <p:nvPr/>
-        </p:nvSpPr>
-        <p:spPr>
-          <a:xfrm>
-            <a:off x="592794" y="3646423"/>
-            <a:ext cx="680598" cy="584775"/>
-          </a:xfrm>
-          <a:prstGeom prst="rect">
-            <a:avLst/>
-          </a:prstGeom>
-          <a:noFill/>
-        </p:spPr>
-        <p:txBody>
-          <a:bodyPr wrap="square" rtlCol="0">
-            <a:spAutoFit/>
-          </a:bodyPr>
-          <a:lstStyle/>
-          <a:p>
-            <a:pPr algn="ctr"/>
-            <a:r>
-              <a:rPr lang="fr-FR" sz="3200" dirty="0" smtClean="0">
-                <a:solidFill>
-                  <a:srgbClr val="FFFFFF"/>
-                </a:solidFill>
-                <a:latin typeface="Arial Black" panose="020B0A04020102020204" pitchFamily="34" charset="0"/>
-              </a:rPr>
-              <a:t>4</a:t>
-            </a:r>
-            <a:endParaRPr lang="fr-FR" sz="3200" dirty="0">
-              <a:solidFill>
-                <a:srgbClr val="FFFFFF"/>
-              </a:solidFill>
-              <a:latin typeface="Arial Black" panose="020B0A04020102020204" pitchFamily="34" charset="0"/>
-            </a:endParaRPr>
-          </a:p>
-        </p:txBody>
-      </p:sp>
-      <p:sp>
-        <p:nvSpPr>
-          <p:cNvPr id="98" name="ZoneTexte 97"/>
-          <p:cNvSpPr txBox="1"/>
-          <p:nvPr/>
-        </p:nvSpPr>
-        <p:spPr>
-          <a:xfrm>
-            <a:off x="9595596" y="890667"/>
-            <a:ext cx="680598" cy="584775"/>
-          </a:xfrm>
-          <a:prstGeom prst="rect">
-            <a:avLst/>
-          </a:prstGeom>
-          <a:noFill/>
-        </p:spPr>
-        <p:txBody>
-          <a:bodyPr wrap="square" rtlCol="0">
-            <a:spAutoFit/>
-          </a:bodyPr>
-          <a:lstStyle/>
-          <a:p>
-            <a:pPr algn="ctr"/>
-            <a:r>
-              <a:rPr lang="fr-FR" sz="3200" dirty="0" smtClean="0">
-                <a:solidFill>
-                  <a:srgbClr val="FFFFFF"/>
-                </a:solidFill>
-                <a:latin typeface="Arial Black" panose="020B0A04020102020204" pitchFamily="34" charset="0"/>
-              </a:rPr>
-              <a:t>5</a:t>
-            </a:r>
-            <a:endParaRPr lang="fr-FR" sz="3200" dirty="0">
-              <a:solidFill>
-                <a:srgbClr val="FFFFFF"/>
-              </a:solidFill>
-              <a:latin typeface="Arial Black" panose="020B0A04020102020204" pitchFamily="34" charset="0"/>
-            </a:endParaRPr>
-          </a:p>
-        </p:txBody>
-      </p:sp>
-      <p:sp>
-        <p:nvSpPr>
-          <p:cNvPr id="99" name="ZoneTexte 98"/>
-          <p:cNvSpPr txBox="1"/>
-          <p:nvPr/>
-        </p:nvSpPr>
-        <p:spPr>
-          <a:xfrm>
-            <a:off x="8529623" y="2681064"/>
-            <a:ext cx="680598" cy="584775"/>
-          </a:xfrm>
-          <a:prstGeom prst="rect">
-            <a:avLst/>
-          </a:prstGeom>
-          <a:noFill/>
-        </p:spPr>
-        <p:txBody>
-          <a:bodyPr wrap="square" rtlCol="0">
-            <a:spAutoFit/>
-          </a:bodyPr>
-          <a:lstStyle/>
-          <a:p>
-            <a:pPr algn="ctr"/>
-            <a:r>
-              <a:rPr lang="fr-FR" sz="3200" dirty="0" smtClean="0">
-                <a:solidFill>
-                  <a:srgbClr val="FFFFFF"/>
-                </a:solidFill>
-                <a:latin typeface="Arial Black" panose="020B0A04020102020204" pitchFamily="34" charset="0"/>
-              </a:rPr>
-              <a:t>6</a:t>
-            </a:r>
-            <a:endParaRPr lang="fr-FR" sz="3200" dirty="0">
-              <a:solidFill>
-                <a:srgbClr val="FFFFFF"/>
-              </a:solidFill>
-              <a:latin typeface="Arial Black" panose="020B0A04020102020204" pitchFamily="34" charset="0"/>
-            </a:endParaRPr>
-          </a:p>
-        </p:txBody>
-      </p:sp>
-      <p:sp>
-        <p:nvSpPr>
-          <p:cNvPr id="100" name="ZoneTexte 99"/>
-          <p:cNvSpPr txBox="1"/>
-          <p:nvPr/>
-        </p:nvSpPr>
-        <p:spPr>
-          <a:xfrm>
-            <a:off x="10650268" y="2729975"/>
-            <a:ext cx="680598" cy="584775"/>
-          </a:xfrm>
-          <a:prstGeom prst="rect">
-            <a:avLst/>
-          </a:prstGeom>
-          <a:noFill/>
-        </p:spPr>
-        <p:txBody>
-          <a:bodyPr wrap="square" rtlCol="0">
-            <a:spAutoFit/>
-          </a:bodyPr>
-          <a:lstStyle/>
-          <a:p>
-            <a:pPr algn="ctr"/>
-            <a:r>
-              <a:rPr lang="fr-FR" sz="3200" dirty="0" smtClean="0">
-                <a:solidFill>
-                  <a:srgbClr val="FFFFFF"/>
-                </a:solidFill>
-                <a:latin typeface="Arial Black" panose="020B0A04020102020204" pitchFamily="34" charset="0"/>
-              </a:rPr>
-              <a:t>6</a:t>
-            </a:r>
-            <a:endParaRPr lang="fr-FR" sz="3200" dirty="0">
-              <a:solidFill>
-                <a:srgbClr val="FFFFFF"/>
-              </a:solidFill>
-              <a:latin typeface="Arial Black" panose="020B0A04020102020204" pitchFamily="34" charset="0"/>
-            </a:endParaRPr>
-          </a:p>
-        </p:txBody>
-      </p:sp>
-      <p:sp>
-        <p:nvSpPr>
-          <p:cNvPr id="104" name="ZoneTexte 103"/>
-          <p:cNvSpPr txBox="1"/>
-          <p:nvPr/>
-        </p:nvSpPr>
-        <p:spPr>
-          <a:xfrm>
-            <a:off x="3615635" y="4425609"/>
-            <a:ext cx="680598" cy="584775"/>
-          </a:xfrm>
-          <a:prstGeom prst="rect">
-            <a:avLst/>
-          </a:prstGeom>
-          <a:noFill/>
-        </p:spPr>
-        <p:txBody>
-          <a:bodyPr wrap="square" rtlCol="0">
-            <a:spAutoFit/>
-          </a:bodyPr>
-          <a:lstStyle/>
-          <a:p>
-            <a:pPr algn="ctr"/>
-            <a:r>
-              <a:rPr lang="fr-FR" sz="3200" dirty="0" smtClean="0">
-                <a:latin typeface="Arial Black" panose="020B0A04020102020204" pitchFamily="34" charset="0"/>
-              </a:rPr>
-              <a:t>7</a:t>
-            </a:r>
-            <a:endParaRPr lang="fr-FR" sz="3200" dirty="0">
-              <a:latin typeface="Arial Black" panose="020B0A04020102020204" pitchFamily="34" charset="0"/>
-            </a:endParaRPr>
-          </a:p>
-        </p:txBody>
-      </p:sp>
-      <p:sp>
-        <p:nvSpPr>
-          <p:cNvPr id="108" name="ZoneTexte 107"/>
-          <p:cNvSpPr txBox="1"/>
-          <p:nvPr/>
-        </p:nvSpPr>
-        <p:spPr>
-          <a:xfrm>
-            <a:off x="2245591" y="4458550"/>
-            <a:ext cx="680598" cy="584775"/>
-          </a:xfrm>
-          <a:prstGeom prst="rect">
-            <a:avLst/>
-          </a:prstGeom>
-          <a:noFill/>
-        </p:spPr>
-        <p:txBody>
-          <a:bodyPr wrap="square" rtlCol="0">
-            <a:spAutoFit/>
-          </a:bodyPr>
-          <a:lstStyle/>
-          <a:p>
-            <a:pPr algn="ctr"/>
-            <a:r>
-              <a:rPr lang="fr-FR" sz="3200" dirty="0" smtClean="0">
-                <a:latin typeface="Arial Black" panose="020B0A04020102020204" pitchFamily="34" charset="0"/>
-              </a:rPr>
-              <a:t>7</a:t>
-            </a:r>
-            <a:endParaRPr lang="fr-FR" sz="3200" dirty="0">
-              <a:latin typeface="Arial Black" panose="020B0A04020102020204" pitchFamily="34" charset="0"/>
-            </a:endParaRPr>
-          </a:p>
-        </p:txBody>
-      </p:sp>
-      <p:sp>
-        <p:nvSpPr>
-          <p:cNvPr id="115" name="ZoneTexte 114"/>
-          <p:cNvSpPr txBox="1"/>
-          <p:nvPr/>
-        </p:nvSpPr>
-        <p:spPr>
-          <a:xfrm>
-            <a:off x="5067989" y="4493886"/>
-            <a:ext cx="680598" cy="584775"/>
-          </a:xfrm>
-          <a:prstGeom prst="rect">
-            <a:avLst/>
-          </a:prstGeom>
-          <a:noFill/>
-        </p:spPr>
-        <p:txBody>
-          <a:bodyPr wrap="square" rtlCol="0">
-            <a:spAutoFit/>
-          </a:bodyPr>
-          <a:lstStyle/>
-          <a:p>
-            <a:pPr algn="ctr"/>
-            <a:r>
-              <a:rPr lang="fr-FR" sz="3200" dirty="0" smtClean="0">
-                <a:latin typeface="Arial Black" panose="020B0A04020102020204" pitchFamily="34" charset="0"/>
-              </a:rPr>
-              <a:t>7</a:t>
-            </a:r>
-            <a:endParaRPr lang="fr-FR" sz="3200" dirty="0">
-              <a:latin typeface="Arial Black" panose="020B0A04020102020204" pitchFamily="34" charset="0"/>
-            </a:endParaRPr>
-          </a:p>
-        </p:txBody>
-      </p:sp>
-      <p:sp>
-        <p:nvSpPr>
-          <p:cNvPr id="117" name="ZoneTexte 116"/>
-          <p:cNvSpPr txBox="1"/>
-          <p:nvPr/>
-        </p:nvSpPr>
-        <p:spPr>
-          <a:xfrm>
-            <a:off x="6468535" y="4475941"/>
-            <a:ext cx="680598" cy="584775"/>
-          </a:xfrm>
-          <a:prstGeom prst="rect">
-            <a:avLst/>
-          </a:prstGeom>
-          <a:noFill/>
-        </p:spPr>
-        <p:txBody>
-          <a:bodyPr wrap="square" rtlCol="0">
-            <a:spAutoFit/>
-          </a:bodyPr>
-          <a:lstStyle/>
-          <a:p>
-            <a:pPr algn="ctr"/>
-            <a:r>
-              <a:rPr lang="fr-FR" sz="3200" dirty="0" smtClean="0">
-                <a:latin typeface="Arial Black" panose="020B0A04020102020204" pitchFamily="34" charset="0"/>
-              </a:rPr>
-              <a:t>7</a:t>
-            </a:r>
-            <a:endParaRPr lang="fr-FR" sz="3200" dirty="0">
-              <a:latin typeface="Arial Black" panose="020B0A04020102020204" pitchFamily="34" charset="0"/>
-            </a:endParaRPr>
-          </a:p>
-        </p:txBody>
-      </p:sp>
-      <p:sp>
-        <p:nvSpPr>
-          <p:cNvPr id="118" name="ZoneTexte 117"/>
-          <p:cNvSpPr txBox="1"/>
-          <p:nvPr/>
-        </p:nvSpPr>
-        <p:spPr>
-          <a:xfrm>
-            <a:off x="5391676" y="6201488"/>
-            <a:ext cx="680598" cy="584775"/>
-          </a:xfrm>
-          <a:prstGeom prst="rect">
-            <a:avLst/>
-          </a:prstGeom>
-          <a:noFill/>
-        </p:spPr>
-        <p:txBody>
-          <a:bodyPr wrap="square" rtlCol="0">
-            <a:spAutoFit/>
-          </a:bodyPr>
-          <a:lstStyle/>
-          <a:p>
-            <a:pPr algn="ctr"/>
-            <a:r>
-              <a:rPr lang="fr-FR" sz="3200" dirty="0" smtClean="0">
-                <a:latin typeface="Arial Black" panose="020B0A04020102020204" pitchFamily="34" charset="0"/>
-              </a:rPr>
-              <a:t>8</a:t>
-            </a:r>
-            <a:endParaRPr lang="fr-FR" sz="3200" dirty="0">
-              <a:latin typeface="Arial Black" panose="020B0A04020102020204" pitchFamily="34" charset="0"/>
-            </a:endParaRPr>
-          </a:p>
-        </p:txBody>
-      </p:sp>
     </p:spTree>
     <p:extLst>
       <p:ext uri="{BB962C8B-B14F-4D97-AF65-F5344CB8AC3E}">
-        <p14:creationId xmlns:p14="http://schemas.microsoft.com/office/powerpoint/2010/main" val="3668345416"/>
+        <p14:creationId xmlns:p14="http://schemas.microsoft.com/office/powerpoint/2010/main" val="339988096"/>
       </p:ext>
     </p:extLst>
   </p:cSld>
@@ -28866,57 +25678,20 @@
       </p:grpSpPr>
       <p:sp>
         <p:nvSpPr>
-          <p:cNvPr id="2" name="Titre 1"/>
-          <p:cNvSpPr>
-            <a:spLocks noGrp="1"/>
-          </p:cNvSpPr>
-          <p:nvPr>
-            <p:ph type="title"/>
-          </p:nvPr>
-        </p:nvSpPr>
-        <p:spPr>
-          <a:xfrm>
-            <a:off x="644284" y="-45196"/>
-            <a:ext cx="10515600" cy="1009728"/>
-          </a:xfrm>
-        </p:spPr>
-        <p:txBody>
-          <a:bodyPr/>
-          <a:lstStyle/>
-          <a:p>
-            <a:pPr algn="ctr"/>
-            <a:r>
-              <a:rPr lang="fr-FR" b="1" dirty="0" smtClean="0">
-                <a:solidFill>
-                  <a:srgbClr val="2A2A32"/>
-                </a:solidFill>
-              </a:rPr>
-              <a:t>Color palette </a:t>
-            </a:r>
-            <a:endParaRPr lang="fr-FR" b="1" dirty="0">
-              <a:solidFill>
-                <a:srgbClr val="2A2A32"/>
-              </a:solidFill>
-            </a:endParaRPr>
-          </a:p>
-        </p:txBody>
-      </p:sp>
-      <p:sp>
-        <p:nvSpPr>
-          <p:cNvPr id="4" name="Ellipse 3"/>
+          <p:cNvPr id="4" name="Rectangle 3"/>
           <p:cNvSpPr/>
           <p:nvPr/>
         </p:nvSpPr>
         <p:spPr>
           <a:xfrm>
-            <a:off x="2533071" y="4105407"/>
-            <a:ext cx="2251881" cy="2197289"/>
-          </a:xfrm>
-          <a:prstGeom prst="ellipse">
+            <a:off x="0" y="4434"/>
+            <a:ext cx="12192000" cy="6858000"/>
+          </a:xfrm>
+          <a:prstGeom prst="rect">
             <a:avLst/>
           </a:prstGeom>
           <a:solidFill>
-            <a:srgbClr val="E6EAEE"/>
+            <a:srgbClr val="373742"/>
           </a:solidFill>
           <a:ln>
             <a:noFill/>
@@ -28949,21 +25724,104 @@
       </p:sp>
       <p:sp>
         <p:nvSpPr>
-          <p:cNvPr id="5" name="Ellipse 4"/>
+          <p:cNvPr id="7" name="ZoneTexte 6"/>
+          <p:cNvSpPr txBox="1"/>
+          <p:nvPr/>
+        </p:nvSpPr>
+        <p:spPr>
+          <a:xfrm>
+            <a:off x="0" y="184061"/>
+            <a:ext cx="1912620" cy="307777"/>
+          </a:xfrm>
+          <a:prstGeom prst="rect">
+            <a:avLst/>
+          </a:prstGeom>
+          <a:noFill/>
+        </p:spPr>
+        <p:txBody>
+          <a:bodyPr wrap="square" rtlCol="0">
+            <a:spAutoFit/>
+          </a:bodyPr>
+          <a:lstStyle/>
+          <a:p>
+            <a:r>
+              <a:rPr lang="fr-FR" sz="1400" dirty="0" smtClean="0">
+                <a:solidFill>
+                  <a:srgbClr val="07CEC9"/>
+                </a:solidFill>
+                <a:latin typeface="+mj-lt"/>
+              </a:rPr>
+              <a:t>Fortico</a:t>
+            </a:r>
+            <a:r>
+              <a:rPr lang="fr-FR" sz="1400" dirty="0" smtClean="0">
+                <a:solidFill>
+                  <a:schemeClr val="bg1"/>
+                </a:solidFill>
+              </a:rPr>
+              <a:t> </a:t>
+            </a:r>
+            <a:r>
+              <a:rPr lang="fr-FR" sz="1400" b="1" dirty="0" smtClean="0">
+                <a:solidFill>
+                  <a:schemeClr val="bg1"/>
+                </a:solidFill>
+              </a:rPr>
+              <a:t>Smart</a:t>
+            </a:r>
+            <a:r>
+              <a:rPr lang="fr-FR" sz="1400" dirty="0" smtClean="0">
+                <a:solidFill>
+                  <a:schemeClr val="bg1"/>
+                </a:solidFill>
+              </a:rPr>
+              <a:t> </a:t>
+            </a:r>
+            <a:r>
+              <a:rPr lang="fr-FR" sz="1400" dirty="0" smtClean="0">
+                <a:solidFill>
+                  <a:schemeClr val="bg1"/>
+                </a:solidFill>
+                <a:latin typeface="+mj-lt"/>
+              </a:rPr>
+              <a:t>Home</a:t>
+            </a:r>
+            <a:endParaRPr lang="fr-FR" sz="1400" dirty="0">
+              <a:solidFill>
+                <a:schemeClr val="bg1"/>
+              </a:solidFill>
+              <a:latin typeface="+mj-lt"/>
+            </a:endParaRPr>
+          </a:p>
+        </p:txBody>
+      </p:sp>
+      <p:sp>
+        <p:nvSpPr>
+          <p:cNvPr id="8" name="Ellipse 7"/>
           <p:cNvSpPr/>
           <p:nvPr/>
         </p:nvSpPr>
         <p:spPr>
           <a:xfrm>
-            <a:off x="4497502" y="2326797"/>
-            <a:ext cx="3382371" cy="3204948"/>
+            <a:off x="537368" y="638881"/>
+            <a:ext cx="781050" cy="732314"/>
           </a:xfrm>
           <a:prstGeom prst="ellipse">
             <a:avLst/>
           </a:prstGeom>
-          <a:solidFill>
-            <a:srgbClr val="373742"/>
-          </a:solidFill>
+          <a:blipFill dpi="0" rotWithShape="1">
+            <a:blip r:embed="rId3" cstate="print">
+              <a:extLst>
+                <a:ext uri="{28A0092B-C50C-407E-A947-70E740481C1C}">
+                  <a14:useLocalDpi xmlns:a14="http://schemas.microsoft.com/office/drawing/2010/main" val="0"/>
+                </a:ext>
+              </a:extLst>
+            </a:blip>
+            <a:srcRect/>
+            <a:stretch>
+              <a:fillRect/>
+            </a:stretch>
+          </a:blipFill>
           <a:ln>
             <a:noFill/>
           </a:ln>
@@ -28993,22 +25851,108 @@
           </a:p>
         </p:txBody>
       </p:sp>
-      <p:sp>
-        <p:nvSpPr>
-          <p:cNvPr id="6" name="Ellipse 5"/>
+      <p:cxnSp>
+        <p:nvCxnSpPr>
+          <p:cNvPr id="10" name="Connecteur droit 9"/>
+          <p:cNvCxnSpPr/>
+          <p:nvPr/>
+        </p:nvCxnSpPr>
+        <p:spPr>
+          <a:xfrm>
+            <a:off x="0" y="491838"/>
+            <a:ext cx="12192000" cy="0"/>
+          </a:xfrm>
+          <a:prstGeom prst="line">
+            <a:avLst/>
+          </a:prstGeom>
+          <a:ln w="12700">
+            <a:solidFill>
+              <a:srgbClr val="212127"/>
+            </a:solidFill>
+          </a:ln>
+        </p:spPr>
+        <p:style>
+          <a:lnRef idx="1">
+            <a:schemeClr val="accent1"/>
+          </a:lnRef>
+          <a:fillRef idx="0">
+            <a:schemeClr val="accent1"/>
+          </a:fillRef>
+          <a:effectRef idx="0">
+            <a:schemeClr val="accent1"/>
+          </a:effectRef>
+          <a:fontRef idx="minor">
+            <a:schemeClr val="tx1"/>
+          </a:fontRef>
+        </p:style>
+      </p:cxnSp>
+      <p:sp>
+        <p:nvSpPr>
+          <p:cNvPr id="13" name="ZoneTexte 12"/>
+          <p:cNvSpPr txBox="1"/>
+          <p:nvPr/>
+        </p:nvSpPr>
+        <p:spPr>
+          <a:xfrm>
+            <a:off x="119855" y="1414158"/>
+            <a:ext cx="1533525" cy="338554"/>
+          </a:xfrm>
+          <a:prstGeom prst="rect">
+            <a:avLst/>
+          </a:prstGeom>
+          <a:noFill/>
+        </p:spPr>
+        <p:txBody>
+          <a:bodyPr wrap="square" rtlCol="0">
+            <a:spAutoFit/>
+          </a:bodyPr>
+          <a:lstStyle/>
+          <a:p>
+            <a:pPr algn="ctr"/>
+            <a:r>
+              <a:rPr lang="fr-FR" sz="1600" b="1" dirty="0" smtClean="0">
+                <a:ln>
+                  <a:solidFill>
+                    <a:srgbClr val="D5D5D5"/>
+                  </a:solidFill>
+                </a:ln>
+                <a:solidFill>
+                  <a:srgbClr val="D5D5D5"/>
+                </a:solidFill>
+                <a:latin typeface="+mj-lt"/>
+              </a:rPr>
+              <a:t>My Home</a:t>
+            </a:r>
+            <a:endParaRPr lang="fr-FR" sz="1600" b="1" dirty="0">
+              <a:ln>
+                <a:solidFill>
+                  <a:srgbClr val="D5D5D5"/>
+                </a:solidFill>
+              </a:ln>
+              <a:solidFill>
+                <a:srgbClr val="D5D5D5"/>
+              </a:solidFill>
+              <a:latin typeface="+mj-lt"/>
+            </a:endParaRPr>
+          </a:p>
+        </p:txBody>
+      </p:sp>
+      <p:sp>
+        <p:nvSpPr>
+          <p:cNvPr id="14" name="Triangle isocèle 13"/>
           <p:cNvSpPr/>
           <p:nvPr/>
         </p:nvSpPr>
         <p:spPr>
-          <a:xfrm>
-            <a:off x="7576780" y="4135950"/>
-            <a:ext cx="2251881" cy="2197289"/>
-          </a:xfrm>
-          <a:prstGeom prst="ellipse">
+          <a:xfrm rot="10800000">
+            <a:off x="1361775" y="1594234"/>
+            <a:ext cx="95659" cy="45719"/>
+          </a:xfrm>
+          <a:prstGeom prst="triangle">
             <a:avLst/>
           </a:prstGeom>
           <a:solidFill>
-            <a:srgbClr val="4A4A58"/>
+            <a:srgbClr val="07CEC9"/>
           </a:solidFill>
           <a:ln>
             <a:noFill/>
@@ -29035,102 +25979,9 @@
           <a:lstStyle/>
           <a:p>
             <a:pPr algn="ctr"/>
-            <a:endParaRPr lang="fr-FR"/>
-          </a:p>
-        </p:txBody>
-      </p:sp>
-      <p:sp>
-        <p:nvSpPr>
-          <p:cNvPr id="7" name="ZoneTexte 6"/>
-          <p:cNvSpPr txBox="1"/>
-          <p:nvPr/>
-        </p:nvSpPr>
-        <p:spPr>
-          <a:xfrm>
-            <a:off x="2724140" y="4700222"/>
-            <a:ext cx="2060811" cy="369332"/>
-          </a:xfrm>
-          <a:prstGeom prst="rect">
-            <a:avLst/>
-          </a:prstGeom>
-          <a:noFill/>
-        </p:spPr>
-        <p:txBody>
-          <a:bodyPr wrap="square" rtlCol="0">
-            <a:spAutoFit/>
-          </a:bodyPr>
-          <a:lstStyle/>
-          <a:p>
-            <a:r>
-              <a:rPr lang="fr-FR" b="1" dirty="0"/>
-              <a:t>#E6EAEE#E6EAEE</a:t>
-            </a:r>
-          </a:p>
-        </p:txBody>
-      </p:sp>
-      <p:sp>
-        <p:nvSpPr>
-          <p:cNvPr id="8" name="ZoneTexte 7"/>
-          <p:cNvSpPr txBox="1"/>
-          <p:nvPr/>
-        </p:nvSpPr>
-        <p:spPr>
-          <a:xfrm>
-            <a:off x="2732101" y="5208032"/>
-            <a:ext cx="2060811" cy="369332"/>
-          </a:xfrm>
-          <a:prstGeom prst="rect">
-            <a:avLst/>
-          </a:prstGeom>
-          <a:noFill/>
-        </p:spPr>
-        <p:txBody>
-          <a:bodyPr wrap="square" rtlCol="0">
-            <a:spAutoFit/>
-          </a:bodyPr>
-          <a:lstStyle/>
-          <a:p>
-            <a:r>
-              <a:rPr lang="fr-FR" b="1" dirty="0"/>
-              <a:t>rgb(230, 234, 238)</a:t>
-            </a:r>
-          </a:p>
-        </p:txBody>
-      </p:sp>
-      <p:sp>
-        <p:nvSpPr>
-          <p:cNvPr id="9" name="ZoneTexte 8"/>
-          <p:cNvSpPr txBox="1"/>
-          <p:nvPr/>
-        </p:nvSpPr>
-        <p:spPr>
-          <a:xfrm>
-            <a:off x="5173638" y="4621747"/>
-            <a:ext cx="2060811" cy="369332"/>
-          </a:xfrm>
-          <a:prstGeom prst="rect">
-            <a:avLst/>
-          </a:prstGeom>
-          <a:noFill/>
-        </p:spPr>
-        <p:txBody>
-          <a:bodyPr wrap="square" rtlCol="0">
-            <a:spAutoFit/>
-          </a:bodyPr>
-          <a:lstStyle/>
-          <a:p>
-            <a:pPr algn="ctr"/>
-            <a:r>
-              <a:rPr lang="fr-FR" b="1" dirty="0" smtClean="0">
-                <a:solidFill>
-                  <a:schemeClr val="bg1"/>
-                </a:solidFill>
-              </a:rPr>
-              <a:t>rgb(55, 55, 66)</a:t>
-            </a:r>
-            <a:endParaRPr lang="fr-FR" b="1" dirty="0">
+            <a:endParaRPr lang="fr-FR">
               <a:solidFill>
-                <a:schemeClr val="bg1"/>
+                <a:srgbClr val="07CEC9"/>
               </a:solidFill>
             </a:endParaRPr>
           </a:p>
@@ -29138,135 +25989,20 @@
       </p:sp>
       <p:sp>
         <p:nvSpPr>
-          <p:cNvPr id="10" name="ZoneTexte 9"/>
-          <p:cNvSpPr txBox="1"/>
-          <p:nvPr/>
-        </p:nvSpPr>
-        <p:spPr>
-          <a:xfrm>
-            <a:off x="5173637" y="3149790"/>
-            <a:ext cx="2060811" cy="369332"/>
-          </a:xfrm>
-          <a:prstGeom prst="rect">
-            <a:avLst/>
-          </a:prstGeom>
-          <a:noFill/>
-        </p:spPr>
-        <p:txBody>
-          <a:bodyPr wrap="square" rtlCol="0">
-            <a:spAutoFit/>
-          </a:bodyPr>
-          <a:lstStyle/>
-          <a:p>
-            <a:pPr algn="ctr"/>
-            <a:r>
-              <a:rPr lang="fr-FR" b="1" dirty="0">
-                <a:solidFill>
-                  <a:schemeClr val="bg1"/>
-                </a:solidFill>
-              </a:rPr>
-              <a:t>#</a:t>
-            </a:r>
-            <a:r>
-              <a:rPr lang="fr-FR" b="1" dirty="0" smtClean="0">
-                <a:solidFill>
-                  <a:schemeClr val="bg1"/>
-                </a:solidFill>
-              </a:rPr>
-              <a:t>373742</a:t>
-            </a:r>
-            <a:endParaRPr lang="fr-FR" b="1" dirty="0">
-              <a:solidFill>
-                <a:schemeClr val="bg1"/>
-              </a:solidFill>
-            </a:endParaRPr>
-          </a:p>
-        </p:txBody>
-      </p:sp>
-      <p:sp>
-        <p:nvSpPr>
-          <p:cNvPr id="11" name="ZoneTexte 10"/>
-          <p:cNvSpPr txBox="1"/>
-          <p:nvPr/>
-        </p:nvSpPr>
-        <p:spPr>
-          <a:xfrm>
-            <a:off x="7672314" y="5423241"/>
-            <a:ext cx="2060811" cy="369332"/>
-          </a:xfrm>
-          <a:prstGeom prst="rect">
-            <a:avLst/>
-          </a:prstGeom>
-          <a:noFill/>
-        </p:spPr>
-        <p:txBody>
-          <a:bodyPr wrap="square" rtlCol="0">
-            <a:spAutoFit/>
-          </a:bodyPr>
-          <a:lstStyle/>
-          <a:p>
-            <a:pPr algn="ctr"/>
-            <a:r>
-              <a:rPr lang="fr-FR" b="1" dirty="0">
-                <a:solidFill>
-                  <a:schemeClr val="bg1"/>
-                </a:solidFill>
-              </a:rPr>
-              <a:t>rgb(74, 74, 88)</a:t>
-            </a:r>
-          </a:p>
-        </p:txBody>
-      </p:sp>
-      <p:sp>
-        <p:nvSpPr>
-          <p:cNvPr id="12" name="ZoneTexte 11"/>
-          <p:cNvSpPr txBox="1"/>
-          <p:nvPr/>
-        </p:nvSpPr>
-        <p:spPr>
-          <a:xfrm>
-            <a:off x="7576780" y="4594930"/>
-            <a:ext cx="2060811" cy="369332"/>
-          </a:xfrm>
-          <a:prstGeom prst="rect">
-            <a:avLst/>
-          </a:prstGeom>
-          <a:noFill/>
-        </p:spPr>
-        <p:txBody>
-          <a:bodyPr wrap="square" rtlCol="0">
-            <a:spAutoFit/>
-          </a:bodyPr>
-          <a:lstStyle/>
-          <a:p>
-            <a:pPr algn="ctr"/>
-            <a:r>
-              <a:rPr lang="fr-FR" b="1" dirty="0">
-                <a:solidFill>
-                  <a:schemeClr val="bg1"/>
-                </a:solidFill>
-              </a:rPr>
-              <a:t>#4A4A58</a:t>
-            </a:r>
-          </a:p>
-        </p:txBody>
-      </p:sp>
-      <p:sp>
-        <p:nvSpPr>
-          <p:cNvPr id="14" name="Ellipse 13"/>
+          <p:cNvPr id="15" name="Rectangle 14"/>
           <p:cNvSpPr/>
           <p:nvPr/>
         </p:nvSpPr>
         <p:spPr>
           <a:xfrm>
-            <a:off x="7576780" y="1523092"/>
-            <a:ext cx="2251881" cy="2197289"/>
-          </a:xfrm>
-          <a:prstGeom prst="ellipse">
+            <a:off x="1930785" y="607429"/>
+            <a:ext cx="5847080" cy="3269168"/>
+          </a:xfrm>
+          <a:prstGeom prst="rect">
             <a:avLst/>
           </a:prstGeom>
           <a:solidFill>
-            <a:srgbClr val="07CEC9"/>
+            <a:srgbClr val="4A4A58"/>
           </a:solidFill>
           <a:ln>
             <a:noFill/>
@@ -29299,20 +26035,20 @@
       </p:sp>
       <p:sp>
         <p:nvSpPr>
-          <p:cNvPr id="15" name="Ellipse 14"/>
+          <p:cNvPr id="17" name="Rectangle 16"/>
           <p:cNvSpPr/>
           <p:nvPr/>
         </p:nvSpPr>
         <p:spPr>
           <a:xfrm>
-            <a:off x="2533071" y="1522549"/>
-            <a:ext cx="2251881" cy="2197289"/>
-          </a:xfrm>
-          <a:prstGeom prst="ellipse">
+            <a:off x="7861300" y="629734"/>
+            <a:ext cx="4081780" cy="1301696"/>
+          </a:xfrm>
+          <a:prstGeom prst="rect">
             <a:avLst/>
           </a:prstGeom>
           <a:solidFill>
-            <a:srgbClr val="2A2A32"/>
+            <a:srgbClr val="4A4A58"/>
           </a:solidFill>
           <a:ln>
             <a:noFill/>
@@ -29345,19 +26081,70 @@
       </p:sp>
       <p:sp>
         <p:nvSpPr>
-          <p:cNvPr id="16" name="ZoneTexte 15"/>
+          <p:cNvPr id="20" name="Rectangle 19"/>
+          <p:cNvSpPr/>
+          <p:nvPr/>
+        </p:nvSpPr>
+        <p:spPr>
+          <a:xfrm>
+            <a:off x="26888" y="6054843"/>
+            <a:ext cx="12165112" cy="763198"/>
+          </a:xfrm>
+          <a:prstGeom prst="rect">
+            <a:avLst/>
+          </a:prstGeom>
+          <a:noFill/>
+          <a:ln>
+            <a:solidFill>
+              <a:srgbClr val="212127"/>
+            </a:solidFill>
+          </a:ln>
+        </p:spPr>
+        <p:style>
+          <a:lnRef idx="2">
+            <a:schemeClr val="accent1">
+              <a:shade val="50000"/>
+            </a:schemeClr>
+          </a:lnRef>
+          <a:fillRef idx="1">
+            <a:schemeClr val="accent1"/>
+          </a:fillRef>
+          <a:effectRef idx="0">
+            <a:schemeClr val="accent1"/>
+          </a:effectRef>
+          <a:fontRef idx="minor">
+            <a:schemeClr val="lt1"/>
+          </a:fontRef>
+        </p:style>
+        <p:txBody>
+          <a:bodyPr rtlCol="0" anchor="ctr"/>
+          <a:lstStyle/>
+          <a:p>
+            <a:pPr algn="ctr"/>
+            <a:endParaRPr lang="fr-FR"/>
+          </a:p>
+        </p:txBody>
+      </p:sp>
+      <p:sp>
+        <p:nvSpPr>
+          <p:cNvPr id="21" name="ZoneTexte 20"/>
           <p:cNvSpPr txBox="1"/>
           <p:nvPr/>
         </p:nvSpPr>
         <p:spPr>
           <a:xfrm>
-            <a:off x="2611832" y="1967427"/>
-            <a:ext cx="2060811" cy="369332"/>
-          </a:xfrm>
-          <a:prstGeom prst="rect">
-            <a:avLst/>
-          </a:prstGeom>
-          <a:noFill/>
+            <a:off x="57150" y="1954681"/>
+            <a:ext cx="1589949" cy="276999"/>
+          </a:xfrm>
+          <a:prstGeom prst="rect">
+            <a:avLst/>
+          </a:prstGeom>
+          <a:solidFill>
+            <a:srgbClr val="303038"/>
+          </a:solidFill>
+          <a:ln>
+            <a:noFill/>
+          </a:ln>
         </p:spPr>
         <p:txBody>
           <a:bodyPr wrap="square" rtlCol="0">
@@ -29367,26 +26154,36 @@
           <a:p>
             <a:pPr algn="ctr"/>
             <a:r>
-              <a:rPr lang="fr-FR" b="1" dirty="0">
-                <a:solidFill>
-                  <a:schemeClr val="bg1"/>
-                </a:solidFill>
-              </a:rPr>
-              <a:t>#2A2A32</a:t>
-            </a:r>
-          </a:p>
-        </p:txBody>
-      </p:sp>
-      <p:sp>
-        <p:nvSpPr>
-          <p:cNvPr id="17" name="ZoneTexte 16"/>
+              <a:rPr lang="fr-FR" sz="1200" b="1" dirty="0">
+                <a:solidFill>
+                  <a:srgbClr val="07CEC9"/>
+                </a:solidFill>
+              </a:rPr>
+              <a:t>Home</a:t>
+            </a:r>
+            <a:endParaRPr lang="fr-FR" sz="1200" b="1" dirty="0">
+              <a:ln>
+                <a:solidFill>
+                  <a:srgbClr val="D5D5D5"/>
+                </a:solidFill>
+              </a:ln>
+              <a:solidFill>
+                <a:srgbClr val="07CEC9"/>
+              </a:solidFill>
+            </a:endParaRPr>
+          </a:p>
+        </p:txBody>
+      </p:sp>
+      <p:sp>
+        <p:nvSpPr>
+          <p:cNvPr id="23" name="ZoneTexte 22"/>
           <p:cNvSpPr txBox="1"/>
           <p:nvPr/>
         </p:nvSpPr>
         <p:spPr>
           <a:xfrm>
-            <a:off x="2634009" y="2829130"/>
-            <a:ext cx="2060811" cy="369332"/>
+            <a:off x="70122" y="2430971"/>
+            <a:ext cx="1637505" cy="276999"/>
           </a:xfrm>
           <a:prstGeom prst="rect">
             <a:avLst/>
@@ -29401,26 +26198,26 @@
           <a:p>
             <a:pPr algn="ctr"/>
             <a:r>
-              <a:rPr lang="fr-FR" b="1" dirty="0">
-                <a:solidFill>
-                  <a:schemeClr val="bg1"/>
-                </a:solidFill>
-              </a:rPr>
-              <a:t>rgb(42, 42, 50)</a:t>
-            </a:r>
-          </a:p>
-        </p:txBody>
-      </p:sp>
-      <p:sp>
-        <p:nvSpPr>
-          <p:cNvPr id="18" name="ZoneTexte 17"/>
+              <a:rPr lang="fr-FR" sz="1200" b="1" dirty="0">
+                <a:solidFill>
+                  <a:srgbClr val="D5D5D5"/>
+                </a:solidFill>
+              </a:rPr>
+              <a:t>Devices</a:t>
+            </a:r>
+          </a:p>
+        </p:txBody>
+      </p:sp>
+      <p:sp>
+        <p:nvSpPr>
+          <p:cNvPr id="25" name="ZoneTexte 24"/>
           <p:cNvSpPr txBox="1"/>
           <p:nvPr/>
         </p:nvSpPr>
         <p:spPr>
           <a:xfrm>
-            <a:off x="7672314" y="1987799"/>
-            <a:ext cx="2060811" cy="369332"/>
+            <a:off x="26888" y="2997377"/>
+            <a:ext cx="1596140" cy="276999"/>
           </a:xfrm>
           <a:prstGeom prst="rect">
             <a:avLst/>
@@ -29435,22 +26232,26 @@
           <a:p>
             <a:pPr algn="ctr"/>
             <a:r>
-              <a:rPr lang="fr-FR" b="1" dirty="0"/>
-              <a:t>#07CEC9</a:t>
-            </a:r>
-          </a:p>
-        </p:txBody>
-      </p:sp>
-      <p:sp>
-        <p:nvSpPr>
-          <p:cNvPr id="19" name="ZoneTexte 18"/>
+              <a:rPr lang="fr-FR" sz="1200" b="1" dirty="0">
+                <a:solidFill>
+                  <a:srgbClr val="D5D5D5"/>
+                </a:solidFill>
+              </a:rPr>
+              <a:t>Room</a:t>
+            </a:r>
+          </a:p>
+        </p:txBody>
+      </p:sp>
+      <p:sp>
+        <p:nvSpPr>
+          <p:cNvPr id="27" name="ZoneTexte 26"/>
           <p:cNvSpPr txBox="1"/>
           <p:nvPr/>
         </p:nvSpPr>
         <p:spPr>
           <a:xfrm>
-            <a:off x="7767850" y="2799498"/>
-            <a:ext cx="2060811" cy="369332"/>
+            <a:off x="132051" y="3493991"/>
+            <a:ext cx="1753870" cy="276999"/>
           </a:xfrm>
           <a:prstGeom prst="rect">
             <a:avLst/>
@@ -29465,16 +26266,3634 @@
           <a:p>
             <a:pPr algn="ctr"/>
             <a:r>
-              <a:rPr lang="fr-FR" b="1" dirty="0"/>
-              <a:t>rgb(7, 206, 201)</a:t>
-            </a:r>
+              <a:rPr lang="fr-FR" sz="1200" b="1" dirty="0">
+                <a:solidFill>
+                  <a:srgbClr val="D5D5D5"/>
+                </a:solidFill>
+              </a:rPr>
+              <a:t>Add devices</a:t>
+            </a:r>
+          </a:p>
+        </p:txBody>
+      </p:sp>
+      <p:sp>
+        <p:nvSpPr>
+          <p:cNvPr id="29" name="ZoneTexte 28"/>
+          <p:cNvSpPr txBox="1"/>
+          <p:nvPr/>
+        </p:nvSpPr>
+        <p:spPr>
+          <a:xfrm>
+            <a:off x="58195" y="5130090"/>
+            <a:ext cx="1533525" cy="276999"/>
+          </a:xfrm>
+          <a:prstGeom prst="rect">
+            <a:avLst/>
+          </a:prstGeom>
+          <a:noFill/>
+        </p:spPr>
+        <p:txBody>
+          <a:bodyPr wrap="square" rtlCol="0">
+            <a:spAutoFit/>
+          </a:bodyPr>
+          <a:lstStyle/>
+          <a:p>
+            <a:pPr algn="ctr"/>
+            <a:r>
+              <a:rPr lang="fr-FR" sz="1200" b="1" dirty="0">
+                <a:solidFill>
+                  <a:srgbClr val="D5D5D5"/>
+                </a:solidFill>
+              </a:rPr>
+              <a:t>Settings</a:t>
+            </a:r>
+          </a:p>
+        </p:txBody>
+      </p:sp>
+      <p:pic>
+        <p:nvPicPr>
+          <p:cNvPr id="32" name="Image 31"/>
+          <p:cNvPicPr>
+            <a:picLocks noChangeAspect="1"/>
+          </p:cNvPicPr>
+          <p:nvPr/>
+        </p:nvPicPr>
+        <p:blipFill>
+          <a:blip r:embed="rId4" cstate="print">
+            <a:extLst>
+              <a:ext uri="{28A0092B-C50C-407E-A947-70E740481C1C}">
+                <a14:useLocalDpi xmlns:a14="http://schemas.microsoft.com/office/drawing/2010/main" val="0"/>
+              </a:ext>
+            </a:extLst>
+          </a:blip>
+          <a:stretch>
+            <a:fillRect/>
+          </a:stretch>
+        </p:blipFill>
+        <p:spPr>
+          <a:xfrm>
+            <a:off x="233363" y="1961086"/>
+            <a:ext cx="244861" cy="244861"/>
+          </a:xfrm>
+          <a:prstGeom prst="rect">
+            <a:avLst/>
+          </a:prstGeom>
+        </p:spPr>
+      </p:pic>
+      <p:pic>
+        <p:nvPicPr>
+          <p:cNvPr id="33" name="Image 32"/>
+          <p:cNvPicPr>
+            <a:picLocks noChangeAspect="1"/>
+          </p:cNvPicPr>
+          <p:nvPr/>
+        </p:nvPicPr>
+        <p:blipFill>
+          <a:blip r:embed="rId5" cstate="print">
+            <a:extLst>
+              <a:ext uri="{28A0092B-C50C-407E-A947-70E740481C1C}">
+                <a14:useLocalDpi xmlns:a14="http://schemas.microsoft.com/office/drawing/2010/main" val="0"/>
+              </a:ext>
+            </a:extLst>
+          </a:blip>
+          <a:stretch>
+            <a:fillRect/>
+          </a:stretch>
+        </p:blipFill>
+        <p:spPr>
+          <a:xfrm>
+            <a:off x="211485" y="2442803"/>
+            <a:ext cx="259308" cy="259308"/>
+          </a:xfrm>
+          <a:prstGeom prst="rect">
+            <a:avLst/>
+          </a:prstGeom>
+        </p:spPr>
+      </p:pic>
+      <p:pic>
+        <p:nvPicPr>
+          <p:cNvPr id="34" name="Image 33"/>
+          <p:cNvPicPr>
+            <a:picLocks noChangeAspect="1"/>
+          </p:cNvPicPr>
+          <p:nvPr/>
+        </p:nvPicPr>
+        <p:blipFill>
+          <a:blip r:embed="rId6" cstate="print">
+            <a:extLst>
+              <a:ext uri="{28A0092B-C50C-407E-A947-70E740481C1C}">
+                <a14:useLocalDpi xmlns:a14="http://schemas.microsoft.com/office/drawing/2010/main" val="0"/>
+              </a:ext>
+            </a:extLst>
+          </a:blip>
+          <a:stretch>
+            <a:fillRect/>
+          </a:stretch>
+        </p:blipFill>
+        <p:spPr>
+          <a:xfrm>
+            <a:off x="222423" y="2963877"/>
+            <a:ext cx="266739" cy="266739"/>
+          </a:xfrm>
+          <a:prstGeom prst="rect">
+            <a:avLst/>
+          </a:prstGeom>
+        </p:spPr>
+      </p:pic>
+      <p:pic>
+        <p:nvPicPr>
+          <p:cNvPr id="35" name="Image 34"/>
+          <p:cNvPicPr>
+            <a:picLocks noChangeAspect="1"/>
+          </p:cNvPicPr>
+          <p:nvPr/>
+        </p:nvPicPr>
+        <p:blipFill>
+          <a:blip r:embed="rId7" cstate="print">
+            <a:extLst>
+              <a:ext uri="{28A0092B-C50C-407E-A947-70E740481C1C}">
+                <a14:useLocalDpi xmlns:a14="http://schemas.microsoft.com/office/drawing/2010/main" val="0"/>
+              </a:ext>
+            </a:extLst>
+          </a:blip>
+          <a:stretch>
+            <a:fillRect/>
+          </a:stretch>
+        </p:blipFill>
+        <p:spPr>
+          <a:xfrm>
+            <a:off x="198638" y="3503864"/>
+            <a:ext cx="275303" cy="275303"/>
+          </a:xfrm>
+          <a:prstGeom prst="rect">
+            <a:avLst/>
+          </a:prstGeom>
+        </p:spPr>
+      </p:pic>
+      <p:pic>
+        <p:nvPicPr>
+          <p:cNvPr id="36" name="Image 35"/>
+          <p:cNvPicPr>
+            <a:picLocks noChangeAspect="1"/>
+          </p:cNvPicPr>
+          <p:nvPr/>
+        </p:nvPicPr>
+        <p:blipFill>
+          <a:blip r:embed="rId8" cstate="print">
+            <a:extLst>
+              <a:ext uri="{28A0092B-C50C-407E-A947-70E740481C1C}">
+                <a14:useLocalDpi xmlns:a14="http://schemas.microsoft.com/office/drawing/2010/main" val="0"/>
+              </a:ext>
+            </a:extLst>
+          </a:blip>
+          <a:stretch>
+            <a:fillRect/>
+          </a:stretch>
+        </p:blipFill>
+        <p:spPr>
+          <a:xfrm>
+            <a:off x="222423" y="5138009"/>
+            <a:ext cx="238713" cy="238713"/>
+          </a:xfrm>
+          <a:prstGeom prst="rect">
+            <a:avLst/>
+          </a:prstGeom>
+        </p:spPr>
+      </p:pic>
+      <p:pic>
+        <p:nvPicPr>
+          <p:cNvPr id="2" name="Image 1"/>
+          <p:cNvPicPr>
+            <a:picLocks noChangeAspect="1"/>
+          </p:cNvPicPr>
+          <p:nvPr/>
+        </p:nvPicPr>
+        <p:blipFill>
+          <a:blip r:embed="rId9" cstate="print">
+            <a:extLst>
+              <a:ext uri="{28A0092B-C50C-407E-A947-70E740481C1C}">
+                <a14:useLocalDpi xmlns:a14="http://schemas.microsoft.com/office/drawing/2010/main" val="0"/>
+              </a:ext>
+            </a:extLst>
+          </a:blip>
+          <a:stretch>
+            <a:fillRect/>
+          </a:stretch>
+        </p:blipFill>
+        <p:spPr>
+          <a:xfrm>
+            <a:off x="198638" y="4075383"/>
+            <a:ext cx="287036" cy="287036"/>
+          </a:xfrm>
+          <a:prstGeom prst="rect">
+            <a:avLst/>
+          </a:prstGeom>
+        </p:spPr>
+      </p:pic>
+      <p:sp>
+        <p:nvSpPr>
+          <p:cNvPr id="26" name="ZoneTexte 25"/>
+          <p:cNvSpPr txBox="1"/>
+          <p:nvPr/>
+        </p:nvSpPr>
+        <p:spPr>
+          <a:xfrm>
+            <a:off x="272698" y="4093041"/>
+            <a:ext cx="1068124" cy="276999"/>
+          </a:xfrm>
+          <a:prstGeom prst="rect">
+            <a:avLst/>
+          </a:prstGeom>
+          <a:noFill/>
+        </p:spPr>
+        <p:txBody>
+          <a:bodyPr wrap="square" rtlCol="0">
+            <a:spAutoFit/>
+          </a:bodyPr>
+          <a:lstStyle/>
+          <a:p>
+            <a:pPr algn="ctr"/>
+            <a:r>
+              <a:rPr lang="fr-FR" sz="1200" b="1" dirty="0">
+                <a:solidFill>
+                  <a:srgbClr val="D5D5D5"/>
+                </a:solidFill>
+              </a:rPr>
+              <a:t>Scène</a:t>
+            </a:r>
+            <a:endParaRPr lang="fr-FR" sz="1200" b="1" dirty="0">
+              <a:ln>
+                <a:solidFill>
+                  <a:srgbClr val="D5D5D5"/>
+                </a:solidFill>
+              </a:ln>
+              <a:solidFill>
+                <a:srgbClr val="D5D5D5"/>
+              </a:solidFill>
+            </a:endParaRPr>
+          </a:p>
+        </p:txBody>
+      </p:sp>
+      <p:sp>
+        <p:nvSpPr>
+          <p:cNvPr id="28" name="ZoneTexte 27"/>
+          <p:cNvSpPr txBox="1"/>
+          <p:nvPr/>
+        </p:nvSpPr>
+        <p:spPr>
+          <a:xfrm>
+            <a:off x="220436" y="4629830"/>
+            <a:ext cx="1097982" cy="276999"/>
+          </a:xfrm>
+          <a:prstGeom prst="rect">
+            <a:avLst/>
+          </a:prstGeom>
+          <a:noFill/>
+        </p:spPr>
+        <p:txBody>
+          <a:bodyPr wrap="square" rtlCol="0">
+            <a:spAutoFit/>
+          </a:bodyPr>
+          <a:lstStyle/>
+          <a:p>
+            <a:pPr algn="ctr"/>
+            <a:r>
+              <a:rPr lang="fr-FR" sz="1200" b="1" dirty="0" smtClean="0">
+                <a:solidFill>
+                  <a:srgbClr val="D5D5D5"/>
+                </a:solidFill>
+              </a:rPr>
+              <a:t>Accès</a:t>
+            </a:r>
+            <a:endParaRPr lang="fr-FR" sz="1200" b="1" dirty="0">
+              <a:ln>
+                <a:solidFill>
+                  <a:srgbClr val="D5D5D5"/>
+                </a:solidFill>
+              </a:ln>
+              <a:solidFill>
+                <a:srgbClr val="D5D5D5"/>
+              </a:solidFill>
+            </a:endParaRPr>
+          </a:p>
+        </p:txBody>
+      </p:sp>
+      <p:sp>
+        <p:nvSpPr>
+          <p:cNvPr id="5" name="Rectangle 4"/>
+          <p:cNvSpPr/>
+          <p:nvPr/>
+        </p:nvSpPr>
+        <p:spPr>
+          <a:xfrm>
+            <a:off x="0" y="1954680"/>
+            <a:ext cx="57150" cy="277000"/>
+          </a:xfrm>
+          <a:prstGeom prst="rect">
+            <a:avLst/>
+          </a:prstGeom>
+          <a:solidFill>
+            <a:srgbClr val="07CEC9"/>
+          </a:solidFill>
+          <a:ln>
+            <a:noFill/>
+          </a:ln>
+        </p:spPr>
+        <p:style>
+          <a:lnRef idx="2">
+            <a:schemeClr val="accent1">
+              <a:shade val="50000"/>
+            </a:schemeClr>
+          </a:lnRef>
+          <a:fillRef idx="1">
+            <a:schemeClr val="accent1"/>
+          </a:fillRef>
+          <a:effectRef idx="0">
+            <a:schemeClr val="accent1"/>
+          </a:effectRef>
+          <a:fontRef idx="minor">
+            <a:schemeClr val="lt1"/>
+          </a:fontRef>
+        </p:style>
+        <p:txBody>
+          <a:bodyPr rtlCol="0" anchor="ctr"/>
+          <a:lstStyle/>
+          <a:p>
+            <a:pPr algn="ctr"/>
+            <a:endParaRPr lang="fr-FR"/>
+          </a:p>
+        </p:txBody>
+      </p:sp>
+      <p:pic>
+        <p:nvPicPr>
+          <p:cNvPr id="6" name="Image 5"/>
+          <p:cNvPicPr>
+            <a:picLocks noChangeAspect="1"/>
+          </p:cNvPicPr>
+          <p:nvPr/>
+        </p:nvPicPr>
+        <p:blipFill>
+          <a:blip r:embed="rId10">
+            <a:extLst>
+              <a:ext uri="{28A0092B-C50C-407E-A947-70E740481C1C}">
+                <a14:useLocalDpi xmlns:a14="http://schemas.microsoft.com/office/drawing/2010/main" val="0"/>
+              </a:ext>
+            </a:extLst>
+          </a:blip>
+          <a:stretch>
+            <a:fillRect/>
+          </a:stretch>
+        </p:blipFill>
+        <p:spPr>
+          <a:xfrm>
+            <a:off x="1927638" y="590805"/>
+            <a:ext cx="5850228" cy="3285792"/>
+          </a:xfrm>
+          <a:prstGeom prst="rect">
+            <a:avLst/>
+          </a:prstGeom>
+        </p:spPr>
+      </p:pic>
+      <p:sp>
+        <p:nvSpPr>
+          <p:cNvPr id="9" name="ZoneTexte 8"/>
+          <p:cNvSpPr txBox="1"/>
+          <p:nvPr/>
+        </p:nvSpPr>
+        <p:spPr>
+          <a:xfrm>
+            <a:off x="7894483" y="1154326"/>
+            <a:ext cx="755650" cy="230832"/>
+          </a:xfrm>
+          <a:prstGeom prst="rect">
+            <a:avLst/>
+          </a:prstGeom>
+          <a:noFill/>
+        </p:spPr>
+        <p:txBody>
+          <a:bodyPr wrap="square" rtlCol="0">
+            <a:spAutoFit/>
+          </a:bodyPr>
+          <a:lstStyle/>
+          <a:p>
+            <a:r>
+              <a:rPr lang="fr-FR" sz="900" dirty="0" smtClean="0">
+                <a:solidFill>
+                  <a:srgbClr val="D5D5D5"/>
+                </a:solidFill>
+              </a:rPr>
+              <a:t>Thu. </a:t>
+            </a:r>
+            <a:r>
+              <a:rPr lang="fr-FR" sz="800" dirty="0" smtClean="0">
+                <a:solidFill>
+                  <a:srgbClr val="D5D5D5"/>
+                </a:solidFill>
+              </a:rPr>
+              <a:t>11:22</a:t>
+            </a:r>
+            <a:endParaRPr lang="fr-FR" sz="800" dirty="0">
+              <a:solidFill>
+                <a:srgbClr val="D5D5D5"/>
+              </a:solidFill>
+            </a:endParaRPr>
+          </a:p>
+        </p:txBody>
+      </p:sp>
+      <p:sp>
+        <p:nvSpPr>
+          <p:cNvPr id="31" name="ZoneTexte 30"/>
+          <p:cNvSpPr txBox="1"/>
+          <p:nvPr/>
+        </p:nvSpPr>
+        <p:spPr>
+          <a:xfrm>
+            <a:off x="7894483" y="979903"/>
+            <a:ext cx="1001867" cy="230832"/>
+          </a:xfrm>
+          <a:prstGeom prst="rect">
+            <a:avLst/>
+          </a:prstGeom>
+          <a:noFill/>
+        </p:spPr>
+        <p:txBody>
+          <a:bodyPr wrap="square" rtlCol="0">
+            <a:spAutoFit/>
+          </a:bodyPr>
+          <a:lstStyle/>
+          <a:p>
+            <a:r>
+              <a:rPr lang="fr-FR" sz="900" dirty="0" smtClean="0">
+                <a:solidFill>
+                  <a:srgbClr val="D5D5D5"/>
+                </a:solidFill>
+              </a:rPr>
+              <a:t>3 Septembre</a:t>
+            </a:r>
+            <a:endParaRPr lang="fr-FR" sz="800" dirty="0">
+              <a:solidFill>
+                <a:srgbClr val="D5D5D5"/>
+              </a:solidFill>
+            </a:endParaRPr>
+          </a:p>
+        </p:txBody>
+      </p:sp>
+      <p:pic>
+        <p:nvPicPr>
+          <p:cNvPr id="11" name="Image 10"/>
+          <p:cNvPicPr>
+            <a:picLocks noChangeAspect="1"/>
+          </p:cNvPicPr>
+          <p:nvPr/>
+        </p:nvPicPr>
+        <p:blipFill>
+          <a:blip r:embed="rId11" cstate="print">
+            <a:extLst>
+              <a:ext uri="{28A0092B-C50C-407E-A947-70E740481C1C}">
+                <a14:useLocalDpi xmlns:a14="http://schemas.microsoft.com/office/drawing/2010/main" val="0"/>
+              </a:ext>
+            </a:extLst>
+          </a:blip>
+          <a:stretch>
+            <a:fillRect/>
+          </a:stretch>
+        </p:blipFill>
+        <p:spPr>
+          <a:xfrm>
+            <a:off x="7966399" y="683559"/>
+            <a:ext cx="248759" cy="248759"/>
+          </a:xfrm>
+          <a:prstGeom prst="rect">
+            <a:avLst/>
+          </a:prstGeom>
+        </p:spPr>
+      </p:pic>
+      <p:sp>
+        <p:nvSpPr>
+          <p:cNvPr id="37" name="ZoneTexte 36"/>
+          <p:cNvSpPr txBox="1"/>
+          <p:nvPr/>
+        </p:nvSpPr>
+        <p:spPr>
+          <a:xfrm>
+            <a:off x="8169981" y="701626"/>
+            <a:ext cx="1001867" cy="230832"/>
+          </a:xfrm>
+          <a:prstGeom prst="rect">
+            <a:avLst/>
+          </a:prstGeom>
+          <a:noFill/>
+        </p:spPr>
+        <p:txBody>
+          <a:bodyPr wrap="square" rtlCol="0">
+            <a:spAutoFit/>
+          </a:bodyPr>
+          <a:lstStyle/>
+          <a:p>
+            <a:r>
+              <a:rPr lang="fr-FR" sz="900" dirty="0" smtClean="0">
+                <a:solidFill>
+                  <a:srgbClr val="D5D5D5"/>
+                </a:solidFill>
+              </a:rPr>
+              <a:t>Tamatave, 501</a:t>
+            </a:r>
+            <a:endParaRPr lang="fr-FR" sz="800" dirty="0">
+              <a:solidFill>
+                <a:srgbClr val="D5D5D5"/>
+              </a:solidFill>
+            </a:endParaRPr>
+          </a:p>
+        </p:txBody>
+      </p:sp>
+      <p:pic>
+        <p:nvPicPr>
+          <p:cNvPr id="12" name="Image 11"/>
+          <p:cNvPicPr>
+            <a:picLocks noChangeAspect="1"/>
+          </p:cNvPicPr>
+          <p:nvPr/>
+        </p:nvPicPr>
+        <p:blipFill>
+          <a:blip r:embed="rId12">
+            <a:extLst>
+              <a:ext uri="{28A0092B-C50C-407E-A947-70E740481C1C}">
+                <a14:useLocalDpi xmlns:a14="http://schemas.microsoft.com/office/drawing/2010/main" val="0"/>
+              </a:ext>
+            </a:extLst>
+          </a:blip>
+          <a:stretch>
+            <a:fillRect/>
+          </a:stretch>
+        </p:blipFill>
+        <p:spPr>
+          <a:xfrm>
+            <a:off x="9277283" y="695954"/>
+            <a:ext cx="598237" cy="598237"/>
+          </a:xfrm>
+          <a:prstGeom prst="rect">
+            <a:avLst/>
+          </a:prstGeom>
+        </p:spPr>
+      </p:pic>
+      <p:pic>
+        <p:nvPicPr>
+          <p:cNvPr id="22" name="Image 21"/>
+          <p:cNvPicPr>
+            <a:picLocks noChangeAspect="1"/>
+          </p:cNvPicPr>
+          <p:nvPr/>
+        </p:nvPicPr>
+        <p:blipFill>
+          <a:blip r:embed="rId13">
+            <a:extLst>
+              <a:ext uri="{28A0092B-C50C-407E-A947-70E740481C1C}">
+                <a14:useLocalDpi xmlns:a14="http://schemas.microsoft.com/office/drawing/2010/main" val="0"/>
+              </a:ext>
+            </a:extLst>
+          </a:blip>
+          <a:stretch>
+            <a:fillRect/>
+          </a:stretch>
+        </p:blipFill>
+        <p:spPr>
+          <a:xfrm>
+            <a:off x="10256453" y="723751"/>
+            <a:ext cx="528704" cy="528704"/>
+          </a:xfrm>
+          <a:prstGeom prst="rect">
+            <a:avLst/>
+          </a:prstGeom>
+        </p:spPr>
+      </p:pic>
+      <p:pic>
+        <p:nvPicPr>
+          <p:cNvPr id="24" name="Image 23"/>
+          <p:cNvPicPr>
+            <a:picLocks noChangeAspect="1"/>
+          </p:cNvPicPr>
+          <p:nvPr/>
+        </p:nvPicPr>
+        <p:blipFill>
+          <a:blip r:embed="rId14">
+            <a:extLst>
+              <a:ext uri="{28A0092B-C50C-407E-A947-70E740481C1C}">
+                <a14:useLocalDpi xmlns:a14="http://schemas.microsoft.com/office/drawing/2010/main" val="0"/>
+              </a:ext>
+            </a:extLst>
+          </a:blip>
+          <a:stretch>
+            <a:fillRect/>
+          </a:stretch>
+        </p:blipFill>
+        <p:spPr>
+          <a:xfrm>
+            <a:off x="11166090" y="733175"/>
+            <a:ext cx="553918" cy="553918"/>
+          </a:xfrm>
+          <a:prstGeom prst="rect">
+            <a:avLst/>
+          </a:prstGeom>
+        </p:spPr>
+      </p:pic>
+      <p:sp>
+        <p:nvSpPr>
+          <p:cNvPr id="38" name="ZoneTexte 37"/>
+          <p:cNvSpPr txBox="1"/>
+          <p:nvPr/>
+        </p:nvSpPr>
+        <p:spPr>
+          <a:xfrm>
+            <a:off x="10206474" y="1423694"/>
+            <a:ext cx="671273" cy="430887"/>
+          </a:xfrm>
+          <a:prstGeom prst="rect">
+            <a:avLst/>
+          </a:prstGeom>
+          <a:noFill/>
+        </p:spPr>
+        <p:txBody>
+          <a:bodyPr wrap="square" rtlCol="0">
+            <a:spAutoFit/>
+          </a:bodyPr>
+          <a:lstStyle/>
+          <a:p>
+            <a:r>
+              <a:rPr lang="fr-FR" sz="2200" b="1" dirty="0" smtClean="0">
+                <a:solidFill>
+                  <a:srgbClr val="D5D5D5"/>
+                </a:solidFill>
+              </a:rPr>
+              <a:t>89%</a:t>
+            </a:r>
+            <a:endParaRPr lang="fr-FR" sz="2200" b="1" dirty="0">
+              <a:solidFill>
+                <a:srgbClr val="D5D5D5"/>
+              </a:solidFill>
+            </a:endParaRPr>
+          </a:p>
+        </p:txBody>
+      </p:sp>
+      <p:sp>
+        <p:nvSpPr>
+          <p:cNvPr id="39" name="ZoneTexte 38"/>
+          <p:cNvSpPr txBox="1"/>
+          <p:nvPr/>
+        </p:nvSpPr>
+        <p:spPr>
+          <a:xfrm>
+            <a:off x="11089964" y="1424988"/>
+            <a:ext cx="791301" cy="430887"/>
+          </a:xfrm>
+          <a:prstGeom prst="rect">
+            <a:avLst/>
+          </a:prstGeom>
+          <a:noFill/>
+        </p:spPr>
+        <p:txBody>
+          <a:bodyPr wrap="square" rtlCol="0">
+            <a:spAutoFit/>
+          </a:bodyPr>
+          <a:lstStyle/>
+          <a:p>
+            <a:r>
+              <a:rPr lang="fr-FR" sz="2200" b="1" dirty="0" smtClean="0">
+                <a:solidFill>
+                  <a:srgbClr val="D5D5D5"/>
+                </a:solidFill>
+              </a:rPr>
+              <a:t>25°C</a:t>
+            </a:r>
+            <a:endParaRPr lang="fr-FR" sz="2200" b="1" dirty="0">
+              <a:solidFill>
+                <a:srgbClr val="D5D5D5"/>
+              </a:solidFill>
+            </a:endParaRPr>
+          </a:p>
+        </p:txBody>
+      </p:sp>
+      <p:sp>
+        <p:nvSpPr>
+          <p:cNvPr id="40" name="ZoneTexte 39"/>
+          <p:cNvSpPr txBox="1"/>
+          <p:nvPr/>
+        </p:nvSpPr>
+        <p:spPr>
+          <a:xfrm>
+            <a:off x="9231563" y="1423693"/>
+            <a:ext cx="671273" cy="430887"/>
+          </a:xfrm>
+          <a:prstGeom prst="rect">
+            <a:avLst/>
+          </a:prstGeom>
+          <a:noFill/>
+        </p:spPr>
+        <p:txBody>
+          <a:bodyPr wrap="square" rtlCol="0">
+            <a:spAutoFit/>
+          </a:bodyPr>
+          <a:lstStyle/>
+          <a:p>
+            <a:r>
+              <a:rPr lang="fr-FR" sz="2200" b="1" dirty="0" smtClean="0">
+                <a:solidFill>
+                  <a:srgbClr val="D5D5D5"/>
+                </a:solidFill>
+              </a:rPr>
+              <a:t>70%</a:t>
+            </a:r>
+            <a:endParaRPr lang="fr-FR" sz="2200" b="1" dirty="0">
+              <a:solidFill>
+                <a:srgbClr val="D5D5D5"/>
+              </a:solidFill>
+            </a:endParaRPr>
+          </a:p>
+        </p:txBody>
+      </p:sp>
+      <p:sp>
+        <p:nvSpPr>
+          <p:cNvPr id="30" name="Rectangle à coins arrondis 29"/>
+          <p:cNvSpPr/>
+          <p:nvPr/>
+        </p:nvSpPr>
+        <p:spPr>
+          <a:xfrm>
+            <a:off x="1927638" y="4046110"/>
+            <a:ext cx="1291811" cy="1244138"/>
+          </a:xfrm>
+          <a:prstGeom prst="roundRect">
+            <a:avLst>
+              <a:gd name="adj" fmla="val 9869"/>
+            </a:avLst>
+          </a:prstGeom>
+          <a:solidFill>
+            <a:srgbClr val="2A2A32"/>
+          </a:solidFill>
+          <a:ln>
+            <a:noFill/>
+          </a:ln>
+        </p:spPr>
+        <p:style>
+          <a:lnRef idx="2">
+            <a:schemeClr val="accent1">
+              <a:shade val="50000"/>
+            </a:schemeClr>
+          </a:lnRef>
+          <a:fillRef idx="1">
+            <a:schemeClr val="accent1"/>
+          </a:fillRef>
+          <a:effectRef idx="0">
+            <a:schemeClr val="accent1"/>
+          </a:effectRef>
+          <a:fontRef idx="minor">
+            <a:schemeClr val="lt1"/>
+          </a:fontRef>
+        </p:style>
+        <p:txBody>
+          <a:bodyPr rtlCol="0" anchor="ctr"/>
+          <a:lstStyle/>
+          <a:p>
+            <a:pPr algn="ctr"/>
+            <a:endParaRPr lang="fr-FR"/>
+          </a:p>
+        </p:txBody>
+      </p:sp>
+      <p:pic>
+        <p:nvPicPr>
+          <p:cNvPr id="41" name="Image 40"/>
+          <p:cNvPicPr>
+            <a:picLocks noChangeAspect="1"/>
+          </p:cNvPicPr>
+          <p:nvPr/>
+        </p:nvPicPr>
+        <p:blipFill>
+          <a:blip r:embed="rId15" cstate="print">
+            <a:extLst>
+              <a:ext uri="{28A0092B-C50C-407E-A947-70E740481C1C}">
+                <a14:useLocalDpi xmlns:a14="http://schemas.microsoft.com/office/drawing/2010/main" val="0"/>
+              </a:ext>
+            </a:extLst>
+          </a:blip>
+          <a:stretch>
+            <a:fillRect/>
+          </a:stretch>
+        </p:blipFill>
+        <p:spPr>
+          <a:xfrm>
+            <a:off x="2053803" y="4148962"/>
+            <a:ext cx="276647" cy="276647"/>
+          </a:xfrm>
+          <a:prstGeom prst="rect">
+            <a:avLst/>
+          </a:prstGeom>
+        </p:spPr>
+      </p:pic>
+      <p:sp>
+        <p:nvSpPr>
+          <p:cNvPr id="42" name="Rectangle à coins arrondis 41"/>
+          <p:cNvSpPr/>
+          <p:nvPr/>
+        </p:nvSpPr>
+        <p:spPr>
+          <a:xfrm>
+            <a:off x="2583656" y="4184650"/>
+            <a:ext cx="521259" cy="225172"/>
+          </a:xfrm>
+          <a:prstGeom prst="roundRect">
+            <a:avLst>
+              <a:gd name="adj" fmla="val 50000"/>
+            </a:avLst>
+          </a:prstGeom>
+          <a:solidFill>
+            <a:srgbClr val="4A4A58"/>
+          </a:solidFill>
+          <a:ln>
+            <a:noFill/>
+          </a:ln>
+        </p:spPr>
+        <p:style>
+          <a:lnRef idx="2">
+            <a:schemeClr val="accent1">
+              <a:shade val="50000"/>
+            </a:schemeClr>
+          </a:lnRef>
+          <a:fillRef idx="1">
+            <a:schemeClr val="accent1"/>
+          </a:fillRef>
+          <a:effectRef idx="0">
+            <a:schemeClr val="accent1"/>
+          </a:effectRef>
+          <a:fontRef idx="minor">
+            <a:schemeClr val="lt1"/>
+          </a:fontRef>
+        </p:style>
+        <p:txBody>
+          <a:bodyPr rtlCol="0" anchor="ctr"/>
+          <a:lstStyle/>
+          <a:p>
+            <a:pPr algn="ctr"/>
+            <a:endParaRPr lang="fr-FR"/>
+          </a:p>
+        </p:txBody>
+      </p:sp>
+      <p:sp>
+        <p:nvSpPr>
+          <p:cNvPr id="43" name="Ellipse 42"/>
+          <p:cNvSpPr/>
+          <p:nvPr/>
+        </p:nvSpPr>
+        <p:spPr>
+          <a:xfrm>
+            <a:off x="2860897" y="4198900"/>
+            <a:ext cx="211694" cy="196671"/>
+          </a:xfrm>
+          <a:prstGeom prst="ellipse">
+            <a:avLst/>
+          </a:prstGeom>
+          <a:solidFill>
+            <a:srgbClr val="07CEC9"/>
+          </a:solidFill>
+          <a:ln>
+            <a:noFill/>
+          </a:ln>
+        </p:spPr>
+        <p:style>
+          <a:lnRef idx="2">
+            <a:schemeClr val="accent1">
+              <a:shade val="50000"/>
+            </a:schemeClr>
+          </a:lnRef>
+          <a:fillRef idx="1">
+            <a:schemeClr val="accent1"/>
+          </a:fillRef>
+          <a:effectRef idx="0">
+            <a:schemeClr val="accent1"/>
+          </a:effectRef>
+          <a:fontRef idx="minor">
+            <a:schemeClr val="lt1"/>
+          </a:fontRef>
+        </p:style>
+        <p:txBody>
+          <a:bodyPr rtlCol="0" anchor="ctr"/>
+          <a:lstStyle/>
+          <a:p>
+            <a:pPr algn="ctr"/>
+            <a:endParaRPr lang="fr-FR"/>
+          </a:p>
+        </p:txBody>
+      </p:sp>
+      <p:sp>
+        <p:nvSpPr>
+          <p:cNvPr id="44" name="ZoneTexte 43"/>
+          <p:cNvSpPr txBox="1"/>
+          <p:nvPr/>
+        </p:nvSpPr>
+        <p:spPr>
+          <a:xfrm>
+            <a:off x="1810108" y="4727123"/>
+            <a:ext cx="720051" cy="261610"/>
+          </a:xfrm>
+          <a:prstGeom prst="rect">
+            <a:avLst/>
+          </a:prstGeom>
+          <a:noFill/>
+        </p:spPr>
+        <p:txBody>
+          <a:bodyPr wrap="square" rtlCol="0">
+            <a:spAutoFit/>
+          </a:bodyPr>
+          <a:lstStyle/>
+          <a:p>
+            <a:pPr algn="ctr"/>
+            <a:r>
+              <a:rPr lang="fr-FR" sz="1100" dirty="0" smtClean="0">
+                <a:solidFill>
+                  <a:srgbClr val="D5D5D5"/>
+                </a:solidFill>
+              </a:rPr>
+              <a:t>Light</a:t>
+            </a:r>
+            <a:endParaRPr lang="fr-FR" sz="1100" dirty="0">
+              <a:ln>
+                <a:solidFill>
+                  <a:srgbClr val="D5D5D5"/>
+                </a:solidFill>
+              </a:ln>
+              <a:solidFill>
+                <a:srgbClr val="D5D5D5"/>
+              </a:solidFill>
+            </a:endParaRPr>
+          </a:p>
+        </p:txBody>
+      </p:sp>
+      <p:sp>
+        <p:nvSpPr>
+          <p:cNvPr id="45" name="ZoneTexte 44"/>
+          <p:cNvSpPr txBox="1"/>
+          <p:nvPr/>
+        </p:nvSpPr>
+        <p:spPr>
+          <a:xfrm>
+            <a:off x="1793972" y="4993117"/>
+            <a:ext cx="1122667" cy="184666"/>
+          </a:xfrm>
+          <a:prstGeom prst="rect">
+            <a:avLst/>
+          </a:prstGeom>
+          <a:noFill/>
+        </p:spPr>
+        <p:txBody>
+          <a:bodyPr wrap="square" rtlCol="0">
+            <a:spAutoFit/>
+          </a:bodyPr>
+          <a:lstStyle/>
+          <a:p>
+            <a:pPr algn="ctr"/>
+            <a:r>
+              <a:rPr lang="fr-FR" sz="600" dirty="0" smtClean="0">
+                <a:solidFill>
+                  <a:schemeClr val="bg1">
+                    <a:lumMod val="75000"/>
+                  </a:schemeClr>
+                </a:solidFill>
+              </a:rPr>
+              <a:t>Ampoule led Ingelec</a:t>
+            </a:r>
+            <a:endParaRPr lang="fr-FR" sz="600" dirty="0">
+              <a:ln>
+                <a:solidFill>
+                  <a:srgbClr val="D5D5D5"/>
+                </a:solidFill>
+              </a:ln>
+              <a:solidFill>
+                <a:schemeClr val="bg1">
+                  <a:lumMod val="75000"/>
+                </a:schemeClr>
+              </a:solidFill>
+            </a:endParaRPr>
+          </a:p>
+        </p:txBody>
+      </p:sp>
+      <p:sp>
+        <p:nvSpPr>
+          <p:cNvPr id="46" name="Rectangle à coins arrondis 45"/>
+          <p:cNvSpPr/>
+          <p:nvPr/>
+        </p:nvSpPr>
+        <p:spPr>
+          <a:xfrm>
+            <a:off x="3381767" y="4043034"/>
+            <a:ext cx="1291811" cy="1244138"/>
+          </a:xfrm>
+          <a:prstGeom prst="roundRect">
+            <a:avLst>
+              <a:gd name="adj" fmla="val 9869"/>
+            </a:avLst>
+          </a:prstGeom>
+          <a:solidFill>
+            <a:srgbClr val="4A4A58"/>
+          </a:solidFill>
+          <a:ln>
+            <a:noFill/>
+          </a:ln>
+        </p:spPr>
+        <p:style>
+          <a:lnRef idx="2">
+            <a:schemeClr val="accent1">
+              <a:shade val="50000"/>
+            </a:schemeClr>
+          </a:lnRef>
+          <a:fillRef idx="1">
+            <a:schemeClr val="accent1"/>
+          </a:fillRef>
+          <a:effectRef idx="0">
+            <a:schemeClr val="accent1"/>
+          </a:effectRef>
+          <a:fontRef idx="minor">
+            <a:schemeClr val="lt1"/>
+          </a:fontRef>
+        </p:style>
+        <p:txBody>
+          <a:bodyPr rtlCol="0" anchor="ctr"/>
+          <a:lstStyle/>
+          <a:p>
+            <a:pPr algn="ctr"/>
+            <a:endParaRPr lang="fr-FR"/>
+          </a:p>
+        </p:txBody>
+      </p:sp>
+      <p:sp>
+        <p:nvSpPr>
+          <p:cNvPr id="47" name="Rectangle à coins arrondis 46"/>
+          <p:cNvSpPr/>
+          <p:nvPr/>
+        </p:nvSpPr>
+        <p:spPr>
+          <a:xfrm>
+            <a:off x="4835896" y="4046109"/>
+            <a:ext cx="1291811" cy="1244138"/>
+          </a:xfrm>
+          <a:prstGeom prst="roundRect">
+            <a:avLst>
+              <a:gd name="adj" fmla="val 9869"/>
+            </a:avLst>
+          </a:prstGeom>
+          <a:solidFill>
+            <a:srgbClr val="4A4A58"/>
+          </a:solidFill>
+          <a:ln>
+            <a:noFill/>
+          </a:ln>
+        </p:spPr>
+        <p:style>
+          <a:lnRef idx="2">
+            <a:schemeClr val="accent1">
+              <a:shade val="50000"/>
+            </a:schemeClr>
+          </a:lnRef>
+          <a:fillRef idx="1">
+            <a:schemeClr val="accent1"/>
+          </a:fillRef>
+          <a:effectRef idx="0">
+            <a:schemeClr val="accent1"/>
+          </a:effectRef>
+          <a:fontRef idx="minor">
+            <a:schemeClr val="lt1"/>
+          </a:fontRef>
+        </p:style>
+        <p:txBody>
+          <a:bodyPr rtlCol="0" anchor="ctr"/>
+          <a:lstStyle/>
+          <a:p>
+            <a:pPr algn="ctr"/>
+            <a:endParaRPr lang="fr-FR"/>
+          </a:p>
+        </p:txBody>
+      </p:sp>
+      <p:sp>
+        <p:nvSpPr>
+          <p:cNvPr id="48" name="Rectangle à coins arrondis 47"/>
+          <p:cNvSpPr/>
+          <p:nvPr/>
+        </p:nvSpPr>
+        <p:spPr>
+          <a:xfrm>
+            <a:off x="6294321" y="4046109"/>
+            <a:ext cx="1291811" cy="1244138"/>
+          </a:xfrm>
+          <a:prstGeom prst="roundRect">
+            <a:avLst>
+              <a:gd name="adj" fmla="val 9869"/>
+            </a:avLst>
+          </a:prstGeom>
+          <a:solidFill>
+            <a:srgbClr val="FFFFFF"/>
+          </a:solidFill>
+          <a:ln>
+            <a:noFill/>
+          </a:ln>
+        </p:spPr>
+        <p:style>
+          <a:lnRef idx="2">
+            <a:schemeClr val="accent1">
+              <a:shade val="50000"/>
+            </a:schemeClr>
+          </a:lnRef>
+          <a:fillRef idx="1">
+            <a:schemeClr val="accent1"/>
+          </a:fillRef>
+          <a:effectRef idx="0">
+            <a:schemeClr val="accent1"/>
+          </a:effectRef>
+          <a:fontRef idx="minor">
+            <a:schemeClr val="lt1"/>
+          </a:fontRef>
+        </p:style>
+        <p:txBody>
+          <a:bodyPr rtlCol="0" anchor="ctr"/>
+          <a:lstStyle/>
+          <a:p>
+            <a:pPr algn="ctr"/>
+            <a:endParaRPr lang="fr-FR"/>
+          </a:p>
+        </p:txBody>
+      </p:sp>
+      <p:sp>
+        <p:nvSpPr>
+          <p:cNvPr id="58" name="Rectangle à coins arrondis 57"/>
+          <p:cNvSpPr/>
+          <p:nvPr/>
+        </p:nvSpPr>
+        <p:spPr>
+          <a:xfrm>
+            <a:off x="4041682" y="4231133"/>
+            <a:ext cx="521259" cy="225172"/>
+          </a:xfrm>
+          <a:prstGeom prst="roundRect">
+            <a:avLst>
+              <a:gd name="adj" fmla="val 50000"/>
+            </a:avLst>
+          </a:prstGeom>
+          <a:solidFill>
+            <a:srgbClr val="2A2A32"/>
+          </a:solidFill>
+          <a:ln>
+            <a:noFill/>
+          </a:ln>
+        </p:spPr>
+        <p:style>
+          <a:lnRef idx="2">
+            <a:schemeClr val="accent1">
+              <a:shade val="50000"/>
+            </a:schemeClr>
+          </a:lnRef>
+          <a:fillRef idx="1">
+            <a:schemeClr val="accent1"/>
+          </a:fillRef>
+          <a:effectRef idx="0">
+            <a:schemeClr val="accent1"/>
+          </a:effectRef>
+          <a:fontRef idx="minor">
+            <a:schemeClr val="lt1"/>
+          </a:fontRef>
+        </p:style>
+        <p:txBody>
+          <a:bodyPr rtlCol="0" anchor="ctr"/>
+          <a:lstStyle/>
+          <a:p>
+            <a:pPr algn="ctr"/>
+            <a:endParaRPr lang="fr-FR"/>
+          </a:p>
+        </p:txBody>
+      </p:sp>
+      <p:sp>
+        <p:nvSpPr>
+          <p:cNvPr id="59" name="Ellipse 58"/>
+          <p:cNvSpPr/>
+          <p:nvPr/>
+        </p:nvSpPr>
+        <p:spPr>
+          <a:xfrm>
+            <a:off x="4318923" y="4245383"/>
+            <a:ext cx="211694" cy="196671"/>
+          </a:xfrm>
+          <a:prstGeom prst="ellipse">
+            <a:avLst/>
+          </a:prstGeom>
+          <a:solidFill>
+            <a:srgbClr val="D5D5D5"/>
+          </a:solidFill>
+          <a:ln>
+            <a:noFill/>
+          </a:ln>
+        </p:spPr>
+        <p:style>
+          <a:lnRef idx="2">
+            <a:schemeClr val="accent1">
+              <a:shade val="50000"/>
+            </a:schemeClr>
+          </a:lnRef>
+          <a:fillRef idx="1">
+            <a:schemeClr val="accent1"/>
+          </a:fillRef>
+          <a:effectRef idx="0">
+            <a:schemeClr val="accent1"/>
+          </a:effectRef>
+          <a:fontRef idx="minor">
+            <a:schemeClr val="lt1"/>
+          </a:fontRef>
+        </p:style>
+        <p:txBody>
+          <a:bodyPr rtlCol="0" anchor="ctr"/>
+          <a:lstStyle/>
+          <a:p>
+            <a:pPr algn="ctr"/>
+            <a:endParaRPr lang="fr-FR"/>
+          </a:p>
+        </p:txBody>
+      </p:sp>
+      <p:sp>
+        <p:nvSpPr>
+          <p:cNvPr id="60" name="Rectangle à coins arrondis 59"/>
+          <p:cNvSpPr/>
+          <p:nvPr/>
+        </p:nvSpPr>
+        <p:spPr>
+          <a:xfrm>
+            <a:off x="5471346" y="4231133"/>
+            <a:ext cx="521259" cy="225172"/>
+          </a:xfrm>
+          <a:prstGeom prst="roundRect">
+            <a:avLst>
+              <a:gd name="adj" fmla="val 50000"/>
+            </a:avLst>
+          </a:prstGeom>
+          <a:solidFill>
+            <a:srgbClr val="2A2A32"/>
+          </a:solidFill>
+          <a:ln>
+            <a:noFill/>
+          </a:ln>
+        </p:spPr>
+        <p:style>
+          <a:lnRef idx="2">
+            <a:schemeClr val="accent1">
+              <a:shade val="50000"/>
+            </a:schemeClr>
+          </a:lnRef>
+          <a:fillRef idx="1">
+            <a:schemeClr val="accent1"/>
+          </a:fillRef>
+          <a:effectRef idx="0">
+            <a:schemeClr val="accent1"/>
+          </a:effectRef>
+          <a:fontRef idx="minor">
+            <a:schemeClr val="lt1"/>
+          </a:fontRef>
+        </p:style>
+        <p:txBody>
+          <a:bodyPr rtlCol="0" anchor="ctr"/>
+          <a:lstStyle/>
+          <a:p>
+            <a:pPr algn="ctr"/>
+            <a:endParaRPr lang="fr-FR"/>
+          </a:p>
+        </p:txBody>
+      </p:sp>
+      <p:sp>
+        <p:nvSpPr>
+          <p:cNvPr id="61" name="Ellipse 60"/>
+          <p:cNvSpPr/>
+          <p:nvPr/>
+        </p:nvSpPr>
+        <p:spPr>
+          <a:xfrm>
+            <a:off x="5748587" y="4245383"/>
+            <a:ext cx="211694" cy="196671"/>
+          </a:xfrm>
+          <a:prstGeom prst="ellipse">
+            <a:avLst/>
+          </a:prstGeom>
+          <a:solidFill>
+            <a:srgbClr val="D5D5D5"/>
+          </a:solidFill>
+          <a:ln>
+            <a:noFill/>
+          </a:ln>
+        </p:spPr>
+        <p:style>
+          <a:lnRef idx="2">
+            <a:schemeClr val="accent1">
+              <a:shade val="50000"/>
+            </a:schemeClr>
+          </a:lnRef>
+          <a:fillRef idx="1">
+            <a:schemeClr val="accent1"/>
+          </a:fillRef>
+          <a:effectRef idx="0">
+            <a:schemeClr val="accent1"/>
+          </a:effectRef>
+          <a:fontRef idx="minor">
+            <a:schemeClr val="lt1"/>
+          </a:fontRef>
+        </p:style>
+        <p:txBody>
+          <a:bodyPr rtlCol="0" anchor="ctr"/>
+          <a:lstStyle/>
+          <a:p>
+            <a:pPr algn="ctr"/>
+            <a:endParaRPr lang="fr-FR"/>
+          </a:p>
+        </p:txBody>
+      </p:sp>
+      <p:pic>
+        <p:nvPicPr>
+          <p:cNvPr id="70" name="Image 69"/>
+          <p:cNvPicPr>
+            <a:picLocks noChangeAspect="1"/>
+          </p:cNvPicPr>
+          <p:nvPr/>
+        </p:nvPicPr>
+        <p:blipFill>
+          <a:blip r:embed="rId16" cstate="print">
+            <a:extLst>
+              <a:ext uri="{28A0092B-C50C-407E-A947-70E740481C1C}">
+                <a14:useLocalDpi xmlns:a14="http://schemas.microsoft.com/office/drawing/2010/main" val="0"/>
+              </a:ext>
+            </a:extLst>
+          </a:blip>
+          <a:stretch>
+            <a:fillRect/>
+          </a:stretch>
+        </p:blipFill>
+        <p:spPr>
+          <a:xfrm>
+            <a:off x="3496690" y="4186314"/>
+            <a:ext cx="307572" cy="307572"/>
+          </a:xfrm>
+          <a:prstGeom prst="rect">
+            <a:avLst/>
+          </a:prstGeom>
+        </p:spPr>
+      </p:pic>
+      <p:pic>
+        <p:nvPicPr>
+          <p:cNvPr id="71" name="Image 70"/>
+          <p:cNvPicPr>
+            <a:picLocks noChangeAspect="1"/>
+          </p:cNvPicPr>
+          <p:nvPr/>
+        </p:nvPicPr>
+        <p:blipFill>
+          <a:blip r:embed="rId17" cstate="print">
+            <a:extLst>
+              <a:ext uri="{28A0092B-C50C-407E-A947-70E740481C1C}">
+                <a14:useLocalDpi xmlns:a14="http://schemas.microsoft.com/office/drawing/2010/main" val="0"/>
+              </a:ext>
+            </a:extLst>
+          </a:blip>
+          <a:stretch>
+            <a:fillRect/>
+          </a:stretch>
+        </p:blipFill>
+        <p:spPr>
+          <a:xfrm>
+            <a:off x="4899206" y="4132823"/>
+            <a:ext cx="399674" cy="399674"/>
+          </a:xfrm>
+          <a:prstGeom prst="rect">
+            <a:avLst/>
+          </a:prstGeom>
+        </p:spPr>
+      </p:pic>
+      <p:pic>
+        <p:nvPicPr>
+          <p:cNvPr id="74" name="Image 73"/>
+          <p:cNvPicPr>
+            <a:picLocks noChangeAspect="1"/>
+          </p:cNvPicPr>
+          <p:nvPr/>
+        </p:nvPicPr>
+        <p:blipFill>
+          <a:blip r:embed="rId18">
+            <a:extLst>
+              <a:ext uri="{28A0092B-C50C-407E-A947-70E740481C1C}">
+                <a14:useLocalDpi xmlns:a14="http://schemas.microsoft.com/office/drawing/2010/main" val="0"/>
+              </a:ext>
+            </a:extLst>
+          </a:blip>
+          <a:stretch>
+            <a:fillRect/>
+          </a:stretch>
+        </p:blipFill>
+        <p:spPr>
+          <a:xfrm>
+            <a:off x="6675804" y="4393533"/>
+            <a:ext cx="528843" cy="528843"/>
+          </a:xfrm>
+          <a:prstGeom prst="rect">
+            <a:avLst/>
+          </a:prstGeom>
+        </p:spPr>
+      </p:pic>
+      <p:pic>
+        <p:nvPicPr>
+          <p:cNvPr id="77" name="Image 76"/>
+          <p:cNvPicPr>
+            <a:picLocks noChangeAspect="1"/>
+          </p:cNvPicPr>
+          <p:nvPr/>
+        </p:nvPicPr>
+        <p:blipFill>
+          <a:blip r:embed="rId19" cstate="print">
+            <a:extLst>
+              <a:ext uri="{28A0092B-C50C-407E-A947-70E740481C1C}">
+                <a14:useLocalDpi xmlns:a14="http://schemas.microsoft.com/office/drawing/2010/main" val="0"/>
+              </a:ext>
+            </a:extLst>
+          </a:blip>
+          <a:stretch>
+            <a:fillRect/>
+          </a:stretch>
+        </p:blipFill>
+        <p:spPr>
+          <a:xfrm>
+            <a:off x="206676" y="4593415"/>
+            <a:ext cx="298231" cy="298231"/>
+          </a:xfrm>
+          <a:prstGeom prst="rect">
+            <a:avLst/>
+          </a:prstGeom>
+        </p:spPr>
+      </p:pic>
+      <p:sp>
+        <p:nvSpPr>
+          <p:cNvPr id="79" name="Rectangle à coins arrondis 78"/>
+          <p:cNvSpPr/>
+          <p:nvPr/>
+        </p:nvSpPr>
+        <p:spPr>
+          <a:xfrm>
+            <a:off x="7894483" y="2058786"/>
+            <a:ext cx="1981037" cy="1817811"/>
+          </a:xfrm>
+          <a:prstGeom prst="roundRect">
+            <a:avLst>
+              <a:gd name="adj" fmla="val 9869"/>
+            </a:avLst>
+          </a:prstGeom>
+          <a:blipFill dpi="0" rotWithShape="1">
+            <a:blip r:embed="rId20" cstate="print">
+              <a:extLst>
+                <a:ext uri="{28A0092B-C50C-407E-A947-70E740481C1C}">
+                  <a14:useLocalDpi xmlns:a14="http://schemas.microsoft.com/office/drawing/2010/main" val="0"/>
+                </a:ext>
+              </a:extLst>
+            </a:blip>
+            <a:srcRect/>
+            <a:stretch>
+              <a:fillRect/>
+            </a:stretch>
+          </a:blipFill>
+          <a:ln>
+            <a:noFill/>
+          </a:ln>
+        </p:spPr>
+        <p:style>
+          <a:lnRef idx="2">
+            <a:schemeClr val="accent1">
+              <a:shade val="50000"/>
+            </a:schemeClr>
+          </a:lnRef>
+          <a:fillRef idx="1">
+            <a:schemeClr val="accent1"/>
+          </a:fillRef>
+          <a:effectRef idx="0">
+            <a:schemeClr val="accent1"/>
+          </a:effectRef>
+          <a:fontRef idx="minor">
+            <a:schemeClr val="lt1"/>
+          </a:fontRef>
+        </p:style>
+        <p:txBody>
+          <a:bodyPr rtlCol="0" anchor="ctr"/>
+          <a:lstStyle/>
+          <a:p>
+            <a:pPr algn="ctr"/>
+            <a:endParaRPr lang="fr-FR"/>
+          </a:p>
+        </p:txBody>
+      </p:sp>
+      <p:sp>
+        <p:nvSpPr>
+          <p:cNvPr id="80" name="Rectangle à coins arrondis 79"/>
+          <p:cNvSpPr/>
+          <p:nvPr/>
+        </p:nvSpPr>
+        <p:spPr>
+          <a:xfrm>
+            <a:off x="9971117" y="2050933"/>
+            <a:ext cx="1981037" cy="1817811"/>
+          </a:xfrm>
+          <a:prstGeom prst="roundRect">
+            <a:avLst>
+              <a:gd name="adj" fmla="val 9869"/>
+            </a:avLst>
+          </a:prstGeom>
+          <a:blipFill dpi="0" rotWithShape="1">
+            <a:blip r:embed="rId21" cstate="print">
+              <a:extLst>
+                <a:ext uri="{28A0092B-C50C-407E-A947-70E740481C1C}">
+                  <a14:useLocalDpi xmlns:a14="http://schemas.microsoft.com/office/drawing/2010/main" val="0"/>
+                </a:ext>
+              </a:extLst>
+            </a:blip>
+            <a:srcRect/>
+            <a:stretch>
+              <a:fillRect/>
+            </a:stretch>
+          </a:blipFill>
+          <a:ln>
+            <a:noFill/>
+          </a:ln>
+        </p:spPr>
+        <p:style>
+          <a:lnRef idx="2">
+            <a:schemeClr val="accent1">
+              <a:shade val="50000"/>
+            </a:schemeClr>
+          </a:lnRef>
+          <a:fillRef idx="1">
+            <a:schemeClr val="accent1"/>
+          </a:fillRef>
+          <a:effectRef idx="0">
+            <a:schemeClr val="accent1"/>
+          </a:effectRef>
+          <a:fontRef idx="minor">
+            <a:schemeClr val="lt1"/>
+          </a:fontRef>
+        </p:style>
+        <p:txBody>
+          <a:bodyPr rtlCol="0" anchor="ctr"/>
+          <a:lstStyle/>
+          <a:p>
+            <a:pPr algn="ctr"/>
+            <a:endParaRPr lang="fr-FR"/>
+          </a:p>
+        </p:txBody>
+      </p:sp>
+      <p:sp>
+        <p:nvSpPr>
+          <p:cNvPr id="82" name="ZoneTexte 81"/>
+          <p:cNvSpPr txBox="1"/>
+          <p:nvPr/>
+        </p:nvSpPr>
+        <p:spPr>
+          <a:xfrm>
+            <a:off x="7925246" y="2103513"/>
+            <a:ext cx="1001867" cy="276999"/>
+          </a:xfrm>
+          <a:prstGeom prst="rect">
+            <a:avLst/>
+          </a:prstGeom>
+          <a:noFill/>
+        </p:spPr>
+        <p:txBody>
+          <a:bodyPr wrap="square" rtlCol="0">
+            <a:spAutoFit/>
+          </a:bodyPr>
+          <a:lstStyle/>
+          <a:p>
+            <a:r>
+              <a:rPr lang="fr-FR" sz="1200" b="1" dirty="0" smtClean="0">
+                <a:solidFill>
+                  <a:schemeClr val="bg1"/>
+                </a:solidFill>
+              </a:rPr>
+              <a:t>Bedroom</a:t>
+            </a:r>
+            <a:endParaRPr lang="fr-FR" sz="1200" b="1" dirty="0">
+              <a:solidFill>
+                <a:schemeClr val="bg1"/>
+              </a:solidFill>
+            </a:endParaRPr>
+          </a:p>
+        </p:txBody>
+      </p:sp>
+      <p:sp>
+        <p:nvSpPr>
+          <p:cNvPr id="83" name="Rectangle à coins arrondis 82"/>
+          <p:cNvSpPr/>
+          <p:nvPr/>
+        </p:nvSpPr>
+        <p:spPr>
+          <a:xfrm>
+            <a:off x="8957877" y="2186636"/>
+            <a:ext cx="319406" cy="131418"/>
+          </a:xfrm>
+          <a:prstGeom prst="roundRect">
+            <a:avLst>
+              <a:gd name="adj" fmla="val 50000"/>
+            </a:avLst>
+          </a:prstGeom>
+          <a:solidFill>
+            <a:srgbClr val="3C280A">
+              <a:alpha val="40784"/>
+            </a:srgbClr>
+          </a:solidFill>
+          <a:ln>
+            <a:noFill/>
+          </a:ln>
+        </p:spPr>
+        <p:style>
+          <a:lnRef idx="2">
+            <a:schemeClr val="accent1">
+              <a:shade val="50000"/>
+            </a:schemeClr>
+          </a:lnRef>
+          <a:fillRef idx="1">
+            <a:schemeClr val="accent1"/>
+          </a:fillRef>
+          <a:effectRef idx="0">
+            <a:schemeClr val="accent1"/>
+          </a:effectRef>
+          <a:fontRef idx="minor">
+            <a:schemeClr val="lt1"/>
+          </a:fontRef>
+        </p:style>
+        <p:txBody>
+          <a:bodyPr rtlCol="0" anchor="ctr"/>
+          <a:lstStyle/>
+          <a:p>
+            <a:pPr algn="ctr"/>
+            <a:endParaRPr lang="fr-FR"/>
+          </a:p>
+        </p:txBody>
+      </p:sp>
+      <p:sp>
+        <p:nvSpPr>
+          <p:cNvPr id="84" name="ZoneTexte 83"/>
+          <p:cNvSpPr txBox="1"/>
+          <p:nvPr/>
+        </p:nvSpPr>
+        <p:spPr>
+          <a:xfrm>
+            <a:off x="8996763" y="2141984"/>
+            <a:ext cx="350169" cy="200055"/>
+          </a:xfrm>
+          <a:prstGeom prst="rect">
+            <a:avLst/>
+          </a:prstGeom>
+          <a:noFill/>
+        </p:spPr>
+        <p:txBody>
+          <a:bodyPr wrap="square" rtlCol="0">
+            <a:spAutoFit/>
+          </a:bodyPr>
+          <a:lstStyle/>
+          <a:p>
+            <a:r>
+              <a:rPr lang="fr-FR" sz="700" dirty="0" smtClean="0">
+                <a:solidFill>
+                  <a:srgbClr val="D5D5D5"/>
+                </a:solidFill>
+              </a:rPr>
+              <a:t>Live</a:t>
+            </a:r>
+            <a:endParaRPr lang="fr-FR" sz="700" dirty="0">
+              <a:solidFill>
+                <a:srgbClr val="D5D5D5"/>
+              </a:solidFill>
+            </a:endParaRPr>
+          </a:p>
+        </p:txBody>
+      </p:sp>
+      <p:sp>
+        <p:nvSpPr>
+          <p:cNvPr id="85" name="Ellipse 84"/>
+          <p:cNvSpPr/>
+          <p:nvPr/>
+        </p:nvSpPr>
+        <p:spPr>
+          <a:xfrm>
+            <a:off x="8998011" y="2229485"/>
+            <a:ext cx="45719" cy="45719"/>
+          </a:xfrm>
+          <a:prstGeom prst="ellipse">
+            <a:avLst/>
+          </a:prstGeom>
+          <a:solidFill>
+            <a:srgbClr val="FF0000"/>
+          </a:solidFill>
+          <a:ln>
+            <a:noFill/>
+          </a:ln>
+        </p:spPr>
+        <p:style>
+          <a:lnRef idx="2">
+            <a:schemeClr val="accent1">
+              <a:shade val="50000"/>
+            </a:schemeClr>
+          </a:lnRef>
+          <a:fillRef idx="1">
+            <a:schemeClr val="accent1"/>
+          </a:fillRef>
+          <a:effectRef idx="0">
+            <a:schemeClr val="accent1"/>
+          </a:effectRef>
+          <a:fontRef idx="minor">
+            <a:schemeClr val="lt1"/>
+          </a:fontRef>
+        </p:style>
+        <p:txBody>
+          <a:bodyPr rtlCol="0" anchor="ctr"/>
+          <a:lstStyle/>
+          <a:p>
+            <a:pPr algn="ctr"/>
+            <a:endParaRPr lang="fr-FR"/>
+          </a:p>
+        </p:txBody>
+      </p:sp>
+      <p:sp>
+        <p:nvSpPr>
+          <p:cNvPr id="86" name="Rectangle à coins arrondis 85"/>
+          <p:cNvSpPr/>
+          <p:nvPr/>
+        </p:nvSpPr>
+        <p:spPr>
+          <a:xfrm>
+            <a:off x="9389119" y="2186636"/>
+            <a:ext cx="319406" cy="131418"/>
+          </a:xfrm>
+          <a:prstGeom prst="roundRect">
+            <a:avLst>
+              <a:gd name="adj" fmla="val 50000"/>
+            </a:avLst>
+          </a:prstGeom>
+          <a:solidFill>
+            <a:srgbClr val="3C280A">
+              <a:alpha val="40784"/>
+            </a:srgbClr>
+          </a:solidFill>
+          <a:ln>
+            <a:noFill/>
+          </a:ln>
+        </p:spPr>
+        <p:style>
+          <a:lnRef idx="2">
+            <a:schemeClr val="accent1">
+              <a:shade val="50000"/>
+            </a:schemeClr>
+          </a:lnRef>
+          <a:fillRef idx="1">
+            <a:schemeClr val="accent1"/>
+          </a:fillRef>
+          <a:effectRef idx="0">
+            <a:schemeClr val="accent1"/>
+          </a:effectRef>
+          <a:fontRef idx="minor">
+            <a:schemeClr val="lt1"/>
+          </a:fontRef>
+        </p:style>
+        <p:txBody>
+          <a:bodyPr rtlCol="0" anchor="ctr"/>
+          <a:lstStyle/>
+          <a:p>
+            <a:pPr algn="ctr"/>
+            <a:endParaRPr lang="fr-FR"/>
+          </a:p>
+        </p:txBody>
+      </p:sp>
+      <p:sp>
+        <p:nvSpPr>
+          <p:cNvPr id="87" name="ZoneTexte 86"/>
+          <p:cNvSpPr txBox="1"/>
+          <p:nvPr/>
+        </p:nvSpPr>
+        <p:spPr>
+          <a:xfrm>
+            <a:off x="9346931" y="2141984"/>
+            <a:ext cx="442387" cy="200055"/>
+          </a:xfrm>
+          <a:prstGeom prst="rect">
+            <a:avLst/>
+          </a:prstGeom>
+          <a:noFill/>
+        </p:spPr>
+        <p:txBody>
+          <a:bodyPr wrap="square" rtlCol="0">
+            <a:spAutoFit/>
+          </a:bodyPr>
+          <a:lstStyle/>
+          <a:p>
+            <a:r>
+              <a:rPr lang="fr-FR" sz="700" dirty="0" smtClean="0">
+                <a:solidFill>
+                  <a:srgbClr val="D5D5D5"/>
+                </a:solidFill>
+              </a:rPr>
+              <a:t>FHD  </a:t>
+            </a:r>
+            <a:r>
+              <a:rPr lang="fr-FR" sz="600" dirty="0" smtClean="0">
+                <a:solidFill>
+                  <a:srgbClr val="D5D5D5"/>
+                </a:solidFill>
+              </a:rPr>
+              <a:t>˅</a:t>
+            </a:r>
+            <a:r>
+              <a:rPr lang="fr-FR" sz="700" dirty="0" smtClean="0">
+                <a:solidFill>
+                  <a:srgbClr val="D5D5D5"/>
+                </a:solidFill>
+              </a:rPr>
+              <a:t> </a:t>
+            </a:r>
+            <a:endParaRPr lang="fr-FR" sz="700" dirty="0">
+              <a:solidFill>
+                <a:srgbClr val="D5D5D5"/>
+              </a:solidFill>
+            </a:endParaRPr>
+          </a:p>
+        </p:txBody>
+      </p:sp>
+      <p:sp>
+        <p:nvSpPr>
+          <p:cNvPr id="88" name="ZoneTexte 87"/>
+          <p:cNvSpPr txBox="1"/>
+          <p:nvPr/>
+        </p:nvSpPr>
+        <p:spPr>
+          <a:xfrm>
+            <a:off x="9971116" y="2123569"/>
+            <a:ext cx="1001867" cy="276999"/>
+          </a:xfrm>
+          <a:prstGeom prst="rect">
+            <a:avLst/>
+          </a:prstGeom>
+          <a:noFill/>
+        </p:spPr>
+        <p:txBody>
+          <a:bodyPr wrap="square" rtlCol="0">
+            <a:spAutoFit/>
+          </a:bodyPr>
+          <a:lstStyle/>
+          <a:p>
+            <a:r>
+              <a:rPr lang="fr-FR" sz="1200" b="1" dirty="0" smtClean="0">
+                <a:solidFill>
+                  <a:schemeClr val="bg1"/>
+                </a:solidFill>
+              </a:rPr>
+              <a:t>Veranda</a:t>
+            </a:r>
+            <a:endParaRPr lang="fr-FR" sz="1200" b="1" dirty="0">
+              <a:solidFill>
+                <a:schemeClr val="bg1"/>
+              </a:solidFill>
+            </a:endParaRPr>
+          </a:p>
+        </p:txBody>
+      </p:sp>
+      <p:sp>
+        <p:nvSpPr>
+          <p:cNvPr id="101" name="Rectangle à coins arrondis 100"/>
+          <p:cNvSpPr/>
+          <p:nvPr/>
+        </p:nvSpPr>
+        <p:spPr>
+          <a:xfrm>
+            <a:off x="11006387" y="2205947"/>
+            <a:ext cx="319406" cy="131418"/>
+          </a:xfrm>
+          <a:prstGeom prst="roundRect">
+            <a:avLst>
+              <a:gd name="adj" fmla="val 50000"/>
+            </a:avLst>
+          </a:prstGeom>
+          <a:solidFill>
+            <a:srgbClr val="3C280A">
+              <a:alpha val="40784"/>
+            </a:srgbClr>
+          </a:solidFill>
+          <a:ln>
+            <a:noFill/>
+          </a:ln>
+        </p:spPr>
+        <p:style>
+          <a:lnRef idx="2">
+            <a:schemeClr val="accent1">
+              <a:shade val="50000"/>
+            </a:schemeClr>
+          </a:lnRef>
+          <a:fillRef idx="1">
+            <a:schemeClr val="accent1"/>
+          </a:fillRef>
+          <a:effectRef idx="0">
+            <a:schemeClr val="accent1"/>
+          </a:effectRef>
+          <a:fontRef idx="minor">
+            <a:schemeClr val="lt1"/>
+          </a:fontRef>
+        </p:style>
+        <p:txBody>
+          <a:bodyPr rtlCol="0" anchor="ctr"/>
+          <a:lstStyle/>
+          <a:p>
+            <a:pPr algn="ctr"/>
+            <a:endParaRPr lang="fr-FR"/>
+          </a:p>
+        </p:txBody>
+      </p:sp>
+      <p:sp>
+        <p:nvSpPr>
+          <p:cNvPr id="102" name="ZoneTexte 101"/>
+          <p:cNvSpPr txBox="1"/>
+          <p:nvPr/>
+        </p:nvSpPr>
+        <p:spPr>
+          <a:xfrm>
+            <a:off x="11045273" y="2161295"/>
+            <a:ext cx="350169" cy="200055"/>
+          </a:xfrm>
+          <a:prstGeom prst="rect">
+            <a:avLst/>
+          </a:prstGeom>
+          <a:noFill/>
+        </p:spPr>
+        <p:txBody>
+          <a:bodyPr wrap="square" rtlCol="0">
+            <a:spAutoFit/>
+          </a:bodyPr>
+          <a:lstStyle/>
+          <a:p>
+            <a:r>
+              <a:rPr lang="fr-FR" sz="700" dirty="0" smtClean="0">
+                <a:solidFill>
+                  <a:srgbClr val="D5D5D5"/>
+                </a:solidFill>
+              </a:rPr>
+              <a:t>Live</a:t>
+            </a:r>
+            <a:endParaRPr lang="fr-FR" sz="700" dirty="0">
+              <a:solidFill>
+                <a:srgbClr val="D5D5D5"/>
+              </a:solidFill>
+            </a:endParaRPr>
+          </a:p>
+        </p:txBody>
+      </p:sp>
+      <p:sp>
+        <p:nvSpPr>
+          <p:cNvPr id="103" name="Ellipse 102"/>
+          <p:cNvSpPr/>
+          <p:nvPr/>
+        </p:nvSpPr>
+        <p:spPr>
+          <a:xfrm>
+            <a:off x="11046521" y="2248796"/>
+            <a:ext cx="45719" cy="45719"/>
+          </a:xfrm>
+          <a:prstGeom prst="ellipse">
+            <a:avLst/>
+          </a:prstGeom>
+          <a:solidFill>
+            <a:srgbClr val="FF0000"/>
+          </a:solidFill>
+          <a:ln>
+            <a:noFill/>
+          </a:ln>
+        </p:spPr>
+        <p:style>
+          <a:lnRef idx="2">
+            <a:schemeClr val="accent1">
+              <a:shade val="50000"/>
+            </a:schemeClr>
+          </a:lnRef>
+          <a:fillRef idx="1">
+            <a:schemeClr val="accent1"/>
+          </a:fillRef>
+          <a:effectRef idx="0">
+            <a:schemeClr val="accent1"/>
+          </a:effectRef>
+          <a:fontRef idx="minor">
+            <a:schemeClr val="lt1"/>
+          </a:fontRef>
+        </p:style>
+        <p:txBody>
+          <a:bodyPr rtlCol="0" anchor="ctr"/>
+          <a:lstStyle/>
+          <a:p>
+            <a:pPr algn="ctr"/>
+            <a:endParaRPr lang="fr-FR"/>
+          </a:p>
+        </p:txBody>
+      </p:sp>
+      <p:sp>
+        <p:nvSpPr>
+          <p:cNvPr id="105" name="Rectangle à coins arrondis 104"/>
+          <p:cNvSpPr/>
+          <p:nvPr/>
+        </p:nvSpPr>
+        <p:spPr>
+          <a:xfrm>
+            <a:off x="11467732" y="2203265"/>
+            <a:ext cx="319406" cy="131418"/>
+          </a:xfrm>
+          <a:prstGeom prst="roundRect">
+            <a:avLst>
+              <a:gd name="adj" fmla="val 50000"/>
+            </a:avLst>
+          </a:prstGeom>
+          <a:solidFill>
+            <a:srgbClr val="3C280A">
+              <a:alpha val="40784"/>
+            </a:srgbClr>
+          </a:solidFill>
+          <a:ln>
+            <a:noFill/>
+          </a:ln>
+        </p:spPr>
+        <p:style>
+          <a:lnRef idx="2">
+            <a:schemeClr val="accent1">
+              <a:shade val="50000"/>
+            </a:schemeClr>
+          </a:lnRef>
+          <a:fillRef idx="1">
+            <a:schemeClr val="accent1"/>
+          </a:fillRef>
+          <a:effectRef idx="0">
+            <a:schemeClr val="accent1"/>
+          </a:effectRef>
+          <a:fontRef idx="minor">
+            <a:schemeClr val="lt1"/>
+          </a:fontRef>
+        </p:style>
+        <p:txBody>
+          <a:bodyPr rtlCol="0" anchor="ctr"/>
+          <a:lstStyle/>
+          <a:p>
+            <a:pPr algn="ctr"/>
+            <a:endParaRPr lang="fr-FR"/>
+          </a:p>
+        </p:txBody>
+      </p:sp>
+      <p:sp>
+        <p:nvSpPr>
+          <p:cNvPr id="106" name="ZoneTexte 105"/>
+          <p:cNvSpPr txBox="1"/>
+          <p:nvPr/>
+        </p:nvSpPr>
+        <p:spPr>
+          <a:xfrm>
+            <a:off x="11424593" y="2180087"/>
+            <a:ext cx="442387" cy="200055"/>
+          </a:xfrm>
+          <a:prstGeom prst="rect">
+            <a:avLst/>
+          </a:prstGeom>
+          <a:noFill/>
+        </p:spPr>
+        <p:txBody>
+          <a:bodyPr wrap="square" rtlCol="0">
+            <a:spAutoFit/>
+          </a:bodyPr>
+          <a:lstStyle/>
+          <a:p>
+            <a:r>
+              <a:rPr lang="fr-FR" sz="700" dirty="0" smtClean="0">
+                <a:solidFill>
+                  <a:srgbClr val="D5D5D5"/>
+                </a:solidFill>
+              </a:rPr>
+              <a:t>FHD  </a:t>
+            </a:r>
+            <a:r>
+              <a:rPr lang="fr-FR" sz="600" dirty="0" smtClean="0">
+                <a:solidFill>
+                  <a:srgbClr val="D5D5D5"/>
+                </a:solidFill>
+              </a:rPr>
+              <a:t>˅</a:t>
+            </a:r>
+            <a:r>
+              <a:rPr lang="fr-FR" sz="700" dirty="0" smtClean="0">
+                <a:solidFill>
+                  <a:srgbClr val="D5D5D5"/>
+                </a:solidFill>
+              </a:rPr>
+              <a:t> </a:t>
+            </a:r>
+            <a:endParaRPr lang="fr-FR" sz="700" dirty="0">
+              <a:solidFill>
+                <a:srgbClr val="D5D5D5"/>
+              </a:solidFill>
+            </a:endParaRPr>
+          </a:p>
+        </p:txBody>
+      </p:sp>
+      <p:sp>
+        <p:nvSpPr>
+          <p:cNvPr id="107" name="Rectangle à coins arrondis 106"/>
+          <p:cNvSpPr/>
+          <p:nvPr/>
+        </p:nvSpPr>
+        <p:spPr>
+          <a:xfrm>
+            <a:off x="8052124" y="3669011"/>
+            <a:ext cx="402738" cy="122913"/>
+          </a:xfrm>
+          <a:prstGeom prst="roundRect">
+            <a:avLst>
+              <a:gd name="adj" fmla="val 50000"/>
+            </a:avLst>
+          </a:prstGeom>
+          <a:solidFill>
+            <a:srgbClr val="150E03">
+              <a:alpha val="54118"/>
+            </a:srgbClr>
+          </a:solidFill>
+          <a:ln>
+            <a:noFill/>
+          </a:ln>
+        </p:spPr>
+        <p:style>
+          <a:lnRef idx="2">
+            <a:schemeClr val="accent1">
+              <a:shade val="50000"/>
+            </a:schemeClr>
+          </a:lnRef>
+          <a:fillRef idx="1">
+            <a:schemeClr val="accent1"/>
+          </a:fillRef>
+          <a:effectRef idx="0">
+            <a:schemeClr val="accent1"/>
+          </a:effectRef>
+          <a:fontRef idx="minor">
+            <a:schemeClr val="lt1"/>
+          </a:fontRef>
+        </p:style>
+        <p:txBody>
+          <a:bodyPr rtlCol="0" anchor="ctr"/>
+          <a:lstStyle/>
+          <a:p>
+            <a:pPr algn="ctr"/>
+            <a:endParaRPr lang="fr-FR"/>
+          </a:p>
+        </p:txBody>
+      </p:sp>
+      <p:sp>
+        <p:nvSpPr>
+          <p:cNvPr id="109" name="ZoneTexte 108"/>
+          <p:cNvSpPr txBox="1"/>
+          <p:nvPr/>
+        </p:nvSpPr>
+        <p:spPr>
+          <a:xfrm>
+            <a:off x="8090778" y="3649675"/>
+            <a:ext cx="474478" cy="161583"/>
+          </a:xfrm>
+          <a:prstGeom prst="rect">
+            <a:avLst/>
+          </a:prstGeom>
+          <a:noFill/>
+        </p:spPr>
+        <p:txBody>
+          <a:bodyPr wrap="square" rtlCol="0">
+            <a:spAutoFit/>
+          </a:bodyPr>
+          <a:lstStyle/>
+          <a:p>
+            <a:r>
+              <a:rPr lang="fr-FR" sz="450" dirty="0" smtClean="0">
+                <a:solidFill>
+                  <a:schemeClr val="bg1"/>
+                </a:solidFill>
+              </a:rPr>
+              <a:t>Full screen</a:t>
+            </a:r>
+            <a:endParaRPr lang="fr-FR" sz="450" dirty="0">
+              <a:solidFill>
+                <a:schemeClr val="bg1"/>
+              </a:solidFill>
+            </a:endParaRPr>
+          </a:p>
+        </p:txBody>
+      </p:sp>
+      <p:sp>
+        <p:nvSpPr>
+          <p:cNvPr id="110" name="Ellipse 109"/>
+          <p:cNvSpPr/>
+          <p:nvPr/>
+        </p:nvSpPr>
+        <p:spPr>
+          <a:xfrm>
+            <a:off x="8082476" y="3686330"/>
+            <a:ext cx="87505" cy="88271"/>
+          </a:xfrm>
+          <a:prstGeom prst="ellipse">
+            <a:avLst/>
+          </a:prstGeom>
+          <a:solidFill>
+            <a:srgbClr val="6B6B6B">
+              <a:alpha val="83137"/>
+            </a:srgbClr>
+          </a:solidFill>
+          <a:ln>
+            <a:noFill/>
+          </a:ln>
+        </p:spPr>
+        <p:style>
+          <a:lnRef idx="2">
+            <a:schemeClr val="accent1">
+              <a:shade val="50000"/>
+            </a:schemeClr>
+          </a:lnRef>
+          <a:fillRef idx="1">
+            <a:schemeClr val="accent1"/>
+          </a:fillRef>
+          <a:effectRef idx="0">
+            <a:schemeClr val="accent1"/>
+          </a:effectRef>
+          <a:fontRef idx="minor">
+            <a:schemeClr val="lt1"/>
+          </a:fontRef>
+        </p:style>
+        <p:txBody>
+          <a:bodyPr rtlCol="0" anchor="ctr"/>
+          <a:lstStyle/>
+          <a:p>
+            <a:pPr algn="ctr"/>
+            <a:endParaRPr lang="fr-FR"/>
+          </a:p>
+        </p:txBody>
+      </p:sp>
+      <p:sp>
+        <p:nvSpPr>
+          <p:cNvPr id="111" name="Parenthèses 110"/>
+          <p:cNvSpPr/>
+          <p:nvPr/>
+        </p:nvSpPr>
+        <p:spPr>
+          <a:xfrm>
+            <a:off x="8103368" y="3707605"/>
+            <a:ext cx="45719" cy="45719"/>
+          </a:xfrm>
+          <a:prstGeom prst="bracketPair">
+            <a:avLst/>
+          </a:prstGeom>
+          <a:ln>
+            <a:solidFill>
+              <a:srgbClr val="FFFFFF"/>
+            </a:solidFill>
+          </a:ln>
+        </p:spPr>
+        <p:style>
+          <a:lnRef idx="1">
+            <a:schemeClr val="accent1"/>
+          </a:lnRef>
+          <a:fillRef idx="0">
+            <a:schemeClr val="accent1"/>
+          </a:fillRef>
+          <a:effectRef idx="0">
+            <a:schemeClr val="accent1"/>
+          </a:effectRef>
+          <a:fontRef idx="minor">
+            <a:schemeClr val="tx1"/>
+          </a:fontRef>
+        </p:style>
+        <p:txBody>
+          <a:bodyPr rtlCol="0" anchor="ctr"/>
+          <a:lstStyle/>
+          <a:p>
+            <a:pPr algn="ctr"/>
+            <a:endParaRPr lang="fr-FR"/>
+          </a:p>
+        </p:txBody>
+      </p:sp>
+      <p:sp>
+        <p:nvSpPr>
+          <p:cNvPr id="112" name="Rectangle à coins arrondis 111"/>
+          <p:cNvSpPr/>
+          <p:nvPr/>
+        </p:nvSpPr>
+        <p:spPr>
+          <a:xfrm>
+            <a:off x="10139372" y="3630411"/>
+            <a:ext cx="402738" cy="122913"/>
+          </a:xfrm>
+          <a:prstGeom prst="roundRect">
+            <a:avLst>
+              <a:gd name="adj" fmla="val 50000"/>
+            </a:avLst>
+          </a:prstGeom>
+          <a:solidFill>
+            <a:srgbClr val="150E03">
+              <a:alpha val="54118"/>
+            </a:srgbClr>
+          </a:solidFill>
+          <a:ln>
+            <a:noFill/>
+          </a:ln>
+        </p:spPr>
+        <p:style>
+          <a:lnRef idx="2">
+            <a:schemeClr val="accent1">
+              <a:shade val="50000"/>
+            </a:schemeClr>
+          </a:lnRef>
+          <a:fillRef idx="1">
+            <a:schemeClr val="accent1"/>
+          </a:fillRef>
+          <a:effectRef idx="0">
+            <a:schemeClr val="accent1"/>
+          </a:effectRef>
+          <a:fontRef idx="minor">
+            <a:schemeClr val="lt1"/>
+          </a:fontRef>
+        </p:style>
+        <p:txBody>
+          <a:bodyPr rtlCol="0" anchor="ctr"/>
+          <a:lstStyle/>
+          <a:p>
+            <a:pPr algn="ctr"/>
+            <a:endParaRPr lang="fr-FR"/>
+          </a:p>
+        </p:txBody>
+      </p:sp>
+      <p:sp>
+        <p:nvSpPr>
+          <p:cNvPr id="113" name="ZoneTexte 112"/>
+          <p:cNvSpPr txBox="1"/>
+          <p:nvPr/>
+        </p:nvSpPr>
+        <p:spPr>
+          <a:xfrm>
+            <a:off x="10187555" y="3615555"/>
+            <a:ext cx="474478" cy="161583"/>
+          </a:xfrm>
+          <a:prstGeom prst="rect">
+            <a:avLst/>
+          </a:prstGeom>
+          <a:noFill/>
+        </p:spPr>
+        <p:txBody>
+          <a:bodyPr wrap="square" rtlCol="0">
+            <a:spAutoFit/>
+          </a:bodyPr>
+          <a:lstStyle/>
+          <a:p>
+            <a:r>
+              <a:rPr lang="fr-FR" sz="450" dirty="0" smtClean="0">
+                <a:solidFill>
+                  <a:schemeClr val="bg1"/>
+                </a:solidFill>
+              </a:rPr>
+              <a:t>Full screen</a:t>
+            </a:r>
+            <a:endParaRPr lang="fr-FR" sz="450" dirty="0">
+              <a:solidFill>
+                <a:schemeClr val="bg1"/>
+              </a:solidFill>
+            </a:endParaRPr>
+          </a:p>
+        </p:txBody>
+      </p:sp>
+      <p:sp>
+        <p:nvSpPr>
+          <p:cNvPr id="114" name="Ellipse 113"/>
+          <p:cNvSpPr/>
+          <p:nvPr/>
+        </p:nvSpPr>
+        <p:spPr>
+          <a:xfrm>
+            <a:off x="10162721" y="3649675"/>
+            <a:ext cx="87505" cy="88271"/>
+          </a:xfrm>
+          <a:prstGeom prst="ellipse">
+            <a:avLst/>
+          </a:prstGeom>
+          <a:solidFill>
+            <a:srgbClr val="6B6B6B">
+              <a:alpha val="83137"/>
+            </a:srgbClr>
+          </a:solidFill>
+          <a:ln>
+            <a:noFill/>
+          </a:ln>
+        </p:spPr>
+        <p:style>
+          <a:lnRef idx="2">
+            <a:schemeClr val="accent1">
+              <a:shade val="50000"/>
+            </a:schemeClr>
+          </a:lnRef>
+          <a:fillRef idx="1">
+            <a:schemeClr val="accent1"/>
+          </a:fillRef>
+          <a:effectRef idx="0">
+            <a:schemeClr val="accent1"/>
+          </a:effectRef>
+          <a:fontRef idx="minor">
+            <a:schemeClr val="lt1"/>
+          </a:fontRef>
+        </p:style>
+        <p:txBody>
+          <a:bodyPr rtlCol="0" anchor="ctr"/>
+          <a:lstStyle/>
+          <a:p>
+            <a:pPr algn="ctr"/>
+            <a:endParaRPr lang="fr-FR"/>
+          </a:p>
+        </p:txBody>
+      </p:sp>
+      <p:sp>
+        <p:nvSpPr>
+          <p:cNvPr id="116" name="Parenthèses 115"/>
+          <p:cNvSpPr/>
+          <p:nvPr/>
+        </p:nvSpPr>
+        <p:spPr>
+          <a:xfrm>
+            <a:off x="10183613" y="3670950"/>
+            <a:ext cx="45719" cy="45719"/>
+          </a:xfrm>
+          <a:prstGeom prst="bracketPair">
+            <a:avLst/>
+          </a:prstGeom>
+          <a:ln>
+            <a:solidFill>
+              <a:srgbClr val="FFFFFF"/>
+            </a:solidFill>
+          </a:ln>
+        </p:spPr>
+        <p:style>
+          <a:lnRef idx="1">
+            <a:schemeClr val="accent1"/>
+          </a:lnRef>
+          <a:fillRef idx="0">
+            <a:schemeClr val="accent1"/>
+          </a:fillRef>
+          <a:effectRef idx="0">
+            <a:schemeClr val="accent1"/>
+          </a:effectRef>
+          <a:fontRef idx="minor">
+            <a:schemeClr val="tx1"/>
+          </a:fontRef>
+        </p:style>
+        <p:txBody>
+          <a:bodyPr rtlCol="0" anchor="ctr"/>
+          <a:lstStyle/>
+          <a:p>
+            <a:pPr algn="ctr"/>
+            <a:endParaRPr lang="fr-FR"/>
+          </a:p>
+        </p:txBody>
+      </p:sp>
+      <p:sp>
+        <p:nvSpPr>
+          <p:cNvPr id="3" name="Rectangle 2"/>
+          <p:cNvSpPr/>
+          <p:nvPr/>
+        </p:nvSpPr>
+        <p:spPr>
+          <a:xfrm>
+            <a:off x="0" y="0"/>
+            <a:ext cx="12192000" cy="6862434"/>
+          </a:xfrm>
+          <a:prstGeom prst="rect">
+            <a:avLst/>
+          </a:prstGeom>
+          <a:noFill/>
+          <a:ln w="57150">
+            <a:solidFill>
+              <a:srgbClr val="FF0000"/>
+            </a:solidFill>
+          </a:ln>
+        </p:spPr>
+        <p:style>
+          <a:lnRef idx="2">
+            <a:schemeClr val="accent1">
+              <a:shade val="50000"/>
+            </a:schemeClr>
+          </a:lnRef>
+          <a:fillRef idx="1">
+            <a:schemeClr val="accent1"/>
+          </a:fillRef>
+          <a:effectRef idx="0">
+            <a:schemeClr val="accent1"/>
+          </a:effectRef>
+          <a:fontRef idx="minor">
+            <a:schemeClr val="lt1"/>
+          </a:fontRef>
+        </p:style>
+        <p:txBody>
+          <a:bodyPr rtlCol="0" anchor="ctr"/>
+          <a:lstStyle/>
+          <a:p>
+            <a:pPr algn="ctr"/>
+            <a:endParaRPr lang="fr-FR"/>
+          </a:p>
+        </p:txBody>
+      </p:sp>
+      <p:sp>
+        <p:nvSpPr>
+          <p:cNvPr id="16" name="Rectangle 15"/>
+          <p:cNvSpPr/>
+          <p:nvPr/>
+        </p:nvSpPr>
+        <p:spPr>
+          <a:xfrm>
+            <a:off x="57150" y="44533"/>
+            <a:ext cx="12134850" cy="401846"/>
+          </a:xfrm>
+          <a:prstGeom prst="rect">
+            <a:avLst/>
+          </a:prstGeom>
+          <a:solidFill>
+            <a:srgbClr val="92D050"/>
+          </a:solidFill>
+          <a:ln w="57150">
+            <a:solidFill>
+              <a:srgbClr val="92D050"/>
+            </a:solidFill>
+          </a:ln>
+        </p:spPr>
+        <p:style>
+          <a:lnRef idx="2">
+            <a:schemeClr val="accent1">
+              <a:shade val="50000"/>
+            </a:schemeClr>
+          </a:lnRef>
+          <a:fillRef idx="1">
+            <a:schemeClr val="accent1"/>
+          </a:fillRef>
+          <a:effectRef idx="0">
+            <a:schemeClr val="accent1"/>
+          </a:effectRef>
+          <a:fontRef idx="minor">
+            <a:schemeClr val="lt1"/>
+          </a:fontRef>
+        </p:style>
+        <p:txBody>
+          <a:bodyPr rtlCol="0" anchor="ctr"/>
+          <a:lstStyle/>
+          <a:p>
+            <a:pPr algn="ctr"/>
+            <a:endParaRPr lang="fr-FR"/>
+          </a:p>
+        </p:txBody>
+      </p:sp>
+      <p:sp>
+        <p:nvSpPr>
+          <p:cNvPr id="18" name="Rectangle 17"/>
+          <p:cNvSpPr/>
+          <p:nvPr/>
+        </p:nvSpPr>
+        <p:spPr>
+          <a:xfrm>
+            <a:off x="57150" y="491837"/>
+            <a:ext cx="1852741" cy="1439593"/>
+          </a:xfrm>
+          <a:prstGeom prst="rect">
+            <a:avLst/>
+          </a:prstGeom>
+          <a:solidFill>
+            <a:srgbClr val="FFC000"/>
+          </a:solidFill>
+          <a:ln w="57150">
+            <a:solidFill>
+              <a:srgbClr val="FFC000"/>
+            </a:solidFill>
+          </a:ln>
+        </p:spPr>
+        <p:style>
+          <a:lnRef idx="2">
+            <a:schemeClr val="accent1">
+              <a:shade val="50000"/>
+            </a:schemeClr>
+          </a:lnRef>
+          <a:fillRef idx="1">
+            <a:schemeClr val="accent1"/>
+          </a:fillRef>
+          <a:effectRef idx="0">
+            <a:schemeClr val="accent1"/>
+          </a:effectRef>
+          <a:fontRef idx="minor">
+            <a:schemeClr val="lt1"/>
+          </a:fontRef>
+        </p:style>
+        <p:txBody>
+          <a:bodyPr rtlCol="0" anchor="ctr"/>
+          <a:lstStyle/>
+          <a:p>
+            <a:pPr algn="ctr"/>
+            <a:endParaRPr lang="fr-FR"/>
+          </a:p>
+        </p:txBody>
+      </p:sp>
+      <p:sp>
+        <p:nvSpPr>
+          <p:cNvPr id="19" name="Rectangle 18"/>
+          <p:cNvSpPr/>
+          <p:nvPr/>
+        </p:nvSpPr>
+        <p:spPr>
+          <a:xfrm>
+            <a:off x="57151" y="1961086"/>
+            <a:ext cx="1816164" cy="4093757"/>
+          </a:xfrm>
+          <a:prstGeom prst="rect">
+            <a:avLst/>
+          </a:prstGeom>
+          <a:solidFill>
+            <a:srgbClr val="5B9BD5"/>
+          </a:solidFill>
+          <a:ln w="57150">
+            <a:solidFill>
+              <a:srgbClr val="5B9BD5"/>
+            </a:solidFill>
+          </a:ln>
+        </p:spPr>
+        <p:style>
+          <a:lnRef idx="2">
+            <a:schemeClr val="accent1">
+              <a:shade val="50000"/>
+            </a:schemeClr>
+          </a:lnRef>
+          <a:fillRef idx="1">
+            <a:schemeClr val="accent1"/>
+          </a:fillRef>
+          <a:effectRef idx="0">
+            <a:schemeClr val="accent1"/>
+          </a:effectRef>
+          <a:fontRef idx="minor">
+            <a:schemeClr val="lt1"/>
+          </a:fontRef>
+        </p:style>
+        <p:txBody>
+          <a:bodyPr rtlCol="0" anchor="ctr"/>
+          <a:lstStyle/>
+          <a:p>
+            <a:pPr algn="ctr"/>
+            <a:endParaRPr lang="fr-FR"/>
+          </a:p>
+        </p:txBody>
+      </p:sp>
+      <p:sp>
+        <p:nvSpPr>
+          <p:cNvPr id="49" name="Rectangle 48"/>
+          <p:cNvSpPr/>
+          <p:nvPr/>
+        </p:nvSpPr>
+        <p:spPr>
+          <a:xfrm>
+            <a:off x="1936779" y="491837"/>
+            <a:ext cx="10163942" cy="5563006"/>
+          </a:xfrm>
+          <a:prstGeom prst="rect">
+            <a:avLst/>
+          </a:prstGeom>
+          <a:solidFill>
+            <a:srgbClr val="B120DE"/>
+          </a:solidFill>
+          <a:ln w="57150">
+            <a:solidFill>
+              <a:srgbClr val="B120DE"/>
+            </a:solidFill>
+          </a:ln>
+        </p:spPr>
+        <p:style>
+          <a:lnRef idx="2">
+            <a:schemeClr val="accent1">
+              <a:shade val="50000"/>
+            </a:schemeClr>
+          </a:lnRef>
+          <a:fillRef idx="1">
+            <a:schemeClr val="accent1"/>
+          </a:fillRef>
+          <a:effectRef idx="0">
+            <a:schemeClr val="accent1"/>
+          </a:effectRef>
+          <a:fontRef idx="minor">
+            <a:schemeClr val="lt1"/>
+          </a:fontRef>
+        </p:style>
+        <p:txBody>
+          <a:bodyPr rtlCol="0" anchor="ctr"/>
+          <a:lstStyle/>
+          <a:p>
+            <a:pPr algn="ctr"/>
+            <a:endParaRPr lang="fr-FR"/>
+          </a:p>
+        </p:txBody>
+      </p:sp>
+      <p:sp>
+        <p:nvSpPr>
+          <p:cNvPr id="50" name="Rectangle 49"/>
+          <p:cNvSpPr/>
+          <p:nvPr/>
+        </p:nvSpPr>
+        <p:spPr>
+          <a:xfrm>
+            <a:off x="2043562" y="593178"/>
+            <a:ext cx="5684033" cy="3188278"/>
+          </a:xfrm>
+          <a:prstGeom prst="rect">
+            <a:avLst/>
+          </a:prstGeom>
+          <a:solidFill>
+            <a:srgbClr val="FF0000"/>
+          </a:solidFill>
+          <a:ln w="57150">
+            <a:solidFill>
+              <a:srgbClr val="FF0000"/>
+            </a:solidFill>
+          </a:ln>
+        </p:spPr>
+        <p:style>
+          <a:lnRef idx="2">
+            <a:schemeClr val="accent1">
+              <a:shade val="50000"/>
+            </a:schemeClr>
+          </a:lnRef>
+          <a:fillRef idx="1">
+            <a:schemeClr val="accent1"/>
+          </a:fillRef>
+          <a:effectRef idx="0">
+            <a:schemeClr val="accent1"/>
+          </a:effectRef>
+          <a:fontRef idx="minor">
+            <a:schemeClr val="lt1"/>
+          </a:fontRef>
+        </p:style>
+        <p:txBody>
+          <a:bodyPr rtlCol="0" anchor="ctr"/>
+          <a:lstStyle/>
+          <a:p>
+            <a:pPr algn="ctr"/>
+            <a:endParaRPr lang="fr-FR"/>
+          </a:p>
+        </p:txBody>
+      </p:sp>
+      <p:sp>
+        <p:nvSpPr>
+          <p:cNvPr id="51" name="Rectangle 50"/>
+          <p:cNvSpPr/>
+          <p:nvPr/>
+        </p:nvSpPr>
+        <p:spPr>
+          <a:xfrm>
+            <a:off x="7861300" y="582062"/>
+            <a:ext cx="4090854" cy="1347251"/>
+          </a:xfrm>
+          <a:prstGeom prst="rect">
+            <a:avLst/>
+          </a:prstGeom>
+          <a:solidFill>
+            <a:srgbClr val="0FCF4A"/>
+          </a:solidFill>
+          <a:ln w="57150">
+            <a:solidFill>
+              <a:srgbClr val="0FCF4A"/>
+            </a:solidFill>
+          </a:ln>
+        </p:spPr>
+        <p:style>
+          <a:lnRef idx="2">
+            <a:schemeClr val="accent1">
+              <a:shade val="50000"/>
+            </a:schemeClr>
+          </a:lnRef>
+          <a:fillRef idx="1">
+            <a:schemeClr val="accent1"/>
+          </a:fillRef>
+          <a:effectRef idx="0">
+            <a:schemeClr val="accent1"/>
+          </a:effectRef>
+          <a:fontRef idx="minor">
+            <a:schemeClr val="lt1"/>
+          </a:fontRef>
+        </p:style>
+        <p:txBody>
+          <a:bodyPr rtlCol="0" anchor="ctr"/>
+          <a:lstStyle/>
+          <a:p>
+            <a:pPr algn="ctr"/>
+            <a:endParaRPr lang="fr-FR"/>
+          </a:p>
+        </p:txBody>
+      </p:sp>
+      <p:sp>
+        <p:nvSpPr>
+          <p:cNvPr id="52" name="Rectangle à coins arrondis 51"/>
+          <p:cNvSpPr/>
+          <p:nvPr/>
+        </p:nvSpPr>
+        <p:spPr>
+          <a:xfrm>
+            <a:off x="7894482" y="2032912"/>
+            <a:ext cx="1981038" cy="1843685"/>
+          </a:xfrm>
+          <a:prstGeom prst="roundRect">
+            <a:avLst>
+              <a:gd name="adj" fmla="val 11156"/>
+            </a:avLst>
+          </a:prstGeom>
+          <a:solidFill>
+            <a:srgbClr val="D76007"/>
+          </a:solidFill>
+          <a:ln w="57150">
+            <a:solidFill>
+              <a:srgbClr val="D76007"/>
+            </a:solidFill>
+          </a:ln>
+        </p:spPr>
+        <p:style>
+          <a:lnRef idx="2">
+            <a:schemeClr val="accent1">
+              <a:shade val="50000"/>
+            </a:schemeClr>
+          </a:lnRef>
+          <a:fillRef idx="1">
+            <a:schemeClr val="accent1"/>
+          </a:fillRef>
+          <a:effectRef idx="0">
+            <a:schemeClr val="accent1"/>
+          </a:effectRef>
+          <a:fontRef idx="minor">
+            <a:schemeClr val="lt1"/>
+          </a:fontRef>
+        </p:style>
+        <p:txBody>
+          <a:bodyPr rtlCol="0" anchor="ctr"/>
+          <a:lstStyle/>
+          <a:p>
+            <a:pPr algn="ctr"/>
+            <a:endParaRPr lang="fr-FR"/>
+          </a:p>
+        </p:txBody>
+      </p:sp>
+      <p:sp>
+        <p:nvSpPr>
+          <p:cNvPr id="91" name="Rectangle à coins arrondis 90"/>
+          <p:cNvSpPr/>
+          <p:nvPr/>
+        </p:nvSpPr>
+        <p:spPr>
+          <a:xfrm>
+            <a:off x="9980257" y="2018912"/>
+            <a:ext cx="1981038" cy="1843685"/>
+          </a:xfrm>
+          <a:prstGeom prst="roundRect">
+            <a:avLst>
+              <a:gd name="adj" fmla="val 11156"/>
+            </a:avLst>
+          </a:prstGeom>
+          <a:solidFill>
+            <a:srgbClr val="D76007"/>
+          </a:solidFill>
+          <a:ln w="57150">
+            <a:solidFill>
+              <a:srgbClr val="D76007"/>
+            </a:solidFill>
+          </a:ln>
+        </p:spPr>
+        <p:style>
+          <a:lnRef idx="2">
+            <a:schemeClr val="accent1">
+              <a:shade val="50000"/>
+            </a:schemeClr>
+          </a:lnRef>
+          <a:fillRef idx="1">
+            <a:schemeClr val="accent1"/>
+          </a:fillRef>
+          <a:effectRef idx="0">
+            <a:schemeClr val="accent1"/>
+          </a:effectRef>
+          <a:fontRef idx="minor">
+            <a:schemeClr val="lt1"/>
+          </a:fontRef>
+        </p:style>
+        <p:txBody>
+          <a:bodyPr rtlCol="0" anchor="ctr"/>
+          <a:lstStyle/>
+          <a:p>
+            <a:pPr algn="ctr"/>
+            <a:endParaRPr lang="fr-FR"/>
+          </a:p>
+        </p:txBody>
+      </p:sp>
+      <p:sp>
+        <p:nvSpPr>
+          <p:cNvPr id="92" name="Rectangle à coins arrondis 91"/>
+          <p:cNvSpPr/>
+          <p:nvPr/>
+        </p:nvSpPr>
+        <p:spPr>
+          <a:xfrm>
+            <a:off x="2002088" y="4042442"/>
+            <a:ext cx="1191792" cy="1135341"/>
+          </a:xfrm>
+          <a:prstGeom prst="roundRect">
+            <a:avLst>
+              <a:gd name="adj" fmla="val 11156"/>
+            </a:avLst>
+          </a:prstGeom>
+          <a:solidFill>
+            <a:srgbClr val="FFFFFF"/>
+          </a:solidFill>
+          <a:ln w="57150">
+            <a:solidFill>
+              <a:srgbClr val="FFFFFF"/>
+            </a:solidFill>
+          </a:ln>
+        </p:spPr>
+        <p:style>
+          <a:lnRef idx="2">
+            <a:schemeClr val="accent1">
+              <a:shade val="50000"/>
+            </a:schemeClr>
+          </a:lnRef>
+          <a:fillRef idx="1">
+            <a:schemeClr val="accent1"/>
+          </a:fillRef>
+          <a:effectRef idx="0">
+            <a:schemeClr val="accent1"/>
+          </a:effectRef>
+          <a:fontRef idx="minor">
+            <a:schemeClr val="lt1"/>
+          </a:fontRef>
+        </p:style>
+        <p:txBody>
+          <a:bodyPr rtlCol="0" anchor="ctr"/>
+          <a:lstStyle/>
+          <a:p>
+            <a:pPr algn="ctr"/>
+            <a:endParaRPr lang="fr-FR"/>
+          </a:p>
+        </p:txBody>
+      </p:sp>
+      <p:sp>
+        <p:nvSpPr>
+          <p:cNvPr id="93" name="Rectangle à coins arrondis 92"/>
+          <p:cNvSpPr/>
+          <p:nvPr/>
+        </p:nvSpPr>
+        <p:spPr>
+          <a:xfrm>
+            <a:off x="3428578" y="4090283"/>
+            <a:ext cx="1191792" cy="1135341"/>
+          </a:xfrm>
+          <a:prstGeom prst="roundRect">
+            <a:avLst>
+              <a:gd name="adj" fmla="val 11156"/>
+            </a:avLst>
+          </a:prstGeom>
+          <a:solidFill>
+            <a:srgbClr val="FFFFFF"/>
+          </a:solidFill>
+          <a:ln w="57150">
+            <a:solidFill>
+              <a:srgbClr val="FFFFFF"/>
+            </a:solidFill>
+          </a:ln>
+        </p:spPr>
+        <p:style>
+          <a:lnRef idx="2">
+            <a:schemeClr val="accent1">
+              <a:shade val="50000"/>
+            </a:schemeClr>
+          </a:lnRef>
+          <a:fillRef idx="1">
+            <a:schemeClr val="accent1"/>
+          </a:fillRef>
+          <a:effectRef idx="0">
+            <a:schemeClr val="accent1"/>
+          </a:effectRef>
+          <a:fontRef idx="minor">
+            <a:schemeClr val="lt1"/>
+          </a:fontRef>
+        </p:style>
+        <p:txBody>
+          <a:bodyPr rtlCol="0" anchor="ctr"/>
+          <a:lstStyle/>
+          <a:p>
+            <a:pPr algn="ctr"/>
+            <a:endParaRPr lang="fr-FR"/>
+          </a:p>
+        </p:txBody>
+      </p:sp>
+      <p:sp>
+        <p:nvSpPr>
+          <p:cNvPr id="94" name="Rectangle à coins arrondis 93"/>
+          <p:cNvSpPr/>
+          <p:nvPr/>
+        </p:nvSpPr>
+        <p:spPr>
+          <a:xfrm>
+            <a:off x="4873313" y="4093041"/>
+            <a:ext cx="1191792" cy="1135341"/>
+          </a:xfrm>
+          <a:prstGeom prst="roundRect">
+            <a:avLst>
+              <a:gd name="adj" fmla="val 11156"/>
+            </a:avLst>
+          </a:prstGeom>
+          <a:solidFill>
+            <a:srgbClr val="FFFFFF"/>
+          </a:solidFill>
+          <a:ln w="57150">
+            <a:solidFill>
+              <a:srgbClr val="FFFFFF"/>
+            </a:solidFill>
+          </a:ln>
+        </p:spPr>
+        <p:style>
+          <a:lnRef idx="2">
+            <a:schemeClr val="accent1">
+              <a:shade val="50000"/>
+            </a:schemeClr>
+          </a:lnRef>
+          <a:fillRef idx="1">
+            <a:schemeClr val="accent1"/>
+          </a:fillRef>
+          <a:effectRef idx="0">
+            <a:schemeClr val="accent1"/>
+          </a:effectRef>
+          <a:fontRef idx="minor">
+            <a:schemeClr val="lt1"/>
+          </a:fontRef>
+        </p:style>
+        <p:txBody>
+          <a:bodyPr rtlCol="0" anchor="ctr"/>
+          <a:lstStyle/>
+          <a:p>
+            <a:pPr algn="ctr"/>
+            <a:endParaRPr lang="fr-FR"/>
+          </a:p>
+        </p:txBody>
+      </p:sp>
+      <p:sp>
+        <p:nvSpPr>
+          <p:cNvPr id="95" name="Rectangle à coins arrondis 94"/>
+          <p:cNvSpPr/>
+          <p:nvPr/>
+        </p:nvSpPr>
+        <p:spPr>
+          <a:xfrm>
+            <a:off x="6334976" y="4080232"/>
+            <a:ext cx="1191792" cy="1135341"/>
+          </a:xfrm>
+          <a:prstGeom prst="roundRect">
+            <a:avLst>
+              <a:gd name="adj" fmla="val 11156"/>
+            </a:avLst>
+          </a:prstGeom>
+          <a:solidFill>
+            <a:srgbClr val="FFFFFF"/>
+          </a:solidFill>
+          <a:ln w="57150">
+            <a:solidFill>
+              <a:srgbClr val="FFFFFF"/>
+            </a:solidFill>
+          </a:ln>
+        </p:spPr>
+        <p:style>
+          <a:lnRef idx="2">
+            <a:schemeClr val="accent1">
+              <a:shade val="50000"/>
+            </a:schemeClr>
+          </a:lnRef>
+          <a:fillRef idx="1">
+            <a:schemeClr val="accent1"/>
+          </a:fillRef>
+          <a:effectRef idx="0">
+            <a:schemeClr val="accent1"/>
+          </a:effectRef>
+          <a:fontRef idx="minor">
+            <a:schemeClr val="lt1"/>
+          </a:fontRef>
+        </p:style>
+        <p:txBody>
+          <a:bodyPr rtlCol="0" anchor="ctr"/>
+          <a:lstStyle/>
+          <a:p>
+            <a:pPr algn="ctr"/>
+            <a:endParaRPr lang="fr-FR"/>
+          </a:p>
+        </p:txBody>
+      </p:sp>
+      <p:sp>
+        <p:nvSpPr>
+          <p:cNvPr id="53" name="Rectangle 52"/>
+          <p:cNvSpPr/>
+          <p:nvPr/>
+        </p:nvSpPr>
+        <p:spPr>
+          <a:xfrm>
+            <a:off x="47632" y="6100302"/>
+            <a:ext cx="12053089" cy="717739"/>
+          </a:xfrm>
+          <a:prstGeom prst="rect">
+            <a:avLst/>
+          </a:prstGeom>
+          <a:solidFill>
+            <a:srgbClr val="FFFE3C"/>
+          </a:solidFill>
+          <a:ln w="57150">
+            <a:solidFill>
+              <a:srgbClr val="FFFE3C"/>
+            </a:solidFill>
+          </a:ln>
+        </p:spPr>
+        <p:style>
+          <a:lnRef idx="2">
+            <a:schemeClr val="accent1">
+              <a:shade val="50000"/>
+            </a:schemeClr>
+          </a:lnRef>
+          <a:fillRef idx="1">
+            <a:schemeClr val="accent1"/>
+          </a:fillRef>
+          <a:effectRef idx="0">
+            <a:schemeClr val="accent1"/>
+          </a:effectRef>
+          <a:fontRef idx="minor">
+            <a:schemeClr val="lt1"/>
+          </a:fontRef>
+        </p:style>
+        <p:txBody>
+          <a:bodyPr rtlCol="0" anchor="ctr"/>
+          <a:lstStyle/>
+          <a:p>
+            <a:pPr algn="ctr"/>
+            <a:endParaRPr lang="fr-FR"/>
+          </a:p>
+        </p:txBody>
+      </p:sp>
+      <p:sp>
+        <p:nvSpPr>
+          <p:cNvPr id="54" name="ZoneTexte 53"/>
+          <p:cNvSpPr txBox="1"/>
+          <p:nvPr/>
+        </p:nvSpPr>
+        <p:spPr>
+          <a:xfrm>
+            <a:off x="4873313" y="-63838"/>
+            <a:ext cx="680598" cy="584775"/>
+          </a:xfrm>
+          <a:prstGeom prst="rect">
+            <a:avLst/>
+          </a:prstGeom>
+          <a:noFill/>
+        </p:spPr>
+        <p:txBody>
+          <a:bodyPr wrap="square" rtlCol="0">
+            <a:spAutoFit/>
+          </a:bodyPr>
+          <a:lstStyle/>
+          <a:p>
+            <a:pPr algn="ctr"/>
+            <a:r>
+              <a:rPr lang="fr-FR" sz="3200" dirty="0" smtClean="0">
+                <a:solidFill>
+                  <a:srgbClr val="FFFFFF"/>
+                </a:solidFill>
+                <a:latin typeface="Arial Black" panose="020B0A04020102020204" pitchFamily="34" charset="0"/>
+              </a:rPr>
+              <a:t>1</a:t>
+            </a:r>
+            <a:endParaRPr lang="fr-FR" sz="3200" dirty="0">
+              <a:solidFill>
+                <a:srgbClr val="FFFFFF"/>
+              </a:solidFill>
+              <a:latin typeface="Arial Black" panose="020B0A04020102020204" pitchFamily="34" charset="0"/>
+            </a:endParaRPr>
+          </a:p>
+        </p:txBody>
+      </p:sp>
+      <p:sp>
+        <p:nvSpPr>
+          <p:cNvPr id="90" name="ZoneTexte 89"/>
+          <p:cNvSpPr txBox="1"/>
+          <p:nvPr/>
+        </p:nvSpPr>
+        <p:spPr>
+          <a:xfrm>
+            <a:off x="470793" y="895841"/>
+            <a:ext cx="680598" cy="584775"/>
+          </a:xfrm>
+          <a:prstGeom prst="rect">
+            <a:avLst/>
+          </a:prstGeom>
+          <a:noFill/>
+        </p:spPr>
+        <p:txBody>
+          <a:bodyPr wrap="square" rtlCol="0">
+            <a:spAutoFit/>
+          </a:bodyPr>
+          <a:lstStyle/>
+          <a:p>
+            <a:pPr algn="ctr"/>
+            <a:r>
+              <a:rPr lang="fr-FR" sz="3200" dirty="0" smtClean="0">
+                <a:latin typeface="Arial Black" panose="020B0A04020102020204" pitchFamily="34" charset="0"/>
+              </a:rPr>
+              <a:t>2</a:t>
+            </a:r>
+            <a:endParaRPr lang="fr-FR" sz="3200" dirty="0">
+              <a:latin typeface="Arial Black" panose="020B0A04020102020204" pitchFamily="34" charset="0"/>
+            </a:endParaRPr>
+          </a:p>
+        </p:txBody>
+      </p:sp>
+      <p:sp>
+        <p:nvSpPr>
+          <p:cNvPr id="96" name="ZoneTexte 95"/>
+          <p:cNvSpPr txBox="1"/>
+          <p:nvPr/>
+        </p:nvSpPr>
+        <p:spPr>
+          <a:xfrm>
+            <a:off x="4562752" y="1576520"/>
+            <a:ext cx="680598" cy="584775"/>
+          </a:xfrm>
+          <a:prstGeom prst="rect">
+            <a:avLst/>
+          </a:prstGeom>
+          <a:noFill/>
+        </p:spPr>
+        <p:txBody>
+          <a:bodyPr wrap="square" rtlCol="0">
+            <a:spAutoFit/>
+          </a:bodyPr>
+          <a:lstStyle/>
+          <a:p>
+            <a:pPr algn="ctr"/>
+            <a:r>
+              <a:rPr lang="fr-FR" sz="3200" dirty="0" smtClean="0">
+                <a:solidFill>
+                  <a:srgbClr val="FFFFFF"/>
+                </a:solidFill>
+                <a:latin typeface="Arial Black" panose="020B0A04020102020204" pitchFamily="34" charset="0"/>
+              </a:rPr>
+              <a:t>3</a:t>
+            </a:r>
+            <a:endParaRPr lang="fr-FR" sz="3200" dirty="0">
+              <a:solidFill>
+                <a:srgbClr val="FFFFFF"/>
+              </a:solidFill>
+              <a:latin typeface="Arial Black" panose="020B0A04020102020204" pitchFamily="34" charset="0"/>
+            </a:endParaRPr>
+          </a:p>
+        </p:txBody>
+      </p:sp>
+      <p:sp>
+        <p:nvSpPr>
+          <p:cNvPr id="97" name="ZoneTexte 96"/>
+          <p:cNvSpPr txBox="1"/>
+          <p:nvPr/>
+        </p:nvSpPr>
+        <p:spPr>
+          <a:xfrm>
+            <a:off x="592794" y="3646423"/>
+            <a:ext cx="680598" cy="584775"/>
+          </a:xfrm>
+          <a:prstGeom prst="rect">
+            <a:avLst/>
+          </a:prstGeom>
+          <a:noFill/>
+        </p:spPr>
+        <p:txBody>
+          <a:bodyPr wrap="square" rtlCol="0">
+            <a:spAutoFit/>
+          </a:bodyPr>
+          <a:lstStyle/>
+          <a:p>
+            <a:pPr algn="ctr"/>
+            <a:r>
+              <a:rPr lang="fr-FR" sz="3200" dirty="0" smtClean="0">
+                <a:solidFill>
+                  <a:srgbClr val="FFFFFF"/>
+                </a:solidFill>
+                <a:latin typeface="Arial Black" panose="020B0A04020102020204" pitchFamily="34" charset="0"/>
+              </a:rPr>
+              <a:t>4</a:t>
+            </a:r>
+            <a:endParaRPr lang="fr-FR" sz="3200" dirty="0">
+              <a:solidFill>
+                <a:srgbClr val="FFFFFF"/>
+              </a:solidFill>
+              <a:latin typeface="Arial Black" panose="020B0A04020102020204" pitchFamily="34" charset="0"/>
+            </a:endParaRPr>
+          </a:p>
+        </p:txBody>
+      </p:sp>
+      <p:sp>
+        <p:nvSpPr>
+          <p:cNvPr id="98" name="ZoneTexte 97"/>
+          <p:cNvSpPr txBox="1"/>
+          <p:nvPr/>
+        </p:nvSpPr>
+        <p:spPr>
+          <a:xfrm>
+            <a:off x="9595596" y="890667"/>
+            <a:ext cx="680598" cy="584775"/>
+          </a:xfrm>
+          <a:prstGeom prst="rect">
+            <a:avLst/>
+          </a:prstGeom>
+          <a:noFill/>
+        </p:spPr>
+        <p:txBody>
+          <a:bodyPr wrap="square" rtlCol="0">
+            <a:spAutoFit/>
+          </a:bodyPr>
+          <a:lstStyle/>
+          <a:p>
+            <a:pPr algn="ctr"/>
+            <a:r>
+              <a:rPr lang="fr-FR" sz="3200" dirty="0" smtClean="0">
+                <a:solidFill>
+                  <a:srgbClr val="FFFFFF"/>
+                </a:solidFill>
+                <a:latin typeface="Arial Black" panose="020B0A04020102020204" pitchFamily="34" charset="0"/>
+              </a:rPr>
+              <a:t>5</a:t>
+            </a:r>
+            <a:endParaRPr lang="fr-FR" sz="3200" dirty="0">
+              <a:solidFill>
+                <a:srgbClr val="FFFFFF"/>
+              </a:solidFill>
+              <a:latin typeface="Arial Black" panose="020B0A04020102020204" pitchFamily="34" charset="0"/>
+            </a:endParaRPr>
+          </a:p>
+        </p:txBody>
+      </p:sp>
+      <p:sp>
+        <p:nvSpPr>
+          <p:cNvPr id="99" name="ZoneTexte 98"/>
+          <p:cNvSpPr txBox="1"/>
+          <p:nvPr/>
+        </p:nvSpPr>
+        <p:spPr>
+          <a:xfrm>
+            <a:off x="8529623" y="2681064"/>
+            <a:ext cx="680598" cy="584775"/>
+          </a:xfrm>
+          <a:prstGeom prst="rect">
+            <a:avLst/>
+          </a:prstGeom>
+          <a:noFill/>
+        </p:spPr>
+        <p:txBody>
+          <a:bodyPr wrap="square" rtlCol="0">
+            <a:spAutoFit/>
+          </a:bodyPr>
+          <a:lstStyle/>
+          <a:p>
+            <a:pPr algn="ctr"/>
+            <a:r>
+              <a:rPr lang="fr-FR" sz="3200" dirty="0" smtClean="0">
+                <a:solidFill>
+                  <a:srgbClr val="FFFFFF"/>
+                </a:solidFill>
+                <a:latin typeface="Arial Black" panose="020B0A04020102020204" pitchFamily="34" charset="0"/>
+              </a:rPr>
+              <a:t>6</a:t>
+            </a:r>
+            <a:endParaRPr lang="fr-FR" sz="3200" dirty="0">
+              <a:solidFill>
+                <a:srgbClr val="FFFFFF"/>
+              </a:solidFill>
+              <a:latin typeface="Arial Black" panose="020B0A04020102020204" pitchFamily="34" charset="0"/>
+            </a:endParaRPr>
+          </a:p>
+        </p:txBody>
+      </p:sp>
+      <p:sp>
+        <p:nvSpPr>
+          <p:cNvPr id="100" name="ZoneTexte 99"/>
+          <p:cNvSpPr txBox="1"/>
+          <p:nvPr/>
+        </p:nvSpPr>
+        <p:spPr>
+          <a:xfrm>
+            <a:off x="10650268" y="2729975"/>
+            <a:ext cx="680598" cy="584775"/>
+          </a:xfrm>
+          <a:prstGeom prst="rect">
+            <a:avLst/>
+          </a:prstGeom>
+          <a:noFill/>
+        </p:spPr>
+        <p:txBody>
+          <a:bodyPr wrap="square" rtlCol="0">
+            <a:spAutoFit/>
+          </a:bodyPr>
+          <a:lstStyle/>
+          <a:p>
+            <a:pPr algn="ctr"/>
+            <a:r>
+              <a:rPr lang="fr-FR" sz="3200" dirty="0" smtClean="0">
+                <a:solidFill>
+                  <a:srgbClr val="FFFFFF"/>
+                </a:solidFill>
+                <a:latin typeface="Arial Black" panose="020B0A04020102020204" pitchFamily="34" charset="0"/>
+              </a:rPr>
+              <a:t>6</a:t>
+            </a:r>
+            <a:endParaRPr lang="fr-FR" sz="3200" dirty="0">
+              <a:solidFill>
+                <a:srgbClr val="FFFFFF"/>
+              </a:solidFill>
+              <a:latin typeface="Arial Black" panose="020B0A04020102020204" pitchFamily="34" charset="0"/>
+            </a:endParaRPr>
+          </a:p>
+        </p:txBody>
+      </p:sp>
+      <p:sp>
+        <p:nvSpPr>
+          <p:cNvPr id="104" name="ZoneTexte 103"/>
+          <p:cNvSpPr txBox="1"/>
+          <p:nvPr/>
+        </p:nvSpPr>
+        <p:spPr>
+          <a:xfrm>
+            <a:off x="3615635" y="4425609"/>
+            <a:ext cx="680598" cy="584775"/>
+          </a:xfrm>
+          <a:prstGeom prst="rect">
+            <a:avLst/>
+          </a:prstGeom>
+          <a:noFill/>
+        </p:spPr>
+        <p:txBody>
+          <a:bodyPr wrap="square" rtlCol="0">
+            <a:spAutoFit/>
+          </a:bodyPr>
+          <a:lstStyle/>
+          <a:p>
+            <a:pPr algn="ctr"/>
+            <a:r>
+              <a:rPr lang="fr-FR" sz="3200" dirty="0" smtClean="0">
+                <a:latin typeface="Arial Black" panose="020B0A04020102020204" pitchFamily="34" charset="0"/>
+              </a:rPr>
+              <a:t>7</a:t>
+            </a:r>
+            <a:endParaRPr lang="fr-FR" sz="3200" dirty="0">
+              <a:latin typeface="Arial Black" panose="020B0A04020102020204" pitchFamily="34" charset="0"/>
+            </a:endParaRPr>
+          </a:p>
+        </p:txBody>
+      </p:sp>
+      <p:sp>
+        <p:nvSpPr>
+          <p:cNvPr id="108" name="ZoneTexte 107"/>
+          <p:cNvSpPr txBox="1"/>
+          <p:nvPr/>
+        </p:nvSpPr>
+        <p:spPr>
+          <a:xfrm>
+            <a:off x="2245591" y="4458550"/>
+            <a:ext cx="680598" cy="584775"/>
+          </a:xfrm>
+          <a:prstGeom prst="rect">
+            <a:avLst/>
+          </a:prstGeom>
+          <a:noFill/>
+        </p:spPr>
+        <p:txBody>
+          <a:bodyPr wrap="square" rtlCol="0">
+            <a:spAutoFit/>
+          </a:bodyPr>
+          <a:lstStyle/>
+          <a:p>
+            <a:pPr algn="ctr"/>
+            <a:r>
+              <a:rPr lang="fr-FR" sz="3200" dirty="0" smtClean="0">
+                <a:latin typeface="Arial Black" panose="020B0A04020102020204" pitchFamily="34" charset="0"/>
+              </a:rPr>
+              <a:t>7</a:t>
+            </a:r>
+            <a:endParaRPr lang="fr-FR" sz="3200" dirty="0">
+              <a:latin typeface="Arial Black" panose="020B0A04020102020204" pitchFamily="34" charset="0"/>
+            </a:endParaRPr>
+          </a:p>
+        </p:txBody>
+      </p:sp>
+      <p:sp>
+        <p:nvSpPr>
+          <p:cNvPr id="115" name="ZoneTexte 114"/>
+          <p:cNvSpPr txBox="1"/>
+          <p:nvPr/>
+        </p:nvSpPr>
+        <p:spPr>
+          <a:xfrm>
+            <a:off x="5067989" y="4493886"/>
+            <a:ext cx="680598" cy="584775"/>
+          </a:xfrm>
+          <a:prstGeom prst="rect">
+            <a:avLst/>
+          </a:prstGeom>
+          <a:noFill/>
+        </p:spPr>
+        <p:txBody>
+          <a:bodyPr wrap="square" rtlCol="0">
+            <a:spAutoFit/>
+          </a:bodyPr>
+          <a:lstStyle/>
+          <a:p>
+            <a:pPr algn="ctr"/>
+            <a:r>
+              <a:rPr lang="fr-FR" sz="3200" dirty="0" smtClean="0">
+                <a:latin typeface="Arial Black" panose="020B0A04020102020204" pitchFamily="34" charset="0"/>
+              </a:rPr>
+              <a:t>7</a:t>
+            </a:r>
+            <a:endParaRPr lang="fr-FR" sz="3200" dirty="0">
+              <a:latin typeface="Arial Black" panose="020B0A04020102020204" pitchFamily="34" charset="0"/>
+            </a:endParaRPr>
+          </a:p>
+        </p:txBody>
+      </p:sp>
+      <p:sp>
+        <p:nvSpPr>
+          <p:cNvPr id="117" name="ZoneTexte 116"/>
+          <p:cNvSpPr txBox="1"/>
+          <p:nvPr/>
+        </p:nvSpPr>
+        <p:spPr>
+          <a:xfrm>
+            <a:off x="6468535" y="4475941"/>
+            <a:ext cx="680598" cy="584775"/>
+          </a:xfrm>
+          <a:prstGeom prst="rect">
+            <a:avLst/>
+          </a:prstGeom>
+          <a:noFill/>
+        </p:spPr>
+        <p:txBody>
+          <a:bodyPr wrap="square" rtlCol="0">
+            <a:spAutoFit/>
+          </a:bodyPr>
+          <a:lstStyle/>
+          <a:p>
+            <a:pPr algn="ctr"/>
+            <a:r>
+              <a:rPr lang="fr-FR" sz="3200" dirty="0" smtClean="0">
+                <a:latin typeface="Arial Black" panose="020B0A04020102020204" pitchFamily="34" charset="0"/>
+              </a:rPr>
+              <a:t>7</a:t>
+            </a:r>
+            <a:endParaRPr lang="fr-FR" sz="3200" dirty="0">
+              <a:latin typeface="Arial Black" panose="020B0A04020102020204" pitchFamily="34" charset="0"/>
+            </a:endParaRPr>
+          </a:p>
+        </p:txBody>
+      </p:sp>
+      <p:sp>
+        <p:nvSpPr>
+          <p:cNvPr id="118" name="ZoneTexte 117"/>
+          <p:cNvSpPr txBox="1"/>
+          <p:nvPr/>
+        </p:nvSpPr>
+        <p:spPr>
+          <a:xfrm>
+            <a:off x="5391676" y="6201488"/>
+            <a:ext cx="680598" cy="584775"/>
+          </a:xfrm>
+          <a:prstGeom prst="rect">
+            <a:avLst/>
+          </a:prstGeom>
+          <a:noFill/>
+        </p:spPr>
+        <p:txBody>
+          <a:bodyPr wrap="square" rtlCol="0">
+            <a:spAutoFit/>
+          </a:bodyPr>
+          <a:lstStyle/>
+          <a:p>
+            <a:pPr algn="ctr"/>
+            <a:r>
+              <a:rPr lang="fr-FR" sz="3200" dirty="0" smtClean="0">
+                <a:latin typeface="Arial Black" panose="020B0A04020102020204" pitchFamily="34" charset="0"/>
+              </a:rPr>
+              <a:t>8</a:t>
+            </a:r>
+            <a:endParaRPr lang="fr-FR" sz="3200" dirty="0">
+              <a:latin typeface="Arial Black" panose="020B0A04020102020204" pitchFamily="34" charset="0"/>
+            </a:endParaRPr>
           </a:p>
         </p:txBody>
       </p:sp>
     </p:spTree>
     <p:extLst>
       <p:ext uri="{BB962C8B-B14F-4D97-AF65-F5344CB8AC3E}">
-        <p14:creationId xmlns:p14="http://schemas.microsoft.com/office/powerpoint/2010/main" val="2670636756"/>
+        <p14:creationId xmlns:p14="http://schemas.microsoft.com/office/powerpoint/2010/main" val="3668345416"/>
       </p:ext>
     </p:extLst>
   </p:cSld>
@@ -29518,6 +29937,650 @@
             <p:ph type="title"/>
           </p:nvPr>
         </p:nvSpPr>
+        <p:spPr>
+          <a:xfrm>
+            <a:off x="644284" y="-45196"/>
+            <a:ext cx="10515600" cy="1009728"/>
+          </a:xfrm>
+        </p:spPr>
+        <p:txBody>
+          <a:bodyPr/>
+          <a:lstStyle/>
+          <a:p>
+            <a:pPr algn="ctr"/>
+            <a:r>
+              <a:rPr lang="fr-FR" b="1" dirty="0" smtClean="0">
+                <a:solidFill>
+                  <a:srgbClr val="2A2A32"/>
+                </a:solidFill>
+              </a:rPr>
+              <a:t>Color palette </a:t>
+            </a:r>
+            <a:endParaRPr lang="fr-FR" b="1" dirty="0">
+              <a:solidFill>
+                <a:srgbClr val="2A2A32"/>
+              </a:solidFill>
+            </a:endParaRPr>
+          </a:p>
+        </p:txBody>
+      </p:sp>
+      <p:sp>
+        <p:nvSpPr>
+          <p:cNvPr id="4" name="Ellipse 3"/>
+          <p:cNvSpPr/>
+          <p:nvPr/>
+        </p:nvSpPr>
+        <p:spPr>
+          <a:xfrm>
+            <a:off x="2533071" y="4105407"/>
+            <a:ext cx="2251881" cy="2197289"/>
+          </a:xfrm>
+          <a:prstGeom prst="ellipse">
+            <a:avLst/>
+          </a:prstGeom>
+          <a:solidFill>
+            <a:srgbClr val="E6EAEE"/>
+          </a:solidFill>
+          <a:ln>
+            <a:noFill/>
+          </a:ln>
+        </p:spPr>
+        <p:style>
+          <a:lnRef idx="2">
+            <a:schemeClr val="accent1">
+              <a:shade val="50000"/>
+            </a:schemeClr>
+          </a:lnRef>
+          <a:fillRef idx="1">
+            <a:schemeClr val="accent1"/>
+          </a:fillRef>
+          <a:effectRef idx="0">
+            <a:schemeClr val="accent1"/>
+          </a:effectRef>
+          <a:fontRef idx="minor">
+            <a:schemeClr val="lt1"/>
+          </a:fontRef>
+        </p:style>
+        <p:txBody>
+          <a:bodyPr rtlCol="0" anchor="ctr"/>
+          <a:lstStyle/>
+          <a:p>
+            <a:pPr algn="ctr"/>
+            <a:endParaRPr lang="fr-FR"/>
+          </a:p>
+        </p:txBody>
+      </p:sp>
+      <p:sp>
+        <p:nvSpPr>
+          <p:cNvPr id="5" name="Ellipse 4"/>
+          <p:cNvSpPr/>
+          <p:nvPr/>
+        </p:nvSpPr>
+        <p:spPr>
+          <a:xfrm>
+            <a:off x="4497502" y="2326797"/>
+            <a:ext cx="3382371" cy="3204948"/>
+          </a:xfrm>
+          <a:prstGeom prst="ellipse">
+            <a:avLst/>
+          </a:prstGeom>
+          <a:solidFill>
+            <a:srgbClr val="373742"/>
+          </a:solidFill>
+          <a:ln>
+            <a:noFill/>
+          </a:ln>
+        </p:spPr>
+        <p:style>
+          <a:lnRef idx="2">
+            <a:schemeClr val="accent1">
+              <a:shade val="50000"/>
+            </a:schemeClr>
+          </a:lnRef>
+          <a:fillRef idx="1">
+            <a:schemeClr val="accent1"/>
+          </a:fillRef>
+          <a:effectRef idx="0">
+            <a:schemeClr val="accent1"/>
+          </a:effectRef>
+          <a:fontRef idx="minor">
+            <a:schemeClr val="lt1"/>
+          </a:fontRef>
+        </p:style>
+        <p:txBody>
+          <a:bodyPr rtlCol="0" anchor="ctr"/>
+          <a:lstStyle/>
+          <a:p>
+            <a:pPr algn="ctr"/>
+            <a:endParaRPr lang="fr-FR"/>
+          </a:p>
+        </p:txBody>
+      </p:sp>
+      <p:sp>
+        <p:nvSpPr>
+          <p:cNvPr id="6" name="Ellipse 5"/>
+          <p:cNvSpPr/>
+          <p:nvPr/>
+        </p:nvSpPr>
+        <p:spPr>
+          <a:xfrm>
+            <a:off x="7576780" y="4135950"/>
+            <a:ext cx="2251881" cy="2197289"/>
+          </a:xfrm>
+          <a:prstGeom prst="ellipse">
+            <a:avLst/>
+          </a:prstGeom>
+          <a:solidFill>
+            <a:srgbClr val="4A4A58"/>
+          </a:solidFill>
+          <a:ln>
+            <a:noFill/>
+          </a:ln>
+        </p:spPr>
+        <p:style>
+          <a:lnRef idx="2">
+            <a:schemeClr val="accent1">
+              <a:shade val="50000"/>
+            </a:schemeClr>
+          </a:lnRef>
+          <a:fillRef idx="1">
+            <a:schemeClr val="accent1"/>
+          </a:fillRef>
+          <a:effectRef idx="0">
+            <a:schemeClr val="accent1"/>
+          </a:effectRef>
+          <a:fontRef idx="minor">
+            <a:schemeClr val="lt1"/>
+          </a:fontRef>
+        </p:style>
+        <p:txBody>
+          <a:bodyPr rtlCol="0" anchor="ctr"/>
+          <a:lstStyle/>
+          <a:p>
+            <a:pPr algn="ctr"/>
+            <a:endParaRPr lang="fr-FR"/>
+          </a:p>
+        </p:txBody>
+      </p:sp>
+      <p:sp>
+        <p:nvSpPr>
+          <p:cNvPr id="7" name="ZoneTexte 6"/>
+          <p:cNvSpPr txBox="1"/>
+          <p:nvPr/>
+        </p:nvSpPr>
+        <p:spPr>
+          <a:xfrm>
+            <a:off x="2724140" y="4700222"/>
+            <a:ext cx="2060811" cy="369332"/>
+          </a:xfrm>
+          <a:prstGeom prst="rect">
+            <a:avLst/>
+          </a:prstGeom>
+          <a:noFill/>
+        </p:spPr>
+        <p:txBody>
+          <a:bodyPr wrap="square" rtlCol="0">
+            <a:spAutoFit/>
+          </a:bodyPr>
+          <a:lstStyle/>
+          <a:p>
+            <a:r>
+              <a:rPr lang="fr-FR" b="1" dirty="0"/>
+              <a:t>#E6EAEE#E6EAEE</a:t>
+            </a:r>
+          </a:p>
+        </p:txBody>
+      </p:sp>
+      <p:sp>
+        <p:nvSpPr>
+          <p:cNvPr id="8" name="ZoneTexte 7"/>
+          <p:cNvSpPr txBox="1"/>
+          <p:nvPr/>
+        </p:nvSpPr>
+        <p:spPr>
+          <a:xfrm>
+            <a:off x="2732101" y="5208032"/>
+            <a:ext cx="2060811" cy="369332"/>
+          </a:xfrm>
+          <a:prstGeom prst="rect">
+            <a:avLst/>
+          </a:prstGeom>
+          <a:noFill/>
+        </p:spPr>
+        <p:txBody>
+          <a:bodyPr wrap="square" rtlCol="0">
+            <a:spAutoFit/>
+          </a:bodyPr>
+          <a:lstStyle/>
+          <a:p>
+            <a:r>
+              <a:rPr lang="fr-FR" b="1" dirty="0"/>
+              <a:t>rgb(230, 234, 238)</a:t>
+            </a:r>
+          </a:p>
+        </p:txBody>
+      </p:sp>
+      <p:sp>
+        <p:nvSpPr>
+          <p:cNvPr id="9" name="ZoneTexte 8"/>
+          <p:cNvSpPr txBox="1"/>
+          <p:nvPr/>
+        </p:nvSpPr>
+        <p:spPr>
+          <a:xfrm>
+            <a:off x="5173638" y="4621747"/>
+            <a:ext cx="2060811" cy="369332"/>
+          </a:xfrm>
+          <a:prstGeom prst="rect">
+            <a:avLst/>
+          </a:prstGeom>
+          <a:noFill/>
+        </p:spPr>
+        <p:txBody>
+          <a:bodyPr wrap="square" rtlCol="0">
+            <a:spAutoFit/>
+          </a:bodyPr>
+          <a:lstStyle/>
+          <a:p>
+            <a:pPr algn="ctr"/>
+            <a:r>
+              <a:rPr lang="fr-FR" b="1" dirty="0" smtClean="0">
+                <a:solidFill>
+                  <a:schemeClr val="bg1"/>
+                </a:solidFill>
+              </a:rPr>
+              <a:t>rgb(55, 55, 66)</a:t>
+            </a:r>
+            <a:endParaRPr lang="fr-FR" b="1" dirty="0">
+              <a:solidFill>
+                <a:schemeClr val="bg1"/>
+              </a:solidFill>
+            </a:endParaRPr>
+          </a:p>
+        </p:txBody>
+      </p:sp>
+      <p:sp>
+        <p:nvSpPr>
+          <p:cNvPr id="10" name="ZoneTexte 9"/>
+          <p:cNvSpPr txBox="1"/>
+          <p:nvPr/>
+        </p:nvSpPr>
+        <p:spPr>
+          <a:xfrm>
+            <a:off x="5173637" y="3149790"/>
+            <a:ext cx="2060811" cy="369332"/>
+          </a:xfrm>
+          <a:prstGeom prst="rect">
+            <a:avLst/>
+          </a:prstGeom>
+          <a:noFill/>
+        </p:spPr>
+        <p:txBody>
+          <a:bodyPr wrap="square" rtlCol="0">
+            <a:spAutoFit/>
+          </a:bodyPr>
+          <a:lstStyle/>
+          <a:p>
+            <a:pPr algn="ctr"/>
+            <a:r>
+              <a:rPr lang="fr-FR" b="1" dirty="0">
+                <a:solidFill>
+                  <a:schemeClr val="bg1"/>
+                </a:solidFill>
+              </a:rPr>
+              <a:t>#</a:t>
+            </a:r>
+            <a:r>
+              <a:rPr lang="fr-FR" b="1" dirty="0" smtClean="0">
+                <a:solidFill>
+                  <a:schemeClr val="bg1"/>
+                </a:solidFill>
+              </a:rPr>
+              <a:t>373742</a:t>
+            </a:r>
+            <a:endParaRPr lang="fr-FR" b="1" dirty="0">
+              <a:solidFill>
+                <a:schemeClr val="bg1"/>
+              </a:solidFill>
+            </a:endParaRPr>
+          </a:p>
+        </p:txBody>
+      </p:sp>
+      <p:sp>
+        <p:nvSpPr>
+          <p:cNvPr id="11" name="ZoneTexte 10"/>
+          <p:cNvSpPr txBox="1"/>
+          <p:nvPr/>
+        </p:nvSpPr>
+        <p:spPr>
+          <a:xfrm>
+            <a:off x="7672314" y="5423241"/>
+            <a:ext cx="2060811" cy="369332"/>
+          </a:xfrm>
+          <a:prstGeom prst="rect">
+            <a:avLst/>
+          </a:prstGeom>
+          <a:noFill/>
+        </p:spPr>
+        <p:txBody>
+          <a:bodyPr wrap="square" rtlCol="0">
+            <a:spAutoFit/>
+          </a:bodyPr>
+          <a:lstStyle/>
+          <a:p>
+            <a:pPr algn="ctr"/>
+            <a:r>
+              <a:rPr lang="fr-FR" b="1" dirty="0">
+                <a:solidFill>
+                  <a:schemeClr val="bg1"/>
+                </a:solidFill>
+              </a:rPr>
+              <a:t>rgb(74, 74, 88)</a:t>
+            </a:r>
+          </a:p>
+        </p:txBody>
+      </p:sp>
+      <p:sp>
+        <p:nvSpPr>
+          <p:cNvPr id="12" name="ZoneTexte 11"/>
+          <p:cNvSpPr txBox="1"/>
+          <p:nvPr/>
+        </p:nvSpPr>
+        <p:spPr>
+          <a:xfrm>
+            <a:off x="7576780" y="4594930"/>
+            <a:ext cx="2060811" cy="369332"/>
+          </a:xfrm>
+          <a:prstGeom prst="rect">
+            <a:avLst/>
+          </a:prstGeom>
+          <a:noFill/>
+        </p:spPr>
+        <p:txBody>
+          <a:bodyPr wrap="square" rtlCol="0">
+            <a:spAutoFit/>
+          </a:bodyPr>
+          <a:lstStyle/>
+          <a:p>
+            <a:pPr algn="ctr"/>
+            <a:r>
+              <a:rPr lang="fr-FR" b="1" dirty="0">
+                <a:solidFill>
+                  <a:schemeClr val="bg1"/>
+                </a:solidFill>
+              </a:rPr>
+              <a:t>#4A4A58</a:t>
+            </a:r>
+          </a:p>
+        </p:txBody>
+      </p:sp>
+      <p:sp>
+        <p:nvSpPr>
+          <p:cNvPr id="14" name="Ellipse 13"/>
+          <p:cNvSpPr/>
+          <p:nvPr/>
+        </p:nvSpPr>
+        <p:spPr>
+          <a:xfrm>
+            <a:off x="7576780" y="1523092"/>
+            <a:ext cx="2251881" cy="2197289"/>
+          </a:xfrm>
+          <a:prstGeom prst="ellipse">
+            <a:avLst/>
+          </a:prstGeom>
+          <a:solidFill>
+            <a:srgbClr val="07CEC9"/>
+          </a:solidFill>
+          <a:ln>
+            <a:noFill/>
+          </a:ln>
+        </p:spPr>
+        <p:style>
+          <a:lnRef idx="2">
+            <a:schemeClr val="accent1">
+              <a:shade val="50000"/>
+            </a:schemeClr>
+          </a:lnRef>
+          <a:fillRef idx="1">
+            <a:schemeClr val="accent1"/>
+          </a:fillRef>
+          <a:effectRef idx="0">
+            <a:schemeClr val="accent1"/>
+          </a:effectRef>
+          <a:fontRef idx="minor">
+            <a:schemeClr val="lt1"/>
+          </a:fontRef>
+        </p:style>
+        <p:txBody>
+          <a:bodyPr rtlCol="0" anchor="ctr"/>
+          <a:lstStyle/>
+          <a:p>
+            <a:pPr algn="ctr"/>
+            <a:endParaRPr lang="fr-FR"/>
+          </a:p>
+        </p:txBody>
+      </p:sp>
+      <p:sp>
+        <p:nvSpPr>
+          <p:cNvPr id="15" name="Ellipse 14"/>
+          <p:cNvSpPr/>
+          <p:nvPr/>
+        </p:nvSpPr>
+        <p:spPr>
+          <a:xfrm>
+            <a:off x="2533071" y="1522549"/>
+            <a:ext cx="2251881" cy="2197289"/>
+          </a:xfrm>
+          <a:prstGeom prst="ellipse">
+            <a:avLst/>
+          </a:prstGeom>
+          <a:solidFill>
+            <a:srgbClr val="2A2A32"/>
+          </a:solidFill>
+          <a:ln>
+            <a:noFill/>
+          </a:ln>
+        </p:spPr>
+        <p:style>
+          <a:lnRef idx="2">
+            <a:schemeClr val="accent1">
+              <a:shade val="50000"/>
+            </a:schemeClr>
+          </a:lnRef>
+          <a:fillRef idx="1">
+            <a:schemeClr val="accent1"/>
+          </a:fillRef>
+          <a:effectRef idx="0">
+            <a:schemeClr val="accent1"/>
+          </a:effectRef>
+          <a:fontRef idx="minor">
+            <a:schemeClr val="lt1"/>
+          </a:fontRef>
+        </p:style>
+        <p:txBody>
+          <a:bodyPr rtlCol="0" anchor="ctr"/>
+          <a:lstStyle/>
+          <a:p>
+            <a:pPr algn="ctr"/>
+            <a:endParaRPr lang="fr-FR"/>
+          </a:p>
+        </p:txBody>
+      </p:sp>
+      <p:sp>
+        <p:nvSpPr>
+          <p:cNvPr id="16" name="ZoneTexte 15"/>
+          <p:cNvSpPr txBox="1"/>
+          <p:nvPr/>
+        </p:nvSpPr>
+        <p:spPr>
+          <a:xfrm>
+            <a:off x="2611832" y="1967427"/>
+            <a:ext cx="2060811" cy="369332"/>
+          </a:xfrm>
+          <a:prstGeom prst="rect">
+            <a:avLst/>
+          </a:prstGeom>
+          <a:noFill/>
+        </p:spPr>
+        <p:txBody>
+          <a:bodyPr wrap="square" rtlCol="0">
+            <a:spAutoFit/>
+          </a:bodyPr>
+          <a:lstStyle/>
+          <a:p>
+            <a:pPr algn="ctr"/>
+            <a:r>
+              <a:rPr lang="fr-FR" b="1" dirty="0">
+                <a:solidFill>
+                  <a:schemeClr val="bg1"/>
+                </a:solidFill>
+              </a:rPr>
+              <a:t>#2A2A32</a:t>
+            </a:r>
+          </a:p>
+        </p:txBody>
+      </p:sp>
+      <p:sp>
+        <p:nvSpPr>
+          <p:cNvPr id="17" name="ZoneTexte 16"/>
+          <p:cNvSpPr txBox="1"/>
+          <p:nvPr/>
+        </p:nvSpPr>
+        <p:spPr>
+          <a:xfrm>
+            <a:off x="2634009" y="2829130"/>
+            <a:ext cx="2060811" cy="369332"/>
+          </a:xfrm>
+          <a:prstGeom prst="rect">
+            <a:avLst/>
+          </a:prstGeom>
+          <a:noFill/>
+        </p:spPr>
+        <p:txBody>
+          <a:bodyPr wrap="square" rtlCol="0">
+            <a:spAutoFit/>
+          </a:bodyPr>
+          <a:lstStyle/>
+          <a:p>
+            <a:pPr algn="ctr"/>
+            <a:r>
+              <a:rPr lang="fr-FR" b="1" dirty="0">
+                <a:solidFill>
+                  <a:schemeClr val="bg1"/>
+                </a:solidFill>
+              </a:rPr>
+              <a:t>rgb(42, 42, 50)</a:t>
+            </a:r>
+          </a:p>
+        </p:txBody>
+      </p:sp>
+      <p:sp>
+        <p:nvSpPr>
+          <p:cNvPr id="18" name="ZoneTexte 17"/>
+          <p:cNvSpPr txBox="1"/>
+          <p:nvPr/>
+        </p:nvSpPr>
+        <p:spPr>
+          <a:xfrm>
+            <a:off x="7672314" y="1987799"/>
+            <a:ext cx="2060811" cy="369332"/>
+          </a:xfrm>
+          <a:prstGeom prst="rect">
+            <a:avLst/>
+          </a:prstGeom>
+          <a:noFill/>
+        </p:spPr>
+        <p:txBody>
+          <a:bodyPr wrap="square" rtlCol="0">
+            <a:spAutoFit/>
+          </a:bodyPr>
+          <a:lstStyle/>
+          <a:p>
+            <a:pPr algn="ctr"/>
+            <a:r>
+              <a:rPr lang="fr-FR" b="1" dirty="0"/>
+              <a:t>#07CEC9</a:t>
+            </a:r>
+          </a:p>
+        </p:txBody>
+      </p:sp>
+      <p:sp>
+        <p:nvSpPr>
+          <p:cNvPr id="19" name="ZoneTexte 18"/>
+          <p:cNvSpPr txBox="1"/>
+          <p:nvPr/>
+        </p:nvSpPr>
+        <p:spPr>
+          <a:xfrm>
+            <a:off x="7767850" y="2799498"/>
+            <a:ext cx="2060811" cy="369332"/>
+          </a:xfrm>
+          <a:prstGeom prst="rect">
+            <a:avLst/>
+          </a:prstGeom>
+          <a:noFill/>
+        </p:spPr>
+        <p:txBody>
+          <a:bodyPr wrap="square" rtlCol="0">
+            <a:spAutoFit/>
+          </a:bodyPr>
+          <a:lstStyle/>
+          <a:p>
+            <a:pPr algn="ctr"/>
+            <a:r>
+              <a:rPr lang="fr-FR" b="1" dirty="0"/>
+              <a:t>rgb(7, 206, 201)</a:t>
+            </a:r>
+          </a:p>
+        </p:txBody>
+      </p:sp>
+    </p:spTree>
+    <p:extLst>
+      <p:ext uri="{BB962C8B-B14F-4D97-AF65-F5344CB8AC3E}">
+        <p14:creationId xmlns:p14="http://schemas.microsoft.com/office/powerpoint/2010/main" val="2670636756"/>
+      </p:ext>
+    </p:extLst>
+  </p:cSld>
+  <p:clrMapOvr>
+    <a:masterClrMapping/>
+  </p:clrMapOvr>
+  <p:timing>
+    <p:tnLst>
+      <p:par>
+        <p:cTn id="1" dur="indefinite" restart="never" nodeType="tmRoot"/>
+      </p:par>
+    </p:tnLst>
+  </p:timing>
+</p:sld>
+</file>
+
+<file path=ppt/slides/slide22.xml><?xml version="1.0" encoding="utf-8"?>
+<p:sld xmlns:a="http://schemas.openxmlformats.org/drawingml/2006/main" xmlns:r="http://schemas.openxmlformats.org/officeDocument/2006/relationships" xmlns:p="http://schemas.openxmlformats.org/presentationml/2006/main">
+  <p:cSld>
+    <p:spTree>
+      <p:nvGrpSpPr>
+        <p:cNvPr id="1" name=""/>
+        <p:cNvGrpSpPr/>
+        <p:nvPr/>
+      </p:nvGrpSpPr>
+      <p:grpSpPr>
+        <a:xfrm>
+          <a:off x="0" y="0"/>
+          <a:ext cx="0" cy="0"/>
+          <a:chOff x="0" y="0"/>
+          <a:chExt cx="0" cy="0"/>
+        </a:xfrm>
+      </p:grpSpPr>
+      <p:sp>
+        <p:nvSpPr>
+          <p:cNvPr id="2" name="Titre 1"/>
+          <p:cNvSpPr>
+            <a:spLocks noGrp="1"/>
+          </p:cNvSpPr>
+          <p:nvPr>
+            <p:ph type="title"/>
+          </p:nvPr>
+        </p:nvSpPr>
         <p:spPr/>
         <p:txBody>
           <a:bodyPr/>
@@ -29588,7 +30651,7 @@
 </p:sld>
 </file>
 
-<file path=ppt/slides/slide22.xml><?xml version="1.0" encoding="utf-8"?>
+<file path=ppt/slides/slide23.xml><?xml version="1.0" encoding="utf-8"?>
 <p:sld xmlns:a="http://schemas.openxmlformats.org/drawingml/2006/main" xmlns:r="http://schemas.openxmlformats.org/officeDocument/2006/relationships" xmlns:p="http://schemas.openxmlformats.org/presentationml/2006/main">
   <p:cSld>
     <p:spTree>

--- a/UI-model/UI design Fortico.pptx
+++ b/UI-model/UI design Fortico.pptx
@@ -225,7 +225,7 @@
           <a:p>
             <a:fld id="{4D4BAD99-9C6E-438B-B6E2-4A70BF6BDDF4}" type="datetimeFigureOut">
               <a:rPr lang="fr-FR" smtClean="0"/>
-              <a:t>18/05/2025</a:t>
+              <a:t>19/05/2025</a:t>
             </a:fld>
             <a:endParaRPr lang="fr-FR"/>
           </a:p>
@@ -1800,7 +1800,7 @@
           <a:p>
             <a:fld id="{5F5282B9-BFE5-4D13-8D8C-5297D4C42E3B}" type="datetimeFigureOut">
               <a:rPr lang="fr-FR" smtClean="0"/>
-              <a:t>18/05/2025</a:t>
+              <a:t>19/05/2025</a:t>
             </a:fld>
             <a:endParaRPr lang="fr-FR"/>
           </a:p>
@@ -1970,7 +1970,7 @@
           <a:p>
             <a:fld id="{5F5282B9-BFE5-4D13-8D8C-5297D4C42E3B}" type="datetimeFigureOut">
               <a:rPr lang="fr-FR" smtClean="0"/>
-              <a:t>18/05/2025</a:t>
+              <a:t>19/05/2025</a:t>
             </a:fld>
             <a:endParaRPr lang="fr-FR"/>
           </a:p>
@@ -2150,7 +2150,7 @@
           <a:p>
             <a:fld id="{5F5282B9-BFE5-4D13-8D8C-5297D4C42E3B}" type="datetimeFigureOut">
               <a:rPr lang="fr-FR" smtClean="0"/>
-              <a:t>18/05/2025</a:t>
+              <a:t>19/05/2025</a:t>
             </a:fld>
             <a:endParaRPr lang="fr-FR"/>
           </a:p>
@@ -2320,7 +2320,7 @@
           <a:p>
             <a:fld id="{5F5282B9-BFE5-4D13-8D8C-5297D4C42E3B}" type="datetimeFigureOut">
               <a:rPr lang="fr-FR" smtClean="0"/>
-              <a:t>18/05/2025</a:t>
+              <a:t>19/05/2025</a:t>
             </a:fld>
             <a:endParaRPr lang="fr-FR"/>
           </a:p>
@@ -2566,7 +2566,7 @@
           <a:p>
             <a:fld id="{5F5282B9-BFE5-4D13-8D8C-5297D4C42E3B}" type="datetimeFigureOut">
               <a:rPr lang="fr-FR" smtClean="0"/>
-              <a:t>18/05/2025</a:t>
+              <a:t>19/05/2025</a:t>
             </a:fld>
             <a:endParaRPr lang="fr-FR"/>
           </a:p>
@@ -2798,7 +2798,7 @@
           <a:p>
             <a:fld id="{5F5282B9-BFE5-4D13-8D8C-5297D4C42E3B}" type="datetimeFigureOut">
               <a:rPr lang="fr-FR" smtClean="0"/>
-              <a:t>18/05/2025</a:t>
+              <a:t>19/05/2025</a:t>
             </a:fld>
             <a:endParaRPr lang="fr-FR"/>
           </a:p>
@@ -3165,7 +3165,7 @@
           <a:p>
             <a:fld id="{5F5282B9-BFE5-4D13-8D8C-5297D4C42E3B}" type="datetimeFigureOut">
               <a:rPr lang="fr-FR" smtClean="0"/>
-              <a:t>18/05/2025</a:t>
+              <a:t>19/05/2025</a:t>
             </a:fld>
             <a:endParaRPr lang="fr-FR"/>
           </a:p>
@@ -3283,7 +3283,7 @@
           <a:p>
             <a:fld id="{5F5282B9-BFE5-4D13-8D8C-5297D4C42E3B}" type="datetimeFigureOut">
               <a:rPr lang="fr-FR" smtClean="0"/>
-              <a:t>18/05/2025</a:t>
+              <a:t>19/05/2025</a:t>
             </a:fld>
             <a:endParaRPr lang="fr-FR"/>
           </a:p>
@@ -3378,7 +3378,7 @@
           <a:p>
             <a:fld id="{5F5282B9-BFE5-4D13-8D8C-5297D4C42E3B}" type="datetimeFigureOut">
               <a:rPr lang="fr-FR" smtClean="0"/>
-              <a:t>18/05/2025</a:t>
+              <a:t>19/05/2025</a:t>
             </a:fld>
             <a:endParaRPr lang="fr-FR"/>
           </a:p>
@@ -3655,7 +3655,7 @@
           <a:p>
             <a:fld id="{5F5282B9-BFE5-4D13-8D8C-5297D4C42E3B}" type="datetimeFigureOut">
               <a:rPr lang="fr-FR" smtClean="0"/>
-              <a:t>18/05/2025</a:t>
+              <a:t>19/05/2025</a:t>
             </a:fld>
             <a:endParaRPr lang="fr-FR"/>
           </a:p>
@@ -3908,7 +3908,7 @@
           <a:p>
             <a:fld id="{5F5282B9-BFE5-4D13-8D8C-5297D4C42E3B}" type="datetimeFigureOut">
               <a:rPr lang="fr-FR" smtClean="0"/>
-              <a:t>18/05/2025</a:t>
+              <a:t>19/05/2025</a:t>
             </a:fld>
             <a:endParaRPr lang="fr-FR"/>
           </a:p>
@@ -4121,7 +4121,7 @@
           <a:p>
             <a:fld id="{5F5282B9-BFE5-4D13-8D8C-5297D4C42E3B}" type="datetimeFigureOut">
               <a:rPr lang="fr-FR" smtClean="0"/>
-              <a:t>18/05/2025</a:t>
+              <a:t>19/05/2025</a:t>
             </a:fld>
             <a:endParaRPr lang="fr-FR"/>
           </a:p>
@@ -8153,46 +8153,53 @@
       </p:sp>
       <p:sp>
         <p:nvSpPr>
-          <p:cNvPr id="124" name="ZoneTexte 123"/>
-          <p:cNvSpPr txBox="1"/>
-          <p:nvPr/>
-        </p:nvSpPr>
-        <p:spPr>
-          <a:xfrm>
-            <a:off x="220436" y="5599126"/>
-            <a:ext cx="1533525" cy="276999"/>
-          </a:xfrm>
-          <a:prstGeom prst="rect">
-            <a:avLst/>
-          </a:prstGeom>
-          <a:noFill/>
-        </p:spPr>
-        <p:txBody>
-          <a:bodyPr wrap="square" rtlCol="0">
-            <a:spAutoFit/>
-          </a:bodyPr>
-          <a:lstStyle/>
-          <a:p>
-            <a:pPr algn="ctr"/>
-            <a:r>
-              <a:rPr lang="fr-FR" sz="1200" b="1" dirty="0" smtClean="0">
-                <a:solidFill>
-                  <a:srgbClr val="D5D5D5"/>
-                </a:solidFill>
-              </a:rPr>
-              <a:t>Déconnecter</a:t>
-            </a:r>
-            <a:endParaRPr lang="fr-FR" sz="1200" b="1" dirty="0">
-              <a:solidFill>
-                <a:srgbClr val="D5D5D5"/>
-              </a:solidFill>
-            </a:endParaRPr>
+          <p:cNvPr id="83" name="Ellipse 82"/>
+          <p:cNvSpPr/>
+          <p:nvPr/>
+        </p:nvSpPr>
+        <p:spPr>
+          <a:xfrm>
+            <a:off x="1080333" y="1210735"/>
+            <a:ext cx="202019" cy="187791"/>
+          </a:xfrm>
+          <a:prstGeom prst="ellipse">
+            <a:avLst/>
+          </a:prstGeom>
+          <a:solidFill>
+            <a:schemeClr val="tx1"/>
+          </a:solidFill>
+          <a:ln>
+            <a:noFill/>
+          </a:ln>
+        </p:spPr>
+        <p:style>
+          <a:lnRef idx="2">
+            <a:schemeClr val="accent1">
+              <a:shade val="50000"/>
+            </a:schemeClr>
+          </a:lnRef>
+          <a:fillRef idx="1">
+            <a:schemeClr val="accent1"/>
+          </a:fillRef>
+          <a:effectRef idx="0">
+            <a:schemeClr val="accent1"/>
+          </a:effectRef>
+          <a:fontRef idx="minor">
+            <a:schemeClr val="lt1"/>
+          </a:fontRef>
+        </p:style>
+        <p:txBody>
+          <a:bodyPr rtlCol="0" anchor="ctr"/>
+          <a:lstStyle/>
+          <a:p>
+            <a:pPr algn="ctr"/>
+            <a:endParaRPr lang="fr-FR"/>
           </a:p>
         </p:txBody>
       </p:sp>
       <p:pic>
         <p:nvPicPr>
-          <p:cNvPr id="125" name="Image 124"/>
+          <p:cNvPr id="96" name="Image 95"/>
           <p:cNvPicPr>
             <a:picLocks noChangeAspect="1"/>
           </p:cNvPicPr>
@@ -8211,9 +8218,78 @@
           </a:stretch>
         </p:blipFill>
         <p:spPr>
-          <a:xfrm>
-            <a:off x="179405" y="5571795"/>
-            <a:ext cx="281731" cy="281731"/>
+          <a:xfrm flipH="1">
+            <a:off x="1136834" y="1259699"/>
+            <a:ext cx="96653" cy="96653"/>
+          </a:xfrm>
+          <a:prstGeom prst="rect">
+            <a:avLst/>
+          </a:prstGeom>
+        </p:spPr>
+      </p:pic>
+      <p:sp>
+        <p:nvSpPr>
+          <p:cNvPr id="98" name="ZoneTexte 97"/>
+          <p:cNvSpPr txBox="1"/>
+          <p:nvPr/>
+        </p:nvSpPr>
+        <p:spPr>
+          <a:xfrm>
+            <a:off x="220436" y="5599126"/>
+            <a:ext cx="1533525" cy="276999"/>
+          </a:xfrm>
+          <a:prstGeom prst="rect">
+            <a:avLst/>
+          </a:prstGeom>
+          <a:noFill/>
+        </p:spPr>
+        <p:txBody>
+          <a:bodyPr wrap="square" rtlCol="0">
+            <a:spAutoFit/>
+          </a:bodyPr>
+          <a:lstStyle/>
+          <a:p>
+            <a:pPr algn="ctr"/>
+            <a:r>
+              <a:rPr lang="fr-FR" sz="1200" b="1" dirty="0" smtClean="0">
+                <a:solidFill>
+                  <a:srgbClr val="D5D5D5"/>
+                </a:solidFill>
+              </a:rPr>
+              <a:t>Déconnecter</a:t>
+            </a:r>
+            <a:endParaRPr lang="fr-FR" sz="1200" b="1" dirty="0">
+              <a:solidFill>
+                <a:srgbClr val="D5D5D5"/>
+              </a:solidFill>
+            </a:endParaRPr>
+          </a:p>
+        </p:txBody>
+      </p:sp>
+      <p:pic>
+        <p:nvPicPr>
+          <p:cNvPr id="99" name="Image 98"/>
+          <p:cNvPicPr>
+            <a:picLocks noChangeAspect="1"/>
+          </p:cNvPicPr>
+          <p:nvPr/>
+        </p:nvPicPr>
+        <p:blipFill>
+          <a:blip r:embed="rId17" cstate="print">
+            <a:extLst>
+              <a:ext uri="{28A0092B-C50C-407E-A947-70E740481C1C}">
+                <a14:useLocalDpi xmlns:a14="http://schemas.microsoft.com/office/drawing/2010/main" val="0"/>
+              </a:ext>
+            </a:extLst>
+          </a:blip>
+          <a:stretch>
+            <a:fillRect/>
+          </a:stretch>
+        </p:blipFill>
+        <p:spPr>
+          <a:xfrm>
+            <a:off x="208470" y="5593267"/>
+            <a:ext cx="274287" cy="274287"/>
           </a:xfrm>
           <a:prstGeom prst="rect">
             <a:avLst/>
@@ -11622,46 +11698,53 @@
       </p:sp>
       <p:sp>
         <p:nvSpPr>
-          <p:cNvPr id="96" name="ZoneTexte 95"/>
-          <p:cNvSpPr txBox="1"/>
-          <p:nvPr/>
-        </p:nvSpPr>
-        <p:spPr>
-          <a:xfrm>
-            <a:off x="220436" y="5599126"/>
-            <a:ext cx="1533525" cy="276999"/>
-          </a:xfrm>
-          <a:prstGeom prst="rect">
-            <a:avLst/>
-          </a:prstGeom>
-          <a:noFill/>
-        </p:spPr>
-        <p:txBody>
-          <a:bodyPr wrap="square" rtlCol="0">
-            <a:spAutoFit/>
-          </a:bodyPr>
-          <a:lstStyle/>
-          <a:p>
-            <a:pPr algn="ctr"/>
-            <a:r>
-              <a:rPr lang="fr-FR" sz="1200" b="1" dirty="0" smtClean="0">
-                <a:solidFill>
-                  <a:srgbClr val="D5D5D5"/>
-                </a:solidFill>
-              </a:rPr>
-              <a:t>Déconnecter</a:t>
-            </a:r>
-            <a:endParaRPr lang="fr-FR" sz="1200" b="1" dirty="0">
-              <a:solidFill>
-                <a:srgbClr val="D5D5D5"/>
-              </a:solidFill>
-            </a:endParaRPr>
+          <p:cNvPr id="99" name="Ellipse 98"/>
+          <p:cNvSpPr/>
+          <p:nvPr/>
+        </p:nvSpPr>
+        <p:spPr>
+          <a:xfrm>
+            <a:off x="1080333" y="1210735"/>
+            <a:ext cx="202019" cy="187791"/>
+          </a:xfrm>
+          <a:prstGeom prst="ellipse">
+            <a:avLst/>
+          </a:prstGeom>
+          <a:solidFill>
+            <a:schemeClr val="tx1"/>
+          </a:solidFill>
+          <a:ln>
+            <a:noFill/>
+          </a:ln>
+        </p:spPr>
+        <p:style>
+          <a:lnRef idx="2">
+            <a:schemeClr val="accent1">
+              <a:shade val="50000"/>
+            </a:schemeClr>
+          </a:lnRef>
+          <a:fillRef idx="1">
+            <a:schemeClr val="accent1"/>
+          </a:fillRef>
+          <a:effectRef idx="0">
+            <a:schemeClr val="accent1"/>
+          </a:effectRef>
+          <a:fontRef idx="minor">
+            <a:schemeClr val="lt1"/>
+          </a:fontRef>
+        </p:style>
+        <p:txBody>
+          <a:bodyPr rtlCol="0" anchor="ctr"/>
+          <a:lstStyle/>
+          <a:p>
+            <a:pPr algn="ctr"/>
+            <a:endParaRPr lang="fr-FR"/>
           </a:p>
         </p:txBody>
       </p:sp>
       <p:pic>
         <p:nvPicPr>
-          <p:cNvPr id="98" name="Image 97"/>
+          <p:cNvPr id="100" name="Image 99"/>
           <p:cNvPicPr>
             <a:picLocks noChangeAspect="1"/>
           </p:cNvPicPr>
@@ -11680,9 +11763,78 @@
           </a:stretch>
         </p:blipFill>
         <p:spPr>
-          <a:xfrm>
-            <a:off x="179405" y="5571795"/>
-            <a:ext cx="281731" cy="281731"/>
+          <a:xfrm flipH="1">
+            <a:off x="1136834" y="1259699"/>
+            <a:ext cx="96653" cy="96653"/>
+          </a:xfrm>
+          <a:prstGeom prst="rect">
+            <a:avLst/>
+          </a:prstGeom>
+        </p:spPr>
+      </p:pic>
+      <p:sp>
+        <p:nvSpPr>
+          <p:cNvPr id="101" name="ZoneTexte 100"/>
+          <p:cNvSpPr txBox="1"/>
+          <p:nvPr/>
+        </p:nvSpPr>
+        <p:spPr>
+          <a:xfrm>
+            <a:off x="220436" y="5599126"/>
+            <a:ext cx="1533525" cy="276999"/>
+          </a:xfrm>
+          <a:prstGeom prst="rect">
+            <a:avLst/>
+          </a:prstGeom>
+          <a:noFill/>
+        </p:spPr>
+        <p:txBody>
+          <a:bodyPr wrap="square" rtlCol="0">
+            <a:spAutoFit/>
+          </a:bodyPr>
+          <a:lstStyle/>
+          <a:p>
+            <a:pPr algn="ctr"/>
+            <a:r>
+              <a:rPr lang="fr-FR" sz="1200" b="1" dirty="0" smtClean="0">
+                <a:solidFill>
+                  <a:srgbClr val="D5D5D5"/>
+                </a:solidFill>
+              </a:rPr>
+              <a:t>Déconnecter</a:t>
+            </a:r>
+            <a:endParaRPr lang="fr-FR" sz="1200" b="1" dirty="0">
+              <a:solidFill>
+                <a:srgbClr val="D5D5D5"/>
+              </a:solidFill>
+            </a:endParaRPr>
+          </a:p>
+        </p:txBody>
+      </p:sp>
+      <p:pic>
+        <p:nvPicPr>
+          <p:cNvPr id="102" name="Image 101"/>
+          <p:cNvPicPr>
+            <a:picLocks noChangeAspect="1"/>
+          </p:cNvPicPr>
+          <p:nvPr/>
+        </p:nvPicPr>
+        <p:blipFill>
+          <a:blip r:embed="rId17" cstate="print">
+            <a:extLst>
+              <a:ext uri="{28A0092B-C50C-407E-A947-70E740481C1C}">
+                <a14:useLocalDpi xmlns:a14="http://schemas.microsoft.com/office/drawing/2010/main" val="0"/>
+              </a:ext>
+            </a:extLst>
+          </a:blip>
+          <a:stretch>
+            <a:fillRect/>
+          </a:stretch>
+        </p:blipFill>
+        <p:spPr>
+          <a:xfrm>
+            <a:off x="208470" y="5593267"/>
+            <a:ext cx="274287" cy="274287"/>
           </a:xfrm>
           <a:prstGeom prst="rect">
             <a:avLst/>
@@ -13268,6 +13420,87 @@
               </a:rPr>
               <a:t>110/230Vac-50/60Hz</a:t>
             </a:r>
+          </a:p>
+        </p:txBody>
+      </p:sp>
+      <p:sp>
+        <p:nvSpPr>
+          <p:cNvPr id="127" name="ZoneTexte 126"/>
+          <p:cNvSpPr txBox="1"/>
+          <p:nvPr/>
+        </p:nvSpPr>
+        <p:spPr>
+          <a:xfrm>
+            <a:off x="5952297" y="3936350"/>
+            <a:ext cx="1589949" cy="276999"/>
+          </a:xfrm>
+          <a:prstGeom prst="rect">
+            <a:avLst/>
+          </a:prstGeom>
+          <a:noFill/>
+          <a:ln>
+            <a:noFill/>
+          </a:ln>
+        </p:spPr>
+        <p:txBody>
+          <a:bodyPr wrap="square" rtlCol="0">
+            <a:spAutoFit/>
+          </a:bodyPr>
+          <a:lstStyle/>
+          <a:p>
+            <a:r>
+              <a:rPr lang="fr-FR" sz="1200" dirty="0">
+                <a:solidFill>
+                  <a:schemeClr val="bg2">
+                    <a:lumMod val="75000"/>
+                  </a:schemeClr>
+                </a:solidFill>
+                <a:ea typeface="Microsoft Himalaya" panose="01010100010101010101" pitchFamily="2" charset="0"/>
+                <a:cs typeface="Microsoft Himalaya" panose="01010100010101010101" pitchFamily="2" charset="0"/>
+              </a:rPr>
+              <a:t>110/230Vac-50/60Hz</a:t>
+            </a:r>
+          </a:p>
+        </p:txBody>
+      </p:sp>
+      <p:sp>
+        <p:nvSpPr>
+          <p:cNvPr id="128" name="ZoneTexte 127"/>
+          <p:cNvSpPr txBox="1"/>
+          <p:nvPr/>
+        </p:nvSpPr>
+        <p:spPr>
+          <a:xfrm>
+            <a:off x="5359864" y="4396363"/>
+            <a:ext cx="1589949" cy="276999"/>
+          </a:xfrm>
+          <a:prstGeom prst="rect">
+            <a:avLst/>
+          </a:prstGeom>
+          <a:noFill/>
+          <a:ln>
+            <a:noFill/>
+          </a:ln>
+        </p:spPr>
+        <p:txBody>
+          <a:bodyPr wrap="square" rtlCol="0">
+            <a:spAutoFit/>
+          </a:bodyPr>
+          <a:lstStyle/>
+          <a:p>
+            <a:pPr algn="ctr"/>
+            <a:r>
+              <a:rPr lang="fr-FR" sz="1200" dirty="0" smtClean="0">
+                <a:solidFill>
+                  <a:schemeClr val="bg2">
+                    <a:lumMod val="75000"/>
+                  </a:schemeClr>
+                </a:solidFill>
+                <a:ea typeface="Microsoft Himalaya" panose="01010100010101010101" pitchFamily="2" charset="0"/>
+                <a:cs typeface="Microsoft Himalaya" panose="01010100010101010101" pitchFamily="2" charset="0"/>
+              </a:rPr>
+              <a:t>10A</a:t>
+            </a:r>
             <a:endParaRPr lang="fr-FR" sz="1200" dirty="0">
               <a:solidFill>
                 <a:schemeClr val="bg2">
@@ -13282,13 +13515,13 @@
       </p:sp>
       <p:sp>
         <p:nvSpPr>
-          <p:cNvPr id="127" name="ZoneTexte 126"/>
+          <p:cNvPr id="129" name="ZoneTexte 128"/>
           <p:cNvSpPr txBox="1"/>
           <p:nvPr/>
         </p:nvSpPr>
         <p:spPr>
           <a:xfrm>
-            <a:off x="5952297" y="3936350"/>
+            <a:off x="5628670" y="4929893"/>
             <a:ext cx="1589949" cy="276999"/>
           </a:xfrm>
           <a:prstGeom prst="rect">
@@ -13305,6 +13538,7 @@
           </a:bodyPr>
           <a:lstStyle/>
           <a:p>
+            <a:pPr algn="ctr"/>
             <a:r>
               <a:rPr lang="fr-FR" sz="1200" dirty="0">
                 <a:solidFill>
@@ -13315,117 +13549,8 @@
                 <a:ea typeface="Microsoft Himalaya" panose="01010100010101010101" pitchFamily="2" charset="0"/>
                 <a:cs typeface="Microsoft Himalaya" panose="01010100010101010101" pitchFamily="2" charset="0"/>
               </a:rPr>
-              <a:t>110/230Vac-50/60Hz</a:t>
-            </a:r>
-            <a:endParaRPr lang="fr-FR" sz="1200" dirty="0">
-              <a:solidFill>
-                <a:schemeClr val="bg2">
-                  <a:lumMod val="75000"/>
-                </a:schemeClr>
-              </a:solidFill>
-              <a:ea typeface="Microsoft Himalaya" panose="01010100010101010101" pitchFamily="2" charset="0"/>
-              <a:cs typeface="Microsoft Himalaya" panose="01010100010101010101" pitchFamily="2" charset="0"/>
-            </a:endParaRPr>
-          </a:p>
-        </p:txBody>
-      </p:sp>
-      <p:sp>
-        <p:nvSpPr>
-          <p:cNvPr id="128" name="ZoneTexte 127"/>
-          <p:cNvSpPr txBox="1"/>
-          <p:nvPr/>
-        </p:nvSpPr>
-        <p:spPr>
-          <a:xfrm>
-            <a:off x="5359864" y="4396363"/>
-            <a:ext cx="1589949" cy="276999"/>
-          </a:xfrm>
-          <a:prstGeom prst="rect">
-            <a:avLst/>
-          </a:prstGeom>
-          <a:noFill/>
-          <a:ln>
-            <a:noFill/>
-          </a:ln>
-        </p:spPr>
-        <p:txBody>
-          <a:bodyPr wrap="square" rtlCol="0">
-            <a:spAutoFit/>
-          </a:bodyPr>
-          <a:lstStyle/>
-          <a:p>
-            <a:pPr algn="ctr"/>
-            <a:r>
-              <a:rPr lang="fr-FR" sz="1200" dirty="0" smtClean="0">
-                <a:solidFill>
-                  <a:schemeClr val="bg2">
-                    <a:lumMod val="75000"/>
-                  </a:schemeClr>
-                </a:solidFill>
-                <a:ea typeface="Microsoft Himalaya" panose="01010100010101010101" pitchFamily="2" charset="0"/>
-                <a:cs typeface="Microsoft Himalaya" panose="01010100010101010101" pitchFamily="2" charset="0"/>
-              </a:rPr>
-              <a:t>10A</a:t>
-            </a:r>
-            <a:endParaRPr lang="fr-FR" sz="1200" dirty="0">
-              <a:solidFill>
-                <a:schemeClr val="bg2">
-                  <a:lumMod val="75000"/>
-                </a:schemeClr>
-              </a:solidFill>
-              <a:ea typeface="Microsoft Himalaya" panose="01010100010101010101" pitchFamily="2" charset="0"/>
-              <a:cs typeface="Microsoft Himalaya" panose="01010100010101010101" pitchFamily="2" charset="0"/>
-            </a:endParaRPr>
-          </a:p>
-        </p:txBody>
-      </p:sp>
-      <p:sp>
-        <p:nvSpPr>
-          <p:cNvPr id="129" name="ZoneTexte 128"/>
-          <p:cNvSpPr txBox="1"/>
-          <p:nvPr/>
-        </p:nvSpPr>
-        <p:spPr>
-          <a:xfrm>
-            <a:off x="5628670" y="4929893"/>
-            <a:ext cx="1589949" cy="276999"/>
-          </a:xfrm>
-          <a:prstGeom prst="rect">
-            <a:avLst/>
-          </a:prstGeom>
-          <a:noFill/>
-          <a:ln>
-            <a:noFill/>
-          </a:ln>
-        </p:spPr>
-        <p:txBody>
-          <a:bodyPr wrap="square" rtlCol="0">
-            <a:spAutoFit/>
-          </a:bodyPr>
-          <a:lstStyle/>
-          <a:p>
-            <a:pPr algn="ctr"/>
-            <a:r>
-              <a:rPr lang="fr-FR" sz="1200" dirty="0">
-                <a:solidFill>
-                  <a:schemeClr val="bg2">
-                    <a:lumMod val="75000"/>
-                  </a:schemeClr>
-                </a:solidFill>
-                <a:ea typeface="Microsoft Himalaya" panose="01010100010101010101" pitchFamily="2" charset="0"/>
-                <a:cs typeface="Microsoft Himalaya" panose="01010100010101010101" pitchFamily="2" charset="0"/>
-              </a:rPr>
               <a:t>192.168.4.1</a:t>
             </a:r>
-            <a:endParaRPr lang="fr-FR" sz="1200" dirty="0">
-              <a:solidFill>
-                <a:schemeClr val="bg2">
-                  <a:lumMod val="75000"/>
-                </a:schemeClr>
-              </a:solidFill>
-              <a:ea typeface="Microsoft Himalaya" panose="01010100010101010101" pitchFamily="2" charset="0"/>
-              <a:cs typeface="Microsoft Himalaya" panose="01010100010101010101" pitchFamily="2" charset="0"/>
-            </a:endParaRPr>
           </a:p>
         </p:txBody>
       </p:sp>
@@ -13588,46 +13713,53 @@
       </p:sp>
       <p:sp>
         <p:nvSpPr>
-          <p:cNvPr id="133" name="ZoneTexte 132"/>
-          <p:cNvSpPr txBox="1"/>
-          <p:nvPr/>
-        </p:nvSpPr>
-        <p:spPr>
-          <a:xfrm>
-            <a:off x="220436" y="5599126"/>
-            <a:ext cx="1533525" cy="276999"/>
-          </a:xfrm>
-          <a:prstGeom prst="rect">
-            <a:avLst/>
-          </a:prstGeom>
-          <a:noFill/>
-        </p:spPr>
-        <p:txBody>
-          <a:bodyPr wrap="square" rtlCol="0">
-            <a:spAutoFit/>
-          </a:bodyPr>
-          <a:lstStyle/>
-          <a:p>
-            <a:pPr algn="ctr"/>
-            <a:r>
-              <a:rPr lang="fr-FR" sz="1200" b="1" dirty="0" smtClean="0">
-                <a:solidFill>
-                  <a:srgbClr val="D5D5D5"/>
-                </a:solidFill>
-              </a:rPr>
-              <a:t>Déconnecter</a:t>
-            </a:r>
-            <a:endParaRPr lang="fr-FR" sz="1200" b="1" dirty="0">
-              <a:solidFill>
-                <a:srgbClr val="D5D5D5"/>
-              </a:solidFill>
-            </a:endParaRPr>
+          <p:cNvPr id="47" name="Ellipse 46"/>
+          <p:cNvSpPr/>
+          <p:nvPr/>
+        </p:nvSpPr>
+        <p:spPr>
+          <a:xfrm>
+            <a:off x="1080333" y="1210735"/>
+            <a:ext cx="202019" cy="187791"/>
+          </a:xfrm>
+          <a:prstGeom prst="ellipse">
+            <a:avLst/>
+          </a:prstGeom>
+          <a:solidFill>
+            <a:schemeClr val="tx1"/>
+          </a:solidFill>
+          <a:ln>
+            <a:noFill/>
+          </a:ln>
+        </p:spPr>
+        <p:style>
+          <a:lnRef idx="2">
+            <a:schemeClr val="accent1">
+              <a:shade val="50000"/>
+            </a:schemeClr>
+          </a:lnRef>
+          <a:fillRef idx="1">
+            <a:schemeClr val="accent1"/>
+          </a:fillRef>
+          <a:effectRef idx="0">
+            <a:schemeClr val="accent1"/>
+          </a:effectRef>
+          <a:fontRef idx="minor">
+            <a:schemeClr val="lt1"/>
+          </a:fontRef>
+        </p:style>
+        <p:txBody>
+          <a:bodyPr rtlCol="0" anchor="ctr"/>
+          <a:lstStyle/>
+          <a:p>
+            <a:pPr algn="ctr"/>
+            <a:endParaRPr lang="fr-FR"/>
           </a:p>
         </p:txBody>
       </p:sp>
       <p:pic>
         <p:nvPicPr>
-          <p:cNvPr id="134" name="Image 133"/>
+          <p:cNvPr id="48" name="Image 47"/>
           <p:cNvPicPr>
             <a:picLocks noChangeAspect="1"/>
           </p:cNvPicPr>
@@ -13646,9 +13778,78 @@
           </a:stretch>
         </p:blipFill>
         <p:spPr>
-          <a:xfrm>
-            <a:off x="179405" y="5571795"/>
-            <a:ext cx="281731" cy="281731"/>
+          <a:xfrm flipH="1">
+            <a:off x="1136834" y="1259699"/>
+            <a:ext cx="96653" cy="96653"/>
+          </a:xfrm>
+          <a:prstGeom prst="rect">
+            <a:avLst/>
+          </a:prstGeom>
+        </p:spPr>
+      </p:pic>
+      <p:sp>
+        <p:nvSpPr>
+          <p:cNvPr id="49" name="ZoneTexte 48"/>
+          <p:cNvSpPr txBox="1"/>
+          <p:nvPr/>
+        </p:nvSpPr>
+        <p:spPr>
+          <a:xfrm>
+            <a:off x="220436" y="5599126"/>
+            <a:ext cx="1533525" cy="276999"/>
+          </a:xfrm>
+          <a:prstGeom prst="rect">
+            <a:avLst/>
+          </a:prstGeom>
+          <a:noFill/>
+        </p:spPr>
+        <p:txBody>
+          <a:bodyPr wrap="square" rtlCol="0">
+            <a:spAutoFit/>
+          </a:bodyPr>
+          <a:lstStyle/>
+          <a:p>
+            <a:pPr algn="ctr"/>
+            <a:r>
+              <a:rPr lang="fr-FR" sz="1200" b="1" dirty="0" smtClean="0">
+                <a:solidFill>
+                  <a:srgbClr val="D5D5D5"/>
+                </a:solidFill>
+              </a:rPr>
+              <a:t>Déconnecter</a:t>
+            </a:r>
+            <a:endParaRPr lang="fr-FR" sz="1200" b="1" dirty="0">
+              <a:solidFill>
+                <a:srgbClr val="D5D5D5"/>
+              </a:solidFill>
+            </a:endParaRPr>
+          </a:p>
+        </p:txBody>
+      </p:sp>
+      <p:pic>
+        <p:nvPicPr>
+          <p:cNvPr id="50" name="Image 49"/>
+          <p:cNvPicPr>
+            <a:picLocks noChangeAspect="1"/>
+          </p:cNvPicPr>
+          <p:nvPr/>
+        </p:nvPicPr>
+        <p:blipFill>
+          <a:blip r:embed="rId12" cstate="print">
+            <a:extLst>
+              <a:ext uri="{28A0092B-C50C-407E-A947-70E740481C1C}">
+                <a14:useLocalDpi xmlns:a14="http://schemas.microsoft.com/office/drawing/2010/main" val="0"/>
+              </a:ext>
+            </a:extLst>
+          </a:blip>
+          <a:stretch>
+            <a:fillRect/>
+          </a:stretch>
+        </p:blipFill>
+        <p:spPr>
+          <a:xfrm>
+            <a:off x="208470" y="5593267"/>
+            <a:ext cx="274287" cy="274287"/>
           </a:xfrm>
           <a:prstGeom prst="rect">
             <a:avLst/>
@@ -15824,46 +16025,53 @@
       </p:pic>
       <p:sp>
         <p:nvSpPr>
-          <p:cNvPr id="53" name="ZoneTexte 52"/>
-          <p:cNvSpPr txBox="1"/>
-          <p:nvPr/>
-        </p:nvSpPr>
-        <p:spPr>
-          <a:xfrm>
-            <a:off x="220436" y="5599126"/>
-            <a:ext cx="1533525" cy="276999"/>
-          </a:xfrm>
-          <a:prstGeom prst="rect">
-            <a:avLst/>
-          </a:prstGeom>
-          <a:noFill/>
-        </p:spPr>
-        <p:txBody>
-          <a:bodyPr wrap="square" rtlCol="0">
-            <a:spAutoFit/>
-          </a:bodyPr>
-          <a:lstStyle/>
-          <a:p>
-            <a:pPr algn="ctr"/>
-            <a:r>
-              <a:rPr lang="fr-FR" sz="1200" b="1" dirty="0" smtClean="0">
-                <a:solidFill>
-                  <a:srgbClr val="D5D5D5"/>
-                </a:solidFill>
-              </a:rPr>
-              <a:t>Déconnecter</a:t>
-            </a:r>
-            <a:endParaRPr lang="fr-FR" sz="1200" b="1" dirty="0">
-              <a:solidFill>
-                <a:srgbClr val="D5D5D5"/>
-              </a:solidFill>
-            </a:endParaRPr>
+          <p:cNvPr id="56" name="Ellipse 55"/>
+          <p:cNvSpPr/>
+          <p:nvPr/>
+        </p:nvSpPr>
+        <p:spPr>
+          <a:xfrm>
+            <a:off x="1080333" y="1210735"/>
+            <a:ext cx="202019" cy="187791"/>
+          </a:xfrm>
+          <a:prstGeom prst="ellipse">
+            <a:avLst/>
+          </a:prstGeom>
+          <a:solidFill>
+            <a:schemeClr val="tx1"/>
+          </a:solidFill>
+          <a:ln>
+            <a:noFill/>
+          </a:ln>
+        </p:spPr>
+        <p:style>
+          <a:lnRef idx="2">
+            <a:schemeClr val="accent1">
+              <a:shade val="50000"/>
+            </a:schemeClr>
+          </a:lnRef>
+          <a:fillRef idx="1">
+            <a:schemeClr val="accent1"/>
+          </a:fillRef>
+          <a:effectRef idx="0">
+            <a:schemeClr val="accent1"/>
+          </a:effectRef>
+          <a:fontRef idx="minor">
+            <a:schemeClr val="lt1"/>
+          </a:fontRef>
+        </p:style>
+        <p:txBody>
+          <a:bodyPr rtlCol="0" anchor="ctr"/>
+          <a:lstStyle/>
+          <a:p>
+            <a:pPr algn="ctr"/>
+            <a:endParaRPr lang="fr-FR"/>
           </a:p>
         </p:txBody>
       </p:sp>
       <p:pic>
         <p:nvPicPr>
-          <p:cNvPr id="55" name="Image 54"/>
+          <p:cNvPr id="57" name="Image 56"/>
           <p:cNvPicPr>
             <a:picLocks noChangeAspect="1"/>
           </p:cNvPicPr>
@@ -15882,9 +16090,78 @@
           </a:stretch>
         </p:blipFill>
         <p:spPr>
-          <a:xfrm>
-            <a:off x="179405" y="5571795"/>
-            <a:ext cx="281731" cy="281731"/>
+          <a:xfrm flipH="1">
+            <a:off x="1136834" y="1259699"/>
+            <a:ext cx="96653" cy="96653"/>
+          </a:xfrm>
+          <a:prstGeom prst="rect">
+            <a:avLst/>
+          </a:prstGeom>
+        </p:spPr>
+      </p:pic>
+      <p:sp>
+        <p:nvSpPr>
+          <p:cNvPr id="58" name="ZoneTexte 57"/>
+          <p:cNvSpPr txBox="1"/>
+          <p:nvPr/>
+        </p:nvSpPr>
+        <p:spPr>
+          <a:xfrm>
+            <a:off x="220436" y="5599126"/>
+            <a:ext cx="1533525" cy="276999"/>
+          </a:xfrm>
+          <a:prstGeom prst="rect">
+            <a:avLst/>
+          </a:prstGeom>
+          <a:noFill/>
+        </p:spPr>
+        <p:txBody>
+          <a:bodyPr wrap="square" rtlCol="0">
+            <a:spAutoFit/>
+          </a:bodyPr>
+          <a:lstStyle/>
+          <a:p>
+            <a:pPr algn="ctr"/>
+            <a:r>
+              <a:rPr lang="fr-FR" sz="1200" b="1" dirty="0" smtClean="0">
+                <a:solidFill>
+                  <a:srgbClr val="D5D5D5"/>
+                </a:solidFill>
+              </a:rPr>
+              <a:t>Déconnecter</a:t>
+            </a:r>
+            <a:endParaRPr lang="fr-FR" sz="1200" b="1" dirty="0">
+              <a:solidFill>
+                <a:srgbClr val="D5D5D5"/>
+              </a:solidFill>
+            </a:endParaRPr>
+          </a:p>
+        </p:txBody>
+      </p:sp>
+      <p:pic>
+        <p:nvPicPr>
+          <p:cNvPr id="59" name="Image 58"/>
+          <p:cNvPicPr>
+            <a:picLocks noChangeAspect="1"/>
+          </p:cNvPicPr>
+          <p:nvPr/>
+        </p:nvPicPr>
+        <p:blipFill>
+          <a:blip r:embed="rId21" cstate="print">
+            <a:extLst>
+              <a:ext uri="{28A0092B-C50C-407E-A947-70E740481C1C}">
+                <a14:useLocalDpi xmlns:a14="http://schemas.microsoft.com/office/drawing/2010/main" val="0"/>
+              </a:ext>
+            </a:extLst>
+          </a:blip>
+          <a:stretch>
+            <a:fillRect/>
+          </a:stretch>
+        </p:blipFill>
+        <p:spPr>
+          <a:xfrm>
+            <a:off x="208470" y="5593267"/>
+            <a:ext cx="274287" cy="274287"/>
           </a:xfrm>
           <a:prstGeom prst="rect">
             <a:avLst/>
@@ -18113,46 +18390,53 @@
       </p:sp>
       <p:sp>
         <p:nvSpPr>
-          <p:cNvPr id="55" name="ZoneTexte 54"/>
-          <p:cNvSpPr txBox="1"/>
-          <p:nvPr/>
-        </p:nvSpPr>
-        <p:spPr>
-          <a:xfrm>
-            <a:off x="220436" y="5599126"/>
-            <a:ext cx="1533525" cy="276999"/>
-          </a:xfrm>
-          <a:prstGeom prst="rect">
-            <a:avLst/>
-          </a:prstGeom>
-          <a:noFill/>
-        </p:spPr>
-        <p:txBody>
-          <a:bodyPr wrap="square" rtlCol="0">
-            <a:spAutoFit/>
-          </a:bodyPr>
-          <a:lstStyle/>
-          <a:p>
-            <a:pPr algn="ctr"/>
-            <a:r>
-              <a:rPr lang="fr-FR" sz="1200" b="1" dirty="0" smtClean="0">
-                <a:solidFill>
-                  <a:srgbClr val="D5D5D5"/>
-                </a:solidFill>
-              </a:rPr>
-              <a:t>Déconnecter</a:t>
-            </a:r>
-            <a:endParaRPr lang="fr-FR" sz="1200" b="1" dirty="0">
-              <a:solidFill>
-                <a:srgbClr val="D5D5D5"/>
-              </a:solidFill>
-            </a:endParaRPr>
+          <p:cNvPr id="57" name="Ellipse 56"/>
+          <p:cNvSpPr/>
+          <p:nvPr/>
+        </p:nvSpPr>
+        <p:spPr>
+          <a:xfrm>
+            <a:off x="1080333" y="1210735"/>
+            <a:ext cx="202019" cy="187791"/>
+          </a:xfrm>
+          <a:prstGeom prst="ellipse">
+            <a:avLst/>
+          </a:prstGeom>
+          <a:solidFill>
+            <a:schemeClr val="tx1"/>
+          </a:solidFill>
+          <a:ln>
+            <a:noFill/>
+          </a:ln>
+        </p:spPr>
+        <p:style>
+          <a:lnRef idx="2">
+            <a:schemeClr val="accent1">
+              <a:shade val="50000"/>
+            </a:schemeClr>
+          </a:lnRef>
+          <a:fillRef idx="1">
+            <a:schemeClr val="accent1"/>
+          </a:fillRef>
+          <a:effectRef idx="0">
+            <a:schemeClr val="accent1"/>
+          </a:effectRef>
+          <a:fontRef idx="minor">
+            <a:schemeClr val="lt1"/>
+          </a:fontRef>
+        </p:style>
+        <p:txBody>
+          <a:bodyPr rtlCol="0" anchor="ctr"/>
+          <a:lstStyle/>
+          <a:p>
+            <a:pPr algn="ctr"/>
+            <a:endParaRPr lang="fr-FR"/>
           </a:p>
         </p:txBody>
       </p:sp>
       <p:pic>
         <p:nvPicPr>
-          <p:cNvPr id="56" name="Image 55"/>
+          <p:cNvPr id="58" name="Image 57"/>
           <p:cNvPicPr>
             <a:picLocks noChangeAspect="1"/>
           </p:cNvPicPr>
@@ -18171,9 +18455,78 @@
           </a:stretch>
         </p:blipFill>
         <p:spPr>
-          <a:xfrm>
-            <a:off x="179405" y="5571795"/>
-            <a:ext cx="281731" cy="281731"/>
+          <a:xfrm flipH="1">
+            <a:off x="1136834" y="1259699"/>
+            <a:ext cx="96653" cy="96653"/>
+          </a:xfrm>
+          <a:prstGeom prst="rect">
+            <a:avLst/>
+          </a:prstGeom>
+        </p:spPr>
+      </p:pic>
+      <p:sp>
+        <p:nvSpPr>
+          <p:cNvPr id="59" name="ZoneTexte 58"/>
+          <p:cNvSpPr txBox="1"/>
+          <p:nvPr/>
+        </p:nvSpPr>
+        <p:spPr>
+          <a:xfrm>
+            <a:off x="220436" y="5599126"/>
+            <a:ext cx="1533525" cy="276999"/>
+          </a:xfrm>
+          <a:prstGeom prst="rect">
+            <a:avLst/>
+          </a:prstGeom>
+          <a:noFill/>
+        </p:spPr>
+        <p:txBody>
+          <a:bodyPr wrap="square" rtlCol="0">
+            <a:spAutoFit/>
+          </a:bodyPr>
+          <a:lstStyle/>
+          <a:p>
+            <a:pPr algn="ctr"/>
+            <a:r>
+              <a:rPr lang="fr-FR" sz="1200" b="1" dirty="0" smtClean="0">
+                <a:solidFill>
+                  <a:srgbClr val="D5D5D5"/>
+                </a:solidFill>
+              </a:rPr>
+              <a:t>Déconnecter</a:t>
+            </a:r>
+            <a:endParaRPr lang="fr-FR" sz="1200" b="1" dirty="0">
+              <a:solidFill>
+                <a:srgbClr val="D5D5D5"/>
+              </a:solidFill>
+            </a:endParaRPr>
+          </a:p>
+        </p:txBody>
+      </p:sp>
+      <p:pic>
+        <p:nvPicPr>
+          <p:cNvPr id="60" name="Image 59"/>
+          <p:cNvPicPr>
+            <a:picLocks noChangeAspect="1"/>
+          </p:cNvPicPr>
+          <p:nvPr/>
+        </p:nvPicPr>
+        <p:blipFill>
+          <a:blip r:embed="rId21" cstate="print">
+            <a:extLst>
+              <a:ext uri="{28A0092B-C50C-407E-A947-70E740481C1C}">
+                <a14:useLocalDpi xmlns:a14="http://schemas.microsoft.com/office/drawing/2010/main" val="0"/>
+              </a:ext>
+            </a:extLst>
+          </a:blip>
+          <a:stretch>
+            <a:fillRect/>
+          </a:stretch>
+        </p:blipFill>
+        <p:spPr>
+          <a:xfrm>
+            <a:off x="208470" y="5593267"/>
+            <a:ext cx="274287" cy="274287"/>
           </a:xfrm>
           <a:prstGeom prst="rect">
             <a:avLst/>
@@ -20479,6 +20832,87 @@
               </a:rPr>
               <a:t>110/230Vac-50/60Hz</a:t>
             </a:r>
+          </a:p>
+        </p:txBody>
+      </p:sp>
+      <p:sp>
+        <p:nvSpPr>
+          <p:cNvPr id="68" name="ZoneTexte 67"/>
+          <p:cNvSpPr txBox="1"/>
+          <p:nvPr/>
+        </p:nvSpPr>
+        <p:spPr>
+          <a:xfrm>
+            <a:off x="7258865" y="3931314"/>
+            <a:ext cx="1589949" cy="276999"/>
+          </a:xfrm>
+          <a:prstGeom prst="rect">
+            <a:avLst/>
+          </a:prstGeom>
+          <a:noFill/>
+          <a:ln>
+            <a:noFill/>
+          </a:ln>
+        </p:spPr>
+        <p:txBody>
+          <a:bodyPr wrap="square" rtlCol="0">
+            <a:spAutoFit/>
+          </a:bodyPr>
+          <a:lstStyle/>
+          <a:p>
+            <a:r>
+              <a:rPr lang="fr-FR" sz="1200" dirty="0">
+                <a:solidFill>
+                  <a:schemeClr val="bg2">
+                    <a:lumMod val="75000"/>
+                  </a:schemeClr>
+                </a:solidFill>
+                <a:ea typeface="Microsoft Himalaya" panose="01010100010101010101" pitchFamily="2" charset="0"/>
+                <a:cs typeface="Microsoft Himalaya" panose="01010100010101010101" pitchFamily="2" charset="0"/>
+              </a:rPr>
+              <a:t>110/230Vac-50/60Hz</a:t>
+            </a:r>
+          </a:p>
+        </p:txBody>
+      </p:sp>
+      <p:sp>
+        <p:nvSpPr>
+          <p:cNvPr id="69" name="ZoneTexte 68"/>
+          <p:cNvSpPr txBox="1"/>
+          <p:nvPr/>
+        </p:nvSpPr>
+        <p:spPr>
+          <a:xfrm>
+            <a:off x="6666432" y="4391327"/>
+            <a:ext cx="1589949" cy="276999"/>
+          </a:xfrm>
+          <a:prstGeom prst="rect">
+            <a:avLst/>
+          </a:prstGeom>
+          <a:noFill/>
+          <a:ln>
+            <a:noFill/>
+          </a:ln>
+        </p:spPr>
+        <p:txBody>
+          <a:bodyPr wrap="square" rtlCol="0">
+            <a:spAutoFit/>
+          </a:bodyPr>
+          <a:lstStyle/>
+          <a:p>
+            <a:pPr algn="ctr"/>
+            <a:r>
+              <a:rPr lang="fr-FR" sz="1200" dirty="0" smtClean="0">
+                <a:solidFill>
+                  <a:schemeClr val="bg2">
+                    <a:lumMod val="75000"/>
+                  </a:schemeClr>
+                </a:solidFill>
+                <a:ea typeface="Microsoft Himalaya" panose="01010100010101010101" pitchFamily="2" charset="0"/>
+                <a:cs typeface="Microsoft Himalaya" panose="01010100010101010101" pitchFamily="2" charset="0"/>
+              </a:rPr>
+              <a:t>10A</a:t>
+            </a:r>
             <a:endParaRPr lang="fr-FR" sz="1200" dirty="0">
               <a:solidFill>
                 <a:schemeClr val="bg2">
@@ -20493,13 +20927,13 @@
       </p:sp>
       <p:sp>
         <p:nvSpPr>
-          <p:cNvPr id="68" name="ZoneTexte 67"/>
+          <p:cNvPr id="70" name="ZoneTexte 69"/>
           <p:cNvSpPr txBox="1"/>
           <p:nvPr/>
         </p:nvSpPr>
         <p:spPr>
           <a:xfrm>
-            <a:off x="7258865" y="3931314"/>
+            <a:off x="6935238" y="4924857"/>
             <a:ext cx="1589949" cy="276999"/>
           </a:xfrm>
           <a:prstGeom prst="rect">
@@ -20516,6 +20950,7 @@
           </a:bodyPr>
           <a:lstStyle/>
           <a:p>
+            <a:pPr algn="ctr"/>
             <a:r>
               <a:rPr lang="fr-FR" sz="1200" dirty="0">
                 <a:solidFill>
@@ -20526,117 +20961,8 @@
                 <a:ea typeface="Microsoft Himalaya" panose="01010100010101010101" pitchFamily="2" charset="0"/>
                 <a:cs typeface="Microsoft Himalaya" panose="01010100010101010101" pitchFamily="2" charset="0"/>
               </a:rPr>
-              <a:t>110/230Vac-50/60Hz</a:t>
-            </a:r>
-            <a:endParaRPr lang="fr-FR" sz="1200" dirty="0">
-              <a:solidFill>
-                <a:schemeClr val="bg2">
-                  <a:lumMod val="75000"/>
-                </a:schemeClr>
-              </a:solidFill>
-              <a:ea typeface="Microsoft Himalaya" panose="01010100010101010101" pitchFamily="2" charset="0"/>
-              <a:cs typeface="Microsoft Himalaya" panose="01010100010101010101" pitchFamily="2" charset="0"/>
-            </a:endParaRPr>
-          </a:p>
-        </p:txBody>
-      </p:sp>
-      <p:sp>
-        <p:nvSpPr>
-          <p:cNvPr id="69" name="ZoneTexte 68"/>
-          <p:cNvSpPr txBox="1"/>
-          <p:nvPr/>
-        </p:nvSpPr>
-        <p:spPr>
-          <a:xfrm>
-            <a:off x="6666432" y="4391327"/>
-            <a:ext cx="1589949" cy="276999"/>
-          </a:xfrm>
-          <a:prstGeom prst="rect">
-            <a:avLst/>
-          </a:prstGeom>
-          <a:noFill/>
-          <a:ln>
-            <a:noFill/>
-          </a:ln>
-        </p:spPr>
-        <p:txBody>
-          <a:bodyPr wrap="square" rtlCol="0">
-            <a:spAutoFit/>
-          </a:bodyPr>
-          <a:lstStyle/>
-          <a:p>
-            <a:pPr algn="ctr"/>
-            <a:r>
-              <a:rPr lang="fr-FR" sz="1200" dirty="0" smtClean="0">
-                <a:solidFill>
-                  <a:schemeClr val="bg2">
-                    <a:lumMod val="75000"/>
-                  </a:schemeClr>
-                </a:solidFill>
-                <a:ea typeface="Microsoft Himalaya" panose="01010100010101010101" pitchFamily="2" charset="0"/>
-                <a:cs typeface="Microsoft Himalaya" panose="01010100010101010101" pitchFamily="2" charset="0"/>
-              </a:rPr>
-              <a:t>10A</a:t>
-            </a:r>
-            <a:endParaRPr lang="fr-FR" sz="1200" dirty="0">
-              <a:solidFill>
-                <a:schemeClr val="bg2">
-                  <a:lumMod val="75000"/>
-                </a:schemeClr>
-              </a:solidFill>
-              <a:ea typeface="Microsoft Himalaya" panose="01010100010101010101" pitchFamily="2" charset="0"/>
-              <a:cs typeface="Microsoft Himalaya" panose="01010100010101010101" pitchFamily="2" charset="0"/>
-            </a:endParaRPr>
-          </a:p>
-        </p:txBody>
-      </p:sp>
-      <p:sp>
-        <p:nvSpPr>
-          <p:cNvPr id="70" name="ZoneTexte 69"/>
-          <p:cNvSpPr txBox="1"/>
-          <p:nvPr/>
-        </p:nvSpPr>
-        <p:spPr>
-          <a:xfrm>
-            <a:off x="6935238" y="4924857"/>
-            <a:ext cx="1589949" cy="276999"/>
-          </a:xfrm>
-          <a:prstGeom prst="rect">
-            <a:avLst/>
-          </a:prstGeom>
-          <a:noFill/>
-          <a:ln>
-            <a:noFill/>
-          </a:ln>
-        </p:spPr>
-        <p:txBody>
-          <a:bodyPr wrap="square" rtlCol="0">
-            <a:spAutoFit/>
-          </a:bodyPr>
-          <a:lstStyle/>
-          <a:p>
-            <a:pPr algn="ctr"/>
-            <a:r>
-              <a:rPr lang="fr-FR" sz="1200" dirty="0">
-                <a:solidFill>
-                  <a:schemeClr val="bg2">
-                    <a:lumMod val="75000"/>
-                  </a:schemeClr>
-                </a:solidFill>
-                <a:ea typeface="Microsoft Himalaya" panose="01010100010101010101" pitchFamily="2" charset="0"/>
-                <a:cs typeface="Microsoft Himalaya" panose="01010100010101010101" pitchFamily="2" charset="0"/>
-              </a:rPr>
               <a:t>192.168.4.1</a:t>
             </a:r>
-            <a:endParaRPr lang="fr-FR" sz="1200" dirty="0">
-              <a:solidFill>
-                <a:schemeClr val="bg2">
-                  <a:lumMod val="75000"/>
-                </a:schemeClr>
-              </a:solidFill>
-              <a:ea typeface="Microsoft Himalaya" panose="01010100010101010101" pitchFamily="2" charset="0"/>
-              <a:cs typeface="Microsoft Himalaya" panose="01010100010101010101" pitchFamily="2" charset="0"/>
-            </a:endParaRPr>
           </a:p>
         </p:txBody>
       </p:sp>
@@ -20703,46 +21029,53 @@
       </p:sp>
       <p:sp>
         <p:nvSpPr>
-          <p:cNvPr id="72" name="ZoneTexte 71"/>
-          <p:cNvSpPr txBox="1"/>
-          <p:nvPr/>
-        </p:nvSpPr>
-        <p:spPr>
-          <a:xfrm>
-            <a:off x="220436" y="5599126"/>
-            <a:ext cx="1533525" cy="276999"/>
-          </a:xfrm>
-          <a:prstGeom prst="rect">
-            <a:avLst/>
-          </a:prstGeom>
-          <a:noFill/>
-        </p:spPr>
-        <p:txBody>
-          <a:bodyPr wrap="square" rtlCol="0">
-            <a:spAutoFit/>
-          </a:bodyPr>
-          <a:lstStyle/>
-          <a:p>
-            <a:pPr algn="ctr"/>
-            <a:r>
-              <a:rPr lang="fr-FR" sz="1200" b="1" dirty="0" smtClean="0">
-                <a:solidFill>
-                  <a:srgbClr val="D5D5D5"/>
-                </a:solidFill>
-              </a:rPr>
-              <a:t>Déconnecter</a:t>
-            </a:r>
-            <a:endParaRPr lang="fr-FR" sz="1200" b="1" dirty="0">
-              <a:solidFill>
-                <a:srgbClr val="D5D5D5"/>
-              </a:solidFill>
-            </a:endParaRPr>
+          <p:cNvPr id="74" name="Ellipse 73"/>
+          <p:cNvSpPr/>
+          <p:nvPr/>
+        </p:nvSpPr>
+        <p:spPr>
+          <a:xfrm>
+            <a:off x="1080333" y="1210735"/>
+            <a:ext cx="202019" cy="187791"/>
+          </a:xfrm>
+          <a:prstGeom prst="ellipse">
+            <a:avLst/>
+          </a:prstGeom>
+          <a:solidFill>
+            <a:schemeClr val="tx1"/>
+          </a:solidFill>
+          <a:ln>
+            <a:noFill/>
+          </a:ln>
+        </p:spPr>
+        <p:style>
+          <a:lnRef idx="2">
+            <a:schemeClr val="accent1">
+              <a:shade val="50000"/>
+            </a:schemeClr>
+          </a:lnRef>
+          <a:fillRef idx="1">
+            <a:schemeClr val="accent1"/>
+          </a:fillRef>
+          <a:effectRef idx="0">
+            <a:schemeClr val="accent1"/>
+          </a:effectRef>
+          <a:fontRef idx="minor">
+            <a:schemeClr val="lt1"/>
+          </a:fontRef>
+        </p:style>
+        <p:txBody>
+          <a:bodyPr rtlCol="0" anchor="ctr"/>
+          <a:lstStyle/>
+          <a:p>
+            <a:pPr algn="ctr"/>
+            <a:endParaRPr lang="fr-FR"/>
           </a:p>
         </p:txBody>
       </p:sp>
       <p:pic>
         <p:nvPicPr>
-          <p:cNvPr id="73" name="Image 72"/>
+          <p:cNvPr id="75" name="Image 74"/>
           <p:cNvPicPr>
             <a:picLocks noChangeAspect="1"/>
           </p:cNvPicPr>
@@ -20761,9 +21094,78 @@
           </a:stretch>
         </p:blipFill>
         <p:spPr>
-          <a:xfrm>
-            <a:off x="179405" y="5571795"/>
-            <a:ext cx="281731" cy="281731"/>
+          <a:xfrm flipH="1">
+            <a:off x="1136834" y="1259699"/>
+            <a:ext cx="96653" cy="96653"/>
+          </a:xfrm>
+          <a:prstGeom prst="rect">
+            <a:avLst/>
+          </a:prstGeom>
+        </p:spPr>
+      </p:pic>
+      <p:sp>
+        <p:nvSpPr>
+          <p:cNvPr id="76" name="ZoneTexte 75"/>
+          <p:cNvSpPr txBox="1"/>
+          <p:nvPr/>
+        </p:nvSpPr>
+        <p:spPr>
+          <a:xfrm>
+            <a:off x="220436" y="5599126"/>
+            <a:ext cx="1533525" cy="276999"/>
+          </a:xfrm>
+          <a:prstGeom prst="rect">
+            <a:avLst/>
+          </a:prstGeom>
+          <a:noFill/>
+        </p:spPr>
+        <p:txBody>
+          <a:bodyPr wrap="square" rtlCol="0">
+            <a:spAutoFit/>
+          </a:bodyPr>
+          <a:lstStyle/>
+          <a:p>
+            <a:pPr algn="ctr"/>
+            <a:r>
+              <a:rPr lang="fr-FR" sz="1200" b="1" dirty="0" smtClean="0">
+                <a:solidFill>
+                  <a:srgbClr val="D5D5D5"/>
+                </a:solidFill>
+              </a:rPr>
+              <a:t>Déconnecter</a:t>
+            </a:r>
+            <a:endParaRPr lang="fr-FR" sz="1200" b="1" dirty="0">
+              <a:solidFill>
+                <a:srgbClr val="D5D5D5"/>
+              </a:solidFill>
+            </a:endParaRPr>
+          </a:p>
+        </p:txBody>
+      </p:sp>
+      <p:pic>
+        <p:nvPicPr>
+          <p:cNvPr id="77" name="Image 76"/>
+          <p:cNvPicPr>
+            <a:picLocks noChangeAspect="1"/>
+          </p:cNvPicPr>
+          <p:nvPr/>
+        </p:nvPicPr>
+        <p:blipFill>
+          <a:blip r:embed="rId21" cstate="print">
+            <a:extLst>
+              <a:ext uri="{28A0092B-C50C-407E-A947-70E740481C1C}">
+                <a14:useLocalDpi xmlns:a14="http://schemas.microsoft.com/office/drawing/2010/main" val="0"/>
+              </a:ext>
+            </a:extLst>
+          </a:blip>
+          <a:stretch>
+            <a:fillRect/>
+          </a:stretch>
+        </p:blipFill>
+        <p:spPr>
+          <a:xfrm>
+            <a:off x="208470" y="5593267"/>
+            <a:ext cx="274287" cy="274287"/>
           </a:xfrm>
           <a:prstGeom prst="rect">
             <a:avLst/>
@@ -22829,46 +23231,53 @@
       </p:sp>
       <p:sp>
         <p:nvSpPr>
-          <p:cNvPr id="50" name="ZoneTexte 49"/>
-          <p:cNvSpPr txBox="1"/>
-          <p:nvPr/>
-        </p:nvSpPr>
-        <p:spPr>
-          <a:xfrm>
-            <a:off x="220436" y="5599126"/>
-            <a:ext cx="1533525" cy="276999"/>
-          </a:xfrm>
-          <a:prstGeom prst="rect">
-            <a:avLst/>
-          </a:prstGeom>
-          <a:noFill/>
-        </p:spPr>
-        <p:txBody>
-          <a:bodyPr wrap="square" rtlCol="0">
-            <a:spAutoFit/>
-          </a:bodyPr>
-          <a:lstStyle/>
-          <a:p>
-            <a:pPr algn="ctr"/>
-            <a:r>
-              <a:rPr lang="fr-FR" sz="1200" b="1" dirty="0" smtClean="0">
-                <a:solidFill>
-                  <a:srgbClr val="D5D5D5"/>
-                </a:solidFill>
-              </a:rPr>
-              <a:t>Déconnecter</a:t>
-            </a:r>
-            <a:endParaRPr lang="fr-FR" sz="1200" b="1" dirty="0">
-              <a:solidFill>
-                <a:srgbClr val="D5D5D5"/>
-              </a:solidFill>
-            </a:endParaRPr>
+          <p:cNvPr id="52" name="Ellipse 51"/>
+          <p:cNvSpPr/>
+          <p:nvPr/>
+        </p:nvSpPr>
+        <p:spPr>
+          <a:xfrm>
+            <a:off x="1080333" y="1210735"/>
+            <a:ext cx="202019" cy="187791"/>
+          </a:xfrm>
+          <a:prstGeom prst="ellipse">
+            <a:avLst/>
+          </a:prstGeom>
+          <a:solidFill>
+            <a:schemeClr val="tx1"/>
+          </a:solidFill>
+          <a:ln>
+            <a:noFill/>
+          </a:ln>
+        </p:spPr>
+        <p:style>
+          <a:lnRef idx="2">
+            <a:schemeClr val="accent1">
+              <a:shade val="50000"/>
+            </a:schemeClr>
+          </a:lnRef>
+          <a:fillRef idx="1">
+            <a:schemeClr val="accent1"/>
+          </a:fillRef>
+          <a:effectRef idx="0">
+            <a:schemeClr val="accent1"/>
+          </a:effectRef>
+          <a:fontRef idx="minor">
+            <a:schemeClr val="lt1"/>
+          </a:fontRef>
+        </p:style>
+        <p:txBody>
+          <a:bodyPr rtlCol="0" anchor="ctr"/>
+          <a:lstStyle/>
+          <a:p>
+            <a:pPr algn="ctr"/>
+            <a:endParaRPr lang="fr-FR"/>
           </a:p>
         </p:txBody>
       </p:sp>
       <p:pic>
         <p:nvPicPr>
-          <p:cNvPr id="51" name="Image 50"/>
+          <p:cNvPr id="53" name="Image 52"/>
           <p:cNvPicPr>
             <a:picLocks noChangeAspect="1"/>
           </p:cNvPicPr>
@@ -22887,9 +23296,78 @@
           </a:stretch>
         </p:blipFill>
         <p:spPr>
-          <a:xfrm>
-            <a:off x="179405" y="5571795"/>
-            <a:ext cx="281731" cy="281731"/>
+          <a:xfrm flipH="1">
+            <a:off x="1136834" y="1259699"/>
+            <a:ext cx="96653" cy="96653"/>
+          </a:xfrm>
+          <a:prstGeom prst="rect">
+            <a:avLst/>
+          </a:prstGeom>
+        </p:spPr>
+      </p:pic>
+      <p:sp>
+        <p:nvSpPr>
+          <p:cNvPr id="57" name="ZoneTexte 56"/>
+          <p:cNvSpPr txBox="1"/>
+          <p:nvPr/>
+        </p:nvSpPr>
+        <p:spPr>
+          <a:xfrm>
+            <a:off x="220436" y="5599126"/>
+            <a:ext cx="1533525" cy="276999"/>
+          </a:xfrm>
+          <a:prstGeom prst="rect">
+            <a:avLst/>
+          </a:prstGeom>
+          <a:noFill/>
+        </p:spPr>
+        <p:txBody>
+          <a:bodyPr wrap="square" rtlCol="0">
+            <a:spAutoFit/>
+          </a:bodyPr>
+          <a:lstStyle/>
+          <a:p>
+            <a:pPr algn="ctr"/>
+            <a:r>
+              <a:rPr lang="fr-FR" sz="1200" b="1" dirty="0" smtClean="0">
+                <a:solidFill>
+                  <a:srgbClr val="D5D5D5"/>
+                </a:solidFill>
+              </a:rPr>
+              <a:t>Déconnecter</a:t>
+            </a:r>
+            <a:endParaRPr lang="fr-FR" sz="1200" b="1" dirty="0">
+              <a:solidFill>
+                <a:srgbClr val="D5D5D5"/>
+              </a:solidFill>
+            </a:endParaRPr>
+          </a:p>
+        </p:txBody>
+      </p:sp>
+      <p:pic>
+        <p:nvPicPr>
+          <p:cNvPr id="59" name="Image 58"/>
+          <p:cNvPicPr>
+            <a:picLocks noChangeAspect="1"/>
+          </p:cNvPicPr>
+          <p:nvPr/>
+        </p:nvPicPr>
+        <p:blipFill>
+          <a:blip r:embed="rId22" cstate="print">
+            <a:extLst>
+              <a:ext uri="{28A0092B-C50C-407E-A947-70E740481C1C}">
+                <a14:useLocalDpi xmlns:a14="http://schemas.microsoft.com/office/drawing/2010/main" val="0"/>
+              </a:ext>
+            </a:extLst>
+          </a:blip>
+          <a:stretch>
+            <a:fillRect/>
+          </a:stretch>
+        </p:blipFill>
+        <p:spPr>
+          <a:xfrm>
+            <a:off x="208470" y="5593267"/>
+            <a:ext cx="274287" cy="274287"/>
           </a:xfrm>
           <a:prstGeom prst="rect">
             <a:avLst/>
@@ -25071,46 +25549,53 @@
       </p:sp>
       <p:sp>
         <p:nvSpPr>
-          <p:cNvPr id="52" name="ZoneTexte 51"/>
-          <p:cNvSpPr txBox="1"/>
-          <p:nvPr/>
-        </p:nvSpPr>
-        <p:spPr>
-          <a:xfrm>
-            <a:off x="220436" y="5599126"/>
-            <a:ext cx="1533525" cy="276999"/>
-          </a:xfrm>
-          <a:prstGeom prst="rect">
-            <a:avLst/>
-          </a:prstGeom>
-          <a:noFill/>
-        </p:spPr>
-        <p:txBody>
-          <a:bodyPr wrap="square" rtlCol="0">
-            <a:spAutoFit/>
-          </a:bodyPr>
-          <a:lstStyle/>
-          <a:p>
-            <a:pPr algn="ctr"/>
-            <a:r>
-              <a:rPr lang="fr-FR" sz="1200" b="1" dirty="0" smtClean="0">
-                <a:solidFill>
-                  <a:srgbClr val="D5D5D5"/>
-                </a:solidFill>
-              </a:rPr>
-              <a:t>Déconnecter</a:t>
-            </a:r>
-            <a:endParaRPr lang="fr-FR" sz="1200" b="1" dirty="0">
-              <a:solidFill>
-                <a:srgbClr val="D5D5D5"/>
-              </a:solidFill>
-            </a:endParaRPr>
+          <p:cNvPr id="57" name="Ellipse 56"/>
+          <p:cNvSpPr/>
+          <p:nvPr/>
+        </p:nvSpPr>
+        <p:spPr>
+          <a:xfrm>
+            <a:off x="1080333" y="1210735"/>
+            <a:ext cx="202019" cy="187791"/>
+          </a:xfrm>
+          <a:prstGeom prst="ellipse">
+            <a:avLst/>
+          </a:prstGeom>
+          <a:solidFill>
+            <a:schemeClr val="tx1"/>
+          </a:solidFill>
+          <a:ln>
+            <a:noFill/>
+          </a:ln>
+        </p:spPr>
+        <p:style>
+          <a:lnRef idx="2">
+            <a:schemeClr val="accent1">
+              <a:shade val="50000"/>
+            </a:schemeClr>
+          </a:lnRef>
+          <a:fillRef idx="1">
+            <a:schemeClr val="accent1"/>
+          </a:fillRef>
+          <a:effectRef idx="0">
+            <a:schemeClr val="accent1"/>
+          </a:effectRef>
+          <a:fontRef idx="minor">
+            <a:schemeClr val="lt1"/>
+          </a:fontRef>
+        </p:style>
+        <p:txBody>
+          <a:bodyPr rtlCol="0" anchor="ctr"/>
+          <a:lstStyle/>
+          <a:p>
+            <a:pPr algn="ctr"/>
+            <a:endParaRPr lang="fr-FR"/>
           </a:p>
         </p:txBody>
       </p:sp>
       <p:pic>
         <p:nvPicPr>
-          <p:cNvPr id="53" name="Image 52"/>
+          <p:cNvPr id="59" name="Image 58"/>
           <p:cNvPicPr>
             <a:picLocks noChangeAspect="1"/>
           </p:cNvPicPr>
@@ -25129,9 +25614,78 @@
           </a:stretch>
         </p:blipFill>
         <p:spPr>
-          <a:xfrm>
-            <a:off x="179405" y="5571795"/>
-            <a:ext cx="281731" cy="281731"/>
+          <a:xfrm flipH="1">
+            <a:off x="1136834" y="1259699"/>
+            <a:ext cx="96653" cy="96653"/>
+          </a:xfrm>
+          <a:prstGeom prst="rect">
+            <a:avLst/>
+          </a:prstGeom>
+        </p:spPr>
+      </p:pic>
+      <p:sp>
+        <p:nvSpPr>
+          <p:cNvPr id="60" name="ZoneTexte 59"/>
+          <p:cNvSpPr txBox="1"/>
+          <p:nvPr/>
+        </p:nvSpPr>
+        <p:spPr>
+          <a:xfrm>
+            <a:off x="220436" y="5599126"/>
+            <a:ext cx="1533525" cy="276999"/>
+          </a:xfrm>
+          <a:prstGeom prst="rect">
+            <a:avLst/>
+          </a:prstGeom>
+          <a:noFill/>
+        </p:spPr>
+        <p:txBody>
+          <a:bodyPr wrap="square" rtlCol="0">
+            <a:spAutoFit/>
+          </a:bodyPr>
+          <a:lstStyle/>
+          <a:p>
+            <a:pPr algn="ctr"/>
+            <a:r>
+              <a:rPr lang="fr-FR" sz="1200" b="1" dirty="0" smtClean="0">
+                <a:solidFill>
+                  <a:srgbClr val="D5D5D5"/>
+                </a:solidFill>
+              </a:rPr>
+              <a:t>Déconnecter</a:t>
+            </a:r>
+            <a:endParaRPr lang="fr-FR" sz="1200" b="1" dirty="0">
+              <a:solidFill>
+                <a:srgbClr val="D5D5D5"/>
+              </a:solidFill>
+            </a:endParaRPr>
+          </a:p>
+        </p:txBody>
+      </p:sp>
+      <p:pic>
+        <p:nvPicPr>
+          <p:cNvPr id="61" name="Image 60"/>
+          <p:cNvPicPr>
+            <a:picLocks noChangeAspect="1"/>
+          </p:cNvPicPr>
+          <p:nvPr/>
+        </p:nvPicPr>
+        <p:blipFill>
+          <a:blip r:embed="rId22" cstate="print">
+            <a:extLst>
+              <a:ext uri="{28A0092B-C50C-407E-A947-70E740481C1C}">
+                <a14:useLocalDpi xmlns:a14="http://schemas.microsoft.com/office/drawing/2010/main" val="0"/>
+              </a:ext>
+            </a:extLst>
+          </a:blip>
+          <a:stretch>
+            <a:fillRect/>
+          </a:stretch>
+        </p:blipFill>
+        <p:spPr>
+          <a:xfrm>
+            <a:off x="208470" y="5593267"/>
+            <a:ext cx="274287" cy="274287"/>
           </a:xfrm>
           <a:prstGeom prst="rect">
             <a:avLst/>
@@ -27459,46 +28013,53 @@
       </p:sp>
       <p:sp>
         <p:nvSpPr>
-          <p:cNvPr id="57" name="ZoneTexte 56"/>
-          <p:cNvSpPr txBox="1"/>
-          <p:nvPr/>
-        </p:nvSpPr>
-        <p:spPr>
-          <a:xfrm>
-            <a:off x="220436" y="5599126"/>
-            <a:ext cx="1533525" cy="276999"/>
-          </a:xfrm>
-          <a:prstGeom prst="rect">
-            <a:avLst/>
-          </a:prstGeom>
-          <a:noFill/>
-        </p:spPr>
-        <p:txBody>
-          <a:bodyPr wrap="square" rtlCol="0">
-            <a:spAutoFit/>
-          </a:bodyPr>
-          <a:lstStyle/>
-          <a:p>
-            <a:pPr algn="ctr"/>
-            <a:r>
-              <a:rPr lang="fr-FR" sz="1200" b="1" dirty="0" smtClean="0">
-                <a:solidFill>
-                  <a:srgbClr val="D5D5D5"/>
-                </a:solidFill>
-              </a:rPr>
-              <a:t>Déconnecter</a:t>
-            </a:r>
-            <a:endParaRPr lang="fr-FR" sz="1200" b="1" dirty="0">
-              <a:solidFill>
-                <a:srgbClr val="D5D5D5"/>
-              </a:solidFill>
-            </a:endParaRPr>
+          <p:cNvPr id="59" name="Ellipse 58"/>
+          <p:cNvSpPr/>
+          <p:nvPr/>
+        </p:nvSpPr>
+        <p:spPr>
+          <a:xfrm>
+            <a:off x="1080333" y="1210735"/>
+            <a:ext cx="202019" cy="187791"/>
+          </a:xfrm>
+          <a:prstGeom prst="ellipse">
+            <a:avLst/>
+          </a:prstGeom>
+          <a:solidFill>
+            <a:schemeClr val="tx1"/>
+          </a:solidFill>
+          <a:ln>
+            <a:noFill/>
+          </a:ln>
+        </p:spPr>
+        <p:style>
+          <a:lnRef idx="2">
+            <a:schemeClr val="accent1">
+              <a:shade val="50000"/>
+            </a:schemeClr>
+          </a:lnRef>
+          <a:fillRef idx="1">
+            <a:schemeClr val="accent1"/>
+          </a:fillRef>
+          <a:effectRef idx="0">
+            <a:schemeClr val="accent1"/>
+          </a:effectRef>
+          <a:fontRef idx="minor">
+            <a:schemeClr val="lt1"/>
+          </a:fontRef>
+        </p:style>
+        <p:txBody>
+          <a:bodyPr rtlCol="0" anchor="ctr"/>
+          <a:lstStyle/>
+          <a:p>
+            <a:pPr algn="ctr"/>
+            <a:endParaRPr lang="fr-FR"/>
           </a:p>
         </p:txBody>
       </p:sp>
       <p:pic>
         <p:nvPicPr>
-          <p:cNvPr id="58" name="Image 57"/>
+          <p:cNvPr id="60" name="Image 59"/>
           <p:cNvPicPr>
             <a:picLocks noChangeAspect="1"/>
           </p:cNvPicPr>
@@ -27517,9 +28078,78 @@
           </a:stretch>
         </p:blipFill>
         <p:spPr>
-          <a:xfrm>
-            <a:off x="179405" y="5571795"/>
-            <a:ext cx="281731" cy="281731"/>
+          <a:xfrm flipH="1">
+            <a:off x="1136834" y="1259699"/>
+            <a:ext cx="96653" cy="96653"/>
+          </a:xfrm>
+          <a:prstGeom prst="rect">
+            <a:avLst/>
+          </a:prstGeom>
+        </p:spPr>
+      </p:pic>
+      <p:sp>
+        <p:nvSpPr>
+          <p:cNvPr id="70" name="ZoneTexte 69"/>
+          <p:cNvSpPr txBox="1"/>
+          <p:nvPr/>
+        </p:nvSpPr>
+        <p:spPr>
+          <a:xfrm>
+            <a:off x="220436" y="5599126"/>
+            <a:ext cx="1533525" cy="276999"/>
+          </a:xfrm>
+          <a:prstGeom prst="rect">
+            <a:avLst/>
+          </a:prstGeom>
+          <a:noFill/>
+        </p:spPr>
+        <p:txBody>
+          <a:bodyPr wrap="square" rtlCol="0">
+            <a:spAutoFit/>
+          </a:bodyPr>
+          <a:lstStyle/>
+          <a:p>
+            <a:pPr algn="ctr"/>
+            <a:r>
+              <a:rPr lang="fr-FR" sz="1200" b="1" dirty="0" smtClean="0">
+                <a:solidFill>
+                  <a:srgbClr val="D5D5D5"/>
+                </a:solidFill>
+              </a:rPr>
+              <a:t>Déconnecter</a:t>
+            </a:r>
+            <a:endParaRPr lang="fr-FR" sz="1200" b="1" dirty="0">
+              <a:solidFill>
+                <a:srgbClr val="D5D5D5"/>
+              </a:solidFill>
+            </a:endParaRPr>
+          </a:p>
+        </p:txBody>
+      </p:sp>
+      <p:pic>
+        <p:nvPicPr>
+          <p:cNvPr id="71" name="Image 70"/>
+          <p:cNvPicPr>
+            <a:picLocks noChangeAspect="1"/>
+          </p:cNvPicPr>
+          <p:nvPr/>
+        </p:nvPicPr>
+        <p:blipFill>
+          <a:blip r:embed="rId23" cstate="print">
+            <a:extLst>
+              <a:ext uri="{28A0092B-C50C-407E-A947-70E740481C1C}">
+                <a14:useLocalDpi xmlns:a14="http://schemas.microsoft.com/office/drawing/2010/main" val="0"/>
+              </a:ext>
+            </a:extLst>
+          </a:blip>
+          <a:stretch>
+            <a:fillRect/>
+          </a:stretch>
+        </p:blipFill>
+        <p:spPr>
+          <a:xfrm>
+            <a:off x="208470" y="5593267"/>
+            <a:ext cx="274287" cy="274287"/>
           </a:xfrm>
           <a:prstGeom prst="rect">
             <a:avLst/>
@@ -29695,46 +30325,53 @@
       </p:sp>
       <p:sp>
         <p:nvSpPr>
-          <p:cNvPr id="57" name="ZoneTexte 56"/>
-          <p:cNvSpPr txBox="1"/>
-          <p:nvPr/>
-        </p:nvSpPr>
-        <p:spPr>
-          <a:xfrm>
-            <a:off x="220436" y="5599126"/>
-            <a:ext cx="1533525" cy="276999"/>
-          </a:xfrm>
-          <a:prstGeom prst="rect">
-            <a:avLst/>
-          </a:prstGeom>
-          <a:noFill/>
-        </p:spPr>
-        <p:txBody>
-          <a:bodyPr wrap="square" rtlCol="0">
-            <a:spAutoFit/>
-          </a:bodyPr>
-          <a:lstStyle/>
-          <a:p>
-            <a:pPr algn="ctr"/>
-            <a:r>
-              <a:rPr lang="fr-FR" sz="1200" b="1" dirty="0" smtClean="0">
-                <a:solidFill>
-                  <a:srgbClr val="D5D5D5"/>
-                </a:solidFill>
-              </a:rPr>
-              <a:t>Déconnecter</a:t>
-            </a:r>
-            <a:endParaRPr lang="fr-FR" sz="1200" b="1" dirty="0">
-              <a:solidFill>
-                <a:srgbClr val="D5D5D5"/>
-              </a:solidFill>
-            </a:endParaRPr>
+          <p:cNvPr id="59" name="Ellipse 58"/>
+          <p:cNvSpPr/>
+          <p:nvPr/>
+        </p:nvSpPr>
+        <p:spPr>
+          <a:xfrm>
+            <a:off x="1080333" y="1210735"/>
+            <a:ext cx="202019" cy="187791"/>
+          </a:xfrm>
+          <a:prstGeom prst="ellipse">
+            <a:avLst/>
+          </a:prstGeom>
+          <a:solidFill>
+            <a:schemeClr val="tx1"/>
+          </a:solidFill>
+          <a:ln>
+            <a:noFill/>
+          </a:ln>
+        </p:spPr>
+        <p:style>
+          <a:lnRef idx="2">
+            <a:schemeClr val="accent1">
+              <a:shade val="50000"/>
+            </a:schemeClr>
+          </a:lnRef>
+          <a:fillRef idx="1">
+            <a:schemeClr val="accent1"/>
+          </a:fillRef>
+          <a:effectRef idx="0">
+            <a:schemeClr val="accent1"/>
+          </a:effectRef>
+          <a:fontRef idx="minor">
+            <a:schemeClr val="lt1"/>
+          </a:fontRef>
+        </p:style>
+        <p:txBody>
+          <a:bodyPr rtlCol="0" anchor="ctr"/>
+          <a:lstStyle/>
+          <a:p>
+            <a:pPr algn="ctr"/>
+            <a:endParaRPr lang="fr-FR"/>
           </a:p>
         </p:txBody>
       </p:sp>
       <p:pic>
         <p:nvPicPr>
-          <p:cNvPr id="58" name="Image 57"/>
+          <p:cNvPr id="60" name="Image 59"/>
           <p:cNvPicPr>
             <a:picLocks noChangeAspect="1"/>
           </p:cNvPicPr>
@@ -29753,9 +30390,78 @@
           </a:stretch>
         </p:blipFill>
         <p:spPr>
-          <a:xfrm>
-            <a:off x="179405" y="5571795"/>
-            <a:ext cx="281731" cy="281731"/>
+          <a:xfrm flipH="1">
+            <a:off x="1136834" y="1259699"/>
+            <a:ext cx="96653" cy="96653"/>
+          </a:xfrm>
+          <a:prstGeom prst="rect">
+            <a:avLst/>
+          </a:prstGeom>
+        </p:spPr>
+      </p:pic>
+      <p:sp>
+        <p:nvSpPr>
+          <p:cNvPr id="61" name="ZoneTexte 60"/>
+          <p:cNvSpPr txBox="1"/>
+          <p:nvPr/>
+        </p:nvSpPr>
+        <p:spPr>
+          <a:xfrm>
+            <a:off x="220436" y="5599126"/>
+            <a:ext cx="1533525" cy="276999"/>
+          </a:xfrm>
+          <a:prstGeom prst="rect">
+            <a:avLst/>
+          </a:prstGeom>
+          <a:noFill/>
+        </p:spPr>
+        <p:txBody>
+          <a:bodyPr wrap="square" rtlCol="0">
+            <a:spAutoFit/>
+          </a:bodyPr>
+          <a:lstStyle/>
+          <a:p>
+            <a:pPr algn="ctr"/>
+            <a:r>
+              <a:rPr lang="fr-FR" sz="1200" b="1" dirty="0" smtClean="0">
+                <a:solidFill>
+                  <a:srgbClr val="D5D5D5"/>
+                </a:solidFill>
+              </a:rPr>
+              <a:t>Déconnecter</a:t>
+            </a:r>
+            <a:endParaRPr lang="fr-FR" sz="1200" b="1" dirty="0">
+              <a:solidFill>
+                <a:srgbClr val="D5D5D5"/>
+              </a:solidFill>
+            </a:endParaRPr>
+          </a:p>
+        </p:txBody>
+      </p:sp>
+      <p:pic>
+        <p:nvPicPr>
+          <p:cNvPr id="62" name="Image 61"/>
+          <p:cNvPicPr>
+            <a:picLocks noChangeAspect="1"/>
+          </p:cNvPicPr>
+          <p:nvPr/>
+        </p:nvPicPr>
+        <p:blipFill>
+          <a:blip r:embed="rId21" cstate="print">
+            <a:extLst>
+              <a:ext uri="{28A0092B-C50C-407E-A947-70E740481C1C}">
+                <a14:useLocalDpi xmlns:a14="http://schemas.microsoft.com/office/drawing/2010/main" val="0"/>
+              </a:ext>
+            </a:extLst>
+          </a:blip>
+          <a:stretch>
+            <a:fillRect/>
+          </a:stretch>
+        </p:blipFill>
+        <p:spPr>
+          <a:xfrm>
+            <a:off x="208470" y="5593267"/>
+            <a:ext cx="274287" cy="274287"/>
           </a:xfrm>
           <a:prstGeom prst="rect">
             <a:avLst/>
@@ -32907,46 +33613,53 @@
       </p:pic>
       <p:sp>
         <p:nvSpPr>
-          <p:cNvPr id="65" name="ZoneTexte 64"/>
-          <p:cNvSpPr txBox="1"/>
-          <p:nvPr/>
-        </p:nvSpPr>
-        <p:spPr>
-          <a:xfrm>
-            <a:off x="220436" y="5599126"/>
-            <a:ext cx="1533525" cy="276999"/>
-          </a:xfrm>
-          <a:prstGeom prst="rect">
-            <a:avLst/>
-          </a:prstGeom>
-          <a:noFill/>
-        </p:spPr>
-        <p:txBody>
-          <a:bodyPr wrap="square" rtlCol="0">
-            <a:spAutoFit/>
-          </a:bodyPr>
-          <a:lstStyle/>
-          <a:p>
-            <a:pPr algn="ctr"/>
-            <a:r>
-              <a:rPr lang="fr-FR" sz="1200" b="1" dirty="0" smtClean="0">
-                <a:solidFill>
-                  <a:srgbClr val="D5D5D5"/>
-                </a:solidFill>
-              </a:rPr>
-              <a:t>Déconnecter</a:t>
-            </a:r>
-            <a:endParaRPr lang="fr-FR" sz="1200" b="1" dirty="0">
-              <a:solidFill>
-                <a:srgbClr val="D5D5D5"/>
-              </a:solidFill>
-            </a:endParaRPr>
+          <p:cNvPr id="71" name="Ellipse 70"/>
+          <p:cNvSpPr/>
+          <p:nvPr/>
+        </p:nvSpPr>
+        <p:spPr>
+          <a:xfrm>
+            <a:off x="1080333" y="1210735"/>
+            <a:ext cx="202019" cy="187791"/>
+          </a:xfrm>
+          <a:prstGeom prst="ellipse">
+            <a:avLst/>
+          </a:prstGeom>
+          <a:solidFill>
+            <a:schemeClr val="tx1"/>
+          </a:solidFill>
+          <a:ln>
+            <a:noFill/>
+          </a:ln>
+        </p:spPr>
+        <p:style>
+          <a:lnRef idx="2">
+            <a:schemeClr val="accent1">
+              <a:shade val="50000"/>
+            </a:schemeClr>
+          </a:lnRef>
+          <a:fillRef idx="1">
+            <a:schemeClr val="accent1"/>
+          </a:fillRef>
+          <a:effectRef idx="0">
+            <a:schemeClr val="accent1"/>
+          </a:effectRef>
+          <a:fontRef idx="minor">
+            <a:schemeClr val="lt1"/>
+          </a:fontRef>
+        </p:style>
+        <p:txBody>
+          <a:bodyPr rtlCol="0" anchor="ctr"/>
+          <a:lstStyle/>
+          <a:p>
+            <a:pPr algn="ctr"/>
+            <a:endParaRPr lang="fr-FR"/>
           </a:p>
         </p:txBody>
       </p:sp>
       <p:pic>
         <p:nvPicPr>
-          <p:cNvPr id="68" name="Image 67"/>
+          <p:cNvPr id="72" name="Image 71"/>
           <p:cNvPicPr>
             <a:picLocks noChangeAspect="1"/>
           </p:cNvPicPr>
@@ -32965,9 +33678,78 @@
           </a:stretch>
         </p:blipFill>
         <p:spPr>
-          <a:xfrm>
-            <a:off x="179405" y="5571795"/>
-            <a:ext cx="281731" cy="281731"/>
+          <a:xfrm flipH="1">
+            <a:off x="1136834" y="1259699"/>
+            <a:ext cx="96653" cy="96653"/>
+          </a:xfrm>
+          <a:prstGeom prst="rect">
+            <a:avLst/>
+          </a:prstGeom>
+        </p:spPr>
+      </p:pic>
+      <p:sp>
+        <p:nvSpPr>
+          <p:cNvPr id="73" name="ZoneTexte 72"/>
+          <p:cNvSpPr txBox="1"/>
+          <p:nvPr/>
+        </p:nvSpPr>
+        <p:spPr>
+          <a:xfrm>
+            <a:off x="220436" y="5599126"/>
+            <a:ext cx="1533525" cy="276999"/>
+          </a:xfrm>
+          <a:prstGeom prst="rect">
+            <a:avLst/>
+          </a:prstGeom>
+          <a:noFill/>
+        </p:spPr>
+        <p:txBody>
+          <a:bodyPr wrap="square" rtlCol="0">
+            <a:spAutoFit/>
+          </a:bodyPr>
+          <a:lstStyle/>
+          <a:p>
+            <a:pPr algn="ctr"/>
+            <a:r>
+              <a:rPr lang="fr-FR" sz="1200" b="1" dirty="0" smtClean="0">
+                <a:solidFill>
+                  <a:srgbClr val="D5D5D5"/>
+                </a:solidFill>
+              </a:rPr>
+              <a:t>Déconnecter</a:t>
+            </a:r>
+            <a:endParaRPr lang="fr-FR" sz="1200" b="1" dirty="0">
+              <a:solidFill>
+                <a:srgbClr val="D5D5D5"/>
+              </a:solidFill>
+            </a:endParaRPr>
+          </a:p>
+        </p:txBody>
+      </p:sp>
+      <p:pic>
+        <p:nvPicPr>
+          <p:cNvPr id="74" name="Image 73"/>
+          <p:cNvPicPr>
+            <a:picLocks noChangeAspect="1"/>
+          </p:cNvPicPr>
+          <p:nvPr/>
+        </p:nvPicPr>
+        <p:blipFill>
+          <a:blip r:embed="rId23" cstate="print">
+            <a:extLst>
+              <a:ext uri="{28A0092B-C50C-407E-A947-70E740481C1C}">
+                <a14:useLocalDpi xmlns:a14="http://schemas.microsoft.com/office/drawing/2010/main" val="0"/>
+              </a:ext>
+            </a:extLst>
+          </a:blip>
+          <a:stretch>
+            <a:fillRect/>
+          </a:stretch>
+        </p:blipFill>
+        <p:spPr>
+          <a:xfrm>
+            <a:off x="208470" y="5593267"/>
+            <a:ext cx="274287" cy="274287"/>
           </a:xfrm>
           <a:prstGeom prst="rect">
             <a:avLst/>
@@ -35034,46 +35816,53 @@
       </p:sp>
       <p:sp>
         <p:nvSpPr>
-          <p:cNvPr id="52" name="ZoneTexte 51"/>
-          <p:cNvSpPr txBox="1"/>
-          <p:nvPr/>
-        </p:nvSpPr>
-        <p:spPr>
-          <a:xfrm>
-            <a:off x="220436" y="5599126"/>
-            <a:ext cx="1533525" cy="276999"/>
-          </a:xfrm>
-          <a:prstGeom prst="rect">
-            <a:avLst/>
-          </a:prstGeom>
-          <a:noFill/>
-        </p:spPr>
-        <p:txBody>
-          <a:bodyPr wrap="square" rtlCol="0">
-            <a:spAutoFit/>
-          </a:bodyPr>
-          <a:lstStyle/>
-          <a:p>
-            <a:pPr algn="ctr"/>
-            <a:r>
-              <a:rPr lang="fr-FR" sz="1200" b="1" dirty="0" smtClean="0">
-                <a:solidFill>
-                  <a:srgbClr val="D5D5D5"/>
-                </a:solidFill>
-              </a:rPr>
-              <a:t>Déconnecter</a:t>
-            </a:r>
-            <a:endParaRPr lang="fr-FR" sz="1200" b="1" dirty="0">
-              <a:solidFill>
-                <a:srgbClr val="D5D5D5"/>
-              </a:solidFill>
-            </a:endParaRPr>
+          <p:cNvPr id="54" name="Ellipse 53"/>
+          <p:cNvSpPr/>
+          <p:nvPr/>
+        </p:nvSpPr>
+        <p:spPr>
+          <a:xfrm>
+            <a:off x="1080333" y="1210735"/>
+            <a:ext cx="202019" cy="187791"/>
+          </a:xfrm>
+          <a:prstGeom prst="ellipse">
+            <a:avLst/>
+          </a:prstGeom>
+          <a:solidFill>
+            <a:schemeClr val="tx1"/>
+          </a:solidFill>
+          <a:ln>
+            <a:noFill/>
+          </a:ln>
+        </p:spPr>
+        <p:style>
+          <a:lnRef idx="2">
+            <a:schemeClr val="accent1">
+              <a:shade val="50000"/>
+            </a:schemeClr>
+          </a:lnRef>
+          <a:fillRef idx="1">
+            <a:schemeClr val="accent1"/>
+          </a:fillRef>
+          <a:effectRef idx="0">
+            <a:schemeClr val="accent1"/>
+          </a:effectRef>
+          <a:fontRef idx="minor">
+            <a:schemeClr val="lt1"/>
+          </a:fontRef>
+        </p:style>
+        <p:txBody>
+          <a:bodyPr rtlCol="0" anchor="ctr"/>
+          <a:lstStyle/>
+          <a:p>
+            <a:pPr algn="ctr"/>
+            <a:endParaRPr lang="fr-FR"/>
           </a:p>
         </p:txBody>
       </p:sp>
       <p:pic>
         <p:nvPicPr>
-          <p:cNvPr id="53" name="Image 52"/>
+          <p:cNvPr id="55" name="Image 54"/>
           <p:cNvPicPr>
             <a:picLocks noChangeAspect="1"/>
           </p:cNvPicPr>
@@ -35092,9 +35881,78 @@
           </a:stretch>
         </p:blipFill>
         <p:spPr>
-          <a:xfrm>
-            <a:off x="179405" y="5571795"/>
-            <a:ext cx="281731" cy="281731"/>
+          <a:xfrm flipH="1">
+            <a:off x="1136834" y="1259699"/>
+            <a:ext cx="96653" cy="96653"/>
+          </a:xfrm>
+          <a:prstGeom prst="rect">
+            <a:avLst/>
+          </a:prstGeom>
+        </p:spPr>
+      </p:pic>
+      <p:sp>
+        <p:nvSpPr>
+          <p:cNvPr id="56" name="ZoneTexte 55"/>
+          <p:cNvSpPr txBox="1"/>
+          <p:nvPr/>
+        </p:nvSpPr>
+        <p:spPr>
+          <a:xfrm>
+            <a:off x="220436" y="5599126"/>
+            <a:ext cx="1533525" cy="276999"/>
+          </a:xfrm>
+          <a:prstGeom prst="rect">
+            <a:avLst/>
+          </a:prstGeom>
+          <a:noFill/>
+        </p:spPr>
+        <p:txBody>
+          <a:bodyPr wrap="square" rtlCol="0">
+            <a:spAutoFit/>
+          </a:bodyPr>
+          <a:lstStyle/>
+          <a:p>
+            <a:pPr algn="ctr"/>
+            <a:r>
+              <a:rPr lang="fr-FR" sz="1200" b="1" dirty="0" smtClean="0">
+                <a:solidFill>
+                  <a:srgbClr val="D5D5D5"/>
+                </a:solidFill>
+              </a:rPr>
+              <a:t>Déconnecter</a:t>
+            </a:r>
+            <a:endParaRPr lang="fr-FR" sz="1200" b="1" dirty="0">
+              <a:solidFill>
+                <a:srgbClr val="D5D5D5"/>
+              </a:solidFill>
+            </a:endParaRPr>
+          </a:p>
+        </p:txBody>
+      </p:sp>
+      <p:pic>
+        <p:nvPicPr>
+          <p:cNvPr id="57" name="Image 56"/>
+          <p:cNvPicPr>
+            <a:picLocks noChangeAspect="1"/>
+          </p:cNvPicPr>
+          <p:nvPr/>
+        </p:nvPicPr>
+        <p:blipFill>
+          <a:blip r:embed="rId21" cstate="print">
+            <a:extLst>
+              <a:ext uri="{28A0092B-C50C-407E-A947-70E740481C1C}">
+                <a14:useLocalDpi xmlns:a14="http://schemas.microsoft.com/office/drawing/2010/main" val="0"/>
+              </a:ext>
+            </a:extLst>
+          </a:blip>
+          <a:stretch>
+            <a:fillRect/>
+          </a:stretch>
+        </p:blipFill>
+        <p:spPr>
+          <a:xfrm>
+            <a:off x="208470" y="5593267"/>
+            <a:ext cx="274287" cy="274287"/>
           </a:xfrm>
           <a:prstGeom prst="rect">
             <a:avLst/>
@@ -37317,46 +38175,53 @@
       </p:pic>
       <p:sp>
         <p:nvSpPr>
-          <p:cNvPr id="58" name="ZoneTexte 57"/>
-          <p:cNvSpPr txBox="1"/>
-          <p:nvPr/>
-        </p:nvSpPr>
-        <p:spPr>
-          <a:xfrm>
-            <a:off x="220436" y="5599126"/>
-            <a:ext cx="1533525" cy="276999"/>
-          </a:xfrm>
-          <a:prstGeom prst="rect">
-            <a:avLst/>
-          </a:prstGeom>
-          <a:noFill/>
-        </p:spPr>
-        <p:txBody>
-          <a:bodyPr wrap="square" rtlCol="0">
-            <a:spAutoFit/>
-          </a:bodyPr>
-          <a:lstStyle/>
-          <a:p>
-            <a:pPr algn="ctr"/>
-            <a:r>
-              <a:rPr lang="fr-FR" sz="1200" b="1" dirty="0" smtClean="0">
-                <a:solidFill>
-                  <a:srgbClr val="D5D5D5"/>
-                </a:solidFill>
-              </a:rPr>
-              <a:t>Déconnecter</a:t>
-            </a:r>
-            <a:endParaRPr lang="fr-FR" sz="1200" b="1" dirty="0">
-              <a:solidFill>
-                <a:srgbClr val="D5D5D5"/>
-              </a:solidFill>
-            </a:endParaRPr>
+          <p:cNvPr id="60" name="Ellipse 59"/>
+          <p:cNvSpPr/>
+          <p:nvPr/>
+        </p:nvSpPr>
+        <p:spPr>
+          <a:xfrm>
+            <a:off x="1080333" y="1210735"/>
+            <a:ext cx="202019" cy="187791"/>
+          </a:xfrm>
+          <a:prstGeom prst="ellipse">
+            <a:avLst/>
+          </a:prstGeom>
+          <a:solidFill>
+            <a:schemeClr val="tx1"/>
+          </a:solidFill>
+          <a:ln>
+            <a:noFill/>
+          </a:ln>
+        </p:spPr>
+        <p:style>
+          <a:lnRef idx="2">
+            <a:schemeClr val="accent1">
+              <a:shade val="50000"/>
+            </a:schemeClr>
+          </a:lnRef>
+          <a:fillRef idx="1">
+            <a:schemeClr val="accent1"/>
+          </a:fillRef>
+          <a:effectRef idx="0">
+            <a:schemeClr val="accent1"/>
+          </a:effectRef>
+          <a:fontRef idx="minor">
+            <a:schemeClr val="lt1"/>
+          </a:fontRef>
+        </p:style>
+        <p:txBody>
+          <a:bodyPr rtlCol="0" anchor="ctr"/>
+          <a:lstStyle/>
+          <a:p>
+            <a:pPr algn="ctr"/>
+            <a:endParaRPr lang="fr-FR"/>
           </a:p>
         </p:txBody>
       </p:sp>
       <p:pic>
         <p:nvPicPr>
-          <p:cNvPr id="59" name="Image 58"/>
+          <p:cNvPr id="61" name="Image 60"/>
           <p:cNvPicPr>
             <a:picLocks noChangeAspect="1"/>
           </p:cNvPicPr>
@@ -37375,9 +38240,78 @@
           </a:stretch>
         </p:blipFill>
         <p:spPr>
-          <a:xfrm>
-            <a:off x="179405" y="5571795"/>
-            <a:ext cx="281731" cy="281731"/>
+          <a:xfrm flipH="1">
+            <a:off x="1136834" y="1259699"/>
+            <a:ext cx="96653" cy="96653"/>
+          </a:xfrm>
+          <a:prstGeom prst="rect">
+            <a:avLst/>
+          </a:prstGeom>
+        </p:spPr>
+      </p:pic>
+      <p:sp>
+        <p:nvSpPr>
+          <p:cNvPr id="62" name="ZoneTexte 61"/>
+          <p:cNvSpPr txBox="1"/>
+          <p:nvPr/>
+        </p:nvSpPr>
+        <p:spPr>
+          <a:xfrm>
+            <a:off x="220436" y="5599126"/>
+            <a:ext cx="1533525" cy="276999"/>
+          </a:xfrm>
+          <a:prstGeom prst="rect">
+            <a:avLst/>
+          </a:prstGeom>
+          <a:noFill/>
+        </p:spPr>
+        <p:txBody>
+          <a:bodyPr wrap="square" rtlCol="0">
+            <a:spAutoFit/>
+          </a:bodyPr>
+          <a:lstStyle/>
+          <a:p>
+            <a:pPr algn="ctr"/>
+            <a:r>
+              <a:rPr lang="fr-FR" sz="1200" b="1" dirty="0" smtClean="0">
+                <a:solidFill>
+                  <a:srgbClr val="D5D5D5"/>
+                </a:solidFill>
+              </a:rPr>
+              <a:t>Déconnecter</a:t>
+            </a:r>
+            <a:endParaRPr lang="fr-FR" sz="1200" b="1" dirty="0">
+              <a:solidFill>
+                <a:srgbClr val="D5D5D5"/>
+              </a:solidFill>
+            </a:endParaRPr>
+          </a:p>
+        </p:txBody>
+      </p:sp>
+      <p:pic>
+        <p:nvPicPr>
+          <p:cNvPr id="63" name="Image 62"/>
+          <p:cNvPicPr>
+            <a:picLocks noChangeAspect="1"/>
+          </p:cNvPicPr>
+          <p:nvPr/>
+        </p:nvPicPr>
+        <p:blipFill>
+          <a:blip r:embed="rId22" cstate="print">
+            <a:extLst>
+              <a:ext uri="{28A0092B-C50C-407E-A947-70E740481C1C}">
+                <a14:useLocalDpi xmlns:a14="http://schemas.microsoft.com/office/drawing/2010/main" val="0"/>
+              </a:ext>
+            </a:extLst>
+          </a:blip>
+          <a:stretch>
+            <a:fillRect/>
+          </a:stretch>
+        </p:blipFill>
+        <p:spPr>
+          <a:xfrm>
+            <a:off x="208470" y="5593267"/>
+            <a:ext cx="274287" cy="274287"/>
           </a:xfrm>
           <a:prstGeom prst="rect">
             <a:avLst/>
@@ -39729,6 +40663,151 @@
           <a:p>
             <a:pPr algn="ctr"/>
             <a:endParaRPr lang="fr-FR"/>
+          </a:p>
+        </p:txBody>
+      </p:sp>
+      <p:sp>
+        <p:nvSpPr>
+          <p:cNvPr id="57" name="Ellipse 56"/>
+          <p:cNvSpPr/>
+          <p:nvPr/>
+        </p:nvSpPr>
+        <p:spPr>
+          <a:xfrm>
+            <a:off x="1080333" y="1210735"/>
+            <a:ext cx="202019" cy="187791"/>
+          </a:xfrm>
+          <a:prstGeom prst="ellipse">
+            <a:avLst/>
+          </a:prstGeom>
+          <a:solidFill>
+            <a:schemeClr val="tx1"/>
+          </a:solidFill>
+          <a:ln>
+            <a:noFill/>
+          </a:ln>
+        </p:spPr>
+        <p:style>
+          <a:lnRef idx="2">
+            <a:schemeClr val="accent1">
+              <a:shade val="50000"/>
+            </a:schemeClr>
+          </a:lnRef>
+          <a:fillRef idx="1">
+            <a:schemeClr val="accent1"/>
+          </a:fillRef>
+          <a:effectRef idx="0">
+            <a:schemeClr val="accent1"/>
+          </a:effectRef>
+          <a:fontRef idx="minor">
+            <a:schemeClr val="lt1"/>
+          </a:fontRef>
+        </p:style>
+        <p:txBody>
+          <a:bodyPr rtlCol="0" anchor="ctr"/>
+          <a:lstStyle/>
+          <a:p>
+            <a:pPr algn="ctr"/>
+            <a:endParaRPr lang="fr-FR"/>
+          </a:p>
+        </p:txBody>
+      </p:sp>
+      <p:pic>
+        <p:nvPicPr>
+          <p:cNvPr id="58" name="Image 57"/>
+          <p:cNvPicPr>
+            <a:picLocks noChangeAspect="1"/>
+          </p:cNvPicPr>
+          <p:nvPr/>
+        </p:nvPicPr>
+        <p:blipFill>
+          <a:blip r:embed="rId20" cstate="print">
+            <a:extLst>
+              <a:ext uri="{28A0092B-C50C-407E-A947-70E740481C1C}">
+                <a14:useLocalDpi xmlns:a14="http://schemas.microsoft.com/office/drawing/2010/main" val="0"/>
+              </a:ext>
+            </a:extLst>
+          </a:blip>
+          <a:stretch>
+            <a:fillRect/>
+          </a:stretch>
+        </p:blipFill>
+        <p:spPr>
+          <a:xfrm flipH="1">
+            <a:off x="1136834" y="1259699"/>
+            <a:ext cx="96653" cy="96653"/>
+          </a:xfrm>
+          <a:prstGeom prst="rect">
+            <a:avLst/>
+          </a:prstGeom>
+        </p:spPr>
+      </p:pic>
+      <p:pic>
+        <p:nvPicPr>
+          <p:cNvPr id="59" name="Image 58"/>
+          <p:cNvPicPr>
+            <a:picLocks noChangeAspect="1"/>
+          </p:cNvPicPr>
+          <p:nvPr/>
+        </p:nvPicPr>
+        <p:blipFill>
+          <a:blip r:embed="rId21" cstate="print">
+            <a:extLst>
+              <a:ext uri="{28A0092B-C50C-407E-A947-70E740481C1C}">
+                <a14:useLocalDpi xmlns:a14="http://schemas.microsoft.com/office/drawing/2010/main" val="0"/>
+              </a:ext>
+            </a:extLst>
+          </a:blip>
+          <a:stretch>
+            <a:fillRect/>
+          </a:stretch>
+        </p:blipFill>
+        <p:spPr>
+          <a:xfrm>
+            <a:off x="208470" y="5593267"/>
+            <a:ext cx="274287" cy="274287"/>
+          </a:xfrm>
+          <a:prstGeom prst="rect">
+            <a:avLst/>
+          </a:prstGeom>
+        </p:spPr>
+      </p:pic>
+      <p:sp>
+        <p:nvSpPr>
+          <p:cNvPr id="60" name="ZoneTexte 59"/>
+          <p:cNvSpPr txBox="1"/>
+          <p:nvPr/>
+        </p:nvSpPr>
+        <p:spPr>
+          <a:xfrm>
+            <a:off x="220436" y="5599126"/>
+            <a:ext cx="1533525" cy="276999"/>
+          </a:xfrm>
+          <a:prstGeom prst="rect">
+            <a:avLst/>
+          </a:prstGeom>
+          <a:noFill/>
+        </p:spPr>
+        <p:txBody>
+          <a:bodyPr wrap="square" rtlCol="0">
+            <a:spAutoFit/>
+          </a:bodyPr>
+          <a:lstStyle/>
+          <a:p>
+            <a:pPr algn="ctr"/>
+            <a:r>
+              <a:rPr lang="fr-FR" sz="1200" b="1" dirty="0" smtClean="0">
+                <a:solidFill>
+                  <a:srgbClr val="D5D5D5"/>
+                </a:solidFill>
+              </a:rPr>
+              <a:t>Déconnecter</a:t>
+            </a:r>
+            <a:endParaRPr lang="fr-FR" sz="1200" b="1" dirty="0">
+              <a:solidFill>
+                <a:srgbClr val="D5D5D5"/>
+              </a:solidFill>
+            </a:endParaRPr>
           </a:p>
         </p:txBody>
       </p:sp>
@@ -41691,9 +42770,55 @@
           </a:p>
         </p:txBody>
       </p:sp>
+      <p:sp>
+        <p:nvSpPr>
+          <p:cNvPr id="50" name="Ellipse 49"/>
+          <p:cNvSpPr/>
+          <p:nvPr/>
+        </p:nvSpPr>
+        <p:spPr>
+          <a:xfrm>
+            <a:off x="1080333" y="1210735"/>
+            <a:ext cx="202019" cy="187791"/>
+          </a:xfrm>
+          <a:prstGeom prst="ellipse">
+            <a:avLst/>
+          </a:prstGeom>
+          <a:solidFill>
+            <a:schemeClr val="tx1"/>
+          </a:solidFill>
+          <a:ln>
+            <a:noFill/>
+          </a:ln>
+        </p:spPr>
+        <p:style>
+          <a:lnRef idx="2">
+            <a:schemeClr val="accent1">
+              <a:shade val="50000"/>
+            </a:schemeClr>
+          </a:lnRef>
+          <a:fillRef idx="1">
+            <a:schemeClr val="accent1"/>
+          </a:fillRef>
+          <a:effectRef idx="0">
+            <a:schemeClr val="accent1"/>
+          </a:effectRef>
+          <a:fontRef idx="minor">
+            <a:schemeClr val="lt1"/>
+          </a:fontRef>
+        </p:style>
+        <p:txBody>
+          <a:bodyPr rtlCol="0" anchor="ctr"/>
+          <a:lstStyle/>
+          <a:p>
+            <a:pPr algn="ctr"/>
+            <a:endParaRPr lang="fr-FR"/>
+          </a:p>
+        </p:txBody>
+      </p:sp>
       <p:pic>
         <p:nvPicPr>
-          <p:cNvPr id="49" name="Image 48"/>
+          <p:cNvPr id="51" name="Image 50"/>
           <p:cNvPicPr>
             <a:picLocks noChangeAspect="1"/>
           </p:cNvPicPr>
@@ -41712,9 +42837,39 @@
           </a:stretch>
         </p:blipFill>
         <p:spPr>
-          <a:xfrm>
-            <a:off x="179405" y="5571795"/>
-            <a:ext cx="281731" cy="281731"/>
+          <a:xfrm flipH="1">
+            <a:off x="1136834" y="1259699"/>
+            <a:ext cx="96653" cy="96653"/>
+          </a:xfrm>
+          <a:prstGeom prst="rect">
+            <a:avLst/>
+          </a:prstGeom>
+        </p:spPr>
+      </p:pic>
+      <p:pic>
+        <p:nvPicPr>
+          <p:cNvPr id="52" name="Image 51"/>
+          <p:cNvPicPr>
+            <a:picLocks noChangeAspect="1"/>
+          </p:cNvPicPr>
+          <p:nvPr/>
+        </p:nvPicPr>
+        <p:blipFill>
+          <a:blip r:embed="rId18" cstate="print">
+            <a:extLst>
+              <a:ext uri="{28A0092B-C50C-407E-A947-70E740481C1C}">
+                <a14:useLocalDpi xmlns:a14="http://schemas.microsoft.com/office/drawing/2010/main" val="0"/>
+              </a:ext>
+            </a:extLst>
+          </a:blip>
+          <a:stretch>
+            <a:fillRect/>
+          </a:stretch>
+        </p:blipFill>
+        <p:spPr>
+          <a:xfrm>
+            <a:off x="208470" y="5593267"/>
+            <a:ext cx="274287" cy="274287"/>
           </a:xfrm>
           <a:prstGeom prst="rect">
             <a:avLst/>
@@ -42822,9 +43977,55 @@
           </a:p>
         </p:txBody>
       </p:sp>
+      <p:sp>
+        <p:nvSpPr>
+          <p:cNvPr id="30" name="Ellipse 29"/>
+          <p:cNvSpPr/>
+          <p:nvPr/>
+        </p:nvSpPr>
+        <p:spPr>
+          <a:xfrm>
+            <a:off x="1080333" y="1210735"/>
+            <a:ext cx="202019" cy="187791"/>
+          </a:xfrm>
+          <a:prstGeom prst="ellipse">
+            <a:avLst/>
+          </a:prstGeom>
+          <a:solidFill>
+            <a:schemeClr val="tx1"/>
+          </a:solidFill>
+          <a:ln>
+            <a:noFill/>
+          </a:ln>
+        </p:spPr>
+        <p:style>
+          <a:lnRef idx="2">
+            <a:schemeClr val="accent1">
+              <a:shade val="50000"/>
+            </a:schemeClr>
+          </a:lnRef>
+          <a:fillRef idx="1">
+            <a:schemeClr val="accent1"/>
+          </a:fillRef>
+          <a:effectRef idx="0">
+            <a:schemeClr val="accent1"/>
+          </a:effectRef>
+          <a:fontRef idx="minor">
+            <a:schemeClr val="lt1"/>
+          </a:fontRef>
+        </p:style>
+        <p:txBody>
+          <a:bodyPr rtlCol="0" anchor="ctr"/>
+          <a:lstStyle/>
+          <a:p>
+            <a:pPr algn="ctr"/>
+            <a:endParaRPr lang="fr-FR"/>
+          </a:p>
+        </p:txBody>
+      </p:sp>
       <p:pic>
         <p:nvPicPr>
-          <p:cNvPr id="29" name="Image 28"/>
+          <p:cNvPr id="31" name="Image 30"/>
           <p:cNvPicPr>
             <a:picLocks noChangeAspect="1"/>
           </p:cNvPicPr>
@@ -42843,9 +44044,39 @@
           </a:stretch>
         </p:blipFill>
         <p:spPr>
-          <a:xfrm>
-            <a:off x="179405" y="5571795"/>
-            <a:ext cx="281731" cy="281731"/>
+          <a:xfrm flipH="1">
+            <a:off x="1136834" y="1259699"/>
+            <a:ext cx="96653" cy="96653"/>
+          </a:xfrm>
+          <a:prstGeom prst="rect">
+            <a:avLst/>
+          </a:prstGeom>
+        </p:spPr>
+      </p:pic>
+      <p:pic>
+        <p:nvPicPr>
+          <p:cNvPr id="23" name="Image 22"/>
+          <p:cNvPicPr>
+            <a:picLocks noChangeAspect="1"/>
+          </p:cNvPicPr>
+          <p:nvPr/>
+        </p:nvPicPr>
+        <p:blipFill>
+          <a:blip r:embed="rId11" cstate="print">
+            <a:extLst>
+              <a:ext uri="{28A0092B-C50C-407E-A947-70E740481C1C}">
+                <a14:useLocalDpi xmlns:a14="http://schemas.microsoft.com/office/drawing/2010/main" val="0"/>
+              </a:ext>
+            </a:extLst>
+          </a:blip>
+          <a:stretch>
+            <a:fillRect/>
+          </a:stretch>
+        </p:blipFill>
+        <p:spPr>
+          <a:xfrm>
+            <a:off x="208470" y="5593267"/>
+            <a:ext cx="274287" cy="274287"/>
           </a:xfrm>
           <a:prstGeom prst="rect">
             <a:avLst/>
@@ -54713,46 +55944,99 @@
       </p:sp>
       <p:sp>
         <p:nvSpPr>
-          <p:cNvPr id="92" name="ZoneTexte 91"/>
-          <p:cNvSpPr txBox="1"/>
-          <p:nvPr/>
-        </p:nvSpPr>
-        <p:spPr>
-          <a:xfrm>
-            <a:off x="220436" y="5599126"/>
-            <a:ext cx="1533525" cy="276999"/>
-          </a:xfrm>
-          <a:prstGeom prst="rect">
-            <a:avLst/>
-          </a:prstGeom>
-          <a:noFill/>
-        </p:spPr>
-        <p:txBody>
-          <a:bodyPr wrap="square" rtlCol="0">
-            <a:spAutoFit/>
-          </a:bodyPr>
-          <a:lstStyle/>
-          <a:p>
-            <a:pPr algn="ctr"/>
-            <a:r>
-              <a:rPr lang="fr-FR" sz="1200" b="1" dirty="0" smtClean="0">
-                <a:solidFill>
-                  <a:srgbClr val="D5D5D5"/>
-                </a:solidFill>
-              </a:rPr>
-              <a:t>Déconnecter</a:t>
-            </a:r>
-            <a:endParaRPr lang="fr-FR" sz="1200" b="1" dirty="0">
-              <a:solidFill>
-                <a:srgbClr val="D5D5D5"/>
-              </a:solidFill>
-            </a:endParaRPr>
+          <p:cNvPr id="16" name="Triangle isocèle 15"/>
+          <p:cNvSpPr/>
+          <p:nvPr/>
+        </p:nvSpPr>
+        <p:spPr>
+          <a:xfrm rot="5400000">
+            <a:off x="11393837" y="349356"/>
+            <a:ext cx="61511" cy="47411"/>
+          </a:xfrm>
+          <a:prstGeom prst="triangle">
+            <a:avLst/>
+          </a:prstGeom>
+          <a:solidFill>
+            <a:srgbClr val="E6EAEE"/>
+          </a:solidFill>
+          <a:ln>
+            <a:noFill/>
+          </a:ln>
+        </p:spPr>
+        <p:style>
+          <a:lnRef idx="2">
+            <a:schemeClr val="accent1">
+              <a:shade val="50000"/>
+            </a:schemeClr>
+          </a:lnRef>
+          <a:fillRef idx="1">
+            <a:schemeClr val="accent1"/>
+          </a:fillRef>
+          <a:effectRef idx="0">
+            <a:schemeClr val="accent1"/>
+          </a:effectRef>
+          <a:fontRef idx="minor">
+            <a:schemeClr val="lt1"/>
+          </a:fontRef>
+        </p:style>
+        <p:txBody>
+          <a:bodyPr rtlCol="0" anchor="ctr"/>
+          <a:lstStyle/>
+          <a:p>
+            <a:pPr algn="ctr"/>
+            <a:endParaRPr lang="fr-FR"/>
+          </a:p>
+        </p:txBody>
+      </p:sp>
+      <p:sp>
+        <p:nvSpPr>
+          <p:cNvPr id="18" name="Ellipse 17"/>
+          <p:cNvSpPr/>
+          <p:nvPr/>
+        </p:nvSpPr>
+        <p:spPr>
+          <a:xfrm>
+            <a:off x="1080333" y="1210735"/>
+            <a:ext cx="202019" cy="187791"/>
+          </a:xfrm>
+          <a:prstGeom prst="ellipse">
+            <a:avLst/>
+          </a:prstGeom>
+          <a:solidFill>
+            <a:schemeClr val="tx1"/>
+          </a:solidFill>
+          <a:ln>
+            <a:noFill/>
+          </a:ln>
+        </p:spPr>
+        <p:style>
+          <a:lnRef idx="2">
+            <a:schemeClr val="accent1">
+              <a:shade val="50000"/>
+            </a:schemeClr>
+          </a:lnRef>
+          <a:fillRef idx="1">
+            <a:schemeClr val="accent1"/>
+          </a:fillRef>
+          <a:effectRef idx="0">
+            <a:schemeClr val="accent1"/>
+          </a:effectRef>
+          <a:fontRef idx="minor">
+            <a:schemeClr val="lt1"/>
+          </a:fontRef>
+        </p:style>
+        <p:txBody>
+          <a:bodyPr rtlCol="0" anchor="ctr"/>
+          <a:lstStyle/>
+          <a:p>
+            <a:pPr algn="ctr"/>
+            <a:endParaRPr lang="fr-FR"/>
           </a:p>
         </p:txBody>
       </p:sp>
       <p:pic>
         <p:nvPicPr>
-          <p:cNvPr id="3" name="Image 2"/>
+          <p:cNvPr id="19" name="Image 18"/>
           <p:cNvPicPr>
             <a:picLocks noChangeAspect="1"/>
           </p:cNvPicPr>
@@ -54771,9 +56055,9 @@
           </a:stretch>
         </p:blipFill>
         <p:spPr>
-          <a:xfrm>
-            <a:off x="179405" y="5571795"/>
-            <a:ext cx="281731" cy="281731"/>
+          <a:xfrm flipH="1">
+            <a:off x="1136834" y="1259699"/>
+            <a:ext cx="96653" cy="96653"/>
           </a:xfrm>
           <a:prstGeom prst="rect">
             <a:avLst/>
@@ -54782,50 +56066,73 @@
       </p:pic>
       <p:sp>
         <p:nvSpPr>
-          <p:cNvPr id="16" name="Triangle isocèle 15"/>
-          <p:cNvSpPr/>
-          <p:nvPr/>
-        </p:nvSpPr>
-        <p:spPr>
-          <a:xfrm rot="5400000">
-            <a:off x="11393837" y="349356"/>
-            <a:ext cx="61511" cy="47411"/>
-          </a:xfrm>
-          <a:prstGeom prst="triangle">
-            <a:avLst/>
-          </a:prstGeom>
-          <a:solidFill>
-            <a:srgbClr val="E6EAEE"/>
-          </a:solidFill>
-          <a:ln>
-            <a:noFill/>
-          </a:ln>
-        </p:spPr>
-        <p:style>
-          <a:lnRef idx="2">
-            <a:schemeClr val="accent1">
-              <a:shade val="50000"/>
-            </a:schemeClr>
-          </a:lnRef>
-          <a:fillRef idx="1">
-            <a:schemeClr val="accent1"/>
-          </a:fillRef>
-          <a:effectRef idx="0">
-            <a:schemeClr val="accent1"/>
-          </a:effectRef>
-          <a:fontRef idx="minor">
-            <a:schemeClr val="lt1"/>
-          </a:fontRef>
-        </p:style>
-        <p:txBody>
-          <a:bodyPr rtlCol="0" anchor="ctr"/>
-          <a:lstStyle/>
-          <a:p>
-            <a:pPr algn="ctr"/>
-            <a:endParaRPr lang="fr-FR"/>
-          </a:p>
-        </p:txBody>
-      </p:sp>
+          <p:cNvPr id="93" name="ZoneTexte 92"/>
+          <p:cNvSpPr txBox="1"/>
+          <p:nvPr/>
+        </p:nvSpPr>
+        <p:spPr>
+          <a:xfrm>
+            <a:off x="220436" y="5599126"/>
+            <a:ext cx="1533525" cy="276999"/>
+          </a:xfrm>
+          <a:prstGeom prst="rect">
+            <a:avLst/>
+          </a:prstGeom>
+          <a:noFill/>
+        </p:spPr>
+        <p:txBody>
+          <a:bodyPr wrap="square" rtlCol="0">
+            <a:spAutoFit/>
+          </a:bodyPr>
+          <a:lstStyle/>
+          <a:p>
+            <a:pPr algn="ctr"/>
+            <a:r>
+              <a:rPr lang="fr-FR" sz="1200" b="1" dirty="0" smtClean="0">
+                <a:solidFill>
+                  <a:srgbClr val="D5D5D5"/>
+                </a:solidFill>
+              </a:rPr>
+              <a:t>Déconnecter</a:t>
+            </a:r>
+            <a:endParaRPr lang="fr-FR" sz="1200" b="1" dirty="0">
+              <a:solidFill>
+                <a:srgbClr val="D5D5D5"/>
+              </a:solidFill>
+            </a:endParaRPr>
+          </a:p>
+        </p:txBody>
+      </p:sp>
+      <p:pic>
+        <p:nvPicPr>
+          <p:cNvPr id="94" name="Image 93"/>
+          <p:cNvPicPr>
+            <a:picLocks noChangeAspect="1"/>
+          </p:cNvPicPr>
+          <p:nvPr/>
+        </p:nvPicPr>
+        <p:blipFill>
+          <a:blip r:embed="rId23" cstate="print">
+            <a:extLst>
+              <a:ext uri="{28A0092B-C50C-407E-A947-70E740481C1C}">
+                <a14:useLocalDpi xmlns:a14="http://schemas.microsoft.com/office/drawing/2010/main" val="0"/>
+              </a:ext>
+            </a:extLst>
+          </a:blip>
+          <a:stretch>
+            <a:fillRect/>
+          </a:stretch>
+        </p:blipFill>
+        <p:spPr>
+          <a:xfrm>
+            <a:off x="208470" y="5593267"/>
+            <a:ext cx="274287" cy="274287"/>
+          </a:xfrm>
+          <a:prstGeom prst="rect">
+            <a:avLst/>
+          </a:prstGeom>
+        </p:spPr>
+      </p:pic>
     </p:spTree>
     <p:extLst>
       <p:ext uri="{BB962C8B-B14F-4D97-AF65-F5344CB8AC3E}">
@@ -58118,19 +59425,70 @@
       </p:sp>
       <p:sp>
         <p:nvSpPr>
-          <p:cNvPr id="92" name="ZoneTexte 91"/>
+          <p:cNvPr id="16" name="Triangle isocèle 15"/>
+          <p:cNvSpPr/>
+          <p:nvPr/>
+        </p:nvSpPr>
+        <p:spPr>
+          <a:xfrm rot="10800000">
+            <a:off x="11396791" y="349475"/>
+            <a:ext cx="62780" cy="45719"/>
+          </a:xfrm>
+          <a:prstGeom prst="triangle">
+            <a:avLst/>
+          </a:prstGeom>
+          <a:solidFill>
+            <a:srgbClr val="07CEC9"/>
+          </a:solidFill>
+          <a:ln>
+            <a:noFill/>
+          </a:ln>
+        </p:spPr>
+        <p:style>
+          <a:lnRef idx="2">
+            <a:schemeClr val="accent1">
+              <a:shade val="50000"/>
+            </a:schemeClr>
+          </a:lnRef>
+          <a:fillRef idx="1">
+            <a:schemeClr val="accent1"/>
+          </a:fillRef>
+          <a:effectRef idx="0">
+            <a:schemeClr val="accent1"/>
+          </a:effectRef>
+          <a:fontRef idx="minor">
+            <a:schemeClr val="lt1"/>
+          </a:fontRef>
+        </p:style>
+        <p:txBody>
+          <a:bodyPr rtlCol="0" anchor="ctr"/>
+          <a:lstStyle/>
+          <a:p>
+            <a:pPr algn="ctr"/>
+            <a:endParaRPr lang="fr-FR"/>
+          </a:p>
+        </p:txBody>
+      </p:sp>
+      <p:sp>
+        <p:nvSpPr>
+          <p:cNvPr id="93" name="ZoneTexte 92"/>
           <p:cNvSpPr txBox="1"/>
           <p:nvPr/>
         </p:nvSpPr>
         <p:spPr>
           <a:xfrm>
-            <a:off x="220436" y="5599126"/>
-            <a:ext cx="1533525" cy="276999"/>
-          </a:xfrm>
-          <a:prstGeom prst="rect">
-            <a:avLst/>
-          </a:prstGeom>
-          <a:noFill/>
+            <a:off x="11109719" y="410269"/>
+            <a:ext cx="721521" cy="215444"/>
+          </a:xfrm>
+          <a:prstGeom prst="rect">
+            <a:avLst/>
+          </a:prstGeom>
+          <a:solidFill>
+            <a:srgbClr val="373742"/>
+          </a:solidFill>
+          <a:ln>
+            <a:noFill/>
+          </a:ln>
         </p:spPr>
         <p:txBody>
           <a:bodyPr wrap="square" rtlCol="0">
@@ -58138,26 +59496,73 @@
           </a:bodyPr>
           <a:lstStyle/>
           <a:p>
-            <a:pPr algn="ctr"/>
-            <a:r>
-              <a:rPr lang="fr-FR" sz="1200" b="1" dirty="0" smtClean="0">
-                <a:solidFill>
-                  <a:srgbClr val="D5D5D5"/>
-                </a:solidFill>
+            <a:r>
+              <a:rPr lang="fr-FR" sz="800" b="1" dirty="0" smtClean="0">
+                <a:solidFill>
+                  <a:srgbClr val="AFABAB"/>
+                </a:solidFill>
+                <a:latin typeface="+mj-lt"/>
               </a:rPr>
               <a:t>Déconnecter</a:t>
             </a:r>
-            <a:endParaRPr lang="fr-FR" sz="1200" b="1" dirty="0">
+            <a:endParaRPr lang="fr-FR" sz="800" dirty="0">
               <a:solidFill>
-                <a:srgbClr val="D5D5D5"/>
+                <a:srgbClr val="AFABAB"/>
               </a:solidFill>
+              <a:latin typeface="+mj-lt"/>
             </a:endParaRPr>
+          </a:p>
+        </p:txBody>
+      </p:sp>
+      <p:sp>
+        <p:nvSpPr>
+          <p:cNvPr id="94" name="Ellipse 93"/>
+          <p:cNvSpPr/>
+          <p:nvPr/>
+        </p:nvSpPr>
+        <p:spPr>
+          <a:xfrm>
+            <a:off x="1080333" y="1210735"/>
+            <a:ext cx="202019" cy="187791"/>
+          </a:xfrm>
+          <a:prstGeom prst="ellipse">
+            <a:avLst/>
+          </a:prstGeom>
+          <a:solidFill>
+            <a:schemeClr val="tx1"/>
+          </a:solidFill>
+          <a:ln>
+            <a:noFill/>
+          </a:ln>
+        </p:spPr>
+        <p:style>
+          <a:lnRef idx="2">
+            <a:schemeClr val="accent1">
+              <a:shade val="50000"/>
+            </a:schemeClr>
+          </a:lnRef>
+          <a:fillRef idx="1">
+            <a:schemeClr val="accent1"/>
+          </a:fillRef>
+          <a:effectRef idx="0">
+            <a:schemeClr val="accent1"/>
+          </a:effectRef>
+          <a:fontRef idx="minor">
+            <a:schemeClr val="lt1"/>
+          </a:fontRef>
+        </p:style>
+        <p:txBody>
+          <a:bodyPr rtlCol="0" anchor="ctr"/>
+          <a:lstStyle/>
+          <a:p>
+            <a:pPr algn="ctr"/>
+            <a:endParaRPr lang="fr-FR"/>
           </a:p>
         </p:txBody>
       </p:sp>
       <p:pic>
         <p:nvPicPr>
-          <p:cNvPr id="3" name="Image 2"/>
+          <p:cNvPr id="95" name="Image 94"/>
           <p:cNvPicPr>
             <a:picLocks noChangeAspect="1"/>
           </p:cNvPicPr>
@@ -58176,9 +59581,9 @@
           </a:stretch>
         </p:blipFill>
         <p:spPr>
-          <a:xfrm>
-            <a:off x="179405" y="5571795"/>
-            <a:ext cx="281731" cy="281731"/>
+          <a:xfrm flipH="1">
+            <a:off x="1136834" y="1259699"/>
+            <a:ext cx="96653" cy="96653"/>
           </a:xfrm>
           <a:prstGeom prst="rect">
             <a:avLst/>
@@ -58187,70 +59592,19 @@
       </p:pic>
       <p:sp>
         <p:nvSpPr>
-          <p:cNvPr id="16" name="Triangle isocèle 15"/>
-          <p:cNvSpPr/>
-          <p:nvPr/>
-        </p:nvSpPr>
-        <p:spPr>
-          <a:xfrm rot="10800000">
-            <a:off x="11396791" y="349475"/>
-            <a:ext cx="62780" cy="45719"/>
-          </a:xfrm>
-          <a:prstGeom prst="triangle">
-            <a:avLst/>
-          </a:prstGeom>
-          <a:solidFill>
-            <a:srgbClr val="07CEC9"/>
-          </a:solidFill>
-          <a:ln>
-            <a:noFill/>
-          </a:ln>
-        </p:spPr>
-        <p:style>
-          <a:lnRef idx="2">
-            <a:schemeClr val="accent1">
-              <a:shade val="50000"/>
-            </a:schemeClr>
-          </a:lnRef>
-          <a:fillRef idx="1">
-            <a:schemeClr val="accent1"/>
-          </a:fillRef>
-          <a:effectRef idx="0">
-            <a:schemeClr val="accent1"/>
-          </a:effectRef>
-          <a:fontRef idx="minor">
-            <a:schemeClr val="lt1"/>
-          </a:fontRef>
-        </p:style>
-        <p:txBody>
-          <a:bodyPr rtlCol="0" anchor="ctr"/>
-          <a:lstStyle/>
-          <a:p>
-            <a:pPr algn="ctr"/>
-            <a:endParaRPr lang="fr-FR"/>
-          </a:p>
-        </p:txBody>
-      </p:sp>
-      <p:sp>
-        <p:nvSpPr>
-          <p:cNvPr id="93" name="ZoneTexte 92"/>
+          <p:cNvPr id="96" name="ZoneTexte 95"/>
           <p:cNvSpPr txBox="1"/>
           <p:nvPr/>
         </p:nvSpPr>
         <p:spPr>
           <a:xfrm>
-            <a:off x="11109719" y="410269"/>
-            <a:ext cx="721521" cy="215444"/>
-          </a:xfrm>
-          <a:prstGeom prst="rect">
-            <a:avLst/>
-          </a:prstGeom>
-          <a:solidFill>
-            <a:srgbClr val="373742"/>
-          </a:solidFill>
-          <a:ln>
-            <a:noFill/>
-          </a:ln>
+            <a:off x="220436" y="5599126"/>
+            <a:ext cx="1533525" cy="276999"/>
+          </a:xfrm>
+          <a:prstGeom prst="rect">
+            <a:avLst/>
+          </a:prstGeom>
+          <a:noFill/>
         </p:spPr>
         <p:txBody>
           <a:bodyPr wrap="square" rtlCol="0">
@@ -58258,24 +59612,53 @@
           </a:bodyPr>
           <a:lstStyle/>
           <a:p>
-            <a:r>
-              <a:rPr lang="fr-FR" sz="800" b="1" dirty="0" smtClean="0">
-                <a:solidFill>
-                  <a:srgbClr val="AFABAB"/>
-                </a:solidFill>
-                <a:latin typeface="+mj-lt"/>
+            <a:pPr algn="ctr"/>
+            <a:r>
+              <a:rPr lang="fr-FR" sz="1200" b="1" dirty="0" smtClean="0">
+                <a:solidFill>
+                  <a:srgbClr val="D5D5D5"/>
+                </a:solidFill>
               </a:rPr>
               <a:t>Déconnecter</a:t>
             </a:r>
-            <a:endParaRPr lang="fr-FR" sz="800" dirty="0">
+            <a:endParaRPr lang="fr-FR" sz="1200" b="1" dirty="0">
               <a:solidFill>
-                <a:srgbClr val="AFABAB"/>
+                <a:srgbClr val="D5D5D5"/>
               </a:solidFill>
-              <a:latin typeface="+mj-lt"/>
             </a:endParaRPr>
           </a:p>
         </p:txBody>
       </p:sp>
+      <p:pic>
+        <p:nvPicPr>
+          <p:cNvPr id="97" name="Image 96"/>
+          <p:cNvPicPr>
+            <a:picLocks noChangeAspect="1"/>
+          </p:cNvPicPr>
+          <p:nvPr/>
+        </p:nvPicPr>
+        <p:blipFill>
+          <a:blip r:embed="rId23" cstate="print">
+            <a:extLst>
+              <a:ext uri="{28A0092B-C50C-407E-A947-70E740481C1C}">
+                <a14:useLocalDpi xmlns:a14="http://schemas.microsoft.com/office/drawing/2010/main" val="0"/>
+              </a:ext>
+            </a:extLst>
+          </a:blip>
+          <a:stretch>
+            <a:fillRect/>
+          </a:stretch>
+        </p:blipFill>
+        <p:spPr>
+          <a:xfrm>
+            <a:off x="208470" y="5593267"/>
+            <a:ext cx="274287" cy="274287"/>
+          </a:xfrm>
+          <a:prstGeom prst="rect">
+            <a:avLst/>
+          </a:prstGeom>
+        </p:spPr>
+      </p:pic>
     </p:spTree>
     <p:extLst>
       <p:ext uri="{BB962C8B-B14F-4D97-AF65-F5344CB8AC3E}">
@@ -59972,46 +61355,53 @@
       </p:sp>
       <p:sp>
         <p:nvSpPr>
-          <p:cNvPr id="44" name="ZoneTexte 43"/>
-          <p:cNvSpPr txBox="1"/>
-          <p:nvPr/>
-        </p:nvSpPr>
-        <p:spPr>
-          <a:xfrm>
-            <a:off x="220436" y="5599126"/>
-            <a:ext cx="1533525" cy="276999"/>
-          </a:xfrm>
-          <a:prstGeom prst="rect">
-            <a:avLst/>
-          </a:prstGeom>
-          <a:noFill/>
-        </p:spPr>
-        <p:txBody>
-          <a:bodyPr wrap="square" rtlCol="0">
-            <a:spAutoFit/>
-          </a:bodyPr>
-          <a:lstStyle/>
-          <a:p>
-            <a:pPr algn="ctr"/>
-            <a:r>
-              <a:rPr lang="fr-FR" sz="1200" b="1" dirty="0" smtClean="0">
-                <a:solidFill>
-                  <a:srgbClr val="D5D5D5"/>
-                </a:solidFill>
-              </a:rPr>
-              <a:t>Déconnecter</a:t>
-            </a:r>
-            <a:endParaRPr lang="fr-FR" sz="1200" b="1" dirty="0">
-              <a:solidFill>
-                <a:srgbClr val="D5D5D5"/>
-              </a:solidFill>
-            </a:endParaRPr>
+          <p:cNvPr id="46" name="Ellipse 45"/>
+          <p:cNvSpPr/>
+          <p:nvPr/>
+        </p:nvSpPr>
+        <p:spPr>
+          <a:xfrm>
+            <a:off x="1080333" y="1210735"/>
+            <a:ext cx="202019" cy="187791"/>
+          </a:xfrm>
+          <a:prstGeom prst="ellipse">
+            <a:avLst/>
+          </a:prstGeom>
+          <a:solidFill>
+            <a:schemeClr val="tx1"/>
+          </a:solidFill>
+          <a:ln>
+            <a:noFill/>
+          </a:ln>
+        </p:spPr>
+        <p:style>
+          <a:lnRef idx="2">
+            <a:schemeClr val="accent1">
+              <a:shade val="50000"/>
+            </a:schemeClr>
+          </a:lnRef>
+          <a:fillRef idx="1">
+            <a:schemeClr val="accent1"/>
+          </a:fillRef>
+          <a:effectRef idx="0">
+            <a:schemeClr val="accent1"/>
+          </a:effectRef>
+          <a:fontRef idx="minor">
+            <a:schemeClr val="lt1"/>
+          </a:fontRef>
+        </p:style>
+        <p:txBody>
+          <a:bodyPr rtlCol="0" anchor="ctr"/>
+          <a:lstStyle/>
+          <a:p>
+            <a:pPr algn="ctr"/>
+            <a:endParaRPr lang="fr-FR"/>
           </a:p>
         </p:txBody>
       </p:sp>
       <p:pic>
         <p:nvPicPr>
-          <p:cNvPr id="45" name="Image 44"/>
+          <p:cNvPr id="47" name="Image 46"/>
           <p:cNvPicPr>
             <a:picLocks noChangeAspect="1"/>
           </p:cNvPicPr>
@@ -60030,9 +61420,78 @@
           </a:stretch>
         </p:blipFill>
         <p:spPr>
-          <a:xfrm>
-            <a:off x="179405" y="5571795"/>
-            <a:ext cx="281731" cy="281731"/>
+          <a:xfrm flipH="1">
+            <a:off x="1136834" y="1259699"/>
+            <a:ext cx="96653" cy="96653"/>
+          </a:xfrm>
+          <a:prstGeom prst="rect">
+            <a:avLst/>
+          </a:prstGeom>
+        </p:spPr>
+      </p:pic>
+      <p:sp>
+        <p:nvSpPr>
+          <p:cNvPr id="50" name="ZoneTexte 49"/>
+          <p:cNvSpPr txBox="1"/>
+          <p:nvPr/>
+        </p:nvSpPr>
+        <p:spPr>
+          <a:xfrm>
+            <a:off x="220436" y="5599126"/>
+            <a:ext cx="1533525" cy="276999"/>
+          </a:xfrm>
+          <a:prstGeom prst="rect">
+            <a:avLst/>
+          </a:prstGeom>
+          <a:noFill/>
+        </p:spPr>
+        <p:txBody>
+          <a:bodyPr wrap="square" rtlCol="0">
+            <a:spAutoFit/>
+          </a:bodyPr>
+          <a:lstStyle/>
+          <a:p>
+            <a:pPr algn="ctr"/>
+            <a:r>
+              <a:rPr lang="fr-FR" sz="1200" b="1" dirty="0" smtClean="0">
+                <a:solidFill>
+                  <a:srgbClr val="D5D5D5"/>
+                </a:solidFill>
+              </a:rPr>
+              <a:t>Déconnecter</a:t>
+            </a:r>
+            <a:endParaRPr lang="fr-FR" sz="1200" b="1" dirty="0">
+              <a:solidFill>
+                <a:srgbClr val="D5D5D5"/>
+              </a:solidFill>
+            </a:endParaRPr>
+          </a:p>
+        </p:txBody>
+      </p:sp>
+      <p:pic>
+        <p:nvPicPr>
+          <p:cNvPr id="51" name="Image 50"/>
+          <p:cNvPicPr>
+            <a:picLocks noChangeAspect="1"/>
+          </p:cNvPicPr>
+          <p:nvPr/>
+        </p:nvPicPr>
+        <p:blipFill>
+          <a:blip r:embed="rId18" cstate="print">
+            <a:extLst>
+              <a:ext uri="{28A0092B-C50C-407E-A947-70E740481C1C}">
+                <a14:useLocalDpi xmlns:a14="http://schemas.microsoft.com/office/drawing/2010/main" val="0"/>
+              </a:ext>
+            </a:extLst>
+          </a:blip>
+          <a:stretch>
+            <a:fillRect/>
+          </a:stretch>
+        </p:blipFill>
+        <p:spPr>
+          <a:xfrm>
+            <a:off x="208470" y="5593267"/>
+            <a:ext cx="274287" cy="274287"/>
           </a:xfrm>
           <a:prstGeom prst="rect">
             <a:avLst/>

--- a/UI-model/UI design Fortico.pptx
+++ b/UI-model/UI design Fortico.pptx
@@ -19960,33 +19960,121 @@
       </p:pic>
       <p:sp>
         <p:nvSpPr>
-          <p:cNvPr id="3" name="Rectangle à coins arrondis 2"/>
+          <p:cNvPr id="55" name="ZoneTexte 54"/>
+          <p:cNvSpPr txBox="1"/>
+          <p:nvPr/>
+        </p:nvSpPr>
+        <p:spPr>
+          <a:xfrm>
+            <a:off x="6546062" y="1424957"/>
+            <a:ext cx="3048950" cy="338554"/>
+          </a:xfrm>
+          <a:prstGeom prst="rect">
+            <a:avLst/>
+          </a:prstGeom>
+          <a:noFill/>
+          <a:ln>
+            <a:noFill/>
+          </a:ln>
+        </p:spPr>
+        <p:txBody>
+          <a:bodyPr wrap="square" rtlCol="0">
+            <a:spAutoFit/>
+          </a:bodyPr>
+          <a:lstStyle/>
+          <a:p>
+            <a:r>
+              <a:rPr lang="fr-FR" sz="1600" b="1" dirty="0" smtClean="0">
+                <a:solidFill>
+                  <a:srgbClr val="E6EAEE"/>
+                </a:solidFill>
+              </a:rPr>
+              <a:t>Brancher votre appareille</a:t>
+            </a:r>
+            <a:endParaRPr lang="fr-FR" sz="1600" b="1" dirty="0">
+              <a:ln>
+                <a:solidFill>
+                  <a:srgbClr val="D5D5D5"/>
+                </a:solidFill>
+              </a:ln>
+              <a:solidFill>
+                <a:srgbClr val="E6EAEE"/>
+              </a:solidFill>
+            </a:endParaRPr>
+          </a:p>
+        </p:txBody>
+      </p:sp>
+      <p:sp>
+        <p:nvSpPr>
+          <p:cNvPr id="56" name="ZoneTexte 55"/>
+          <p:cNvSpPr txBox="1"/>
+          <p:nvPr/>
+        </p:nvSpPr>
+        <p:spPr>
+          <a:xfrm>
+            <a:off x="6343149" y="4680321"/>
+            <a:ext cx="3125768" cy="523220"/>
+          </a:xfrm>
+          <a:prstGeom prst="rect">
+            <a:avLst/>
+          </a:prstGeom>
+          <a:noFill/>
+          <a:ln>
+            <a:noFill/>
+          </a:ln>
+        </p:spPr>
+        <p:txBody>
+          <a:bodyPr wrap="square" rtlCol="0">
+            <a:spAutoFit/>
+          </a:bodyPr>
+          <a:lstStyle/>
+          <a:p>
+            <a:r>
+              <a:rPr lang="fr-FR" sz="1400" b="1" dirty="0" smtClean="0">
+                <a:solidFill>
+                  <a:schemeClr val="bg2">
+                    <a:lumMod val="90000"/>
+                  </a:schemeClr>
+                </a:solidFill>
+              </a:rPr>
+              <a:t>Veuillez vous assurer que le voyant vert s’allume.</a:t>
+            </a:r>
+            <a:endParaRPr lang="fr-FR" sz="1400" b="1" dirty="0">
+              <a:ln>
+                <a:solidFill>
+                  <a:srgbClr val="D5D5D5"/>
+                </a:solidFill>
+              </a:ln>
+              <a:solidFill>
+                <a:schemeClr val="bg2">
+                  <a:lumMod val="90000"/>
+                </a:schemeClr>
+              </a:solidFill>
+            </a:endParaRPr>
+          </a:p>
+        </p:txBody>
+      </p:sp>
+      <p:sp>
+        <p:nvSpPr>
+          <p:cNvPr id="10" name="Rectangle à coins arrondis 9"/>
           <p:cNvSpPr/>
           <p:nvPr/>
         </p:nvSpPr>
         <p:spPr>
           <a:xfrm>
-            <a:off x="6176317" y="2060817"/>
-            <a:ext cx="3459433" cy="2417078"/>
+            <a:off x="9911687" y="6261100"/>
+            <a:ext cx="1258349" cy="351729"/>
           </a:xfrm>
           <a:prstGeom prst="roundRect">
-            <a:avLst/>
-          </a:prstGeom>
-          <a:blipFill dpi="0" rotWithShape="1">
-            <a:blip r:embed="rId20">
-              <a:extLst>
-                <a:ext uri="{28A0092B-C50C-407E-A947-70E740481C1C}">
-                  <a14:useLocalDpi xmlns:a14="http://schemas.microsoft.com/office/drawing/2010/main" val="0"/>
-                </a:ext>
-              </a:extLst>
-            </a:blip>
-            <a:srcRect/>
-            <a:stretch>
-              <a:fillRect/>
-            </a:stretch>
-          </a:blipFill>
-          <a:ln>
-            <a:noFill/>
+            <a:avLst>
+              <a:gd name="adj" fmla="val 50000"/>
+            </a:avLst>
+          </a:prstGeom>
+          <a:noFill/>
+          <a:ln>
+            <a:solidFill>
+              <a:srgbClr val="07CEC9"/>
+            </a:solidFill>
           </a:ln>
         </p:spPr>
         <p:style>
@@ -20016,14 +20104,14 @@
       </p:sp>
       <p:sp>
         <p:nvSpPr>
-          <p:cNvPr id="55" name="ZoneTexte 54"/>
-          <p:cNvSpPr txBox="1"/>
-          <p:nvPr/>
-        </p:nvSpPr>
-        <p:spPr>
-          <a:xfrm>
-            <a:off x="6546062" y="1424957"/>
-            <a:ext cx="3048950" cy="338554"/>
+          <p:cNvPr id="58" name="ZoneTexte 57"/>
+          <p:cNvSpPr txBox="1"/>
+          <p:nvPr/>
+        </p:nvSpPr>
+        <p:spPr>
+          <a:xfrm>
+            <a:off x="9745886" y="6316366"/>
+            <a:ext cx="1589949" cy="276999"/>
           </a:xfrm>
           <a:prstGeom prst="rect">
             <a:avLst/>
@@ -20039,22 +20127,18 @@
           </a:bodyPr>
           <a:lstStyle/>
           <a:p>
-            <a:r>
-              <a:rPr lang="fr-FR" sz="1600" b="1" dirty="0" smtClean="0">
-                <a:solidFill>
-                  <a:srgbClr val="E6EAEE"/>
-                </a:solidFill>
-              </a:rPr>
-              <a:t>Brancher votre appareille</a:t>
-            </a:r>
-            <a:endParaRPr lang="fr-FR" sz="1600" b="1" dirty="0">
-              <a:ln>
-                <a:solidFill>
-                  <a:srgbClr val="D5D5D5"/>
-                </a:solidFill>
-              </a:ln>
+            <a:pPr algn="ctr"/>
+            <a:r>
+              <a:rPr lang="fr-FR" sz="1200" dirty="0" smtClean="0">
+                <a:solidFill>
+                  <a:srgbClr val="07CEC9"/>
+                </a:solidFill>
+              </a:rPr>
+              <a:t>Suivant</a:t>
+            </a:r>
+            <a:endParaRPr lang="fr-FR" sz="1200" dirty="0">
               <a:solidFill>
-                <a:srgbClr val="E6EAEE"/>
+                <a:srgbClr val="07CEC9"/>
               </a:solidFill>
             </a:endParaRPr>
           </a:p>
@@ -20062,75 +20146,23 @@
       </p:sp>
       <p:sp>
         <p:nvSpPr>
-          <p:cNvPr id="56" name="ZoneTexte 55"/>
-          <p:cNvSpPr txBox="1"/>
-          <p:nvPr/>
-        </p:nvSpPr>
-        <p:spPr>
-          <a:xfrm>
-            <a:off x="6343149" y="4680321"/>
-            <a:ext cx="3125768" cy="523220"/>
-          </a:xfrm>
-          <a:prstGeom prst="rect">
-            <a:avLst/>
-          </a:prstGeom>
-          <a:noFill/>
+          <p:cNvPr id="52" name="Ellipse 51"/>
+          <p:cNvSpPr/>
+          <p:nvPr/>
+        </p:nvSpPr>
+        <p:spPr>
+          <a:xfrm>
+            <a:off x="1080333" y="1210735"/>
+            <a:ext cx="202019" cy="187791"/>
+          </a:xfrm>
+          <a:prstGeom prst="ellipse">
+            <a:avLst/>
+          </a:prstGeom>
+          <a:solidFill>
+            <a:schemeClr val="tx1"/>
+          </a:solidFill>
           <a:ln>
             <a:noFill/>
-          </a:ln>
-        </p:spPr>
-        <p:txBody>
-          <a:bodyPr wrap="square" rtlCol="0">
-            <a:spAutoFit/>
-          </a:bodyPr>
-          <a:lstStyle/>
-          <a:p>
-            <a:r>
-              <a:rPr lang="fr-FR" sz="1400" b="1" dirty="0" smtClean="0">
-                <a:solidFill>
-                  <a:schemeClr val="bg2">
-                    <a:lumMod val="90000"/>
-                  </a:schemeClr>
-                </a:solidFill>
-              </a:rPr>
-              <a:t>Veuillez vous assurer que le voyant vert s’allume.</a:t>
-            </a:r>
-            <a:endParaRPr lang="fr-FR" sz="1400" b="1" dirty="0">
-              <a:ln>
-                <a:solidFill>
-                  <a:srgbClr val="D5D5D5"/>
-                </a:solidFill>
-              </a:ln>
-              <a:solidFill>
-                <a:schemeClr val="bg2">
-                  <a:lumMod val="90000"/>
-                </a:schemeClr>
-              </a:solidFill>
-            </a:endParaRPr>
-          </a:p>
-        </p:txBody>
-      </p:sp>
-      <p:sp>
-        <p:nvSpPr>
-          <p:cNvPr id="10" name="Rectangle à coins arrondis 9"/>
-          <p:cNvSpPr/>
-          <p:nvPr/>
-        </p:nvSpPr>
-        <p:spPr>
-          <a:xfrm>
-            <a:off x="9911687" y="6261100"/>
-            <a:ext cx="1258349" cy="351729"/>
-          </a:xfrm>
-          <a:prstGeom prst="roundRect">
-            <a:avLst>
-              <a:gd name="adj" fmla="val 50000"/>
-            </a:avLst>
-          </a:prstGeom>
-          <a:noFill/>
-          <a:ln>
-            <a:solidFill>
-              <a:srgbClr val="07CEC9"/>
-            </a:solidFill>
           </a:ln>
         </p:spPr>
         <p:style>
@@ -20158,97 +20190,78 @@
           </a:p>
         </p:txBody>
       </p:sp>
-      <p:sp>
-        <p:nvSpPr>
-          <p:cNvPr id="58" name="ZoneTexte 57"/>
-          <p:cNvSpPr txBox="1"/>
-          <p:nvPr/>
-        </p:nvSpPr>
-        <p:spPr>
-          <a:xfrm>
-            <a:off x="9745886" y="6316366"/>
-            <a:ext cx="1589949" cy="276999"/>
-          </a:xfrm>
-          <a:prstGeom prst="rect">
-            <a:avLst/>
-          </a:prstGeom>
-          <a:noFill/>
-          <a:ln>
-            <a:noFill/>
-          </a:ln>
-        </p:spPr>
-        <p:txBody>
-          <a:bodyPr wrap="square" rtlCol="0">
-            <a:spAutoFit/>
-          </a:bodyPr>
-          <a:lstStyle/>
-          <a:p>
-            <a:pPr algn="ctr"/>
-            <a:r>
-              <a:rPr lang="fr-FR" sz="1200" dirty="0" smtClean="0">
-                <a:solidFill>
-                  <a:srgbClr val="07CEC9"/>
-                </a:solidFill>
-              </a:rPr>
-              <a:t>Suivant</a:t>
-            </a:r>
-            <a:endParaRPr lang="fr-FR" sz="1200" dirty="0">
-              <a:solidFill>
-                <a:srgbClr val="07CEC9"/>
-              </a:solidFill>
-            </a:endParaRPr>
-          </a:p>
-        </p:txBody>
-      </p:sp>
-      <p:sp>
-        <p:nvSpPr>
-          <p:cNvPr id="52" name="Ellipse 51"/>
-          <p:cNvSpPr/>
-          <p:nvPr/>
-        </p:nvSpPr>
-        <p:spPr>
-          <a:xfrm>
-            <a:off x="1080333" y="1210735"/>
-            <a:ext cx="202019" cy="187791"/>
-          </a:xfrm>
-          <a:prstGeom prst="ellipse">
-            <a:avLst/>
-          </a:prstGeom>
-          <a:solidFill>
-            <a:schemeClr val="tx1"/>
-          </a:solidFill>
-          <a:ln>
-            <a:noFill/>
-          </a:ln>
-        </p:spPr>
-        <p:style>
-          <a:lnRef idx="2">
-            <a:schemeClr val="accent1">
-              <a:shade val="50000"/>
-            </a:schemeClr>
-          </a:lnRef>
-          <a:fillRef idx="1">
-            <a:schemeClr val="accent1"/>
-          </a:fillRef>
-          <a:effectRef idx="0">
-            <a:schemeClr val="accent1"/>
-          </a:effectRef>
-          <a:fontRef idx="minor">
-            <a:schemeClr val="lt1"/>
-          </a:fontRef>
-        </p:style>
-        <p:txBody>
-          <a:bodyPr rtlCol="0" anchor="ctr"/>
-          <a:lstStyle/>
-          <a:p>
-            <a:pPr algn="ctr"/>
-            <a:endParaRPr lang="fr-FR"/>
-          </a:p>
-        </p:txBody>
-      </p:sp>
       <p:pic>
         <p:nvPicPr>
           <p:cNvPr id="53" name="Image 52"/>
+          <p:cNvPicPr>
+            <a:picLocks noChangeAspect="1"/>
+          </p:cNvPicPr>
+          <p:nvPr/>
+        </p:nvPicPr>
+        <p:blipFill>
+          <a:blip r:embed="rId20" cstate="print">
+            <a:extLst>
+              <a:ext uri="{28A0092B-C50C-407E-A947-70E740481C1C}">
+                <a14:useLocalDpi xmlns:a14="http://schemas.microsoft.com/office/drawing/2010/main" val="0"/>
+              </a:ext>
+            </a:extLst>
+          </a:blip>
+          <a:stretch>
+            <a:fillRect/>
+          </a:stretch>
+        </p:blipFill>
+        <p:spPr>
+          <a:xfrm flipH="1">
+            <a:off x="1136834" y="1259699"/>
+            <a:ext cx="96653" cy="96653"/>
+          </a:xfrm>
+          <a:prstGeom prst="rect">
+            <a:avLst/>
+          </a:prstGeom>
+        </p:spPr>
+      </p:pic>
+      <p:sp>
+        <p:nvSpPr>
+          <p:cNvPr id="57" name="ZoneTexte 56"/>
+          <p:cNvSpPr txBox="1"/>
+          <p:nvPr/>
+        </p:nvSpPr>
+        <p:spPr>
+          <a:xfrm>
+            <a:off x="220436" y="5599126"/>
+            <a:ext cx="1533525" cy="276999"/>
+          </a:xfrm>
+          <a:prstGeom prst="rect">
+            <a:avLst/>
+          </a:prstGeom>
+          <a:noFill/>
+        </p:spPr>
+        <p:txBody>
+          <a:bodyPr wrap="square" rtlCol="0">
+            <a:spAutoFit/>
+          </a:bodyPr>
+          <a:lstStyle/>
+          <a:p>
+            <a:pPr algn="ctr"/>
+            <a:r>
+              <a:rPr lang="fr-FR" sz="1200" b="1" dirty="0" smtClean="0">
+                <a:solidFill>
+                  <a:srgbClr val="D5D5D5"/>
+                </a:solidFill>
+              </a:rPr>
+              <a:t>Déconnecter</a:t>
+            </a:r>
+            <a:endParaRPr lang="fr-FR" sz="1200" b="1" dirty="0">
+              <a:solidFill>
+                <a:srgbClr val="D5D5D5"/>
+              </a:solidFill>
+            </a:endParaRPr>
+          </a:p>
+        </p:txBody>
+      </p:sp>
+      <p:pic>
+        <p:nvPicPr>
+          <p:cNvPr id="59" name="Image 58"/>
           <p:cNvPicPr>
             <a:picLocks noChangeAspect="1"/>
           </p:cNvPicPr>
@@ -20267,9 +20280,9 @@
           </a:stretch>
         </p:blipFill>
         <p:spPr>
-          <a:xfrm flipH="1">
-            <a:off x="1136834" y="1259699"/>
-            <a:ext cx="96653" cy="96653"/>
+          <a:xfrm>
+            <a:off x="208470" y="5593267"/>
+            <a:ext cx="274287" cy="274287"/>
           </a:xfrm>
           <a:prstGeom prst="rect">
             <a:avLst/>
@@ -20278,53 +20291,109 @@
       </p:pic>
       <p:sp>
         <p:nvSpPr>
-          <p:cNvPr id="57" name="ZoneTexte 56"/>
-          <p:cNvSpPr txBox="1"/>
-          <p:nvPr/>
-        </p:nvSpPr>
-        <p:spPr>
-          <a:xfrm>
-            <a:off x="220436" y="5599126"/>
-            <a:ext cx="1533525" cy="276999"/>
-          </a:xfrm>
-          <a:prstGeom prst="rect">
-            <a:avLst/>
-          </a:prstGeom>
-          <a:noFill/>
-        </p:spPr>
-        <p:txBody>
-          <a:bodyPr wrap="square" rtlCol="0">
-            <a:spAutoFit/>
-          </a:bodyPr>
-          <a:lstStyle/>
-          <a:p>
-            <a:pPr algn="ctr"/>
-            <a:r>
-              <a:rPr lang="fr-FR" sz="1200" b="1" dirty="0" smtClean="0">
-                <a:solidFill>
-                  <a:srgbClr val="D5D5D5"/>
-                </a:solidFill>
-              </a:rPr>
-              <a:t>Déconnecter</a:t>
-            </a:r>
-            <a:endParaRPr lang="fr-FR" sz="1200" b="1" dirty="0">
+          <p:cNvPr id="60" name="ZoneTexte 59"/>
+          <p:cNvSpPr txBox="1"/>
+          <p:nvPr/>
+        </p:nvSpPr>
+        <p:spPr>
+          <a:xfrm>
+            <a:off x="10251754" y="193851"/>
+            <a:ext cx="1912620" cy="307777"/>
+          </a:xfrm>
+          <a:prstGeom prst="rect">
+            <a:avLst/>
+          </a:prstGeom>
+          <a:noFill/>
+        </p:spPr>
+        <p:txBody>
+          <a:bodyPr wrap="square" rtlCol="0">
+            <a:spAutoFit/>
+          </a:bodyPr>
+          <a:lstStyle/>
+          <a:p>
+            <a:r>
+              <a:rPr lang="fr-FR" sz="1400" b="1" dirty="0" smtClean="0">
+                <a:solidFill>
+                  <a:srgbClr val="E6EAEE"/>
+                </a:solidFill>
+                <a:latin typeface="+mj-lt"/>
+              </a:rPr>
+              <a:t>Mode: </a:t>
+            </a:r>
+            <a:r>
+              <a:rPr lang="fr-FR" sz="1400" dirty="0" smtClean="0">
+                <a:solidFill>
+                  <a:srgbClr val="07CEC9"/>
+                </a:solidFill>
+                <a:latin typeface="+mj-lt"/>
+              </a:rPr>
+              <a:t>Online</a:t>
+            </a:r>
+            <a:endParaRPr lang="fr-FR" sz="1400" dirty="0">
               <a:solidFill>
-                <a:srgbClr val="D5D5D5"/>
+                <a:schemeClr val="bg1"/>
               </a:solidFill>
+              <a:latin typeface="+mj-lt"/>
             </a:endParaRPr>
+          </a:p>
+        </p:txBody>
+      </p:sp>
+      <p:sp>
+        <p:nvSpPr>
+          <p:cNvPr id="61" name="Triangle isocèle 60"/>
+          <p:cNvSpPr/>
+          <p:nvPr/>
+        </p:nvSpPr>
+        <p:spPr>
+          <a:xfrm rot="5400000">
+            <a:off x="11393837" y="349356"/>
+            <a:ext cx="61511" cy="47411"/>
+          </a:xfrm>
+          <a:prstGeom prst="triangle">
+            <a:avLst/>
+          </a:prstGeom>
+          <a:solidFill>
+            <a:srgbClr val="E6EAEE"/>
+          </a:solidFill>
+          <a:ln>
+            <a:noFill/>
+          </a:ln>
+        </p:spPr>
+        <p:style>
+          <a:lnRef idx="2">
+            <a:schemeClr val="accent1">
+              <a:shade val="50000"/>
+            </a:schemeClr>
+          </a:lnRef>
+          <a:fillRef idx="1">
+            <a:schemeClr val="accent1"/>
+          </a:fillRef>
+          <a:effectRef idx="0">
+            <a:schemeClr val="accent1"/>
+          </a:effectRef>
+          <a:fontRef idx="minor">
+            <a:schemeClr val="lt1"/>
+          </a:fontRef>
+        </p:style>
+        <p:txBody>
+          <a:bodyPr rtlCol="0" anchor="ctr"/>
+          <a:lstStyle/>
+          <a:p>
+            <a:pPr algn="ctr"/>
+            <a:endParaRPr lang="fr-FR"/>
           </a:p>
         </p:txBody>
       </p:sp>
       <p:pic>
         <p:nvPicPr>
-          <p:cNvPr id="59" name="Image 58"/>
+          <p:cNvPr id="2" name="Image 1"/>
           <p:cNvPicPr>
             <a:picLocks noChangeAspect="1"/>
           </p:cNvPicPr>
           <p:nvPr/>
         </p:nvPicPr>
         <p:blipFill>
-          <a:blip r:embed="rId22" cstate="print">
+          <a:blip r:embed="rId22">
             <a:extLst>
               <a:ext uri="{28A0092B-C50C-407E-A947-70E740481C1C}">
                 <a14:useLocalDpi xmlns:a14="http://schemas.microsoft.com/office/drawing/2010/main" val="0"/>
@@ -20337,109 +20406,14 @@
         </p:blipFill>
         <p:spPr>
           <a:xfrm>
-            <a:off x="208470" y="5593267"/>
-            <a:ext cx="274287" cy="274287"/>
+            <a:off x="6082696" y="2315457"/>
+            <a:ext cx="3336665" cy="2151130"/>
           </a:xfrm>
           <a:prstGeom prst="rect">
             <a:avLst/>
           </a:prstGeom>
         </p:spPr>
       </p:pic>
-      <p:sp>
-        <p:nvSpPr>
-          <p:cNvPr id="60" name="ZoneTexte 59"/>
-          <p:cNvSpPr txBox="1"/>
-          <p:nvPr/>
-        </p:nvSpPr>
-        <p:spPr>
-          <a:xfrm>
-            <a:off x="10251754" y="193851"/>
-            <a:ext cx="1912620" cy="307777"/>
-          </a:xfrm>
-          <a:prstGeom prst="rect">
-            <a:avLst/>
-          </a:prstGeom>
-          <a:noFill/>
-        </p:spPr>
-        <p:txBody>
-          <a:bodyPr wrap="square" rtlCol="0">
-            <a:spAutoFit/>
-          </a:bodyPr>
-          <a:lstStyle/>
-          <a:p>
-            <a:r>
-              <a:rPr lang="fr-FR" sz="1400" b="1" dirty="0" smtClean="0">
-                <a:solidFill>
-                  <a:srgbClr val="E6EAEE"/>
-                </a:solidFill>
-                <a:latin typeface="+mj-lt"/>
-              </a:rPr>
-              <a:t>Mode: </a:t>
-            </a:r>
-            <a:r>
-              <a:rPr lang="fr-FR" sz="1400" dirty="0" smtClean="0">
-                <a:solidFill>
-                  <a:srgbClr val="07CEC9"/>
-                </a:solidFill>
-                <a:latin typeface="+mj-lt"/>
-              </a:rPr>
-              <a:t>Online</a:t>
-            </a:r>
-            <a:endParaRPr lang="fr-FR" sz="1400" dirty="0">
-              <a:solidFill>
-                <a:schemeClr val="bg1"/>
-              </a:solidFill>
-              <a:latin typeface="+mj-lt"/>
-            </a:endParaRPr>
-          </a:p>
-        </p:txBody>
-      </p:sp>
-      <p:sp>
-        <p:nvSpPr>
-          <p:cNvPr id="61" name="Triangle isocèle 60"/>
-          <p:cNvSpPr/>
-          <p:nvPr/>
-        </p:nvSpPr>
-        <p:spPr>
-          <a:xfrm rot="5400000">
-            <a:off x="11393837" y="349356"/>
-            <a:ext cx="61511" cy="47411"/>
-          </a:xfrm>
-          <a:prstGeom prst="triangle">
-            <a:avLst/>
-          </a:prstGeom>
-          <a:solidFill>
-            <a:srgbClr val="E6EAEE"/>
-          </a:solidFill>
-          <a:ln>
-            <a:noFill/>
-          </a:ln>
-        </p:spPr>
-        <p:style>
-          <a:lnRef idx="2">
-            <a:schemeClr val="accent1">
-              <a:shade val="50000"/>
-            </a:schemeClr>
-          </a:lnRef>
-          <a:fillRef idx="1">
-            <a:schemeClr val="accent1"/>
-          </a:fillRef>
-          <a:effectRef idx="0">
-            <a:schemeClr val="accent1"/>
-          </a:effectRef>
-          <a:fontRef idx="minor">
-            <a:schemeClr val="lt1"/>
-          </a:fontRef>
-        </p:style>
-        <p:txBody>
-          <a:bodyPr rtlCol="0" anchor="ctr"/>
-          <a:lstStyle/>
-          <a:p>
-            <a:pPr algn="ctr"/>
-            <a:endParaRPr lang="fr-FR"/>
-          </a:p>
-        </p:txBody>
-      </p:sp>
     </p:spTree>
     <p:extLst>
       <p:ext uri="{BB962C8B-B14F-4D97-AF65-F5344CB8AC3E}">
@@ -22257,33 +22231,141 @@
       </p:pic>
       <p:sp>
         <p:nvSpPr>
-          <p:cNvPr id="3" name="Rectangle à coins arrondis 2"/>
+          <p:cNvPr id="55" name="ZoneTexte 54"/>
+          <p:cNvSpPr txBox="1"/>
+          <p:nvPr/>
+        </p:nvSpPr>
+        <p:spPr>
+          <a:xfrm>
+            <a:off x="6546062" y="1424957"/>
+            <a:ext cx="3048950" cy="338554"/>
+          </a:xfrm>
+          <a:prstGeom prst="rect">
+            <a:avLst/>
+          </a:prstGeom>
+          <a:noFill/>
+          <a:ln>
+            <a:noFill/>
+          </a:ln>
+        </p:spPr>
+        <p:txBody>
+          <a:bodyPr wrap="square" rtlCol="0">
+            <a:spAutoFit/>
+          </a:bodyPr>
+          <a:lstStyle/>
+          <a:p>
+            <a:r>
+              <a:rPr lang="fr-FR" sz="1600" b="1" dirty="0" smtClean="0">
+                <a:solidFill>
+                  <a:srgbClr val="E6EAEE"/>
+                </a:solidFill>
+              </a:rPr>
+              <a:t>Brancher votre appareille</a:t>
+            </a:r>
+            <a:endParaRPr lang="fr-FR" sz="1600" b="1" dirty="0">
+              <a:ln>
+                <a:solidFill>
+                  <a:srgbClr val="D5D5D5"/>
+                </a:solidFill>
+              </a:ln>
+              <a:solidFill>
+                <a:srgbClr val="E6EAEE"/>
+              </a:solidFill>
+            </a:endParaRPr>
+          </a:p>
+        </p:txBody>
+      </p:sp>
+      <p:sp>
+        <p:nvSpPr>
+          <p:cNvPr id="56" name="ZoneTexte 55"/>
+          <p:cNvSpPr txBox="1"/>
+          <p:nvPr/>
+        </p:nvSpPr>
+        <p:spPr>
+          <a:xfrm>
+            <a:off x="5879928" y="4651658"/>
+            <a:ext cx="4318171" cy="523220"/>
+          </a:xfrm>
+          <a:prstGeom prst="rect">
+            <a:avLst/>
+          </a:prstGeom>
+          <a:noFill/>
+          <a:ln>
+            <a:noFill/>
+          </a:ln>
+        </p:spPr>
+        <p:txBody>
+          <a:bodyPr wrap="square" rtlCol="0">
+            <a:spAutoFit/>
+          </a:bodyPr>
+          <a:lstStyle/>
+          <a:p>
+            <a:r>
+              <a:rPr lang="fr-FR" sz="1400" b="1" dirty="0" smtClean="0">
+                <a:solidFill>
+                  <a:schemeClr val="bg2">
+                    <a:lumMod val="90000"/>
+                  </a:schemeClr>
+                </a:solidFill>
+              </a:rPr>
+              <a:t>Un point d’accès est crée avec un SSID: Smart-</a:t>
+            </a:r>
+            <a:r>
+              <a:rPr lang="fr-FR" sz="1400" b="1" dirty="0" err="1" smtClean="0">
+                <a:solidFill>
+                  <a:schemeClr val="bg2">
+                    <a:lumMod val="90000"/>
+                  </a:schemeClr>
+                </a:solidFill>
+              </a:rPr>
+              <a:t>xxxx</a:t>
+            </a:r>
+            <a:r>
+              <a:rPr lang="fr-FR" sz="1400" b="1" dirty="0" smtClean="0">
+                <a:solidFill>
+                  <a:schemeClr val="bg2">
+                    <a:lumMod val="90000"/>
+                  </a:schemeClr>
+                </a:solidFill>
+              </a:rPr>
+              <a:t> et mot de passe par défaut Fortico.1234.</a:t>
+            </a:r>
+            <a:endParaRPr lang="fr-FR" sz="1400" b="1" dirty="0">
+              <a:ln>
+                <a:solidFill>
+                  <a:srgbClr val="D5D5D5"/>
+                </a:solidFill>
+              </a:ln>
+              <a:solidFill>
+                <a:schemeClr val="bg2">
+                  <a:lumMod val="90000"/>
+                </a:schemeClr>
+              </a:solidFill>
+            </a:endParaRPr>
+          </a:p>
+        </p:txBody>
+      </p:sp>
+      <p:sp>
+        <p:nvSpPr>
+          <p:cNvPr id="10" name="Rectangle à coins arrondis 9"/>
           <p:cNvSpPr/>
           <p:nvPr/>
         </p:nvSpPr>
         <p:spPr>
           <a:xfrm>
-            <a:off x="6176317" y="2060817"/>
-            <a:ext cx="3459433" cy="2417078"/>
+            <a:off x="9911687" y="6261100"/>
+            <a:ext cx="1258349" cy="351729"/>
           </a:xfrm>
           <a:prstGeom prst="roundRect">
-            <a:avLst/>
-          </a:prstGeom>
-          <a:blipFill dpi="0" rotWithShape="1">
-            <a:blip r:embed="rId20">
-              <a:extLst>
-                <a:ext uri="{28A0092B-C50C-407E-A947-70E740481C1C}">
-                  <a14:useLocalDpi xmlns:a14="http://schemas.microsoft.com/office/drawing/2010/main" val="0"/>
-                </a:ext>
-              </a:extLst>
-            </a:blip>
-            <a:srcRect/>
-            <a:stretch>
-              <a:fillRect/>
-            </a:stretch>
-          </a:blipFill>
-          <a:ln>
-            <a:noFill/>
+            <a:avLst>
+              <a:gd name="adj" fmla="val 50000"/>
+            </a:avLst>
+          </a:prstGeom>
+          <a:noFill/>
+          <a:ln>
+            <a:solidFill>
+              <a:srgbClr val="07CEC9"/>
+            </a:solidFill>
           </a:ln>
         </p:spPr>
         <p:style>
@@ -22313,14 +22395,14 @@
       </p:sp>
       <p:sp>
         <p:nvSpPr>
-          <p:cNvPr id="55" name="ZoneTexte 54"/>
-          <p:cNvSpPr txBox="1"/>
-          <p:nvPr/>
-        </p:nvSpPr>
-        <p:spPr>
-          <a:xfrm>
-            <a:off x="6546062" y="1424957"/>
-            <a:ext cx="3048950" cy="338554"/>
+          <p:cNvPr id="58" name="ZoneTexte 57"/>
+          <p:cNvSpPr txBox="1"/>
+          <p:nvPr/>
+        </p:nvSpPr>
+        <p:spPr>
+          <a:xfrm>
+            <a:off x="9745886" y="6316366"/>
+            <a:ext cx="1589949" cy="276999"/>
           </a:xfrm>
           <a:prstGeom prst="rect">
             <a:avLst/>
@@ -22336,22 +22418,18 @@
           </a:bodyPr>
           <a:lstStyle/>
           <a:p>
-            <a:r>
-              <a:rPr lang="fr-FR" sz="1600" b="1" dirty="0" smtClean="0">
-                <a:solidFill>
-                  <a:srgbClr val="E6EAEE"/>
-                </a:solidFill>
-              </a:rPr>
-              <a:t>Brancher votre appareille</a:t>
-            </a:r>
-            <a:endParaRPr lang="fr-FR" sz="1600" b="1" dirty="0">
-              <a:ln>
-                <a:solidFill>
-                  <a:srgbClr val="D5D5D5"/>
-                </a:solidFill>
-              </a:ln>
+            <a:pPr algn="ctr"/>
+            <a:r>
+              <a:rPr lang="fr-FR" sz="1200" dirty="0" smtClean="0">
+                <a:solidFill>
+                  <a:srgbClr val="07CEC9"/>
+                </a:solidFill>
+              </a:rPr>
+              <a:t>Suivant</a:t>
+            </a:r>
+            <a:endParaRPr lang="fr-FR" sz="1200" dirty="0">
               <a:solidFill>
-                <a:srgbClr val="E6EAEE"/>
+                <a:srgbClr val="07CEC9"/>
               </a:solidFill>
             </a:endParaRPr>
           </a:p>
@@ -22359,83 +22437,13 @@
       </p:sp>
       <p:sp>
         <p:nvSpPr>
-          <p:cNvPr id="56" name="ZoneTexte 55"/>
-          <p:cNvSpPr txBox="1"/>
-          <p:nvPr/>
-        </p:nvSpPr>
-        <p:spPr>
-          <a:xfrm>
-            <a:off x="5879928" y="4651658"/>
-            <a:ext cx="4318171" cy="523220"/>
-          </a:xfrm>
-          <a:prstGeom prst="rect">
-            <a:avLst/>
-          </a:prstGeom>
-          <a:noFill/>
-          <a:ln>
-            <a:noFill/>
-          </a:ln>
-        </p:spPr>
-        <p:txBody>
-          <a:bodyPr wrap="square" rtlCol="0">
-            <a:spAutoFit/>
-          </a:bodyPr>
-          <a:lstStyle/>
-          <a:p>
-            <a:r>
-              <a:rPr lang="fr-FR" sz="1400" b="1" dirty="0" smtClean="0">
-                <a:solidFill>
-                  <a:schemeClr val="bg2">
-                    <a:lumMod val="90000"/>
-                  </a:schemeClr>
-                </a:solidFill>
-              </a:rPr>
-              <a:t>Un point d’accès est crée avec un SSID: Smart-</a:t>
-            </a:r>
-            <a:r>
-              <a:rPr lang="fr-FR" sz="1400" b="1" dirty="0" err="1" smtClean="0">
-                <a:solidFill>
-                  <a:schemeClr val="bg2">
-                    <a:lumMod val="90000"/>
-                  </a:schemeClr>
-                </a:solidFill>
-              </a:rPr>
-              <a:t>xxxx</a:t>
-            </a:r>
-            <a:r>
-              <a:rPr lang="fr-FR" sz="1400" b="1" dirty="0" smtClean="0">
-                <a:solidFill>
-                  <a:schemeClr val="bg2">
-                    <a:lumMod val="90000"/>
-                  </a:schemeClr>
-                </a:solidFill>
-              </a:rPr>
-              <a:t> et mot de passe par défaut Fortico.1234.</a:t>
-            </a:r>
-            <a:endParaRPr lang="fr-FR" sz="1400" b="1" dirty="0">
-              <a:ln>
-                <a:solidFill>
-                  <a:srgbClr val="D5D5D5"/>
-                </a:solidFill>
-              </a:ln>
-              <a:solidFill>
-                <a:schemeClr val="bg2">
-                  <a:lumMod val="90000"/>
-                </a:schemeClr>
-              </a:solidFill>
-            </a:endParaRPr>
-          </a:p>
-        </p:txBody>
-      </p:sp>
-      <p:sp>
-        <p:nvSpPr>
-          <p:cNvPr id="10" name="Rectangle à coins arrondis 9"/>
+          <p:cNvPr id="50" name="Rectangle à coins arrondis 49"/>
           <p:cNvSpPr/>
           <p:nvPr/>
         </p:nvSpPr>
         <p:spPr>
           <a:xfrm>
-            <a:off x="9911687" y="6261100"/>
+            <a:off x="4636400" y="6320785"/>
             <a:ext cx="1258349" cy="351729"/>
           </a:xfrm>
           <a:prstGeom prst="roundRect">
@@ -22446,7 +22454,9 @@
           <a:noFill/>
           <a:ln>
             <a:solidFill>
-              <a:srgbClr val="07CEC9"/>
+              <a:schemeClr val="bg2">
+                <a:lumMod val="90000"/>
+              </a:schemeClr>
             </a:solidFill>
           </a:ln>
         </p:spPr>
@@ -22477,13 +22487,13 @@
       </p:sp>
       <p:sp>
         <p:nvSpPr>
-          <p:cNvPr id="58" name="ZoneTexte 57"/>
-          <p:cNvSpPr txBox="1"/>
-          <p:nvPr/>
-        </p:nvSpPr>
-        <p:spPr>
-          <a:xfrm>
-            <a:off x="9745886" y="6316366"/>
+          <p:cNvPr id="51" name="ZoneTexte 50"/>
+          <p:cNvSpPr txBox="1"/>
+          <p:nvPr/>
+        </p:nvSpPr>
+        <p:spPr>
+          <a:xfrm>
+            <a:off x="4470599" y="6376051"/>
             <a:ext cx="1589949" cy="276999"/>
           </a:xfrm>
           <a:prstGeom prst="rect">
@@ -22504,14 +22514,18 @@
             <a:r>
               <a:rPr lang="fr-FR" sz="1200" dirty="0" smtClean="0">
                 <a:solidFill>
-                  <a:srgbClr val="07CEC9"/>
-                </a:solidFill>
-              </a:rPr>
-              <a:t>Suivant</a:t>
+                  <a:schemeClr val="bg2">
+                    <a:lumMod val="90000"/>
+                  </a:schemeClr>
+                </a:solidFill>
+              </a:rPr>
+              <a:t>Retour</a:t>
             </a:r>
             <a:endParaRPr lang="fr-FR" sz="1200" dirty="0">
               <a:solidFill>
-                <a:srgbClr val="07CEC9"/>
+                <a:schemeClr val="bg2">
+                  <a:lumMod val="90000"/>
+                </a:schemeClr>
               </a:solidFill>
             </a:endParaRPr>
           </a:p>
@@ -22519,27 +22533,23 @@
       </p:sp>
       <p:sp>
         <p:nvSpPr>
-          <p:cNvPr id="50" name="Rectangle à coins arrondis 49"/>
+          <p:cNvPr id="57" name="Ellipse 56"/>
           <p:cNvSpPr/>
           <p:nvPr/>
         </p:nvSpPr>
         <p:spPr>
           <a:xfrm>
-            <a:off x="4636400" y="6320785"/>
-            <a:ext cx="1258349" cy="351729"/>
-          </a:xfrm>
-          <a:prstGeom prst="roundRect">
-            <a:avLst>
-              <a:gd name="adj" fmla="val 50000"/>
-            </a:avLst>
-          </a:prstGeom>
-          <a:noFill/>
-          <a:ln>
-            <a:solidFill>
-              <a:schemeClr val="bg2">
-                <a:lumMod val="90000"/>
-              </a:schemeClr>
-            </a:solidFill>
+            <a:off x="1080333" y="1210735"/>
+            <a:ext cx="202019" cy="187791"/>
+          </a:xfrm>
+          <a:prstGeom prst="ellipse">
+            <a:avLst/>
+          </a:prstGeom>
+          <a:solidFill>
+            <a:schemeClr val="tx1"/>
+          </a:solidFill>
+          <a:ln>
+            <a:noFill/>
           </a:ln>
         </p:spPr>
         <p:style>
@@ -22567,101 +22577,78 @@
           </a:p>
         </p:txBody>
       </p:sp>
-      <p:sp>
-        <p:nvSpPr>
-          <p:cNvPr id="51" name="ZoneTexte 50"/>
-          <p:cNvSpPr txBox="1"/>
-          <p:nvPr/>
-        </p:nvSpPr>
-        <p:spPr>
-          <a:xfrm>
-            <a:off x="4470599" y="6376051"/>
-            <a:ext cx="1589949" cy="276999"/>
-          </a:xfrm>
-          <a:prstGeom prst="rect">
-            <a:avLst/>
-          </a:prstGeom>
-          <a:noFill/>
-          <a:ln>
-            <a:noFill/>
-          </a:ln>
-        </p:spPr>
-        <p:txBody>
-          <a:bodyPr wrap="square" rtlCol="0">
-            <a:spAutoFit/>
-          </a:bodyPr>
-          <a:lstStyle/>
-          <a:p>
-            <a:pPr algn="ctr"/>
-            <a:r>
-              <a:rPr lang="fr-FR" sz="1200" dirty="0" smtClean="0">
-                <a:solidFill>
-                  <a:schemeClr val="bg2">
-                    <a:lumMod val="90000"/>
-                  </a:schemeClr>
-                </a:solidFill>
-              </a:rPr>
-              <a:t>Retour</a:t>
-            </a:r>
-            <a:endParaRPr lang="fr-FR" sz="1200" dirty="0">
-              <a:solidFill>
-                <a:schemeClr val="bg2">
-                  <a:lumMod val="90000"/>
-                </a:schemeClr>
-              </a:solidFill>
-            </a:endParaRPr>
-          </a:p>
-        </p:txBody>
-      </p:sp>
-      <p:sp>
-        <p:nvSpPr>
-          <p:cNvPr id="57" name="Ellipse 56"/>
-          <p:cNvSpPr/>
-          <p:nvPr/>
-        </p:nvSpPr>
-        <p:spPr>
-          <a:xfrm>
-            <a:off x="1080333" y="1210735"/>
-            <a:ext cx="202019" cy="187791"/>
-          </a:xfrm>
-          <a:prstGeom prst="ellipse">
-            <a:avLst/>
-          </a:prstGeom>
-          <a:solidFill>
-            <a:schemeClr val="tx1"/>
-          </a:solidFill>
-          <a:ln>
-            <a:noFill/>
-          </a:ln>
-        </p:spPr>
-        <p:style>
-          <a:lnRef idx="2">
-            <a:schemeClr val="accent1">
-              <a:shade val="50000"/>
-            </a:schemeClr>
-          </a:lnRef>
-          <a:fillRef idx="1">
-            <a:schemeClr val="accent1"/>
-          </a:fillRef>
-          <a:effectRef idx="0">
-            <a:schemeClr val="accent1"/>
-          </a:effectRef>
-          <a:fontRef idx="minor">
-            <a:schemeClr val="lt1"/>
-          </a:fontRef>
-        </p:style>
-        <p:txBody>
-          <a:bodyPr rtlCol="0" anchor="ctr"/>
-          <a:lstStyle/>
-          <a:p>
-            <a:pPr algn="ctr"/>
-            <a:endParaRPr lang="fr-FR"/>
-          </a:p>
-        </p:txBody>
-      </p:sp>
       <p:pic>
         <p:nvPicPr>
           <p:cNvPr id="59" name="Image 58"/>
+          <p:cNvPicPr>
+            <a:picLocks noChangeAspect="1"/>
+          </p:cNvPicPr>
+          <p:nvPr/>
+        </p:nvPicPr>
+        <p:blipFill>
+          <a:blip r:embed="rId20" cstate="print">
+            <a:extLst>
+              <a:ext uri="{28A0092B-C50C-407E-A947-70E740481C1C}">
+                <a14:useLocalDpi xmlns:a14="http://schemas.microsoft.com/office/drawing/2010/main" val="0"/>
+              </a:ext>
+            </a:extLst>
+          </a:blip>
+          <a:stretch>
+            <a:fillRect/>
+          </a:stretch>
+        </p:blipFill>
+        <p:spPr>
+          <a:xfrm flipH="1">
+            <a:off x="1136834" y="1259699"/>
+            <a:ext cx="96653" cy="96653"/>
+          </a:xfrm>
+          <a:prstGeom prst="rect">
+            <a:avLst/>
+          </a:prstGeom>
+        </p:spPr>
+      </p:pic>
+      <p:sp>
+        <p:nvSpPr>
+          <p:cNvPr id="60" name="ZoneTexte 59"/>
+          <p:cNvSpPr txBox="1"/>
+          <p:nvPr/>
+        </p:nvSpPr>
+        <p:spPr>
+          <a:xfrm>
+            <a:off x="220436" y="5599126"/>
+            <a:ext cx="1533525" cy="276999"/>
+          </a:xfrm>
+          <a:prstGeom prst="rect">
+            <a:avLst/>
+          </a:prstGeom>
+          <a:noFill/>
+        </p:spPr>
+        <p:txBody>
+          <a:bodyPr wrap="square" rtlCol="0">
+            <a:spAutoFit/>
+          </a:bodyPr>
+          <a:lstStyle/>
+          <a:p>
+            <a:pPr algn="ctr"/>
+            <a:r>
+              <a:rPr lang="fr-FR" sz="1200" b="1" dirty="0" smtClean="0">
+                <a:solidFill>
+                  <a:srgbClr val="D5D5D5"/>
+                </a:solidFill>
+              </a:rPr>
+              <a:t>Déconnecter</a:t>
+            </a:r>
+            <a:endParaRPr lang="fr-FR" sz="1200" b="1" dirty="0">
+              <a:solidFill>
+                <a:srgbClr val="D5D5D5"/>
+              </a:solidFill>
+            </a:endParaRPr>
+          </a:p>
+        </p:txBody>
+      </p:sp>
+      <p:pic>
+        <p:nvPicPr>
+          <p:cNvPr id="61" name="Image 60"/>
           <p:cNvPicPr>
             <a:picLocks noChangeAspect="1"/>
           </p:cNvPicPr>
@@ -22680,9 +22667,9 @@
           </a:stretch>
         </p:blipFill>
         <p:spPr>
-          <a:xfrm flipH="1">
-            <a:off x="1136834" y="1259699"/>
-            <a:ext cx="96653" cy="96653"/>
+          <a:xfrm>
+            <a:off x="208470" y="5593267"/>
+            <a:ext cx="274287" cy="274287"/>
           </a:xfrm>
           <a:prstGeom prst="rect">
             <a:avLst/>
@@ -22691,53 +22678,109 @@
       </p:pic>
       <p:sp>
         <p:nvSpPr>
-          <p:cNvPr id="60" name="ZoneTexte 59"/>
-          <p:cNvSpPr txBox="1"/>
-          <p:nvPr/>
-        </p:nvSpPr>
-        <p:spPr>
-          <a:xfrm>
-            <a:off x="220436" y="5599126"/>
-            <a:ext cx="1533525" cy="276999"/>
-          </a:xfrm>
-          <a:prstGeom prst="rect">
-            <a:avLst/>
-          </a:prstGeom>
-          <a:noFill/>
-        </p:spPr>
-        <p:txBody>
-          <a:bodyPr wrap="square" rtlCol="0">
-            <a:spAutoFit/>
-          </a:bodyPr>
-          <a:lstStyle/>
-          <a:p>
-            <a:pPr algn="ctr"/>
-            <a:r>
-              <a:rPr lang="fr-FR" sz="1200" b="1" dirty="0" smtClean="0">
-                <a:solidFill>
-                  <a:srgbClr val="D5D5D5"/>
-                </a:solidFill>
-              </a:rPr>
-              <a:t>Déconnecter</a:t>
-            </a:r>
-            <a:endParaRPr lang="fr-FR" sz="1200" b="1" dirty="0">
+          <p:cNvPr id="62" name="ZoneTexte 61"/>
+          <p:cNvSpPr txBox="1"/>
+          <p:nvPr/>
+        </p:nvSpPr>
+        <p:spPr>
+          <a:xfrm>
+            <a:off x="10251754" y="193851"/>
+            <a:ext cx="1912620" cy="307777"/>
+          </a:xfrm>
+          <a:prstGeom prst="rect">
+            <a:avLst/>
+          </a:prstGeom>
+          <a:noFill/>
+        </p:spPr>
+        <p:txBody>
+          <a:bodyPr wrap="square" rtlCol="0">
+            <a:spAutoFit/>
+          </a:bodyPr>
+          <a:lstStyle/>
+          <a:p>
+            <a:r>
+              <a:rPr lang="fr-FR" sz="1400" b="1" dirty="0" smtClean="0">
+                <a:solidFill>
+                  <a:srgbClr val="E6EAEE"/>
+                </a:solidFill>
+                <a:latin typeface="+mj-lt"/>
+              </a:rPr>
+              <a:t>Mode: </a:t>
+            </a:r>
+            <a:r>
+              <a:rPr lang="fr-FR" sz="1400" dirty="0" smtClean="0">
+                <a:solidFill>
+                  <a:srgbClr val="07CEC9"/>
+                </a:solidFill>
+                <a:latin typeface="+mj-lt"/>
+              </a:rPr>
+              <a:t>Online</a:t>
+            </a:r>
+            <a:endParaRPr lang="fr-FR" sz="1400" dirty="0">
               <a:solidFill>
-                <a:srgbClr val="D5D5D5"/>
+                <a:schemeClr val="bg1"/>
               </a:solidFill>
+              <a:latin typeface="+mj-lt"/>
             </a:endParaRPr>
+          </a:p>
+        </p:txBody>
+      </p:sp>
+      <p:sp>
+        <p:nvSpPr>
+          <p:cNvPr id="63" name="Triangle isocèle 62"/>
+          <p:cNvSpPr/>
+          <p:nvPr/>
+        </p:nvSpPr>
+        <p:spPr>
+          <a:xfrm rot="5400000">
+            <a:off x="11393837" y="349356"/>
+            <a:ext cx="61511" cy="47411"/>
+          </a:xfrm>
+          <a:prstGeom prst="triangle">
+            <a:avLst/>
+          </a:prstGeom>
+          <a:solidFill>
+            <a:srgbClr val="E6EAEE"/>
+          </a:solidFill>
+          <a:ln>
+            <a:noFill/>
+          </a:ln>
+        </p:spPr>
+        <p:style>
+          <a:lnRef idx="2">
+            <a:schemeClr val="accent1">
+              <a:shade val="50000"/>
+            </a:schemeClr>
+          </a:lnRef>
+          <a:fillRef idx="1">
+            <a:schemeClr val="accent1"/>
+          </a:fillRef>
+          <a:effectRef idx="0">
+            <a:schemeClr val="accent1"/>
+          </a:effectRef>
+          <a:fontRef idx="minor">
+            <a:schemeClr val="lt1"/>
+          </a:fontRef>
+        </p:style>
+        <p:txBody>
+          <a:bodyPr rtlCol="0" anchor="ctr"/>
+          <a:lstStyle/>
+          <a:p>
+            <a:pPr algn="ctr"/>
+            <a:endParaRPr lang="fr-FR"/>
           </a:p>
         </p:txBody>
       </p:sp>
       <p:pic>
         <p:nvPicPr>
-          <p:cNvPr id="61" name="Image 60"/>
+          <p:cNvPr id="64" name="Image 63"/>
           <p:cNvPicPr>
             <a:picLocks noChangeAspect="1"/>
           </p:cNvPicPr>
           <p:nvPr/>
         </p:nvPicPr>
         <p:blipFill>
-          <a:blip r:embed="rId22" cstate="print">
+          <a:blip r:embed="rId22">
             <a:extLst>
               <a:ext uri="{28A0092B-C50C-407E-A947-70E740481C1C}">
                 <a14:useLocalDpi xmlns:a14="http://schemas.microsoft.com/office/drawing/2010/main" val="0"/>
@@ -22750,109 +22793,14 @@
         </p:blipFill>
         <p:spPr>
           <a:xfrm>
-            <a:off x="208470" y="5593267"/>
-            <a:ext cx="274287" cy="274287"/>
+            <a:off x="6082696" y="2315457"/>
+            <a:ext cx="3336665" cy="2151130"/>
           </a:xfrm>
           <a:prstGeom prst="rect">
             <a:avLst/>
           </a:prstGeom>
         </p:spPr>
       </p:pic>
-      <p:sp>
-        <p:nvSpPr>
-          <p:cNvPr id="62" name="ZoneTexte 61"/>
-          <p:cNvSpPr txBox="1"/>
-          <p:nvPr/>
-        </p:nvSpPr>
-        <p:spPr>
-          <a:xfrm>
-            <a:off x="10251754" y="193851"/>
-            <a:ext cx="1912620" cy="307777"/>
-          </a:xfrm>
-          <a:prstGeom prst="rect">
-            <a:avLst/>
-          </a:prstGeom>
-          <a:noFill/>
-        </p:spPr>
-        <p:txBody>
-          <a:bodyPr wrap="square" rtlCol="0">
-            <a:spAutoFit/>
-          </a:bodyPr>
-          <a:lstStyle/>
-          <a:p>
-            <a:r>
-              <a:rPr lang="fr-FR" sz="1400" b="1" dirty="0" smtClean="0">
-                <a:solidFill>
-                  <a:srgbClr val="E6EAEE"/>
-                </a:solidFill>
-                <a:latin typeface="+mj-lt"/>
-              </a:rPr>
-              <a:t>Mode: </a:t>
-            </a:r>
-            <a:r>
-              <a:rPr lang="fr-FR" sz="1400" dirty="0" smtClean="0">
-                <a:solidFill>
-                  <a:srgbClr val="07CEC9"/>
-                </a:solidFill>
-                <a:latin typeface="+mj-lt"/>
-              </a:rPr>
-              <a:t>Online</a:t>
-            </a:r>
-            <a:endParaRPr lang="fr-FR" sz="1400" dirty="0">
-              <a:solidFill>
-                <a:schemeClr val="bg1"/>
-              </a:solidFill>
-              <a:latin typeface="+mj-lt"/>
-            </a:endParaRPr>
-          </a:p>
-        </p:txBody>
-      </p:sp>
-      <p:sp>
-        <p:nvSpPr>
-          <p:cNvPr id="63" name="Triangle isocèle 62"/>
-          <p:cNvSpPr/>
-          <p:nvPr/>
-        </p:nvSpPr>
-        <p:spPr>
-          <a:xfrm rot="5400000">
-            <a:off x="11393837" y="349356"/>
-            <a:ext cx="61511" cy="47411"/>
-          </a:xfrm>
-          <a:prstGeom prst="triangle">
-            <a:avLst/>
-          </a:prstGeom>
-          <a:solidFill>
-            <a:srgbClr val="E6EAEE"/>
-          </a:solidFill>
-          <a:ln>
-            <a:noFill/>
-          </a:ln>
-        </p:spPr>
-        <p:style>
-          <a:lnRef idx="2">
-            <a:schemeClr val="accent1">
-              <a:shade val="50000"/>
-            </a:schemeClr>
-          </a:lnRef>
-          <a:fillRef idx="1">
-            <a:schemeClr val="accent1"/>
-          </a:fillRef>
-          <a:effectRef idx="0">
-            <a:schemeClr val="accent1"/>
-          </a:effectRef>
-          <a:fontRef idx="minor">
-            <a:schemeClr val="lt1"/>
-          </a:fontRef>
-        </p:style>
-        <p:txBody>
-          <a:bodyPr rtlCol="0" anchor="ctr"/>
-          <a:lstStyle/>
-          <a:p>
-            <a:pPr algn="ctr"/>
-            <a:endParaRPr lang="fr-FR"/>
-          </a:p>
-        </p:txBody>
-      </p:sp>
     </p:spTree>
     <p:extLst>
       <p:ext uri="{BB962C8B-B14F-4D97-AF65-F5344CB8AC3E}">
@@ -33019,33 +32967,122 @@
       </p:pic>
       <p:sp>
         <p:nvSpPr>
-          <p:cNvPr id="47" name="Rectangle à coins arrondis 46"/>
+          <p:cNvPr id="48" name="ZoneTexte 47"/>
+          <p:cNvSpPr txBox="1"/>
+          <p:nvPr/>
+        </p:nvSpPr>
+        <p:spPr>
+          <a:xfrm>
+            <a:off x="6546062" y="1424957"/>
+            <a:ext cx="3048950" cy="338554"/>
+          </a:xfrm>
+          <a:prstGeom prst="rect">
+            <a:avLst/>
+          </a:prstGeom>
+          <a:noFill/>
+          <a:ln>
+            <a:noFill/>
+          </a:ln>
+        </p:spPr>
+        <p:txBody>
+          <a:bodyPr wrap="square" rtlCol="0">
+            <a:spAutoFit/>
+          </a:bodyPr>
+          <a:lstStyle/>
+          <a:p>
+            <a:r>
+              <a:rPr lang="fr-FR" sz="1600" b="1" dirty="0" smtClean="0">
+                <a:solidFill>
+                  <a:srgbClr val="E6EAEE"/>
+                </a:solidFill>
+              </a:rPr>
+              <a:t>Module connecter avec succès</a:t>
+            </a:r>
+            <a:endParaRPr lang="fr-FR" sz="1600" b="1" dirty="0">
+              <a:ln>
+                <a:solidFill>
+                  <a:srgbClr val="D5D5D5"/>
+                </a:solidFill>
+              </a:ln>
+              <a:solidFill>
+                <a:srgbClr val="E6EAEE"/>
+              </a:solidFill>
+            </a:endParaRPr>
+          </a:p>
+        </p:txBody>
+      </p:sp>
+      <p:sp>
+        <p:nvSpPr>
+          <p:cNvPr id="49" name="ZoneTexte 48"/>
+          <p:cNvSpPr txBox="1"/>
+          <p:nvPr/>
+        </p:nvSpPr>
+        <p:spPr>
+          <a:xfrm>
+            <a:off x="5879928" y="4651658"/>
+            <a:ext cx="4318171" cy="307777"/>
+          </a:xfrm>
+          <a:prstGeom prst="rect">
+            <a:avLst/>
+          </a:prstGeom>
+          <a:noFill/>
+          <a:ln>
+            <a:noFill/>
+          </a:ln>
+        </p:spPr>
+        <p:txBody>
+          <a:bodyPr wrap="square" rtlCol="0">
+            <a:spAutoFit/>
+          </a:bodyPr>
+          <a:lstStyle/>
+          <a:p>
+            <a:pPr algn="ctr"/>
+            <a:r>
+              <a:rPr lang="fr-FR" sz="1400" b="1" dirty="0" smtClean="0">
+                <a:solidFill>
+                  <a:schemeClr val="bg2">
+                    <a:lumMod val="90000"/>
+                  </a:schemeClr>
+                </a:solidFill>
+              </a:rPr>
+              <a:t>Votre module est maintenant connecter</a:t>
+            </a:r>
+            <a:endParaRPr lang="fr-FR" sz="1400" b="1" dirty="0">
+              <a:ln>
+                <a:solidFill>
+                  <a:srgbClr val="D5D5D5"/>
+                </a:solidFill>
+              </a:ln>
+              <a:solidFill>
+                <a:schemeClr val="bg2">
+                  <a:lumMod val="90000"/>
+                </a:schemeClr>
+              </a:solidFill>
+            </a:endParaRPr>
+          </a:p>
+        </p:txBody>
+      </p:sp>
+      <p:sp>
+        <p:nvSpPr>
+          <p:cNvPr id="50" name="Rectangle à coins arrondis 49"/>
           <p:cNvSpPr/>
           <p:nvPr/>
         </p:nvSpPr>
         <p:spPr>
           <a:xfrm>
-            <a:off x="6176317" y="2060817"/>
-            <a:ext cx="3459433" cy="2417078"/>
+            <a:off x="9911687" y="6261100"/>
+            <a:ext cx="1258349" cy="351729"/>
           </a:xfrm>
           <a:prstGeom prst="roundRect">
-            <a:avLst/>
-          </a:prstGeom>
-          <a:blipFill dpi="0" rotWithShape="1">
-            <a:blip r:embed="rId19">
-              <a:extLst>
-                <a:ext uri="{28A0092B-C50C-407E-A947-70E740481C1C}">
-                  <a14:useLocalDpi xmlns:a14="http://schemas.microsoft.com/office/drawing/2010/main" val="0"/>
-                </a:ext>
-              </a:extLst>
-            </a:blip>
-            <a:srcRect/>
-            <a:stretch>
-              <a:fillRect/>
-            </a:stretch>
-          </a:blipFill>
-          <a:ln>
-            <a:noFill/>
+            <a:avLst>
+              <a:gd name="adj" fmla="val 50000"/>
+            </a:avLst>
+          </a:prstGeom>
+          <a:noFill/>
+          <a:ln>
+            <a:solidFill>
+              <a:srgbClr val="07CEC9"/>
+            </a:solidFill>
           </a:ln>
         </p:spPr>
         <p:style>
@@ -33075,14 +33112,14 @@
       </p:sp>
       <p:sp>
         <p:nvSpPr>
-          <p:cNvPr id="48" name="ZoneTexte 47"/>
-          <p:cNvSpPr txBox="1"/>
-          <p:nvPr/>
-        </p:nvSpPr>
-        <p:spPr>
-          <a:xfrm>
-            <a:off x="6546062" y="1424957"/>
-            <a:ext cx="3048950" cy="338554"/>
+          <p:cNvPr id="51" name="ZoneTexte 50"/>
+          <p:cNvSpPr txBox="1"/>
+          <p:nvPr/>
+        </p:nvSpPr>
+        <p:spPr>
+          <a:xfrm>
+            <a:off x="9745886" y="6316366"/>
+            <a:ext cx="1589949" cy="276999"/>
           </a:xfrm>
           <a:prstGeom prst="rect">
             <a:avLst/>
@@ -33098,22 +33135,18 @@
           </a:bodyPr>
           <a:lstStyle/>
           <a:p>
-            <a:r>
-              <a:rPr lang="fr-FR" sz="1600" b="1" dirty="0" smtClean="0">
-                <a:solidFill>
-                  <a:srgbClr val="E6EAEE"/>
-                </a:solidFill>
-              </a:rPr>
-              <a:t>Module connecter avec succès</a:t>
-            </a:r>
-            <a:endParaRPr lang="fr-FR" sz="1600" b="1" dirty="0">
-              <a:ln>
-                <a:solidFill>
-                  <a:srgbClr val="D5D5D5"/>
-                </a:solidFill>
-              </a:ln>
+            <a:pPr algn="ctr"/>
+            <a:r>
+              <a:rPr lang="fr-FR" sz="1200" dirty="0" smtClean="0">
+                <a:solidFill>
+                  <a:srgbClr val="07CEC9"/>
+                </a:solidFill>
+              </a:rPr>
+              <a:t>Suivant</a:t>
+            </a:r>
+            <a:endParaRPr lang="fr-FR" sz="1200" dirty="0">
               <a:solidFill>
-                <a:srgbClr val="E6EAEE"/>
+                <a:srgbClr val="07CEC9"/>
               </a:solidFill>
             </a:endParaRPr>
           </a:p>
@@ -33121,76 +33154,23 @@
       </p:sp>
       <p:sp>
         <p:nvSpPr>
-          <p:cNvPr id="49" name="ZoneTexte 48"/>
-          <p:cNvSpPr txBox="1"/>
-          <p:nvPr/>
-        </p:nvSpPr>
-        <p:spPr>
-          <a:xfrm>
-            <a:off x="5879928" y="4651658"/>
-            <a:ext cx="4318171" cy="307777"/>
-          </a:xfrm>
-          <a:prstGeom prst="rect">
-            <a:avLst/>
-          </a:prstGeom>
-          <a:noFill/>
+          <p:cNvPr id="54" name="Ellipse 53"/>
+          <p:cNvSpPr/>
+          <p:nvPr/>
+        </p:nvSpPr>
+        <p:spPr>
+          <a:xfrm>
+            <a:off x="1080333" y="1210735"/>
+            <a:ext cx="202019" cy="187791"/>
+          </a:xfrm>
+          <a:prstGeom prst="ellipse">
+            <a:avLst/>
+          </a:prstGeom>
+          <a:solidFill>
+            <a:schemeClr val="tx1"/>
+          </a:solidFill>
           <a:ln>
             <a:noFill/>
-          </a:ln>
-        </p:spPr>
-        <p:txBody>
-          <a:bodyPr wrap="square" rtlCol="0">
-            <a:spAutoFit/>
-          </a:bodyPr>
-          <a:lstStyle/>
-          <a:p>
-            <a:pPr algn="ctr"/>
-            <a:r>
-              <a:rPr lang="fr-FR" sz="1400" b="1" dirty="0" smtClean="0">
-                <a:solidFill>
-                  <a:schemeClr val="bg2">
-                    <a:lumMod val="90000"/>
-                  </a:schemeClr>
-                </a:solidFill>
-              </a:rPr>
-              <a:t>Votre module est maintenant connecter</a:t>
-            </a:r>
-            <a:endParaRPr lang="fr-FR" sz="1400" b="1" dirty="0">
-              <a:ln>
-                <a:solidFill>
-                  <a:srgbClr val="D5D5D5"/>
-                </a:solidFill>
-              </a:ln>
-              <a:solidFill>
-                <a:schemeClr val="bg2">
-                  <a:lumMod val="90000"/>
-                </a:schemeClr>
-              </a:solidFill>
-            </a:endParaRPr>
-          </a:p>
-        </p:txBody>
-      </p:sp>
-      <p:sp>
-        <p:nvSpPr>
-          <p:cNvPr id="50" name="Rectangle à coins arrondis 49"/>
-          <p:cNvSpPr/>
-          <p:nvPr/>
-        </p:nvSpPr>
-        <p:spPr>
-          <a:xfrm>
-            <a:off x="9911687" y="6261100"/>
-            <a:ext cx="1258349" cy="351729"/>
-          </a:xfrm>
-          <a:prstGeom prst="roundRect">
-            <a:avLst>
-              <a:gd name="adj" fmla="val 50000"/>
-            </a:avLst>
-          </a:prstGeom>
-          <a:noFill/>
-          <a:ln>
-            <a:solidFill>
-              <a:srgbClr val="07CEC9"/>
-            </a:solidFill>
           </a:ln>
         </p:spPr>
         <p:style>
@@ -33218,97 +33198,78 @@
           </a:p>
         </p:txBody>
       </p:sp>
-      <p:sp>
-        <p:nvSpPr>
-          <p:cNvPr id="51" name="ZoneTexte 50"/>
-          <p:cNvSpPr txBox="1"/>
-          <p:nvPr/>
-        </p:nvSpPr>
-        <p:spPr>
-          <a:xfrm>
-            <a:off x="9745886" y="6316366"/>
-            <a:ext cx="1589949" cy="276999"/>
-          </a:xfrm>
-          <a:prstGeom prst="rect">
-            <a:avLst/>
-          </a:prstGeom>
-          <a:noFill/>
-          <a:ln>
-            <a:noFill/>
-          </a:ln>
-        </p:spPr>
-        <p:txBody>
-          <a:bodyPr wrap="square" rtlCol="0">
-            <a:spAutoFit/>
-          </a:bodyPr>
-          <a:lstStyle/>
-          <a:p>
-            <a:pPr algn="ctr"/>
-            <a:r>
-              <a:rPr lang="fr-FR" sz="1200" dirty="0" smtClean="0">
-                <a:solidFill>
-                  <a:srgbClr val="07CEC9"/>
-                </a:solidFill>
-              </a:rPr>
-              <a:t>Suivant</a:t>
-            </a:r>
-            <a:endParaRPr lang="fr-FR" sz="1200" dirty="0">
-              <a:solidFill>
-                <a:srgbClr val="07CEC9"/>
-              </a:solidFill>
-            </a:endParaRPr>
-          </a:p>
-        </p:txBody>
-      </p:sp>
-      <p:sp>
-        <p:nvSpPr>
-          <p:cNvPr id="54" name="Ellipse 53"/>
-          <p:cNvSpPr/>
-          <p:nvPr/>
-        </p:nvSpPr>
-        <p:spPr>
-          <a:xfrm>
-            <a:off x="1080333" y="1210735"/>
-            <a:ext cx="202019" cy="187791"/>
-          </a:xfrm>
-          <a:prstGeom prst="ellipse">
-            <a:avLst/>
-          </a:prstGeom>
-          <a:solidFill>
-            <a:schemeClr val="tx1"/>
-          </a:solidFill>
-          <a:ln>
-            <a:noFill/>
-          </a:ln>
-        </p:spPr>
-        <p:style>
-          <a:lnRef idx="2">
-            <a:schemeClr val="accent1">
-              <a:shade val="50000"/>
-            </a:schemeClr>
-          </a:lnRef>
-          <a:fillRef idx="1">
-            <a:schemeClr val="accent1"/>
-          </a:fillRef>
-          <a:effectRef idx="0">
-            <a:schemeClr val="accent1"/>
-          </a:effectRef>
-          <a:fontRef idx="minor">
-            <a:schemeClr val="lt1"/>
-          </a:fontRef>
-        </p:style>
-        <p:txBody>
-          <a:bodyPr rtlCol="0" anchor="ctr"/>
-          <a:lstStyle/>
-          <a:p>
-            <a:pPr algn="ctr"/>
-            <a:endParaRPr lang="fr-FR"/>
-          </a:p>
-        </p:txBody>
-      </p:sp>
       <p:pic>
         <p:nvPicPr>
           <p:cNvPr id="55" name="Image 54"/>
+          <p:cNvPicPr>
+            <a:picLocks noChangeAspect="1"/>
+          </p:cNvPicPr>
+          <p:nvPr/>
+        </p:nvPicPr>
+        <p:blipFill>
+          <a:blip r:embed="rId19" cstate="print">
+            <a:extLst>
+              <a:ext uri="{28A0092B-C50C-407E-A947-70E740481C1C}">
+                <a14:useLocalDpi xmlns:a14="http://schemas.microsoft.com/office/drawing/2010/main" val="0"/>
+              </a:ext>
+            </a:extLst>
+          </a:blip>
+          <a:stretch>
+            <a:fillRect/>
+          </a:stretch>
+        </p:blipFill>
+        <p:spPr>
+          <a:xfrm flipH="1">
+            <a:off x="1136834" y="1259699"/>
+            <a:ext cx="96653" cy="96653"/>
+          </a:xfrm>
+          <a:prstGeom prst="rect">
+            <a:avLst/>
+          </a:prstGeom>
+        </p:spPr>
+      </p:pic>
+      <p:sp>
+        <p:nvSpPr>
+          <p:cNvPr id="56" name="ZoneTexte 55"/>
+          <p:cNvSpPr txBox="1"/>
+          <p:nvPr/>
+        </p:nvSpPr>
+        <p:spPr>
+          <a:xfrm>
+            <a:off x="220436" y="5599126"/>
+            <a:ext cx="1533525" cy="276999"/>
+          </a:xfrm>
+          <a:prstGeom prst="rect">
+            <a:avLst/>
+          </a:prstGeom>
+          <a:noFill/>
+        </p:spPr>
+        <p:txBody>
+          <a:bodyPr wrap="square" rtlCol="0">
+            <a:spAutoFit/>
+          </a:bodyPr>
+          <a:lstStyle/>
+          <a:p>
+            <a:pPr algn="ctr"/>
+            <a:r>
+              <a:rPr lang="fr-FR" sz="1200" b="1" dirty="0" smtClean="0">
+                <a:solidFill>
+                  <a:srgbClr val="D5D5D5"/>
+                </a:solidFill>
+              </a:rPr>
+              <a:t>Déconnecter</a:t>
+            </a:r>
+            <a:endParaRPr lang="fr-FR" sz="1200" b="1" dirty="0">
+              <a:solidFill>
+                <a:srgbClr val="D5D5D5"/>
+              </a:solidFill>
+            </a:endParaRPr>
+          </a:p>
+        </p:txBody>
+      </p:sp>
+      <p:pic>
+        <p:nvPicPr>
+          <p:cNvPr id="57" name="Image 56"/>
           <p:cNvPicPr>
             <a:picLocks noChangeAspect="1"/>
           </p:cNvPicPr>
@@ -33327,9 +33288,9 @@
           </a:stretch>
         </p:blipFill>
         <p:spPr>
-          <a:xfrm flipH="1">
-            <a:off x="1136834" y="1259699"/>
-            <a:ext cx="96653" cy="96653"/>
+          <a:xfrm>
+            <a:off x="208470" y="5593267"/>
+            <a:ext cx="274287" cy="274287"/>
           </a:xfrm>
           <a:prstGeom prst="rect">
             <a:avLst/>
@@ -33338,53 +33299,109 @@
       </p:pic>
       <p:sp>
         <p:nvSpPr>
-          <p:cNvPr id="56" name="ZoneTexte 55"/>
-          <p:cNvSpPr txBox="1"/>
-          <p:nvPr/>
-        </p:nvSpPr>
-        <p:spPr>
-          <a:xfrm>
-            <a:off x="220436" y="5599126"/>
-            <a:ext cx="1533525" cy="276999"/>
-          </a:xfrm>
-          <a:prstGeom prst="rect">
-            <a:avLst/>
-          </a:prstGeom>
-          <a:noFill/>
-        </p:spPr>
-        <p:txBody>
-          <a:bodyPr wrap="square" rtlCol="0">
-            <a:spAutoFit/>
-          </a:bodyPr>
-          <a:lstStyle/>
-          <a:p>
-            <a:pPr algn="ctr"/>
-            <a:r>
-              <a:rPr lang="fr-FR" sz="1200" b="1" dirty="0" smtClean="0">
-                <a:solidFill>
-                  <a:srgbClr val="D5D5D5"/>
-                </a:solidFill>
-              </a:rPr>
-              <a:t>Déconnecter</a:t>
-            </a:r>
-            <a:endParaRPr lang="fr-FR" sz="1200" b="1" dirty="0">
+          <p:cNvPr id="58" name="ZoneTexte 57"/>
+          <p:cNvSpPr txBox="1"/>
+          <p:nvPr/>
+        </p:nvSpPr>
+        <p:spPr>
+          <a:xfrm>
+            <a:off x="10251754" y="193851"/>
+            <a:ext cx="1912620" cy="307777"/>
+          </a:xfrm>
+          <a:prstGeom prst="rect">
+            <a:avLst/>
+          </a:prstGeom>
+          <a:noFill/>
+        </p:spPr>
+        <p:txBody>
+          <a:bodyPr wrap="square" rtlCol="0">
+            <a:spAutoFit/>
+          </a:bodyPr>
+          <a:lstStyle/>
+          <a:p>
+            <a:r>
+              <a:rPr lang="fr-FR" sz="1400" b="1" dirty="0" smtClean="0">
+                <a:solidFill>
+                  <a:srgbClr val="E6EAEE"/>
+                </a:solidFill>
+                <a:latin typeface="+mj-lt"/>
+              </a:rPr>
+              <a:t>Mode: </a:t>
+            </a:r>
+            <a:r>
+              <a:rPr lang="fr-FR" sz="1400" dirty="0" smtClean="0">
+                <a:solidFill>
+                  <a:srgbClr val="07CEC9"/>
+                </a:solidFill>
+                <a:latin typeface="+mj-lt"/>
+              </a:rPr>
+              <a:t>Online</a:t>
+            </a:r>
+            <a:endParaRPr lang="fr-FR" sz="1400" dirty="0">
               <a:solidFill>
-                <a:srgbClr val="D5D5D5"/>
+                <a:schemeClr val="bg1"/>
               </a:solidFill>
+              <a:latin typeface="+mj-lt"/>
             </a:endParaRPr>
+          </a:p>
+        </p:txBody>
+      </p:sp>
+      <p:sp>
+        <p:nvSpPr>
+          <p:cNvPr id="59" name="Triangle isocèle 58"/>
+          <p:cNvSpPr/>
+          <p:nvPr/>
+        </p:nvSpPr>
+        <p:spPr>
+          <a:xfrm rot="5400000">
+            <a:off x="11393837" y="349356"/>
+            <a:ext cx="61511" cy="47411"/>
+          </a:xfrm>
+          <a:prstGeom prst="triangle">
+            <a:avLst/>
+          </a:prstGeom>
+          <a:solidFill>
+            <a:srgbClr val="E6EAEE"/>
+          </a:solidFill>
+          <a:ln>
+            <a:noFill/>
+          </a:ln>
+        </p:spPr>
+        <p:style>
+          <a:lnRef idx="2">
+            <a:schemeClr val="accent1">
+              <a:shade val="50000"/>
+            </a:schemeClr>
+          </a:lnRef>
+          <a:fillRef idx="1">
+            <a:schemeClr val="accent1"/>
+          </a:fillRef>
+          <a:effectRef idx="0">
+            <a:schemeClr val="accent1"/>
+          </a:effectRef>
+          <a:fontRef idx="minor">
+            <a:schemeClr val="lt1"/>
+          </a:fontRef>
+        </p:style>
+        <p:txBody>
+          <a:bodyPr rtlCol="0" anchor="ctr"/>
+          <a:lstStyle/>
+          <a:p>
+            <a:pPr algn="ctr"/>
+            <a:endParaRPr lang="fr-FR"/>
           </a:p>
         </p:txBody>
       </p:sp>
       <p:pic>
         <p:nvPicPr>
-          <p:cNvPr id="57" name="Image 56"/>
+          <p:cNvPr id="60" name="Image 59"/>
           <p:cNvPicPr>
             <a:picLocks noChangeAspect="1"/>
           </p:cNvPicPr>
           <p:nvPr/>
         </p:nvPicPr>
         <p:blipFill>
-          <a:blip r:embed="rId21" cstate="print">
+          <a:blip r:embed="rId21">
             <a:extLst>
               <a:ext uri="{28A0092B-C50C-407E-A947-70E740481C1C}">
                 <a14:useLocalDpi xmlns:a14="http://schemas.microsoft.com/office/drawing/2010/main" val="0"/>
@@ -33397,109 +33414,14 @@
         </p:blipFill>
         <p:spPr>
           <a:xfrm>
-            <a:off x="208470" y="5593267"/>
-            <a:ext cx="274287" cy="274287"/>
+            <a:off x="6082696" y="2315457"/>
+            <a:ext cx="3336665" cy="2151130"/>
           </a:xfrm>
           <a:prstGeom prst="rect">
             <a:avLst/>
           </a:prstGeom>
         </p:spPr>
       </p:pic>
-      <p:sp>
-        <p:nvSpPr>
-          <p:cNvPr id="58" name="ZoneTexte 57"/>
-          <p:cNvSpPr txBox="1"/>
-          <p:nvPr/>
-        </p:nvSpPr>
-        <p:spPr>
-          <a:xfrm>
-            <a:off x="10251754" y="193851"/>
-            <a:ext cx="1912620" cy="307777"/>
-          </a:xfrm>
-          <a:prstGeom prst="rect">
-            <a:avLst/>
-          </a:prstGeom>
-          <a:noFill/>
-        </p:spPr>
-        <p:txBody>
-          <a:bodyPr wrap="square" rtlCol="0">
-            <a:spAutoFit/>
-          </a:bodyPr>
-          <a:lstStyle/>
-          <a:p>
-            <a:r>
-              <a:rPr lang="fr-FR" sz="1400" b="1" dirty="0" smtClean="0">
-                <a:solidFill>
-                  <a:srgbClr val="E6EAEE"/>
-                </a:solidFill>
-                <a:latin typeface="+mj-lt"/>
-              </a:rPr>
-              <a:t>Mode: </a:t>
-            </a:r>
-            <a:r>
-              <a:rPr lang="fr-FR" sz="1400" dirty="0" smtClean="0">
-                <a:solidFill>
-                  <a:srgbClr val="07CEC9"/>
-                </a:solidFill>
-                <a:latin typeface="+mj-lt"/>
-              </a:rPr>
-              <a:t>Online</a:t>
-            </a:r>
-            <a:endParaRPr lang="fr-FR" sz="1400" dirty="0">
-              <a:solidFill>
-                <a:schemeClr val="bg1"/>
-              </a:solidFill>
-              <a:latin typeface="+mj-lt"/>
-            </a:endParaRPr>
-          </a:p>
-        </p:txBody>
-      </p:sp>
-      <p:sp>
-        <p:nvSpPr>
-          <p:cNvPr id="59" name="Triangle isocèle 58"/>
-          <p:cNvSpPr/>
-          <p:nvPr/>
-        </p:nvSpPr>
-        <p:spPr>
-          <a:xfrm rot="5400000">
-            <a:off x="11393837" y="349356"/>
-            <a:ext cx="61511" cy="47411"/>
-          </a:xfrm>
-          <a:prstGeom prst="triangle">
-            <a:avLst/>
-          </a:prstGeom>
-          <a:solidFill>
-            <a:srgbClr val="E6EAEE"/>
-          </a:solidFill>
-          <a:ln>
-            <a:noFill/>
-          </a:ln>
-        </p:spPr>
-        <p:style>
-          <a:lnRef idx="2">
-            <a:schemeClr val="accent1">
-              <a:shade val="50000"/>
-            </a:schemeClr>
-          </a:lnRef>
-          <a:fillRef idx="1">
-            <a:schemeClr val="accent1"/>
-          </a:fillRef>
-          <a:effectRef idx="0">
-            <a:schemeClr val="accent1"/>
-          </a:effectRef>
-          <a:fontRef idx="minor">
-            <a:schemeClr val="lt1"/>
-          </a:fontRef>
-        </p:style>
-        <p:txBody>
-          <a:bodyPr rtlCol="0" anchor="ctr"/>
-          <a:lstStyle/>
-          <a:p>
-            <a:pPr algn="ctr"/>
-            <a:endParaRPr lang="fr-FR"/>
-          </a:p>
-        </p:txBody>
-      </p:sp>
     </p:spTree>
     <p:extLst>
       <p:ext uri="{BB962C8B-B14F-4D97-AF65-F5344CB8AC3E}">
@@ -49886,6 +49808,40 @@
               </a:rPr>
               <a:t>RGB(74, 74, 88)</a:t>
             </a:r>
+          </a:p>
+        </p:txBody>
+      </p:sp>
+      <p:sp>
+        <p:nvSpPr>
+          <p:cNvPr id="10" name="ZoneTexte 9"/>
+          <p:cNvSpPr txBox="1"/>
+          <p:nvPr/>
+        </p:nvSpPr>
+        <p:spPr>
+          <a:xfrm>
+            <a:off x="5173637" y="3149790"/>
+            <a:ext cx="2060811" cy="369332"/>
+          </a:xfrm>
+          <a:prstGeom prst="rect">
+            <a:avLst/>
+          </a:prstGeom>
+          <a:noFill/>
+        </p:spPr>
+        <p:txBody>
+          <a:bodyPr wrap="square" rtlCol="0">
+            <a:spAutoFit/>
+          </a:bodyPr>
+          <a:lstStyle/>
+          <a:p>
+            <a:pPr algn="ctr"/>
+            <a:r>
+              <a:rPr lang="fr-FR" b="1" dirty="0" smtClean="0">
+                <a:solidFill>
+                  <a:schemeClr val="bg1"/>
+                </a:solidFill>
+              </a:rPr>
+              <a:t>#4A4A58</a:t>
+            </a:r>
             <a:endParaRPr lang="fr-FR" b="1" dirty="0">
               <a:solidFill>
                 <a:schemeClr val="bg1"/>
@@ -49896,45 +49852,6 @@
       </p:sp>
       <p:sp>
         <p:nvSpPr>
-          <p:cNvPr id="10" name="ZoneTexte 9"/>
-          <p:cNvSpPr txBox="1"/>
-          <p:nvPr/>
-        </p:nvSpPr>
-        <p:spPr>
-          <a:xfrm>
-            <a:off x="5173637" y="3149790"/>
-            <a:ext cx="2060811" cy="369332"/>
-          </a:xfrm>
-          <a:prstGeom prst="rect">
-            <a:avLst/>
-          </a:prstGeom>
-          <a:noFill/>
-        </p:spPr>
-        <p:txBody>
-          <a:bodyPr wrap="square" rtlCol="0">
-            <a:spAutoFit/>
-          </a:bodyPr>
-          <a:lstStyle/>
-          <a:p>
-            <a:pPr algn="ctr"/>
-            <a:r>
-              <a:rPr lang="fr-FR" b="1" dirty="0" smtClean="0">
-                <a:solidFill>
-                  <a:schemeClr val="bg1"/>
-                </a:solidFill>
-              </a:rPr>
-              <a:t>#4A4A58</a:t>
-            </a:r>
-            <a:endParaRPr lang="fr-FR" b="1" dirty="0">
-              <a:solidFill>
-                <a:schemeClr val="bg1"/>
-              </a:solidFill>
-            </a:endParaRPr>
-          </a:p>
-        </p:txBody>
-      </p:sp>
-      <p:sp>
-        <p:nvSpPr>
           <p:cNvPr id="11" name="ZoneTexte 10"/>
           <p:cNvSpPr txBox="1"/>
           <p:nvPr/>
@@ -49964,11 +49881,6 @@
               </a:rPr>
               <a:t>RGB(47, 60, 79)</a:t>
             </a:r>
-            <a:endParaRPr lang="fr-FR" b="1" dirty="0">
-              <a:solidFill>
-                <a:srgbClr val="E6EAEE"/>
-              </a:solidFill>
-            </a:endParaRPr>
           </a:p>
         </p:txBody>
       </p:sp>
@@ -50231,11 +50143,6 @@
               </a:rPr>
               <a:t>RGB(37, 46, 68)</a:t>
             </a:r>
-            <a:endParaRPr lang="fr-FR" b="1" dirty="0">
-              <a:solidFill>
-                <a:schemeClr val="bg1"/>
-              </a:solidFill>
-            </a:endParaRPr>
           </a:p>
         </p:txBody>
       </p:sp>
@@ -50315,11 +50222,6 @@
               </a:rPr>
               <a:t>#1e293f</a:t>
             </a:r>
-            <a:endParaRPr lang="fr-FR" b="1" dirty="0">
-              <a:solidFill>
-                <a:srgbClr val="E6EAEE"/>
-              </a:solidFill>
-            </a:endParaRPr>
           </a:p>
         </p:txBody>
       </p:sp>
@@ -50354,11 +50256,6 @@
               </a:rPr>
               <a:t>RGB(30, 41, 63)</a:t>
             </a:r>
-            <a:endParaRPr lang="fr-FR" b="1" dirty="0">
-              <a:solidFill>
-                <a:srgbClr val="E6EAEE"/>
-              </a:solidFill>
-            </a:endParaRPr>
           </a:p>
         </p:txBody>
       </p:sp>
@@ -57506,15 +57403,7 @@
                   <a:srgbClr val="AFABAB"/>
                 </a:solidFill>
               </a:rPr>
-              <a:t>Clim</a:t>
-            </a:r>
-            <a:r>
-              <a:rPr lang="fr-FR" sz="600" dirty="0" smtClean="0">
-                <a:solidFill>
-                  <a:srgbClr val="AFABAB"/>
-                </a:solidFill>
-              </a:rPr>
-              <a:t>-5602</a:t>
+              <a:t>Clim-5602</a:t>
             </a:r>
             <a:endParaRPr lang="fr-FR" sz="600" dirty="0">
               <a:ln>
@@ -57558,15 +57447,7 @@
                   <a:srgbClr val="AFABAB"/>
                 </a:solidFill>
               </a:rPr>
-              <a:t>Sonnette</a:t>
-            </a:r>
-            <a:r>
-              <a:rPr lang="fr-FR" sz="600" dirty="0" smtClean="0">
-                <a:solidFill>
-                  <a:srgbClr val="AFABAB"/>
-                </a:solidFill>
-              </a:rPr>
-              <a:t>-4534</a:t>
+              <a:t>Sonnette-4534</a:t>
             </a:r>
             <a:endParaRPr lang="fr-FR" sz="600" dirty="0">
               <a:ln>
